--- a/Slides.pptx
+++ b/Slides.pptx
@@ -4,37 +4,41 @@
   <p:sldMasterIdLst>
     <p:sldMasterId id="2147483660" r:id="rId1"/>
   </p:sldMasterIdLst>
+  <p:notesMasterIdLst>
+    <p:notesMasterId r:id="rId33"/>
+  </p:notesMasterIdLst>
   <p:sldIdLst>
     <p:sldId id="256" r:id="rId2"/>
     <p:sldId id="257" r:id="rId3"/>
-    <p:sldId id="258" r:id="rId4"/>
-    <p:sldId id="291" r:id="rId5"/>
-    <p:sldId id="261" r:id="rId6"/>
-    <p:sldId id="259" r:id="rId7"/>
-    <p:sldId id="265" r:id="rId8"/>
-    <p:sldId id="263" r:id="rId9"/>
-    <p:sldId id="283" r:id="rId10"/>
-    <p:sldId id="262" r:id="rId11"/>
-    <p:sldId id="267" r:id="rId12"/>
-    <p:sldId id="269" r:id="rId13"/>
-    <p:sldId id="282" r:id="rId14"/>
-    <p:sldId id="272" r:id="rId15"/>
-    <p:sldId id="270" r:id="rId16"/>
-    <p:sldId id="273" r:id="rId17"/>
-    <p:sldId id="274" r:id="rId18"/>
-    <p:sldId id="276" r:id="rId19"/>
-    <p:sldId id="275" r:id="rId20"/>
-    <p:sldId id="278" r:id="rId21"/>
-    <p:sldId id="279" r:id="rId22"/>
-    <p:sldId id="289" r:id="rId23"/>
-    <p:sldId id="281" r:id="rId24"/>
-    <p:sldId id="285" r:id="rId25"/>
-    <p:sldId id="286" r:id="rId26"/>
-    <p:sldId id="287" r:id="rId27"/>
-    <p:sldId id="284" r:id="rId28"/>
-    <p:sldId id="288" r:id="rId29"/>
-    <p:sldId id="260" r:id="rId30"/>
-    <p:sldId id="290" r:id="rId31"/>
+    <p:sldId id="293" r:id="rId4"/>
+    <p:sldId id="258" r:id="rId5"/>
+    <p:sldId id="291" r:id="rId6"/>
+    <p:sldId id="292" r:id="rId7"/>
+    <p:sldId id="294" r:id="rId8"/>
+    <p:sldId id="259" r:id="rId9"/>
+    <p:sldId id="265" r:id="rId10"/>
+    <p:sldId id="263" r:id="rId11"/>
+    <p:sldId id="283" r:id="rId12"/>
+    <p:sldId id="262" r:id="rId13"/>
+    <p:sldId id="267" r:id="rId14"/>
+    <p:sldId id="269" r:id="rId15"/>
+    <p:sldId id="282" r:id="rId16"/>
+    <p:sldId id="272" r:id="rId17"/>
+    <p:sldId id="296" r:id="rId18"/>
+    <p:sldId id="270" r:id="rId19"/>
+    <p:sldId id="295" r:id="rId20"/>
+    <p:sldId id="274" r:id="rId21"/>
+    <p:sldId id="276" r:id="rId22"/>
+    <p:sldId id="275" r:id="rId23"/>
+    <p:sldId id="278" r:id="rId24"/>
+    <p:sldId id="279" r:id="rId25"/>
+    <p:sldId id="289" r:id="rId26"/>
+    <p:sldId id="281" r:id="rId27"/>
+    <p:sldId id="285" r:id="rId28"/>
+    <p:sldId id="297" r:id="rId29"/>
+    <p:sldId id="288" r:id="rId30"/>
+    <p:sldId id="260" r:id="rId31"/>
+    <p:sldId id="290" r:id="rId32"/>
   </p:sldIdLst>
   <p:sldSz cx="12192000" cy="6858000"/>
   <p:notesSz cx="6858000" cy="9144000"/>
@@ -141,6 +145,618 @@
 </p:presentation>
 </file>
 
+<file path=ppt/notesMasters/notesMaster1.xml><?xml version="1.0" encoding="utf-8"?>
+<p:notesMaster xmlns:a="http://schemas.openxmlformats.org/drawingml/2006/main" xmlns:r="http://schemas.openxmlformats.org/officeDocument/2006/relationships" xmlns:p="http://schemas.openxmlformats.org/presentationml/2006/main">
+  <p:cSld>
+    <p:bg>
+      <p:bgRef idx="1001">
+        <a:schemeClr val="bg1"/>
+      </p:bgRef>
+    </p:bg>
+    <p:spTree>
+      <p:nvGrpSpPr>
+        <p:cNvPr id="1" name=""/>
+        <p:cNvGrpSpPr/>
+        <p:nvPr/>
+      </p:nvGrpSpPr>
+      <p:grpSpPr>
+        <a:xfrm>
+          <a:off x="0" y="0"/>
+          <a:ext cx="0" cy="0"/>
+          <a:chOff x="0" y="0"/>
+          <a:chExt cx="0" cy="0"/>
+        </a:xfrm>
+      </p:grpSpPr>
+      <p:sp>
+        <p:nvSpPr>
+          <p:cNvPr id="2" name="Header Placeholder 1"/>
+          <p:cNvSpPr>
+            <a:spLocks noGrp="1"/>
+          </p:cNvSpPr>
+          <p:nvPr>
+            <p:ph type="hdr" sz="quarter"/>
+          </p:nvPr>
+        </p:nvSpPr>
+        <p:spPr>
+          <a:xfrm>
+            <a:off x="0" y="0"/>
+            <a:ext cx="2971800" cy="458788"/>
+          </a:xfrm>
+          <a:prstGeom prst="rect">
+            <a:avLst/>
+          </a:prstGeom>
+        </p:spPr>
+        <p:txBody>
+          <a:bodyPr vert="horz" lIns="91440" tIns="45720" rIns="91440" bIns="45720" rtlCol="0"/>
+          <a:lstStyle>
+            <a:lvl1pPr algn="l">
+              <a:defRPr sz="1200"/>
+            </a:lvl1pPr>
+          </a:lstStyle>
+          <a:p>
+            <a:endParaRPr lang="en-US"/>
+          </a:p>
+        </p:txBody>
+      </p:sp>
+      <p:sp>
+        <p:nvSpPr>
+          <p:cNvPr id="3" name="Date Placeholder 2"/>
+          <p:cNvSpPr>
+            <a:spLocks noGrp="1"/>
+          </p:cNvSpPr>
+          <p:nvPr>
+            <p:ph type="dt" idx="1"/>
+          </p:nvPr>
+        </p:nvSpPr>
+        <p:spPr>
+          <a:xfrm>
+            <a:off x="3884613" y="0"/>
+            <a:ext cx="2971800" cy="458788"/>
+          </a:xfrm>
+          <a:prstGeom prst="rect">
+            <a:avLst/>
+          </a:prstGeom>
+        </p:spPr>
+        <p:txBody>
+          <a:bodyPr vert="horz" lIns="91440" tIns="45720" rIns="91440" bIns="45720" rtlCol="0"/>
+          <a:lstStyle>
+            <a:lvl1pPr algn="r">
+              <a:defRPr sz="1200"/>
+            </a:lvl1pPr>
+          </a:lstStyle>
+          <a:p>
+            <a:fld id="{B4230D54-4C76-544A-900B-B2D4356259F8}" type="datetimeFigureOut">
+              <a:rPr lang="en-US" smtClean="0"/>
+              <a:t>11/29/24</a:t>
+            </a:fld>
+            <a:endParaRPr lang="en-US"/>
+          </a:p>
+        </p:txBody>
+      </p:sp>
+      <p:sp>
+        <p:nvSpPr>
+          <p:cNvPr id="4" name="Slide Image Placeholder 3"/>
+          <p:cNvSpPr>
+            <a:spLocks noGrp="1" noRot="1" noChangeAspect="1"/>
+          </p:cNvSpPr>
+          <p:nvPr>
+            <p:ph type="sldImg" idx="2"/>
+          </p:nvPr>
+        </p:nvSpPr>
+        <p:spPr>
+          <a:xfrm>
+            <a:off x="685800" y="1143000"/>
+            <a:ext cx="5486400" cy="3086100"/>
+          </a:xfrm>
+          <a:prstGeom prst="rect">
+            <a:avLst/>
+          </a:prstGeom>
+          <a:noFill/>
+          <a:ln w="12700">
+            <a:solidFill>
+              <a:prstClr val="black"/>
+            </a:solidFill>
+          </a:ln>
+        </p:spPr>
+        <p:txBody>
+          <a:bodyPr vert="horz" lIns="91440" tIns="45720" rIns="91440" bIns="45720" rtlCol="0" anchor="ctr"/>
+          <a:lstStyle/>
+          <a:p>
+            <a:endParaRPr lang="en-US"/>
+          </a:p>
+        </p:txBody>
+      </p:sp>
+      <p:sp>
+        <p:nvSpPr>
+          <p:cNvPr id="5" name="Notes Placeholder 4"/>
+          <p:cNvSpPr>
+            <a:spLocks noGrp="1"/>
+          </p:cNvSpPr>
+          <p:nvPr>
+            <p:ph type="body" sz="quarter" idx="3"/>
+          </p:nvPr>
+        </p:nvSpPr>
+        <p:spPr>
+          <a:xfrm>
+            <a:off x="685800" y="4400550"/>
+            <a:ext cx="5486400" cy="3600450"/>
+          </a:xfrm>
+          <a:prstGeom prst="rect">
+            <a:avLst/>
+          </a:prstGeom>
+        </p:spPr>
+        <p:txBody>
+          <a:bodyPr vert="horz" lIns="91440" tIns="45720" rIns="91440" bIns="45720" rtlCol="0"/>
+          <a:lstStyle/>
+          <a:p>
+            <a:pPr lvl="0"/>
+            <a:r>
+              <a:rPr lang="en-US"/>
+              <a:t>Click to edit Master text styles</a:t>
+            </a:r>
+          </a:p>
+          <a:p>
+            <a:pPr lvl="1"/>
+            <a:r>
+              <a:rPr lang="en-US"/>
+              <a:t>Second level</a:t>
+            </a:r>
+          </a:p>
+          <a:p>
+            <a:pPr lvl="2"/>
+            <a:r>
+              <a:rPr lang="en-US"/>
+              <a:t>Third level</a:t>
+            </a:r>
+          </a:p>
+          <a:p>
+            <a:pPr lvl="3"/>
+            <a:r>
+              <a:rPr lang="en-US"/>
+              <a:t>Fourth level</a:t>
+            </a:r>
+          </a:p>
+          <a:p>
+            <a:pPr lvl="4"/>
+            <a:r>
+              <a:rPr lang="en-US"/>
+              <a:t>Fifth level</a:t>
+            </a:r>
+          </a:p>
+        </p:txBody>
+      </p:sp>
+      <p:sp>
+        <p:nvSpPr>
+          <p:cNvPr id="6" name="Footer Placeholder 5"/>
+          <p:cNvSpPr>
+            <a:spLocks noGrp="1"/>
+          </p:cNvSpPr>
+          <p:nvPr>
+            <p:ph type="ftr" sz="quarter" idx="4"/>
+          </p:nvPr>
+        </p:nvSpPr>
+        <p:spPr>
+          <a:xfrm>
+            <a:off x="0" y="8685213"/>
+            <a:ext cx="2971800" cy="458787"/>
+          </a:xfrm>
+          <a:prstGeom prst="rect">
+            <a:avLst/>
+          </a:prstGeom>
+        </p:spPr>
+        <p:txBody>
+          <a:bodyPr vert="horz" lIns="91440" tIns="45720" rIns="91440" bIns="45720" rtlCol="0" anchor="b"/>
+          <a:lstStyle>
+            <a:lvl1pPr algn="l">
+              <a:defRPr sz="1200"/>
+            </a:lvl1pPr>
+          </a:lstStyle>
+          <a:p>
+            <a:endParaRPr lang="en-US"/>
+          </a:p>
+        </p:txBody>
+      </p:sp>
+      <p:sp>
+        <p:nvSpPr>
+          <p:cNvPr id="7" name="Slide Number Placeholder 6"/>
+          <p:cNvSpPr>
+            <a:spLocks noGrp="1"/>
+          </p:cNvSpPr>
+          <p:nvPr>
+            <p:ph type="sldNum" sz="quarter" idx="5"/>
+          </p:nvPr>
+        </p:nvSpPr>
+        <p:spPr>
+          <a:xfrm>
+            <a:off x="3884613" y="8685213"/>
+            <a:ext cx="2971800" cy="458787"/>
+          </a:xfrm>
+          <a:prstGeom prst="rect">
+            <a:avLst/>
+          </a:prstGeom>
+        </p:spPr>
+        <p:txBody>
+          <a:bodyPr vert="horz" lIns="91440" tIns="45720" rIns="91440" bIns="45720" rtlCol="0" anchor="b"/>
+          <a:lstStyle>
+            <a:lvl1pPr algn="r">
+              <a:defRPr sz="1200"/>
+            </a:lvl1pPr>
+          </a:lstStyle>
+          <a:p>
+            <a:fld id="{E7396038-7FD2-034F-85C6-986CD04FB57A}" type="slidenum">
+              <a:rPr lang="en-US" smtClean="0"/>
+              <a:t>‹#›</a:t>
+            </a:fld>
+            <a:endParaRPr lang="en-US"/>
+          </a:p>
+        </p:txBody>
+      </p:sp>
+    </p:spTree>
+    <p:extLst>
+      <p:ext uri="{BB962C8B-B14F-4D97-AF65-F5344CB8AC3E}">
+        <p14:creationId xmlns:p14="http://schemas.microsoft.com/office/powerpoint/2010/main" val="169332065"/>
+      </p:ext>
+    </p:extLst>
+  </p:cSld>
+  <p:clrMap bg1="lt1" tx1="dk1" bg2="lt2" tx2="dk2" accent1="accent1" accent2="accent2" accent3="accent3" accent4="accent4" accent5="accent5" accent6="accent6" hlink="hlink" folHlink="folHlink"/>
+  <p:notesStyle>
+    <a:lvl1pPr marL="0" algn="l" defTabSz="914400" rtl="0" eaLnBrk="1" latinLnBrk="0" hangingPunct="1">
+      <a:defRPr sz="1200" kern="1200">
+        <a:solidFill>
+          <a:schemeClr val="tx1"/>
+        </a:solidFill>
+        <a:latin typeface="+mn-lt"/>
+        <a:ea typeface="+mn-ea"/>
+        <a:cs typeface="+mn-cs"/>
+      </a:defRPr>
+    </a:lvl1pPr>
+    <a:lvl2pPr marL="457200" algn="l" defTabSz="914400" rtl="0" eaLnBrk="1" latinLnBrk="0" hangingPunct="1">
+      <a:defRPr sz="1200" kern="1200">
+        <a:solidFill>
+          <a:schemeClr val="tx1"/>
+        </a:solidFill>
+        <a:latin typeface="+mn-lt"/>
+        <a:ea typeface="+mn-ea"/>
+        <a:cs typeface="+mn-cs"/>
+      </a:defRPr>
+    </a:lvl2pPr>
+    <a:lvl3pPr marL="914400" algn="l" defTabSz="914400" rtl="0" eaLnBrk="1" latinLnBrk="0" hangingPunct="1">
+      <a:defRPr sz="1200" kern="1200">
+        <a:solidFill>
+          <a:schemeClr val="tx1"/>
+        </a:solidFill>
+        <a:latin typeface="+mn-lt"/>
+        <a:ea typeface="+mn-ea"/>
+        <a:cs typeface="+mn-cs"/>
+      </a:defRPr>
+    </a:lvl3pPr>
+    <a:lvl4pPr marL="1371600" algn="l" defTabSz="914400" rtl="0" eaLnBrk="1" latinLnBrk="0" hangingPunct="1">
+      <a:defRPr sz="1200" kern="1200">
+        <a:solidFill>
+          <a:schemeClr val="tx1"/>
+        </a:solidFill>
+        <a:latin typeface="+mn-lt"/>
+        <a:ea typeface="+mn-ea"/>
+        <a:cs typeface="+mn-cs"/>
+      </a:defRPr>
+    </a:lvl4pPr>
+    <a:lvl5pPr marL="1828800" algn="l" defTabSz="914400" rtl="0" eaLnBrk="1" latinLnBrk="0" hangingPunct="1">
+      <a:defRPr sz="1200" kern="1200">
+        <a:solidFill>
+          <a:schemeClr val="tx1"/>
+        </a:solidFill>
+        <a:latin typeface="+mn-lt"/>
+        <a:ea typeface="+mn-ea"/>
+        <a:cs typeface="+mn-cs"/>
+      </a:defRPr>
+    </a:lvl5pPr>
+    <a:lvl6pPr marL="2286000" algn="l" defTabSz="914400" rtl="0" eaLnBrk="1" latinLnBrk="0" hangingPunct="1">
+      <a:defRPr sz="1200" kern="1200">
+        <a:solidFill>
+          <a:schemeClr val="tx1"/>
+        </a:solidFill>
+        <a:latin typeface="+mn-lt"/>
+        <a:ea typeface="+mn-ea"/>
+        <a:cs typeface="+mn-cs"/>
+      </a:defRPr>
+    </a:lvl6pPr>
+    <a:lvl7pPr marL="2743200" algn="l" defTabSz="914400" rtl="0" eaLnBrk="1" latinLnBrk="0" hangingPunct="1">
+      <a:defRPr sz="1200" kern="1200">
+        <a:solidFill>
+          <a:schemeClr val="tx1"/>
+        </a:solidFill>
+        <a:latin typeface="+mn-lt"/>
+        <a:ea typeface="+mn-ea"/>
+        <a:cs typeface="+mn-cs"/>
+      </a:defRPr>
+    </a:lvl7pPr>
+    <a:lvl8pPr marL="3200400" algn="l" defTabSz="914400" rtl="0" eaLnBrk="1" latinLnBrk="0" hangingPunct="1">
+      <a:defRPr sz="1200" kern="1200">
+        <a:solidFill>
+          <a:schemeClr val="tx1"/>
+        </a:solidFill>
+        <a:latin typeface="+mn-lt"/>
+        <a:ea typeface="+mn-ea"/>
+        <a:cs typeface="+mn-cs"/>
+      </a:defRPr>
+    </a:lvl8pPr>
+    <a:lvl9pPr marL="3657600" algn="l" defTabSz="914400" rtl="0" eaLnBrk="1" latinLnBrk="0" hangingPunct="1">
+      <a:defRPr sz="1200" kern="1200">
+        <a:solidFill>
+          <a:schemeClr val="tx1"/>
+        </a:solidFill>
+        <a:latin typeface="+mn-lt"/>
+        <a:ea typeface="+mn-ea"/>
+        <a:cs typeface="+mn-cs"/>
+      </a:defRPr>
+    </a:lvl9pPr>
+  </p:notesStyle>
+</p:notesMaster>
+</file>
+
+<file path=ppt/notesSlides/notesSlide1.xml><?xml version="1.0" encoding="utf-8"?>
+<p:notes xmlns:a="http://schemas.openxmlformats.org/drawingml/2006/main" xmlns:r="http://schemas.openxmlformats.org/officeDocument/2006/relationships" xmlns:p="http://schemas.openxmlformats.org/presentationml/2006/main">
+  <p:cSld>
+    <p:spTree>
+      <p:nvGrpSpPr>
+        <p:cNvPr id="1" name=""/>
+        <p:cNvGrpSpPr/>
+        <p:nvPr/>
+      </p:nvGrpSpPr>
+      <p:grpSpPr>
+        <a:xfrm>
+          <a:off x="0" y="0"/>
+          <a:ext cx="0" cy="0"/>
+          <a:chOff x="0" y="0"/>
+          <a:chExt cx="0" cy="0"/>
+        </a:xfrm>
+      </p:grpSpPr>
+      <p:sp>
+        <p:nvSpPr>
+          <p:cNvPr id="2" name="Slide Image Placeholder 1"/>
+          <p:cNvSpPr>
+            <a:spLocks noGrp="1" noRot="1" noChangeAspect="1"/>
+          </p:cNvSpPr>
+          <p:nvPr>
+            <p:ph type="sldImg"/>
+          </p:nvPr>
+        </p:nvSpPr>
+        <p:spPr/>
+      </p:sp>
+      <p:sp>
+        <p:nvSpPr>
+          <p:cNvPr id="3" name="Notes Placeholder 2"/>
+          <p:cNvSpPr>
+            <a:spLocks noGrp="1"/>
+          </p:cNvSpPr>
+          <p:nvPr>
+            <p:ph type="body" idx="1"/>
+          </p:nvPr>
+        </p:nvSpPr>
+        <p:spPr/>
+        <p:txBody>
+          <a:bodyPr/>
+          <a:lstStyle/>
+          <a:p>
+            <a:r>
+              <a:rPr lang="en-US" dirty="0"/>
+              <a:t>https://</a:t>
+            </a:r>
+            <a:r>
+              <a:rPr lang="en-US" dirty="0" err="1"/>
+              <a:t>www.kaggle.com</a:t>
+            </a:r>
+            <a:r>
+              <a:rPr lang="en-US"/>
+              <a:t>/datasets/mirichoi0218/insurance </a:t>
+            </a:r>
+          </a:p>
+        </p:txBody>
+      </p:sp>
+      <p:sp>
+        <p:nvSpPr>
+          <p:cNvPr id="4" name="Slide Number Placeholder 3"/>
+          <p:cNvSpPr>
+            <a:spLocks noGrp="1"/>
+          </p:cNvSpPr>
+          <p:nvPr>
+            <p:ph type="sldNum" sz="quarter" idx="5"/>
+          </p:nvPr>
+        </p:nvSpPr>
+        <p:spPr/>
+        <p:txBody>
+          <a:bodyPr/>
+          <a:lstStyle/>
+          <a:p>
+            <a:fld id="{E7396038-7FD2-034F-85C6-986CD04FB57A}" type="slidenum">
+              <a:rPr lang="en-US" smtClean="0"/>
+              <a:t>1</a:t>
+            </a:fld>
+            <a:endParaRPr lang="en-US"/>
+          </a:p>
+        </p:txBody>
+      </p:sp>
+    </p:spTree>
+    <p:extLst>
+      <p:ext uri="{BB962C8B-B14F-4D97-AF65-F5344CB8AC3E}">
+        <p14:creationId xmlns:p14="http://schemas.microsoft.com/office/powerpoint/2010/main" val="4197368157"/>
+      </p:ext>
+    </p:extLst>
+  </p:cSld>
+  <p:clrMapOvr>
+    <a:masterClrMapping/>
+  </p:clrMapOvr>
+</p:notes>
+</file>
+
+<file path=ppt/notesSlides/notesSlide2.xml><?xml version="1.0" encoding="utf-8"?>
+<p:notes xmlns:a="http://schemas.openxmlformats.org/drawingml/2006/main" xmlns:r="http://schemas.openxmlformats.org/officeDocument/2006/relationships" xmlns:p="http://schemas.openxmlformats.org/presentationml/2006/main">
+  <p:cSld>
+    <p:spTree>
+      <p:nvGrpSpPr>
+        <p:cNvPr id="1" name=""/>
+        <p:cNvGrpSpPr/>
+        <p:nvPr/>
+      </p:nvGrpSpPr>
+      <p:grpSpPr>
+        <a:xfrm>
+          <a:off x="0" y="0"/>
+          <a:ext cx="0" cy="0"/>
+          <a:chOff x="0" y="0"/>
+          <a:chExt cx="0" cy="0"/>
+        </a:xfrm>
+      </p:grpSpPr>
+      <p:sp>
+        <p:nvSpPr>
+          <p:cNvPr id="2" name="Slide Image Placeholder 1"/>
+          <p:cNvSpPr>
+            <a:spLocks noGrp="1" noRot="1" noChangeAspect="1"/>
+          </p:cNvSpPr>
+          <p:nvPr>
+            <p:ph type="sldImg"/>
+          </p:nvPr>
+        </p:nvSpPr>
+        <p:spPr/>
+      </p:sp>
+      <p:sp>
+        <p:nvSpPr>
+          <p:cNvPr id="3" name="Notes Placeholder 2"/>
+          <p:cNvSpPr>
+            <a:spLocks noGrp="1"/>
+          </p:cNvSpPr>
+          <p:nvPr>
+            <p:ph type="body" idx="1"/>
+          </p:nvPr>
+        </p:nvSpPr>
+        <p:spPr/>
+        <p:txBody>
+          <a:bodyPr/>
+          <a:lstStyle/>
+          <a:p>
+            <a:endParaRPr lang="en-US" dirty="0"/>
+          </a:p>
+        </p:txBody>
+      </p:sp>
+      <p:sp>
+        <p:nvSpPr>
+          <p:cNvPr id="4" name="Slide Number Placeholder 3"/>
+          <p:cNvSpPr>
+            <a:spLocks noGrp="1"/>
+          </p:cNvSpPr>
+          <p:nvPr>
+            <p:ph type="sldNum" sz="quarter" idx="5"/>
+          </p:nvPr>
+        </p:nvSpPr>
+        <p:spPr/>
+        <p:txBody>
+          <a:bodyPr/>
+          <a:lstStyle/>
+          <a:p>
+            <a:fld id="{E7396038-7FD2-034F-85C6-986CD04FB57A}" type="slidenum">
+              <a:rPr lang="en-US" smtClean="0"/>
+              <a:t>16</a:t>
+            </a:fld>
+            <a:endParaRPr lang="en-US"/>
+          </a:p>
+        </p:txBody>
+      </p:sp>
+    </p:spTree>
+    <p:extLst>
+      <p:ext uri="{BB962C8B-B14F-4D97-AF65-F5344CB8AC3E}">
+        <p14:creationId xmlns:p14="http://schemas.microsoft.com/office/powerpoint/2010/main" val="2190018322"/>
+      </p:ext>
+    </p:extLst>
+  </p:cSld>
+  <p:clrMapOvr>
+    <a:masterClrMapping/>
+  </p:clrMapOvr>
+</p:notes>
+</file>
+
+<file path=ppt/notesSlides/notesSlide3.xml><?xml version="1.0" encoding="utf-8"?>
+<p:notes xmlns:a="http://schemas.openxmlformats.org/drawingml/2006/main" xmlns:r="http://schemas.openxmlformats.org/officeDocument/2006/relationships" xmlns:p="http://schemas.openxmlformats.org/presentationml/2006/main">
+  <p:cSld>
+    <p:spTree>
+      <p:nvGrpSpPr>
+        <p:cNvPr id="1" name=""/>
+        <p:cNvGrpSpPr/>
+        <p:nvPr/>
+      </p:nvGrpSpPr>
+      <p:grpSpPr>
+        <a:xfrm>
+          <a:off x="0" y="0"/>
+          <a:ext cx="0" cy="0"/>
+          <a:chOff x="0" y="0"/>
+          <a:chExt cx="0" cy="0"/>
+        </a:xfrm>
+      </p:grpSpPr>
+      <p:sp>
+        <p:nvSpPr>
+          <p:cNvPr id="2" name="Slide Image Placeholder 1"/>
+          <p:cNvSpPr>
+            <a:spLocks noGrp="1" noRot="1" noChangeAspect="1"/>
+          </p:cNvSpPr>
+          <p:nvPr>
+            <p:ph type="sldImg"/>
+          </p:nvPr>
+        </p:nvSpPr>
+        <p:spPr/>
+      </p:sp>
+      <p:sp>
+        <p:nvSpPr>
+          <p:cNvPr id="3" name="Notes Placeholder 2"/>
+          <p:cNvSpPr>
+            <a:spLocks noGrp="1"/>
+          </p:cNvSpPr>
+          <p:nvPr>
+            <p:ph type="body" idx="1"/>
+          </p:nvPr>
+        </p:nvSpPr>
+        <p:spPr/>
+        <p:txBody>
+          <a:bodyPr/>
+          <a:lstStyle/>
+          <a:p>
+            <a:endParaRPr lang="en-US" dirty="0"/>
+          </a:p>
+        </p:txBody>
+      </p:sp>
+      <p:sp>
+        <p:nvSpPr>
+          <p:cNvPr id="4" name="Slide Number Placeholder 3"/>
+          <p:cNvSpPr>
+            <a:spLocks noGrp="1"/>
+          </p:cNvSpPr>
+          <p:nvPr>
+            <p:ph type="sldNum" sz="quarter" idx="5"/>
+          </p:nvPr>
+        </p:nvSpPr>
+        <p:spPr/>
+        <p:txBody>
+          <a:bodyPr/>
+          <a:lstStyle/>
+          <a:p>
+            <a:fld id="{E7396038-7FD2-034F-85C6-986CD04FB57A}" type="slidenum">
+              <a:rPr lang="en-US" smtClean="0"/>
+              <a:t>20</a:t>
+            </a:fld>
+            <a:endParaRPr lang="en-US"/>
+          </a:p>
+        </p:txBody>
+      </p:sp>
+    </p:spTree>
+    <p:extLst>
+      <p:ext uri="{BB962C8B-B14F-4D97-AF65-F5344CB8AC3E}">
+        <p14:creationId xmlns:p14="http://schemas.microsoft.com/office/powerpoint/2010/main" val="4168897192"/>
+      </p:ext>
+    </p:extLst>
+  </p:cSld>
+  <p:clrMapOvr>
+    <a:masterClrMapping/>
+  </p:clrMapOvr>
+</p:notes>
+</file>
+
 <file path=ppt/slideLayouts/slideLayout1.xml><?xml version="1.0" encoding="utf-8"?>
 <p:sldLayout xmlns:a="http://schemas.openxmlformats.org/drawingml/2006/main" xmlns:r="http://schemas.openxmlformats.org/officeDocument/2006/relationships" xmlns:p="http://schemas.openxmlformats.org/presentationml/2006/main" type="title" preserve="1">
   <p:cSld name="Title Slide">
@@ -304,7 +920,7 @@
             <a:fld id="{11A6662E-FAF4-44BC-88B5-85A7CBFB6D30}" type="datetime1">
               <a:rPr lang="en-US" smtClean="0"/>
               <a:pPr/>
-              <a:t>11/26/24</a:t>
+              <a:t>11/29/24</a:t>
             </a:fld>
             <a:endParaRPr lang="en-US" dirty="0"/>
           </a:p>
@@ -531,7 +1147,7 @@
           <a:p>
             <a:fld id="{4C559632-1575-4E14-B53B-3DC3D5ED3947}" type="datetime1">
               <a:rPr lang="en-US" smtClean="0"/>
-              <a:t>11/26/24</a:t>
+              <a:t>11/29/24</a:t>
             </a:fld>
             <a:endParaRPr lang="en-US"/>
           </a:p>
@@ -739,7 +1355,7 @@
           <a:p>
             <a:fld id="{CC4A6868-2568-4CC9-B302-F37117B01A6E}" type="datetime1">
               <a:rPr lang="en-US" smtClean="0"/>
-              <a:t>11/26/24</a:t>
+              <a:t>11/29/24</a:t>
             </a:fld>
             <a:endParaRPr lang="en-US"/>
           </a:p>
@@ -944,7 +1560,7 @@
           <a:p>
             <a:fld id="{0055F08A-1E71-4B2B-BB49-E743F2903911}" type="datetime1">
               <a:rPr lang="en-US" smtClean="0"/>
-              <a:t>11/26/24</a:t>
+              <a:t>11/29/24</a:t>
             </a:fld>
             <a:endParaRPr lang="en-US" dirty="0"/>
           </a:p>
@@ -1218,7 +1834,7 @@
           <a:p>
             <a:fld id="{15417D9E-721A-44BB-8863-9873FE64DA75}" type="datetime1">
               <a:rPr lang="en-US" smtClean="0"/>
-              <a:t>11/26/24</a:t>
+              <a:t>11/29/24</a:t>
             </a:fld>
             <a:endParaRPr lang="en-US"/>
           </a:p>
@@ -1491,7 +2107,7 @@
           <a:p>
             <a:fld id="{5F31DA2F-80B8-49CF-99FB-5ABCA53A607A}" type="datetime1">
               <a:rPr lang="en-US" smtClean="0"/>
-              <a:t>11/26/24</a:t>
+              <a:t>11/29/24</a:t>
             </a:fld>
             <a:endParaRPr lang="en-US"/>
           </a:p>
@@ -1906,7 +2522,7 @@
           <a:p>
             <a:fld id="{28852172-E6C9-4B6C-929A-A9DE3837BBF1}" type="datetime1">
               <a:rPr lang="en-US" smtClean="0"/>
-              <a:t>11/26/24</a:t>
+              <a:t>11/29/24</a:t>
             </a:fld>
             <a:endParaRPr lang="en-US"/>
           </a:p>
@@ -2058,7 +2674,7 @@
           <a:p>
             <a:fld id="{3AB41CFF-90C9-47B3-9DA1-F2BF8D839F7E}" type="datetime1">
               <a:rPr lang="en-US" smtClean="0"/>
-              <a:t>11/26/24</a:t>
+              <a:t>11/29/24</a:t>
             </a:fld>
             <a:endParaRPr lang="en-US"/>
           </a:p>
@@ -2171,7 +2787,7 @@
           <a:p>
             <a:fld id="{F06048FA-06AB-4884-A69B-986B96E68A24}" type="datetime1">
               <a:rPr lang="en-US" smtClean="0"/>
-              <a:t>11/26/24</a:t>
+              <a:t>11/29/24</a:t>
             </a:fld>
             <a:endParaRPr lang="en-US"/>
           </a:p>
@@ -2482,7 +3098,7 @@
           <a:p>
             <a:fld id="{50DB7ABA-0172-4F9C-889D-567164F66BCD}" type="datetime1">
               <a:rPr lang="en-US" smtClean="0"/>
-              <a:t>11/26/24</a:t>
+              <a:t>11/29/24</a:t>
             </a:fld>
             <a:endParaRPr lang="en-US"/>
           </a:p>
@@ -2773,7 +3389,7 @@
           <a:p>
             <a:fld id="{78AC6A5B-8AE7-4A41-B5A7-9ADC6686DC18}" type="datetime1">
               <a:rPr lang="en-US" smtClean="0"/>
-              <a:t>11/26/24</a:t>
+              <a:t>11/29/24</a:t>
             </a:fld>
             <a:endParaRPr lang="en-US"/>
           </a:p>
@@ -3082,7 +3698,7 @@
             <a:fld id="{57E0CF6C-748E-4B7A-BC8B-3011EF78ED13}" type="datetime1">
               <a:rPr lang="en-US" smtClean="0"/>
               <a:pPr/>
-              <a:t>11/26/24</a:t>
+              <a:t>11/29/24</a:t>
             </a:fld>
             <a:endParaRPr lang="en-US" dirty="0"/>
           </a:p>
@@ -3723,7 +4339,7 @@
           <p:nvPr/>
         </p:nvPicPr>
         <p:blipFill>
-          <a:blip r:embed="rId2">
+          <a:blip r:embed="rId3">
             <a:alphaModFix amt="50000"/>
           </a:blip>
           <a:srcRect t="11463" r="-1" b="8175"/>
@@ -3858,6 +4474,552 @@
 </file>
 
 <file path=ppt/slides/slide10.xml><?xml version="1.0" encoding="utf-8"?>
+<p:sld xmlns:a="http://schemas.openxmlformats.org/drawingml/2006/main" xmlns:r="http://schemas.openxmlformats.org/officeDocument/2006/relationships" xmlns:p="http://schemas.openxmlformats.org/presentationml/2006/main">
+  <p:cSld>
+    <p:spTree>
+      <p:nvGrpSpPr>
+        <p:cNvPr id="1" name=""/>
+        <p:cNvGrpSpPr/>
+        <p:nvPr/>
+      </p:nvGrpSpPr>
+      <p:grpSpPr>
+        <a:xfrm>
+          <a:off x="0" y="0"/>
+          <a:ext cx="0" cy="0"/>
+          <a:chOff x="0" y="0"/>
+          <a:chExt cx="0" cy="0"/>
+        </a:xfrm>
+      </p:grpSpPr>
+      <p:sp>
+        <p:nvSpPr>
+          <p:cNvPr id="2" name="Title 1">
+            <a:extLst>
+              <a:ext uri="{FF2B5EF4-FFF2-40B4-BE49-F238E27FC236}">
+                <a16:creationId xmlns:a16="http://schemas.microsoft.com/office/drawing/2014/main" id="{7EE9ED38-D8B4-E0D1-36EF-C98958BE85FB}"/>
+              </a:ext>
+            </a:extLst>
+          </p:cNvPr>
+          <p:cNvSpPr>
+            <a:spLocks noGrp="1"/>
+          </p:cNvSpPr>
+          <p:nvPr>
+            <p:ph type="title"/>
+          </p:nvPr>
+        </p:nvSpPr>
+        <p:spPr/>
+        <p:txBody>
+          <a:bodyPr/>
+          <a:lstStyle/>
+          <a:p>
+            <a:r>
+              <a:rPr lang="en-US" dirty="0"/>
+              <a:t>Key Components</a:t>
+            </a:r>
+          </a:p>
+        </p:txBody>
+      </p:sp>
+      <mc:AlternateContent xmlns:mc="http://schemas.openxmlformats.org/markup-compatibility/2006">
+        <mc:Choice xmlns:a14="http://schemas.microsoft.com/office/drawing/2010/main" Requires="a14">
+          <p:sp>
+            <p:nvSpPr>
+              <p:cNvPr id="3" name="Content Placeholder 2">
+                <a:extLst>
+                  <a:ext uri="{FF2B5EF4-FFF2-40B4-BE49-F238E27FC236}">
+                    <a16:creationId xmlns:a16="http://schemas.microsoft.com/office/drawing/2014/main" id="{211B50CB-C2C7-9FF5-6F18-D08C0E004CF0}"/>
+                  </a:ext>
+                </a:extLst>
+              </p:cNvPr>
+              <p:cNvSpPr>
+                <a:spLocks noGrp="1"/>
+              </p:cNvSpPr>
+              <p:nvPr>
+                <p:ph idx="1"/>
+              </p:nvPr>
+            </p:nvSpPr>
+            <p:spPr/>
+            <p:txBody>
+              <a:bodyPr>
+                <a:normAutofit fontScale="92500" lnSpcReduction="20000"/>
+              </a:bodyPr>
+              <a:lstStyle/>
+              <a:p>
+                <a:r>
+                  <a:rPr lang="en-US" b="1" dirty="0"/>
+                  <a:t>Dependent Variable:</a:t>
+                </a:r>
+                <a:r>
+                  <a:rPr lang="en-US" dirty="0"/>
+                  <a:t> </a:t>
+                </a:r>
+              </a:p>
+              <a:p>
+                <a:pPr lvl="1"/>
+                <a:r>
+                  <a:rPr lang="en-US" dirty="0"/>
+                  <a:t>Variable to be predicted or explained</a:t>
+                </a:r>
+              </a:p>
+              <a:p>
+                <a:pPr lvl="1"/>
+                <a:r>
+                  <a:rPr lang="en-US" dirty="0"/>
+                  <a:t>Also known as </a:t>
+                </a:r>
+                <a:r>
+                  <a:rPr lang="en-US" b="1" dirty="0"/>
+                  <a:t>Response</a:t>
+                </a:r>
+                <a:r>
+                  <a:rPr lang="en-US" dirty="0"/>
+                  <a:t> or </a:t>
+                </a:r>
+                <a:r>
+                  <a:rPr lang="en-US" b="1" dirty="0"/>
+                  <a:t>Outcome</a:t>
+                </a:r>
+                <a:r>
+                  <a:rPr lang="en-US" dirty="0"/>
+                  <a:t> variables. </a:t>
+                </a:r>
+              </a:p>
+              <a:p>
+                <a:pPr lvl="1"/>
+                <a:r>
+                  <a:rPr lang="en-US" dirty="0"/>
+                  <a:t>Usually written as </a:t>
+                </a:r>
+                <a14:m>
+                  <m:oMath xmlns:m="http://schemas.openxmlformats.org/officeDocument/2006/math">
+                    <m:sSub>
+                      <m:sSubPr>
+                        <m:ctrlPr>
+                          <a:rPr lang="en-US" b="0" i="1" smtClean="0">
+                            <a:latin typeface="Cambria Math" panose="02040503050406030204" pitchFamily="18" charset="0"/>
+                          </a:rPr>
+                        </m:ctrlPr>
+                      </m:sSubPr>
+                      <m:e>
+                        <m:r>
+                          <a:rPr lang="en-US" b="0" i="1" smtClean="0">
+                            <a:latin typeface="Cambria Math" panose="02040503050406030204" pitchFamily="18" charset="0"/>
+                          </a:rPr>
+                          <m:t>𝑦</m:t>
+                        </m:r>
+                      </m:e>
+                      <m:sub>
+                        <m:r>
+                          <a:rPr lang="en-US" b="0" i="1" smtClean="0">
+                            <a:latin typeface="Cambria Math" panose="02040503050406030204" pitchFamily="18" charset="0"/>
+                          </a:rPr>
+                          <m:t>𝑖</m:t>
+                        </m:r>
+                      </m:sub>
+                    </m:sSub>
+                  </m:oMath>
+                </a14:m>
+                <a:endParaRPr lang="en-US" dirty="0"/>
+              </a:p>
+              <a:p>
+                <a:pPr lvl="1"/>
+                <a:r>
+                  <a:rPr lang="en-US" dirty="0"/>
+                  <a:t>Example: </a:t>
+                </a:r>
+                <a:r>
+                  <a:rPr lang="en-US" i="1" dirty="0"/>
+                  <a:t>Insurance Premium</a:t>
+                </a:r>
+                <a:endParaRPr lang="en-US" dirty="0"/>
+              </a:p>
+              <a:p>
+                <a:r>
+                  <a:rPr lang="en-US" b="1" dirty="0"/>
+                  <a:t>Independent Variable(s):</a:t>
+                </a:r>
+                <a:r>
+                  <a:rPr lang="en-US" dirty="0"/>
+                  <a:t> </a:t>
+                </a:r>
+              </a:p>
+              <a:p>
+                <a:pPr lvl="1"/>
+                <a:r>
+                  <a:rPr lang="en-US" dirty="0"/>
+                  <a:t>Variables used to predict or explain dependent variable</a:t>
+                </a:r>
+                <a:endParaRPr lang="en-US" i="1" dirty="0"/>
+              </a:p>
+              <a:p>
+                <a:pPr lvl="1"/>
+                <a:r>
+                  <a:rPr lang="en-US" dirty="0"/>
+                  <a:t>Also known as </a:t>
+                </a:r>
+                <a:r>
+                  <a:rPr lang="en-US" b="1" dirty="0"/>
+                  <a:t>Predictor</a:t>
+                </a:r>
+                <a:r>
+                  <a:rPr lang="en-US" dirty="0"/>
+                  <a:t> or </a:t>
+                </a:r>
+                <a:r>
+                  <a:rPr lang="en-US" b="1" dirty="0"/>
+                  <a:t>Explanatory </a:t>
+                </a:r>
+                <a:r>
+                  <a:rPr lang="en-US" dirty="0"/>
+                  <a:t>variables</a:t>
+                </a:r>
+              </a:p>
+              <a:p>
+                <a:pPr lvl="1"/>
+                <a:r>
+                  <a:rPr lang="en-US" dirty="0"/>
+                  <a:t>Usually written as </a:t>
+                </a:r>
+                <a14:m>
+                  <m:oMath xmlns:m="http://schemas.openxmlformats.org/officeDocument/2006/math">
+                    <m:sSub>
+                      <m:sSubPr>
+                        <m:ctrlPr>
+                          <a:rPr lang="en-US" b="0" i="1" smtClean="0">
+                            <a:latin typeface="Cambria Math" panose="02040503050406030204" pitchFamily="18" charset="0"/>
+                          </a:rPr>
+                        </m:ctrlPr>
+                      </m:sSubPr>
+                      <m:e>
+                        <m:r>
+                          <a:rPr lang="en-US" b="0" i="1" smtClean="0">
+                            <a:latin typeface="Cambria Math" panose="02040503050406030204" pitchFamily="18" charset="0"/>
+                          </a:rPr>
+                          <m:t>𝑥</m:t>
+                        </m:r>
+                      </m:e>
+                      <m:sub>
+                        <m:r>
+                          <a:rPr lang="en-US" b="0" i="1" smtClean="0">
+                            <a:latin typeface="Cambria Math" panose="02040503050406030204" pitchFamily="18" charset="0"/>
+                          </a:rPr>
+                          <m:t>𝑖</m:t>
+                        </m:r>
+                      </m:sub>
+                    </m:sSub>
+                  </m:oMath>
+                </a14:m>
+                <a:endParaRPr lang="en-US" dirty="0"/>
+              </a:p>
+              <a:p>
+                <a:pPr lvl="1"/>
+                <a:r>
+                  <a:rPr lang="en-US" dirty="0"/>
+                  <a:t>Example: </a:t>
+                </a:r>
+                <a:r>
+                  <a:rPr lang="en-US" i="1" dirty="0"/>
+                  <a:t>BMI, Smoking Habits, # of Dependents, Age, etc.</a:t>
+                </a:r>
+                <a:endParaRPr lang="en-US" dirty="0"/>
+              </a:p>
+            </p:txBody>
+          </p:sp>
+        </mc:Choice>
+        <mc:Fallback>
+          <p:sp>
+            <p:nvSpPr>
+              <p:cNvPr id="3" name="Content Placeholder 2">
+                <a:extLst>
+                  <a:ext uri="{FF2B5EF4-FFF2-40B4-BE49-F238E27FC236}">
+                    <a16:creationId xmlns:a16="http://schemas.microsoft.com/office/drawing/2014/main" id="{211B50CB-C2C7-9FF5-6F18-D08C0E004CF0}"/>
+                  </a:ext>
+                </a:extLst>
+              </p:cNvPr>
+              <p:cNvSpPr>
+                <a:spLocks noGrp="1" noRot="1" noChangeAspect="1" noMove="1" noResize="1" noEditPoints="1" noAdjustHandles="1" noChangeArrowheads="1" noChangeShapeType="1" noTextEdit="1"/>
+              </p:cNvSpPr>
+              <p:nvPr>
+                <p:ph idx="1"/>
+              </p:nvPr>
+            </p:nvSpPr>
+            <p:spPr>
+              <a:blipFill>
+                <a:blip r:embed="rId2"/>
+                <a:stretch>
+                  <a:fillRect l="-900" t="-2417"/>
+                </a:stretch>
+              </a:blipFill>
+            </p:spPr>
+            <p:txBody>
+              <a:bodyPr/>
+              <a:lstStyle/>
+              <a:p>
+                <a:r>
+                  <a:rPr lang="en-US">
+                    <a:noFill/>
+                  </a:rPr>
+                  <a:t> </a:t>
+                </a:r>
+              </a:p>
+            </p:txBody>
+          </p:sp>
+        </mc:Fallback>
+      </mc:AlternateContent>
+      <p:sp>
+        <p:nvSpPr>
+          <p:cNvPr id="4" name="Rounded Rectangle 3">
+            <a:extLst>
+              <a:ext uri="{FF2B5EF4-FFF2-40B4-BE49-F238E27FC236}">
+                <a16:creationId xmlns:a16="http://schemas.microsoft.com/office/drawing/2014/main" id="{BA64615C-304D-17D1-BC6E-7097B3A94567}"/>
+              </a:ext>
+            </a:extLst>
+          </p:cNvPr>
+          <p:cNvSpPr/>
+          <p:nvPr/>
+        </p:nvSpPr>
+        <p:spPr>
+          <a:xfrm>
+            <a:off x="9099394" y="1768347"/>
+            <a:ext cx="2464419" cy="1248936"/>
+          </a:xfrm>
+          <a:prstGeom prst="roundRect">
+            <a:avLst/>
+          </a:prstGeom>
+          <a:solidFill>
+            <a:schemeClr val="accent2"/>
+          </a:solidFill>
+        </p:spPr>
+        <p:style>
+          <a:lnRef idx="2">
+            <a:schemeClr val="accent1">
+              <a:shade val="15000"/>
+            </a:schemeClr>
+          </a:lnRef>
+          <a:fillRef idx="1">
+            <a:schemeClr val="accent1"/>
+          </a:fillRef>
+          <a:effectRef idx="0">
+            <a:schemeClr val="accent1"/>
+          </a:effectRef>
+          <a:fontRef idx="minor">
+            <a:schemeClr val="lt1"/>
+          </a:fontRef>
+        </p:style>
+        <p:txBody>
+          <a:bodyPr rtlCol="0" anchor="ctr"/>
+          <a:lstStyle/>
+          <a:p>
+            <a:pPr algn="ctr"/>
+            <a:r>
+              <a:rPr lang="en-US" dirty="0"/>
+              <a:t>Predictor / Explanatory / Independent Variable</a:t>
+            </a:r>
+          </a:p>
+        </p:txBody>
+      </p:sp>
+      <p:sp>
+        <p:nvSpPr>
+          <p:cNvPr id="5" name="Rounded Rectangle 4">
+            <a:extLst>
+              <a:ext uri="{FF2B5EF4-FFF2-40B4-BE49-F238E27FC236}">
+                <a16:creationId xmlns:a16="http://schemas.microsoft.com/office/drawing/2014/main" id="{F73C83D2-1236-02EC-076F-85C80E533273}"/>
+              </a:ext>
+            </a:extLst>
+          </p:cNvPr>
+          <p:cNvSpPr/>
+          <p:nvPr/>
+        </p:nvSpPr>
+        <p:spPr>
+          <a:xfrm>
+            <a:off x="9099393" y="4533796"/>
+            <a:ext cx="2464419" cy="1248936"/>
+          </a:xfrm>
+          <a:prstGeom prst="roundRect">
+            <a:avLst/>
+          </a:prstGeom>
+          <a:solidFill>
+            <a:schemeClr val="accent6">
+              <a:lumMod val="50000"/>
+            </a:schemeClr>
+          </a:solidFill>
+        </p:spPr>
+        <p:style>
+          <a:lnRef idx="2">
+            <a:schemeClr val="accent1">
+              <a:shade val="15000"/>
+            </a:schemeClr>
+          </a:lnRef>
+          <a:fillRef idx="1">
+            <a:schemeClr val="accent1"/>
+          </a:fillRef>
+          <a:effectRef idx="0">
+            <a:schemeClr val="accent1"/>
+          </a:effectRef>
+          <a:fontRef idx="minor">
+            <a:schemeClr val="lt1"/>
+          </a:fontRef>
+        </p:style>
+        <p:txBody>
+          <a:bodyPr rtlCol="0" anchor="ctr"/>
+          <a:lstStyle/>
+          <a:p>
+            <a:pPr algn="ctr"/>
+            <a:r>
+              <a:rPr lang="en-US" dirty="0"/>
+              <a:t>Predicted / Response / Outcome / Dependent Variable</a:t>
+            </a:r>
+          </a:p>
+        </p:txBody>
+      </p:sp>
+      <p:cxnSp>
+        <p:nvCxnSpPr>
+          <p:cNvPr id="7" name="Straight Arrow Connector 6">
+            <a:extLst>
+              <a:ext uri="{FF2B5EF4-FFF2-40B4-BE49-F238E27FC236}">
+                <a16:creationId xmlns:a16="http://schemas.microsoft.com/office/drawing/2014/main" id="{1C925827-02B6-A9BD-E9E0-6580E5560E49}"/>
+              </a:ext>
+            </a:extLst>
+          </p:cNvPr>
+          <p:cNvCxnSpPr>
+            <a:stCxn id="4" idx="2"/>
+            <a:endCxn id="5" idx="0"/>
+          </p:cNvCxnSpPr>
+          <p:nvPr/>
+        </p:nvCxnSpPr>
+        <p:spPr>
+          <a:xfrm flipH="1">
+            <a:off x="10331603" y="3017283"/>
+            <a:ext cx="1" cy="1516513"/>
+          </a:xfrm>
+          <a:prstGeom prst="straightConnector1">
+            <a:avLst/>
+          </a:prstGeom>
+          <a:ln w="57150">
+            <a:solidFill>
+              <a:srgbClr val="0070C0"/>
+            </a:solidFill>
+            <a:tailEnd type="triangle"/>
+          </a:ln>
+        </p:spPr>
+        <p:style>
+          <a:lnRef idx="1">
+            <a:schemeClr val="accent1"/>
+          </a:lnRef>
+          <a:fillRef idx="0">
+            <a:schemeClr val="accent1"/>
+          </a:fillRef>
+          <a:effectRef idx="0">
+            <a:schemeClr val="accent1"/>
+          </a:effectRef>
+          <a:fontRef idx="minor">
+            <a:schemeClr val="tx1"/>
+          </a:fontRef>
+        </p:style>
+      </p:cxnSp>
+    </p:spTree>
+    <p:extLst>
+      <p:ext uri="{BB962C8B-B14F-4D97-AF65-F5344CB8AC3E}">
+        <p14:creationId xmlns:p14="http://schemas.microsoft.com/office/powerpoint/2010/main" val="853483064"/>
+      </p:ext>
+    </p:extLst>
+  </p:cSld>
+  <p:clrMapOvr>
+    <a:masterClrMapping/>
+  </p:clrMapOvr>
+</p:sld>
+</file>
+
+<file path=ppt/slides/slide11.xml><?xml version="1.0" encoding="utf-8"?>
+<p:sld xmlns:a="http://schemas.openxmlformats.org/drawingml/2006/main" xmlns:r="http://schemas.openxmlformats.org/officeDocument/2006/relationships" xmlns:p="http://schemas.openxmlformats.org/presentationml/2006/main">
+  <p:cSld>
+    <p:spTree>
+      <p:nvGrpSpPr>
+        <p:cNvPr id="1" name=""/>
+        <p:cNvGrpSpPr/>
+        <p:nvPr/>
+      </p:nvGrpSpPr>
+      <p:grpSpPr>
+        <a:xfrm>
+          <a:off x="0" y="0"/>
+          <a:ext cx="0" cy="0"/>
+          <a:chOff x="0" y="0"/>
+          <a:chExt cx="0" cy="0"/>
+        </a:xfrm>
+      </p:grpSpPr>
+      <p:sp>
+        <p:nvSpPr>
+          <p:cNvPr id="2" name="Title 1">
+            <a:extLst>
+              <a:ext uri="{FF2B5EF4-FFF2-40B4-BE49-F238E27FC236}">
+                <a16:creationId xmlns:a16="http://schemas.microsoft.com/office/drawing/2014/main" id="{A3CC2278-255D-2E6B-F5E9-EFE9BAE30CC2}"/>
+              </a:ext>
+            </a:extLst>
+          </p:cNvPr>
+          <p:cNvSpPr>
+            <a:spLocks noGrp="1"/>
+          </p:cNvSpPr>
+          <p:nvPr>
+            <p:ph type="title"/>
+          </p:nvPr>
+        </p:nvSpPr>
+        <p:spPr/>
+        <p:txBody>
+          <a:bodyPr/>
+          <a:lstStyle/>
+          <a:p>
+            <a:r>
+              <a:rPr lang="en-US" dirty="0"/>
+              <a:t>Linear Regression Mathematics</a:t>
+            </a:r>
+          </a:p>
+        </p:txBody>
+      </p:sp>
+      <p:sp>
+        <p:nvSpPr>
+          <p:cNvPr id="3" name="Text Placeholder 2">
+            <a:extLst>
+              <a:ext uri="{FF2B5EF4-FFF2-40B4-BE49-F238E27FC236}">
+                <a16:creationId xmlns:a16="http://schemas.microsoft.com/office/drawing/2014/main" id="{655140E9-1356-F2C6-AD4E-5887B44A0858}"/>
+              </a:ext>
+            </a:extLst>
+          </p:cNvPr>
+          <p:cNvSpPr>
+            <a:spLocks noGrp="1"/>
+          </p:cNvSpPr>
+          <p:nvPr>
+            <p:ph type="body" idx="1"/>
+          </p:nvPr>
+        </p:nvSpPr>
+        <p:spPr/>
+        <p:txBody>
+          <a:bodyPr/>
+          <a:lstStyle/>
+          <a:p>
+            <a:r>
+              <a:rPr lang="en-US" dirty="0"/>
+              <a:t>Linear Model, Coefficients and </a:t>
+            </a:r>
+            <a:r>
+              <a:rPr lang="en-US"/>
+              <a:t>Predicted Responses</a:t>
+            </a:r>
+            <a:endParaRPr lang="en-US" dirty="0"/>
+          </a:p>
+        </p:txBody>
+      </p:sp>
+    </p:spTree>
+    <p:extLst>
+      <p:ext uri="{BB962C8B-B14F-4D97-AF65-F5344CB8AC3E}">
+        <p14:creationId xmlns:p14="http://schemas.microsoft.com/office/powerpoint/2010/main" val="1298924940"/>
+      </p:ext>
+    </p:extLst>
+  </p:cSld>
+  <p:clrMapOvr>
+    <a:masterClrMapping/>
+  </p:clrMapOvr>
+</p:sld>
+</file>
+
+<file path=ppt/slides/slide12.xml><?xml version="1.0" encoding="utf-8"?>
 <p:sld xmlns:a="http://schemas.openxmlformats.org/drawingml/2006/main" xmlns:r="http://schemas.openxmlformats.org/officeDocument/2006/relationships" xmlns:p="http://schemas.openxmlformats.org/presentationml/2006/main">
   <p:cSld>
     <p:spTree>
@@ -4686,7 +5848,7 @@
 </p:sld>
 </file>
 
-<file path=ppt/slides/slide11.xml><?xml version="1.0" encoding="utf-8"?>
+<file path=ppt/slides/slide13.xml><?xml version="1.0" encoding="utf-8"?>
 <p:sld xmlns:a="http://schemas.openxmlformats.org/drawingml/2006/main" xmlns:r="http://schemas.openxmlformats.org/officeDocument/2006/relationships" xmlns:p="http://schemas.openxmlformats.org/presentationml/2006/main">
   <p:cSld>
     <p:spTree>
@@ -5895,7 +7057,7 @@
 </p:sld>
 </file>
 
-<file path=ppt/slides/slide12.xml><?xml version="1.0" encoding="utf-8"?>
+<file path=ppt/slides/slide14.xml><?xml version="1.0" encoding="utf-8"?>
 <p:sld xmlns:a="http://schemas.openxmlformats.org/drawingml/2006/main" xmlns:r="http://schemas.openxmlformats.org/officeDocument/2006/relationships" xmlns:p="http://schemas.openxmlformats.org/presentationml/2006/main">
   <p:cSld>
     <p:spTree>
@@ -6015,8 +7177,8 @@
           </p:sp>
         </mc:Fallback>
       </mc:AlternateContent>
-      <mc:AlternateContent xmlns:mc="http://schemas.openxmlformats.org/markup-compatibility/2006" xmlns:a14="http://schemas.microsoft.com/office/drawing/2010/main">
-        <mc:Choice Requires="a14">
+      <mc:AlternateContent xmlns:mc="http://schemas.openxmlformats.org/markup-compatibility/2006">
+        <mc:Choice xmlns:a14="http://schemas.microsoft.com/office/drawing/2010/main" Requires="a14">
           <p:sp>
             <p:nvSpPr>
               <p:cNvPr id="3" name="Content Placeholder 2">
@@ -6536,18 +7698,18 @@
               <a:p>
                 <a:r>
                   <a:rPr lang="en-US" b="1" dirty="0"/>
-                  <a:t>Golf Example:</a:t>
+                  <a:t>Example:</a:t>
                 </a:r>
                 <a:r>
                   <a:rPr lang="en-US" dirty="0"/>
-                  <a:t> Number of golf courses given location, etc.</a:t>
+                  <a:t> Predicted insurance premium based on lifestyle and other indicators</a:t>
                 </a:r>
                 <a:endParaRPr lang="en-US" b="1" dirty="0"/>
               </a:p>
             </p:txBody>
           </p:sp>
         </mc:Choice>
-        <mc:Fallback xmlns="">
+        <mc:Fallback>
           <p:sp>
             <p:nvSpPr>
               <p:cNvPr id="3" name="Content Placeholder 2">
@@ -6604,7 +7766,7 @@
 </p:sld>
 </file>
 
-<file path=ppt/slides/slide13.xml><?xml version="1.0" encoding="utf-8"?>
+<file path=ppt/slides/slide15.xml><?xml version="1.0" encoding="utf-8"?>
 <p:sld xmlns:a="http://schemas.openxmlformats.org/drawingml/2006/main" xmlns:r="http://schemas.openxmlformats.org/officeDocument/2006/relationships" xmlns:p="http://schemas.openxmlformats.org/presentationml/2006/main">
   <p:cSld>
     <p:spTree>
@@ -6690,7 +7852,7 @@
 </p:sld>
 </file>
 
-<file path=ppt/slides/slide14.xml><?xml version="1.0" encoding="utf-8"?>
+<file path=ppt/slides/slide16.xml><?xml version="1.0" encoding="utf-8"?>
 <p:sld xmlns:a="http://schemas.openxmlformats.org/drawingml/2006/main" xmlns:r="http://schemas.openxmlformats.org/officeDocument/2006/relationships" xmlns:p="http://schemas.openxmlformats.org/presentationml/2006/main">
   <p:cSld>
     <p:spTree>
@@ -6746,36 +7908,6 @@
           </a:p>
         </p:txBody>
       </p:sp>
-      <p:pic>
-        <p:nvPicPr>
-          <p:cNvPr id="5" name="Picture 4">
-            <a:extLst>
-              <a:ext uri="{FF2B5EF4-FFF2-40B4-BE49-F238E27FC236}">
-                <a16:creationId xmlns:a16="http://schemas.microsoft.com/office/drawing/2014/main" id="{FE4FA278-E643-E275-156D-C7DD1972911C}"/>
-              </a:ext>
-            </a:extLst>
-          </p:cNvPr>
-          <p:cNvPicPr>
-            <a:picLocks noChangeAspect="1"/>
-          </p:cNvPicPr>
-          <p:nvPr/>
-        </p:nvPicPr>
-        <p:blipFill>
-          <a:blip r:embed="rId2"/>
-          <a:stretch>
-            <a:fillRect/>
-          </a:stretch>
-        </p:blipFill>
-        <p:spPr>
-          <a:xfrm>
-            <a:off x="544187" y="1773044"/>
-            <a:ext cx="5321355" cy="3942074"/>
-          </a:xfrm>
-          <a:prstGeom prst="rect">
-            <a:avLst/>
-          </a:prstGeom>
-        </p:spPr>
-      </p:pic>
       <mc:AlternateContent xmlns:mc="http://schemas.openxmlformats.org/markup-compatibility/2006">
         <mc:Choice xmlns:a14="http://schemas.microsoft.com/office/drawing/2010/main" Requires="a14">
           <p:sp>
@@ -6792,7 +7924,7 @@
             </p:nvSpPr>
             <p:spPr>
               <a:xfrm>
-                <a:off x="6456556" y="1170878"/>
+                <a:off x="7011484" y="1218251"/>
                 <a:ext cx="5018049" cy="5639749"/>
               </a:xfrm>
               <a:prstGeom prst="rect">
@@ -7036,7 +8168,7 @@
             </p:nvSpPr>
             <p:spPr>
               <a:xfrm>
-                <a:off x="6456556" y="1170878"/>
+                <a:off x="7011484" y="1218251"/>
                 <a:ext cx="5018049" cy="5639749"/>
               </a:xfrm>
               <a:prstGeom prst="rect">
@@ -7045,7 +8177,7 @@
               <a:blipFill>
                 <a:blip r:embed="rId3"/>
                 <a:stretch>
-                  <a:fillRect l="-758" t="-449" b="-674"/>
+                  <a:fillRect l="-758" t="-676" b="-676"/>
                 </a:stretch>
               </a:blipFill>
             </p:spPr>
@@ -7064,75 +8196,12 @@
           </p:sp>
         </mc:Fallback>
       </mc:AlternateContent>
-    </p:spTree>
-    <p:extLst>
-      <p:ext uri="{BB962C8B-B14F-4D97-AF65-F5344CB8AC3E}">
-        <p14:creationId xmlns:p14="http://schemas.microsoft.com/office/powerpoint/2010/main" val="3948439406"/>
-      </p:ext>
-    </p:extLst>
-  </p:cSld>
-  <p:clrMapOvr>
-    <a:masterClrMapping/>
-  </p:clrMapOvr>
-</p:sld>
-</file>
-
-<file path=ppt/slides/slide15.xml><?xml version="1.0" encoding="utf-8"?>
-<p:sld xmlns:a="http://schemas.openxmlformats.org/drawingml/2006/main" xmlns:r="http://schemas.openxmlformats.org/officeDocument/2006/relationships" xmlns:p="http://schemas.openxmlformats.org/presentationml/2006/main">
-  <p:cSld>
-    <p:spTree>
-      <p:nvGrpSpPr>
-        <p:cNvPr id="1" name=""/>
-        <p:cNvGrpSpPr/>
-        <p:nvPr/>
-      </p:nvGrpSpPr>
-      <p:grpSpPr>
-        <a:xfrm>
-          <a:off x="0" y="0"/>
-          <a:ext cx="0" cy="0"/>
-          <a:chOff x="0" y="0"/>
-          <a:chExt cx="0" cy="0"/>
-        </a:xfrm>
-      </p:grpSpPr>
-      <p:sp>
-        <p:nvSpPr>
-          <p:cNvPr id="2" name="Title 1">
-            <a:extLst>
-              <a:ext uri="{FF2B5EF4-FFF2-40B4-BE49-F238E27FC236}">
-                <a16:creationId xmlns:a16="http://schemas.microsoft.com/office/drawing/2014/main" id="{75CEF2BA-6610-B3F2-8E8F-BEFFA491B566}"/>
-              </a:ext>
-            </a:extLst>
-          </p:cNvPr>
-          <p:cNvSpPr>
-            <a:spLocks noGrp="1"/>
-          </p:cNvSpPr>
-          <p:nvPr>
-            <p:ph type="title"/>
-          </p:nvPr>
-        </p:nvSpPr>
-        <p:spPr>
-          <a:xfrm>
-            <a:off x="458694" y="50005"/>
-            <a:ext cx="10895106" cy="1325563"/>
-          </a:xfrm>
-        </p:spPr>
-        <p:txBody>
-          <a:bodyPr/>
-          <a:lstStyle/>
-          <a:p>
-            <a:r>
-              <a:rPr lang="en-US" dirty="0"/>
-              <a:t>Interpretation</a:t>
-            </a:r>
-          </a:p>
-        </p:txBody>
-      </p:sp>
       <p:pic>
         <p:nvPicPr>
-          <p:cNvPr id="5" name="Picture 4">
-            <a:extLst>
-              <a:ext uri="{FF2B5EF4-FFF2-40B4-BE49-F238E27FC236}">
-                <a16:creationId xmlns:a16="http://schemas.microsoft.com/office/drawing/2014/main" id="{D5651F90-45F6-BA02-DC6B-23436C9C511F}"/>
+          <p:cNvPr id="6" name="Picture 5" descr="A screenshot of a computer&#10;&#10;Description automatically generated">
+            <a:extLst>
+              <a:ext uri="{FF2B5EF4-FFF2-40B4-BE49-F238E27FC236}">
+                <a16:creationId xmlns:a16="http://schemas.microsoft.com/office/drawing/2014/main" id="{1905948F-A708-0DB9-ECD0-E7E1B7C6572A}"/>
               </a:ext>
             </a:extLst>
           </p:cNvPr>
@@ -7142,407 +8211,25 @@
           <p:nvPr/>
         </p:nvPicPr>
         <p:blipFill>
-          <a:blip r:embed="rId2"/>
+          <a:blip r:embed="rId4"/>
           <a:stretch>
             <a:fillRect/>
           </a:stretch>
         </p:blipFill>
         <p:spPr>
           <a:xfrm>
-            <a:off x="544187" y="1773044"/>
-            <a:ext cx="5321355" cy="3942074"/>
+            <a:off x="162467" y="1375568"/>
+            <a:ext cx="6765385" cy="5071270"/>
           </a:xfrm>
           <a:prstGeom prst="rect">
             <a:avLst/>
           </a:prstGeom>
         </p:spPr>
       </p:pic>
-      <p:sp>
-        <p:nvSpPr>
-          <p:cNvPr id="6" name="TextBox 5">
-            <a:extLst>
-              <a:ext uri="{FF2B5EF4-FFF2-40B4-BE49-F238E27FC236}">
-                <a16:creationId xmlns:a16="http://schemas.microsoft.com/office/drawing/2014/main" id="{80F973D4-049B-92E1-FEC4-23D4F02EF32C}"/>
-              </a:ext>
-            </a:extLst>
-          </p:cNvPr>
-          <p:cNvSpPr txBox="1"/>
-          <p:nvPr/>
-        </p:nvSpPr>
-        <p:spPr>
-          <a:xfrm>
-            <a:off x="6326462" y="2035921"/>
-            <a:ext cx="5027338" cy="3416320"/>
-          </a:xfrm>
-          <a:prstGeom prst="rect">
-            <a:avLst/>
-          </a:prstGeom>
-          <a:noFill/>
-        </p:spPr>
-        <p:txBody>
-          <a:bodyPr wrap="none" rtlCol="0">
-            <a:spAutoFit/>
-          </a:bodyPr>
-          <a:lstStyle/>
-          <a:p>
-            <a:r>
-              <a:rPr lang="en-US" b="1" dirty="0"/>
-              <a:t>Based on the results:</a:t>
-            </a:r>
-          </a:p>
-          <a:p>
-            <a:pPr marL="342900" indent="-342900">
-              <a:buAutoNum type="arabicPeriod"/>
-            </a:pPr>
-            <a:r>
-              <a:rPr lang="en-US" dirty="0"/>
-              <a:t>Dependent variable (Y) = _______________</a:t>
-            </a:r>
-          </a:p>
-          <a:p>
-            <a:pPr marL="342900" indent="-342900">
-              <a:buAutoNum type="arabicPeriod"/>
-            </a:pPr>
-            <a:endParaRPr lang="en-US" dirty="0"/>
-          </a:p>
-          <a:p>
-            <a:pPr marL="342900" indent="-342900">
-              <a:buAutoNum type="arabicPeriod"/>
-            </a:pPr>
-            <a:endParaRPr lang="en-US" dirty="0"/>
-          </a:p>
-          <a:p>
-            <a:pPr marL="342900" indent="-342900">
-              <a:buAutoNum type="arabicPeriod"/>
-            </a:pPr>
-            <a:endParaRPr lang="en-US" dirty="0"/>
-          </a:p>
-          <a:p>
-            <a:pPr marL="342900" indent="-342900">
-              <a:buAutoNum type="arabicPeriod"/>
-            </a:pPr>
-            <a:r>
-              <a:rPr lang="en-US" dirty="0"/>
-              <a:t>Independent variable (X) = ______________</a:t>
-            </a:r>
-          </a:p>
-          <a:p>
-            <a:pPr marL="342900" indent="-342900">
-              <a:buAutoNum type="arabicPeriod"/>
-            </a:pPr>
-            <a:endParaRPr lang="en-US" dirty="0"/>
-          </a:p>
-          <a:p>
-            <a:pPr marL="342900" indent="-342900">
-              <a:buAutoNum type="arabicPeriod"/>
-            </a:pPr>
-            <a:endParaRPr lang="en-US" dirty="0"/>
-          </a:p>
-          <a:p>
-            <a:pPr marL="342900" indent="-342900">
-              <a:buAutoNum type="arabicPeriod"/>
-            </a:pPr>
-            <a:endParaRPr lang="en-US" dirty="0"/>
-          </a:p>
-          <a:p>
-            <a:pPr marL="342900" indent="-342900">
-              <a:buAutoNum type="arabicPeriod"/>
-            </a:pPr>
-            <a:r>
-              <a:rPr lang="en-US" dirty="0"/>
-              <a:t>Linear model, mathematically:</a:t>
-            </a:r>
-          </a:p>
-          <a:p>
-            <a:pPr marL="342900" indent="-342900">
-              <a:buAutoNum type="arabicPeriod"/>
-            </a:pPr>
-            <a:endParaRPr lang="en-US" dirty="0"/>
-          </a:p>
-          <a:p>
-            <a:pPr marL="342900" indent="-342900">
-              <a:buAutoNum type="arabicPeriod"/>
-            </a:pPr>
-            <a:endParaRPr lang="en-US" dirty="0"/>
-          </a:p>
-        </p:txBody>
-      </p:sp>
     </p:spTree>
     <p:extLst>
       <p:ext uri="{BB962C8B-B14F-4D97-AF65-F5344CB8AC3E}">
-        <p14:creationId xmlns:p14="http://schemas.microsoft.com/office/powerpoint/2010/main" val="3466176843"/>
-      </p:ext>
-    </p:extLst>
-  </p:cSld>
-  <p:clrMapOvr>
-    <a:masterClrMapping/>
-  </p:clrMapOvr>
-</p:sld>
-</file>
-
-<file path=ppt/slides/slide16.xml><?xml version="1.0" encoding="utf-8"?>
-<p:sld xmlns:a="http://schemas.openxmlformats.org/drawingml/2006/main" xmlns:r="http://schemas.openxmlformats.org/officeDocument/2006/relationships" xmlns:p="http://schemas.openxmlformats.org/presentationml/2006/main">
-  <p:cSld>
-    <p:spTree>
-      <p:nvGrpSpPr>
-        <p:cNvPr id="1" name="">
-          <a:extLst>
-            <a:ext uri="{FF2B5EF4-FFF2-40B4-BE49-F238E27FC236}">
-              <a16:creationId xmlns:a16="http://schemas.microsoft.com/office/drawing/2014/main" id="{FA2AF999-A89F-CD5E-A273-70FBE8069A4F}"/>
-            </a:ext>
-          </a:extLst>
-        </p:cNvPr>
-        <p:cNvGrpSpPr/>
-        <p:nvPr/>
-      </p:nvGrpSpPr>
-      <p:grpSpPr>
-        <a:xfrm>
-          <a:off x="0" y="0"/>
-          <a:ext cx="0" cy="0"/>
-          <a:chOff x="0" y="0"/>
-          <a:chExt cx="0" cy="0"/>
-        </a:xfrm>
-      </p:grpSpPr>
-      <p:sp>
-        <p:nvSpPr>
-          <p:cNvPr id="2" name="Title 1">
-            <a:extLst>
-              <a:ext uri="{FF2B5EF4-FFF2-40B4-BE49-F238E27FC236}">
-                <a16:creationId xmlns:a16="http://schemas.microsoft.com/office/drawing/2014/main" id="{09B021C1-594F-9928-7E7B-F04E32635885}"/>
-              </a:ext>
-            </a:extLst>
-          </p:cNvPr>
-          <p:cNvSpPr>
-            <a:spLocks noGrp="1"/>
-          </p:cNvSpPr>
-          <p:nvPr>
-            <p:ph type="title"/>
-          </p:nvPr>
-        </p:nvSpPr>
-        <p:spPr>
-          <a:xfrm>
-            <a:off x="458694" y="50005"/>
-            <a:ext cx="10895106" cy="1325563"/>
-          </a:xfrm>
-        </p:spPr>
-        <p:txBody>
-          <a:bodyPr/>
-          <a:lstStyle/>
-          <a:p>
-            <a:r>
-              <a:rPr lang="en-US" dirty="0"/>
-              <a:t>Interpretation</a:t>
-            </a:r>
-          </a:p>
-        </p:txBody>
-      </p:sp>
-      <p:pic>
-        <p:nvPicPr>
-          <p:cNvPr id="5" name="Picture 4">
-            <a:extLst>
-              <a:ext uri="{FF2B5EF4-FFF2-40B4-BE49-F238E27FC236}">
-                <a16:creationId xmlns:a16="http://schemas.microsoft.com/office/drawing/2014/main" id="{59C40EFA-5586-A7D6-B8FE-00FB00CB1471}"/>
-              </a:ext>
-            </a:extLst>
-          </p:cNvPr>
-          <p:cNvPicPr>
-            <a:picLocks noChangeAspect="1"/>
-          </p:cNvPicPr>
-          <p:nvPr/>
-        </p:nvPicPr>
-        <p:blipFill>
-          <a:blip r:embed="rId2"/>
-          <a:stretch>
-            <a:fillRect/>
-          </a:stretch>
-        </p:blipFill>
-        <p:spPr>
-          <a:xfrm>
-            <a:off x="544187" y="1773044"/>
-            <a:ext cx="5321355" cy="3942074"/>
-          </a:xfrm>
-          <a:prstGeom prst="rect">
-            <a:avLst/>
-          </a:prstGeom>
-        </p:spPr>
-      </p:pic>
-      <p:sp>
-        <p:nvSpPr>
-          <p:cNvPr id="6" name="TextBox 5">
-            <a:extLst>
-              <a:ext uri="{FF2B5EF4-FFF2-40B4-BE49-F238E27FC236}">
-                <a16:creationId xmlns:a16="http://schemas.microsoft.com/office/drawing/2014/main" id="{7D92BF1D-D943-447B-B08D-528CE09F6976}"/>
-              </a:ext>
-            </a:extLst>
-          </p:cNvPr>
-          <p:cNvSpPr txBox="1"/>
-          <p:nvPr/>
-        </p:nvSpPr>
-        <p:spPr>
-          <a:xfrm>
-            <a:off x="6326460" y="612844"/>
-            <a:ext cx="4869363" cy="5632311"/>
-          </a:xfrm>
-          <a:prstGeom prst="rect">
-            <a:avLst/>
-          </a:prstGeom>
-          <a:noFill/>
-        </p:spPr>
-        <p:txBody>
-          <a:bodyPr wrap="square" rtlCol="0">
-            <a:spAutoFit/>
-          </a:bodyPr>
-          <a:lstStyle/>
-          <a:p>
-            <a:r>
-              <a:rPr lang="en-US" dirty="0">
-                <a:effectLst/>
-              </a:rPr>
-              <a:t>Is regression model significant?</a:t>
-            </a:r>
-          </a:p>
-          <a:p>
-            <a:pPr marL="342900" indent="-342900">
-              <a:buFont typeface="+mj-lt"/>
-              <a:buAutoNum type="arabicPeriod"/>
-            </a:pPr>
-            <a:endParaRPr lang="en-US" dirty="0">
-              <a:effectLst/>
-            </a:endParaRPr>
-          </a:p>
-          <a:p>
-            <a:pPr marL="285750" indent="-285750">
-              <a:buFont typeface="Arial" panose="020B0604020202020204" pitchFamily="34" charset="0"/>
-              <a:buChar char="•"/>
-            </a:pPr>
-            <a:r>
-              <a:rPr lang="en-US" dirty="0"/>
-              <a:t>F-statistic = </a:t>
-            </a:r>
-          </a:p>
-          <a:p>
-            <a:pPr marL="285750" indent="-285750">
-              <a:buFont typeface="Arial" panose="020B0604020202020204" pitchFamily="34" charset="0"/>
-              <a:buChar char="•"/>
-            </a:pPr>
-            <a:endParaRPr lang="en-US" dirty="0"/>
-          </a:p>
-          <a:p>
-            <a:pPr marL="285750" indent="-285750">
-              <a:buFont typeface="Arial" panose="020B0604020202020204" pitchFamily="34" charset="0"/>
-              <a:buChar char="•"/>
-            </a:pPr>
-            <a:r>
-              <a:rPr lang="en-US" dirty="0"/>
-              <a:t>R2 = </a:t>
-            </a:r>
-          </a:p>
-          <a:p>
-            <a:pPr marL="285750" indent="-285750">
-              <a:buFont typeface="Arial" panose="020B0604020202020204" pitchFamily="34" charset="0"/>
-              <a:buChar char="•"/>
-            </a:pPr>
-            <a:endParaRPr lang="en-US" dirty="0">
-              <a:effectLst/>
-            </a:endParaRPr>
-          </a:p>
-          <a:p>
-            <a:pPr marL="285750" indent="-285750">
-              <a:buFont typeface="Arial" panose="020B0604020202020204" pitchFamily="34" charset="0"/>
-              <a:buChar char="•"/>
-            </a:pPr>
-            <a:r>
-              <a:rPr lang="en-US" dirty="0">
-                <a:effectLst/>
-              </a:rPr>
-              <a:t>Adj R2 = </a:t>
-            </a:r>
-          </a:p>
-          <a:p>
-            <a:endParaRPr lang="en-US" dirty="0">
-              <a:effectLst/>
-            </a:endParaRPr>
-          </a:p>
-          <a:p>
-            <a:r>
-              <a:rPr lang="en-US" dirty="0"/>
-              <a:t>R2 Interpretation: </a:t>
-            </a:r>
-            <a:br>
-              <a:rPr lang="en-US" dirty="0">
-                <a:effectLst/>
-              </a:rPr>
-            </a:br>
-            <a:endParaRPr lang="en-US" dirty="0">
-              <a:effectLst/>
-            </a:endParaRPr>
-          </a:p>
-          <a:p>
-            <a:endParaRPr lang="en-US" dirty="0">
-              <a:effectLst/>
-            </a:endParaRPr>
-          </a:p>
-          <a:p>
-            <a:r>
-              <a:rPr lang="en-US" dirty="0">
-                <a:effectLst/>
-              </a:rPr>
-              <a:t>Is the relationship between location and number of golf courses significant?</a:t>
-            </a:r>
-          </a:p>
-          <a:p>
-            <a:endParaRPr lang="en-US" dirty="0"/>
-          </a:p>
-          <a:p>
-            <a:pPr marL="285750" indent="-285750">
-              <a:buFont typeface="Arial" panose="020B0604020202020204" pitchFamily="34" charset="0"/>
-              <a:buChar char="•"/>
-            </a:pPr>
-            <a:r>
-              <a:rPr lang="en-US" dirty="0">
-                <a:effectLst/>
-              </a:rPr>
-              <a:t>P-value = </a:t>
-            </a:r>
-          </a:p>
-          <a:p>
-            <a:pPr marL="285750" indent="-285750">
-              <a:buFont typeface="Arial" panose="020B0604020202020204" pitchFamily="34" charset="0"/>
-              <a:buChar char="•"/>
-            </a:pPr>
-            <a:endParaRPr lang="en-US" dirty="0"/>
-          </a:p>
-          <a:p>
-            <a:r>
-              <a:rPr lang="en-US" dirty="0">
-                <a:effectLst/>
-              </a:rPr>
-              <a:t>Slope Interpretation:</a:t>
-            </a:r>
-          </a:p>
-          <a:p>
-            <a:endParaRPr lang="en-US" dirty="0"/>
-          </a:p>
-          <a:p>
-            <a:endParaRPr lang="en-US" dirty="0">
-              <a:effectLst/>
-            </a:endParaRPr>
-          </a:p>
-          <a:p>
-            <a:r>
-              <a:rPr lang="en-US" dirty="0"/>
-              <a:t>Intercept Interpretation:</a:t>
-            </a:r>
-            <a:endParaRPr lang="en-US" dirty="0">
-              <a:effectLst/>
-            </a:endParaRPr>
-          </a:p>
-        </p:txBody>
-      </p:sp>
-    </p:spTree>
-    <p:extLst>
-      <p:ext uri="{BB962C8B-B14F-4D97-AF65-F5344CB8AC3E}">
-        <p14:creationId xmlns:p14="http://schemas.microsoft.com/office/powerpoint/2010/main" val="742525825"/>
+        <p14:creationId xmlns:p14="http://schemas.microsoft.com/office/powerpoint/2010/main" val="3948439406"/>
       </p:ext>
     </p:extLst>
   </p:cSld>
@@ -7574,7 +8261,7 @@
           <p:cNvPr id="2" name="Title 1">
             <a:extLst>
               <a:ext uri="{FF2B5EF4-FFF2-40B4-BE49-F238E27FC236}">
-                <a16:creationId xmlns:a16="http://schemas.microsoft.com/office/drawing/2014/main" id="{185A3A63-E1CD-F4C7-17DD-BCD15C01F011}"/>
+                <a16:creationId xmlns:a16="http://schemas.microsoft.com/office/drawing/2014/main" id="{88194DEF-CDB5-C770-C6E0-5337D82FABCA}"/>
               </a:ext>
             </a:extLst>
           </p:cNvPr>
@@ -7587,7 +8274,7 @@
         </p:nvSpPr>
         <p:spPr>
           <a:xfrm>
-            <a:off x="458694" y="50005"/>
+            <a:off x="458694" y="126719"/>
             <a:ext cx="10895106" cy="1325563"/>
           </a:xfrm>
         </p:spPr>
@@ -7597,7 +8284,7 @@
           <a:p>
             <a:r>
               <a:rPr lang="en-US" dirty="0"/>
-              <a:t>Multiple Linear Regression</a:t>
+              <a:t>R-Squared: Goodness of Fit</a:t>
             </a:r>
           </a:p>
         </p:txBody>
@@ -7607,7 +8294,7 @@
           <p:cNvPr id="3" name="Content Placeholder 2">
             <a:extLst>
               <a:ext uri="{FF2B5EF4-FFF2-40B4-BE49-F238E27FC236}">
-                <a16:creationId xmlns:a16="http://schemas.microsoft.com/office/drawing/2014/main" id="{2E4EA465-744C-BC9D-4ECE-2AB1C3D3A5D3}"/>
+                <a16:creationId xmlns:a16="http://schemas.microsoft.com/office/drawing/2014/main" id="{59703486-58F7-8AE3-3923-E9F8D299DAF0}"/>
               </a:ext>
             </a:extLst>
           </p:cNvPr>
@@ -7620,127 +8307,106 @@
         </p:nvSpPr>
         <p:spPr>
           <a:xfrm>
-            <a:off x="458694" y="1136794"/>
-            <a:ext cx="11082818" cy="477548"/>
+            <a:off x="458694" y="1452282"/>
+            <a:ext cx="11274612" cy="5039958"/>
           </a:xfrm>
         </p:spPr>
         <p:txBody>
           <a:bodyPr>
-            <a:normAutofit/>
+            <a:normAutofit fontScale="85000" lnSpcReduction="20000"/>
           </a:bodyPr>
           <a:lstStyle/>
           <a:p>
             <a:r>
-              <a:rPr lang="en-US" sz="2000" dirty="0"/>
-              <a:t>We can choose to include more than one variables in regression. Let’s see an example.</a:t>
-            </a:r>
-          </a:p>
-        </p:txBody>
-      </p:sp>
-      <p:pic>
-        <p:nvPicPr>
-          <p:cNvPr id="7" name="Picture 6" descr="A screenshot of a computer&#10;&#10;Description automatically generated">
-            <a:extLst>
-              <a:ext uri="{FF2B5EF4-FFF2-40B4-BE49-F238E27FC236}">
-                <a16:creationId xmlns:a16="http://schemas.microsoft.com/office/drawing/2014/main" id="{C8DAB681-8378-080F-5D64-D830A61BF41C}"/>
-              </a:ext>
-            </a:extLst>
-          </p:cNvPr>
-          <p:cNvPicPr>
-            <a:picLocks noChangeAspect="1"/>
-          </p:cNvPicPr>
-          <p:nvPr/>
-        </p:nvPicPr>
-        <p:blipFill>
-          <a:blip r:embed="rId2"/>
-          <a:stretch>
-            <a:fillRect/>
-          </a:stretch>
-        </p:blipFill>
-        <p:spPr>
-          <a:xfrm>
-            <a:off x="650488" y="1614342"/>
-            <a:ext cx="7354824" cy="5043633"/>
-          </a:xfrm>
-          <a:prstGeom prst="rect">
-            <a:avLst/>
-          </a:prstGeom>
-        </p:spPr>
-      </p:pic>
-      <p:sp>
-        <p:nvSpPr>
-          <p:cNvPr id="9" name="TextBox 8">
-            <a:extLst>
-              <a:ext uri="{FF2B5EF4-FFF2-40B4-BE49-F238E27FC236}">
-                <a16:creationId xmlns:a16="http://schemas.microsoft.com/office/drawing/2014/main" id="{2A92E9BC-FA7A-50B3-18A7-C37DBCE5174E}"/>
-              </a:ext>
-            </a:extLst>
-          </p:cNvPr>
-          <p:cNvSpPr txBox="1"/>
-          <p:nvPr/>
-        </p:nvSpPr>
-        <p:spPr>
-          <a:xfrm>
-            <a:off x="8005312" y="1668450"/>
-            <a:ext cx="1614545" cy="369332"/>
-          </a:xfrm>
-          <a:prstGeom prst="rect">
-            <a:avLst/>
-          </a:prstGeom>
-          <a:noFill/>
-        </p:spPr>
-        <p:txBody>
-          <a:bodyPr wrap="none" rtlCol="0">
-            <a:spAutoFit/>
-          </a:bodyPr>
-          <a:lstStyle/>
-          <a:p>
-            <a:r>
-              <a:rPr lang="en-US" b="1" dirty="0"/>
-              <a:t>Interpret R2:</a:t>
-            </a:r>
-          </a:p>
-        </p:txBody>
-      </p:sp>
-      <p:sp>
-        <p:nvSpPr>
-          <p:cNvPr id="10" name="TextBox 9">
-            <a:extLst>
-              <a:ext uri="{FF2B5EF4-FFF2-40B4-BE49-F238E27FC236}">
-                <a16:creationId xmlns:a16="http://schemas.microsoft.com/office/drawing/2014/main" id="{6D45DB15-E882-A2D7-B3A4-787D703D24E0}"/>
-              </a:ext>
-            </a:extLst>
-          </p:cNvPr>
-          <p:cNvSpPr txBox="1"/>
-          <p:nvPr/>
-        </p:nvSpPr>
-        <p:spPr>
-          <a:xfrm>
-            <a:off x="8005312" y="3793880"/>
-            <a:ext cx="3621376" cy="369332"/>
-          </a:xfrm>
-          <a:prstGeom prst="rect">
-            <a:avLst/>
-          </a:prstGeom>
-          <a:noFill/>
-        </p:spPr>
-        <p:txBody>
-          <a:bodyPr wrap="none" rtlCol="0">
-            <a:spAutoFit/>
-          </a:bodyPr>
-          <a:lstStyle/>
-          <a:p>
-            <a:r>
-              <a:rPr lang="en-US" b="1" dirty="0"/>
-              <a:t>Estimate effect of ‘population’:</a:t>
-            </a:r>
+              <a:rPr lang="en-US" dirty="0"/>
+              <a:t>R2 measures </a:t>
+            </a:r>
+            <a:r>
+              <a:rPr lang="en-US" i="1" dirty="0"/>
+              <a:t>the proportion of variance in dependent variable Y explained by independent variables X</a:t>
+            </a:r>
+            <a:r>
+              <a:rPr lang="en-US" dirty="0"/>
+              <a:t> in a linear regression model</a:t>
+            </a:r>
+          </a:p>
+          <a:p>
+            <a:pPr lvl="1"/>
+            <a:r>
+              <a:rPr lang="en-US" dirty="0"/>
+              <a:t>R2 = 0.75 means 75% of variance in Y is explained by X</a:t>
+            </a:r>
+          </a:p>
+          <a:p>
+            <a:r>
+              <a:rPr lang="en-US" dirty="0"/>
+              <a:t>R lies between 0 (nothing can be explained) and 1 (everything explained)</a:t>
+            </a:r>
+          </a:p>
+          <a:p>
+            <a:r>
+              <a:rPr lang="en-US" dirty="0"/>
+              <a:t>Higher R2 generally implies better model</a:t>
+            </a:r>
+          </a:p>
+          <a:p>
+            <a:pPr lvl="1"/>
+            <a:r>
+              <a:rPr lang="en-US" dirty="0"/>
+              <a:t>How high? Depends on field — economics or psychology (0.3 is okay), physics (even 0.9 may not be enough)</a:t>
+            </a:r>
+          </a:p>
+          <a:p>
+            <a:r>
+              <a:rPr lang="en-US" dirty="0"/>
+              <a:t>Limitations:</a:t>
+            </a:r>
+          </a:p>
+          <a:p>
+            <a:pPr lvl="1"/>
+            <a:r>
+              <a:rPr lang="en-US" dirty="0"/>
+              <a:t>R2 doesn’t indicate if the model is appropriate</a:t>
+            </a:r>
+          </a:p>
+          <a:p>
+            <a:pPr lvl="1"/>
+            <a:r>
+              <a:rPr lang="en-US" dirty="0"/>
+              <a:t>Doesn’t measure predictive performance for out of sample (“test”) data</a:t>
+            </a:r>
+          </a:p>
+          <a:p>
+            <a:pPr lvl="1"/>
+            <a:r>
+              <a:rPr lang="en-US" dirty="0"/>
+              <a:t>Doesn’t imply causality</a:t>
+            </a:r>
+          </a:p>
+          <a:p>
+            <a:pPr lvl="1"/>
+            <a:r>
+              <a:rPr lang="en-US" dirty="0"/>
+              <a:t>Will increase if # of independent variables increase</a:t>
+            </a:r>
+          </a:p>
+          <a:p>
+            <a:r>
+              <a:rPr lang="en-US" dirty="0"/>
+              <a:t>Adjusted </a:t>
+            </a:r>
+            <a:r>
+              <a:rPr lang="en-US" dirty="0" err="1"/>
+              <a:t>RSquared</a:t>
+            </a:r>
+            <a:endParaRPr lang="en-US" dirty="0"/>
           </a:p>
         </p:txBody>
       </p:sp>
     </p:spTree>
     <p:extLst>
       <p:ext uri="{BB962C8B-B14F-4D97-AF65-F5344CB8AC3E}">
-        <p14:creationId xmlns:p14="http://schemas.microsoft.com/office/powerpoint/2010/main" val="3682001941"/>
+        <p14:creationId xmlns:p14="http://schemas.microsoft.com/office/powerpoint/2010/main" val="1192080481"/>
       </p:ext>
     </p:extLst>
   </p:cSld>
@@ -7772,7 +8438,7 @@
           <p:cNvPr id="2" name="Title 1">
             <a:extLst>
               <a:ext uri="{FF2B5EF4-FFF2-40B4-BE49-F238E27FC236}">
-                <a16:creationId xmlns:a16="http://schemas.microsoft.com/office/drawing/2014/main" id="{35D88EF6-F30D-A27C-66E9-1A7D60A51A1E}"/>
+                <a16:creationId xmlns:a16="http://schemas.microsoft.com/office/drawing/2014/main" id="{75CEF2BA-6610-B3F2-8E8F-BEFFA491B566}"/>
               </a:ext>
             </a:extLst>
           </p:cNvPr>
@@ -7785,29 +8451,137 @@
         </p:nvSpPr>
         <p:spPr>
           <a:xfrm>
-            <a:off x="458694" y="0"/>
+            <a:off x="458694" y="50005"/>
             <a:ext cx="10895106" cy="1325563"/>
           </a:xfrm>
         </p:spPr>
         <p:txBody>
-          <a:bodyPr>
-            <a:normAutofit fontScale="90000"/>
+          <a:bodyPr/>
+          <a:lstStyle/>
+          <a:p>
+            <a:r>
+              <a:rPr lang="en-US" dirty="0"/>
+              <a:t>Interpretation</a:t>
+            </a:r>
+          </a:p>
+        </p:txBody>
+      </p:sp>
+      <p:sp>
+        <p:nvSpPr>
+          <p:cNvPr id="6" name="TextBox 5">
+            <a:extLst>
+              <a:ext uri="{FF2B5EF4-FFF2-40B4-BE49-F238E27FC236}">
+                <a16:creationId xmlns:a16="http://schemas.microsoft.com/office/drawing/2014/main" id="{80F973D4-049B-92E1-FEC4-23D4F02EF32C}"/>
+              </a:ext>
+            </a:extLst>
+          </p:cNvPr>
+          <p:cNvSpPr txBox="1"/>
+          <p:nvPr/>
+        </p:nvSpPr>
+        <p:spPr>
+          <a:xfrm>
+            <a:off x="6877792" y="2183839"/>
+            <a:ext cx="5027338" cy="3416320"/>
+          </a:xfrm>
+          <a:prstGeom prst="rect">
+            <a:avLst/>
+          </a:prstGeom>
+          <a:noFill/>
+        </p:spPr>
+        <p:txBody>
+          <a:bodyPr wrap="none" rtlCol="0">
+            <a:spAutoFit/>
           </a:bodyPr>
           <a:lstStyle/>
           <a:p>
             <a:r>
+              <a:rPr lang="en-US" b="1" dirty="0"/>
+              <a:t>Based on the results:</a:t>
+            </a:r>
+          </a:p>
+          <a:p>
+            <a:pPr marL="342900" indent="-342900">
+              <a:buAutoNum type="arabicPeriod"/>
+            </a:pPr>
+            <a:r>
               <a:rPr lang="en-US" dirty="0"/>
-              <a:t>Confidence Intervals of Estimated Coefficients</a:t>
-            </a:r>
+              <a:t>Dependent variable (Y) = _______________</a:t>
+            </a:r>
+          </a:p>
+          <a:p>
+            <a:pPr marL="342900" indent="-342900">
+              <a:buAutoNum type="arabicPeriod"/>
+            </a:pPr>
+            <a:endParaRPr lang="en-US" dirty="0"/>
+          </a:p>
+          <a:p>
+            <a:pPr marL="342900" indent="-342900">
+              <a:buAutoNum type="arabicPeriod"/>
+            </a:pPr>
+            <a:endParaRPr lang="en-US" dirty="0"/>
+          </a:p>
+          <a:p>
+            <a:pPr marL="342900" indent="-342900">
+              <a:buAutoNum type="arabicPeriod"/>
+            </a:pPr>
+            <a:endParaRPr lang="en-US" dirty="0"/>
+          </a:p>
+          <a:p>
+            <a:pPr marL="342900" indent="-342900">
+              <a:buAutoNum type="arabicPeriod"/>
+            </a:pPr>
+            <a:r>
+              <a:rPr lang="en-US" dirty="0"/>
+              <a:t>Independent variable (X) = ______________</a:t>
+            </a:r>
+          </a:p>
+          <a:p>
+            <a:pPr marL="342900" indent="-342900">
+              <a:buAutoNum type="arabicPeriod"/>
+            </a:pPr>
+            <a:endParaRPr lang="en-US" dirty="0"/>
+          </a:p>
+          <a:p>
+            <a:pPr marL="342900" indent="-342900">
+              <a:buAutoNum type="arabicPeriod"/>
+            </a:pPr>
+            <a:endParaRPr lang="en-US" dirty="0"/>
+          </a:p>
+          <a:p>
+            <a:pPr marL="342900" indent="-342900">
+              <a:buAutoNum type="arabicPeriod"/>
+            </a:pPr>
+            <a:endParaRPr lang="en-US" dirty="0"/>
+          </a:p>
+          <a:p>
+            <a:pPr marL="342900" indent="-342900">
+              <a:buAutoNum type="arabicPeriod"/>
+            </a:pPr>
+            <a:r>
+              <a:rPr lang="en-US" dirty="0"/>
+              <a:t>Linear model, mathematically:</a:t>
+            </a:r>
+          </a:p>
+          <a:p>
+            <a:pPr marL="342900" indent="-342900">
+              <a:buAutoNum type="arabicPeriod"/>
+            </a:pPr>
+            <a:endParaRPr lang="en-US" dirty="0"/>
+          </a:p>
+          <a:p>
+            <a:pPr marL="342900" indent="-342900">
+              <a:buAutoNum type="arabicPeriod"/>
+            </a:pPr>
+            <a:endParaRPr lang="en-US" dirty="0"/>
           </a:p>
         </p:txBody>
       </p:sp>
       <p:pic>
         <p:nvPicPr>
-          <p:cNvPr id="5" name="Picture 4" descr="A number and percentages on a white background&#10;&#10;Description automatically generated">
-            <a:extLst>
-              <a:ext uri="{FF2B5EF4-FFF2-40B4-BE49-F238E27FC236}">
-                <a16:creationId xmlns:a16="http://schemas.microsoft.com/office/drawing/2014/main" id="{C764CF4D-1038-94A9-CFE7-AD67BFAADC0B}"/>
+          <p:cNvPr id="7" name="Picture 6" descr="A screenshot of a computer&#10;&#10;Description automatically generated">
+            <a:extLst>
+              <a:ext uri="{FF2B5EF4-FFF2-40B4-BE49-F238E27FC236}">
+                <a16:creationId xmlns:a16="http://schemas.microsoft.com/office/drawing/2014/main" id="{B7BA1765-7BD5-C907-F63F-8AF372EF6439}"/>
               </a:ext>
             </a:extLst>
           </p:cNvPr>
@@ -7824,14 +8598,793 @@
         </p:blipFill>
         <p:spPr>
           <a:xfrm>
-            <a:off x="1109969" y="2590800"/>
-            <a:ext cx="4432300" cy="1676400"/>
+            <a:off x="162468" y="1828800"/>
+            <a:ext cx="6160746" cy="4618038"/>
           </a:xfrm>
           <a:prstGeom prst="rect">
             <a:avLst/>
           </a:prstGeom>
         </p:spPr>
       </p:pic>
+    </p:spTree>
+    <p:extLst>
+      <p:ext uri="{BB962C8B-B14F-4D97-AF65-F5344CB8AC3E}">
+        <p14:creationId xmlns:p14="http://schemas.microsoft.com/office/powerpoint/2010/main" val="3466176843"/>
+      </p:ext>
+    </p:extLst>
+  </p:cSld>
+  <p:clrMapOvr>
+    <a:masterClrMapping/>
+  </p:clrMapOvr>
+</p:sld>
+</file>
+
+<file path=ppt/slides/slide19.xml><?xml version="1.0" encoding="utf-8"?>
+<p:sld xmlns:a="http://schemas.openxmlformats.org/drawingml/2006/main" xmlns:r="http://schemas.openxmlformats.org/officeDocument/2006/relationships" xmlns:p="http://schemas.openxmlformats.org/presentationml/2006/main">
+  <p:cSld>
+    <p:spTree>
+      <p:nvGrpSpPr>
+        <p:cNvPr id="1" name="">
+          <a:extLst>
+            <a:ext uri="{FF2B5EF4-FFF2-40B4-BE49-F238E27FC236}">
+              <a16:creationId xmlns:a16="http://schemas.microsoft.com/office/drawing/2014/main" id="{7BC7F4CA-4E65-9400-9C41-AF44E4F4F69A}"/>
+            </a:ext>
+          </a:extLst>
+        </p:cNvPr>
+        <p:cNvGrpSpPr/>
+        <p:nvPr/>
+      </p:nvGrpSpPr>
+      <p:grpSpPr>
+        <a:xfrm>
+          <a:off x="0" y="0"/>
+          <a:ext cx="0" cy="0"/>
+          <a:chOff x="0" y="0"/>
+          <a:chExt cx="0" cy="0"/>
+        </a:xfrm>
+      </p:grpSpPr>
+      <p:sp>
+        <p:nvSpPr>
+          <p:cNvPr id="2" name="Title 1">
+            <a:extLst>
+              <a:ext uri="{FF2B5EF4-FFF2-40B4-BE49-F238E27FC236}">
+                <a16:creationId xmlns:a16="http://schemas.microsoft.com/office/drawing/2014/main" id="{02DFA93A-EB2E-6E5D-DF8D-99EE3D93326F}"/>
+              </a:ext>
+            </a:extLst>
+          </p:cNvPr>
+          <p:cNvSpPr>
+            <a:spLocks noGrp="1"/>
+          </p:cNvSpPr>
+          <p:nvPr>
+            <p:ph type="title"/>
+          </p:nvPr>
+        </p:nvSpPr>
+        <p:spPr>
+          <a:xfrm>
+            <a:off x="458694" y="50005"/>
+            <a:ext cx="10895106" cy="1325563"/>
+          </a:xfrm>
+        </p:spPr>
+        <p:txBody>
+          <a:bodyPr/>
+          <a:lstStyle/>
+          <a:p>
+            <a:r>
+              <a:rPr lang="en-US" dirty="0"/>
+              <a:t>Interpretation</a:t>
+            </a:r>
+          </a:p>
+        </p:txBody>
+      </p:sp>
+      <p:pic>
+        <p:nvPicPr>
+          <p:cNvPr id="7" name="Picture 6" descr="A screenshot of a computer&#10;&#10;Description automatically generated">
+            <a:extLst>
+              <a:ext uri="{FF2B5EF4-FFF2-40B4-BE49-F238E27FC236}">
+                <a16:creationId xmlns:a16="http://schemas.microsoft.com/office/drawing/2014/main" id="{2B1EF225-0DCD-6535-3F7E-73E4FE93B179}"/>
+              </a:ext>
+            </a:extLst>
+          </p:cNvPr>
+          <p:cNvPicPr>
+            <a:picLocks noChangeAspect="1"/>
+          </p:cNvPicPr>
+          <p:nvPr/>
+        </p:nvPicPr>
+        <p:blipFill>
+          <a:blip r:embed="rId2"/>
+          <a:stretch>
+            <a:fillRect/>
+          </a:stretch>
+        </p:blipFill>
+        <p:spPr>
+          <a:xfrm>
+            <a:off x="162468" y="1828800"/>
+            <a:ext cx="6160746" cy="4618038"/>
+          </a:xfrm>
+          <a:prstGeom prst="rect">
+            <a:avLst/>
+          </a:prstGeom>
+        </p:spPr>
+      </p:pic>
+      <p:sp>
+        <p:nvSpPr>
+          <p:cNvPr id="3" name="TextBox 2">
+            <a:extLst>
+              <a:ext uri="{FF2B5EF4-FFF2-40B4-BE49-F238E27FC236}">
+                <a16:creationId xmlns:a16="http://schemas.microsoft.com/office/drawing/2014/main" id="{D706A00C-2FFB-E2AE-EDCC-B585C81031FA}"/>
+              </a:ext>
+            </a:extLst>
+          </p:cNvPr>
+          <p:cNvSpPr txBox="1"/>
+          <p:nvPr/>
+        </p:nvSpPr>
+        <p:spPr>
+          <a:xfrm>
+            <a:off x="6985366" y="330456"/>
+            <a:ext cx="4869363" cy="5632311"/>
+          </a:xfrm>
+          <a:prstGeom prst="rect">
+            <a:avLst/>
+          </a:prstGeom>
+          <a:noFill/>
+        </p:spPr>
+        <p:txBody>
+          <a:bodyPr wrap="square" rtlCol="0">
+            <a:spAutoFit/>
+          </a:bodyPr>
+          <a:lstStyle/>
+          <a:p>
+            <a:r>
+              <a:rPr lang="en-US" b="1" dirty="0">
+                <a:effectLst/>
+              </a:rPr>
+              <a:t>Is regression model significant?</a:t>
+            </a:r>
+          </a:p>
+          <a:p>
+            <a:pPr marL="342900" indent="-342900">
+              <a:buFont typeface="+mj-lt"/>
+              <a:buAutoNum type="arabicPeriod"/>
+            </a:pPr>
+            <a:endParaRPr lang="en-US" dirty="0">
+              <a:effectLst/>
+            </a:endParaRPr>
+          </a:p>
+          <a:p>
+            <a:pPr marL="285750" indent="-285750">
+              <a:buFont typeface="Arial" panose="020B0604020202020204" pitchFamily="34" charset="0"/>
+              <a:buChar char="•"/>
+            </a:pPr>
+            <a:r>
+              <a:rPr lang="en-US" dirty="0"/>
+              <a:t>F-statistic = </a:t>
+            </a:r>
+          </a:p>
+          <a:p>
+            <a:pPr marL="285750" indent="-285750">
+              <a:buFont typeface="Arial" panose="020B0604020202020204" pitchFamily="34" charset="0"/>
+              <a:buChar char="•"/>
+            </a:pPr>
+            <a:endParaRPr lang="en-US" dirty="0"/>
+          </a:p>
+          <a:p>
+            <a:pPr marL="285750" indent="-285750">
+              <a:buFont typeface="Arial" panose="020B0604020202020204" pitchFamily="34" charset="0"/>
+              <a:buChar char="•"/>
+            </a:pPr>
+            <a:r>
+              <a:rPr lang="en-US" dirty="0"/>
+              <a:t>R2 = </a:t>
+            </a:r>
+          </a:p>
+          <a:p>
+            <a:pPr marL="285750" indent="-285750">
+              <a:buFont typeface="Arial" panose="020B0604020202020204" pitchFamily="34" charset="0"/>
+              <a:buChar char="•"/>
+            </a:pPr>
+            <a:endParaRPr lang="en-US" dirty="0">
+              <a:effectLst/>
+            </a:endParaRPr>
+          </a:p>
+          <a:p>
+            <a:pPr marL="285750" indent="-285750">
+              <a:buFont typeface="Arial" panose="020B0604020202020204" pitchFamily="34" charset="0"/>
+              <a:buChar char="•"/>
+            </a:pPr>
+            <a:r>
+              <a:rPr lang="en-US" dirty="0">
+                <a:effectLst/>
+              </a:rPr>
+              <a:t>Adj R2 = </a:t>
+            </a:r>
+          </a:p>
+          <a:p>
+            <a:endParaRPr lang="en-US" dirty="0">
+              <a:effectLst/>
+            </a:endParaRPr>
+          </a:p>
+          <a:p>
+            <a:r>
+              <a:rPr lang="en-US" dirty="0"/>
+              <a:t>R2 Interpretation: </a:t>
+            </a:r>
+            <a:br>
+              <a:rPr lang="en-US" dirty="0">
+                <a:effectLst/>
+              </a:rPr>
+            </a:br>
+            <a:endParaRPr lang="en-US" dirty="0">
+              <a:effectLst/>
+            </a:endParaRPr>
+          </a:p>
+          <a:p>
+            <a:endParaRPr lang="en-US" dirty="0">
+              <a:effectLst/>
+            </a:endParaRPr>
+          </a:p>
+          <a:p>
+            <a:r>
+              <a:rPr lang="en-US" b="1" dirty="0">
+                <a:effectLst/>
+              </a:rPr>
+              <a:t>Is the relationship between BMI and insurance premium significant?</a:t>
+            </a:r>
+          </a:p>
+          <a:p>
+            <a:endParaRPr lang="en-US" dirty="0"/>
+          </a:p>
+          <a:p>
+            <a:pPr marL="285750" indent="-285750">
+              <a:buFont typeface="Arial" panose="020B0604020202020204" pitchFamily="34" charset="0"/>
+              <a:buChar char="•"/>
+            </a:pPr>
+            <a:r>
+              <a:rPr lang="en-US" dirty="0">
+                <a:effectLst/>
+              </a:rPr>
+              <a:t>P-value = </a:t>
+            </a:r>
+          </a:p>
+          <a:p>
+            <a:pPr marL="285750" indent="-285750">
+              <a:buFont typeface="Arial" panose="020B0604020202020204" pitchFamily="34" charset="0"/>
+              <a:buChar char="•"/>
+            </a:pPr>
+            <a:endParaRPr lang="en-US" dirty="0"/>
+          </a:p>
+          <a:p>
+            <a:r>
+              <a:rPr lang="en-US" b="1" dirty="0">
+                <a:effectLst/>
+              </a:rPr>
+              <a:t>Slope Interpretation:</a:t>
+            </a:r>
+          </a:p>
+          <a:p>
+            <a:endParaRPr lang="en-US" dirty="0"/>
+          </a:p>
+          <a:p>
+            <a:endParaRPr lang="en-US" dirty="0">
+              <a:effectLst/>
+            </a:endParaRPr>
+          </a:p>
+          <a:p>
+            <a:r>
+              <a:rPr lang="en-US" b="1" dirty="0"/>
+              <a:t>Intercept Interpretation:</a:t>
+            </a:r>
+            <a:endParaRPr lang="en-US" b="1" dirty="0">
+              <a:effectLst/>
+            </a:endParaRPr>
+          </a:p>
+        </p:txBody>
+      </p:sp>
+    </p:spTree>
+    <p:extLst>
+      <p:ext uri="{BB962C8B-B14F-4D97-AF65-F5344CB8AC3E}">
+        <p14:creationId xmlns:p14="http://schemas.microsoft.com/office/powerpoint/2010/main" val="2388630133"/>
+      </p:ext>
+    </p:extLst>
+  </p:cSld>
+  <p:clrMapOvr>
+    <a:masterClrMapping/>
+  </p:clrMapOvr>
+</p:sld>
+</file>
+
+<file path=ppt/slides/slide2.xml><?xml version="1.0" encoding="utf-8"?>
+<p:sld xmlns:a="http://schemas.openxmlformats.org/drawingml/2006/main" xmlns:r="http://schemas.openxmlformats.org/officeDocument/2006/relationships" xmlns:p="http://schemas.openxmlformats.org/presentationml/2006/main">
+  <p:cSld>
+    <p:spTree>
+      <p:nvGrpSpPr>
+        <p:cNvPr id="1" name=""/>
+        <p:cNvGrpSpPr/>
+        <p:nvPr/>
+      </p:nvGrpSpPr>
+      <p:grpSpPr>
+        <a:xfrm>
+          <a:off x="0" y="0"/>
+          <a:ext cx="0" cy="0"/>
+          <a:chOff x="0" y="0"/>
+          <a:chExt cx="0" cy="0"/>
+        </a:xfrm>
+      </p:grpSpPr>
+      <p:sp>
+        <p:nvSpPr>
+          <p:cNvPr id="2" name="Title 1">
+            <a:extLst>
+              <a:ext uri="{FF2B5EF4-FFF2-40B4-BE49-F238E27FC236}">
+                <a16:creationId xmlns:a16="http://schemas.microsoft.com/office/drawing/2014/main" id="{58B2575E-2084-BA73-335B-5168C63441BA}"/>
+              </a:ext>
+            </a:extLst>
+          </p:cNvPr>
+          <p:cNvSpPr>
+            <a:spLocks noGrp="1"/>
+          </p:cNvSpPr>
+          <p:nvPr>
+            <p:ph type="title"/>
+          </p:nvPr>
+        </p:nvSpPr>
+        <p:spPr/>
+        <p:txBody>
+          <a:bodyPr/>
+          <a:lstStyle/>
+          <a:p>
+            <a:r>
+              <a:rPr lang="en-US" dirty="0"/>
+              <a:t>Table of Contents</a:t>
+            </a:r>
+          </a:p>
+        </p:txBody>
+      </p:sp>
+      <p:sp>
+        <p:nvSpPr>
+          <p:cNvPr id="3" name="Content Placeholder 2">
+            <a:extLst>
+              <a:ext uri="{FF2B5EF4-FFF2-40B4-BE49-F238E27FC236}">
+                <a16:creationId xmlns:a16="http://schemas.microsoft.com/office/drawing/2014/main" id="{E111E9E9-768F-2F55-A47B-39ECC53EF03E}"/>
+              </a:ext>
+            </a:extLst>
+          </p:cNvPr>
+          <p:cNvSpPr>
+            <a:spLocks noGrp="1"/>
+          </p:cNvSpPr>
+          <p:nvPr>
+            <p:ph idx="1"/>
+          </p:nvPr>
+        </p:nvSpPr>
+        <p:spPr/>
+        <p:txBody>
+          <a:bodyPr/>
+          <a:lstStyle/>
+          <a:p>
+            <a:r>
+              <a:rPr lang="en-US" dirty="0"/>
+              <a:t>What is Linear Regression?</a:t>
+            </a:r>
+          </a:p>
+          <a:p>
+            <a:r>
+              <a:rPr lang="en-US" dirty="0"/>
+              <a:t>Mathematics of Linear Regression</a:t>
+            </a:r>
+          </a:p>
+          <a:p>
+            <a:r>
+              <a:rPr lang="en-US" dirty="0"/>
+              <a:t>Interpreting Results and </a:t>
+            </a:r>
+            <a:r>
+              <a:rPr lang="en-US" dirty="0" err="1"/>
+              <a:t>RSquared</a:t>
+            </a:r>
+            <a:endParaRPr lang="en-US" dirty="0"/>
+          </a:p>
+          <a:p>
+            <a:r>
+              <a:rPr lang="en-US" dirty="0"/>
+              <a:t>Assumptions and Model Diagnostics</a:t>
+            </a:r>
+          </a:p>
+          <a:p>
+            <a:r>
+              <a:rPr lang="en-US" dirty="0"/>
+              <a:t>Hands-on: Example in R/RStudio</a:t>
+            </a:r>
+          </a:p>
+          <a:p>
+            <a:r>
+              <a:rPr lang="en-US" dirty="0"/>
+              <a:t>Conclusion</a:t>
+            </a:r>
+          </a:p>
+        </p:txBody>
+      </p:sp>
+      <p:sp>
+        <p:nvSpPr>
+          <p:cNvPr id="4" name="TextBox 3">
+            <a:extLst>
+              <a:ext uri="{FF2B5EF4-FFF2-40B4-BE49-F238E27FC236}">
+                <a16:creationId xmlns:a16="http://schemas.microsoft.com/office/drawing/2014/main" id="{945CC72C-C6E1-0629-981F-AC3404E4E8D6}"/>
+              </a:ext>
+            </a:extLst>
+          </p:cNvPr>
+          <p:cNvSpPr txBox="1"/>
+          <p:nvPr/>
+        </p:nvSpPr>
+        <p:spPr>
+          <a:xfrm>
+            <a:off x="7053557" y="5166677"/>
+            <a:ext cx="4679747" cy="707886"/>
+          </a:xfrm>
+          <a:prstGeom prst="rect">
+            <a:avLst/>
+          </a:prstGeom>
+          <a:noFill/>
+        </p:spPr>
+        <p:txBody>
+          <a:bodyPr wrap="square" rtlCol="0">
+            <a:spAutoFit/>
+          </a:bodyPr>
+          <a:lstStyle/>
+          <a:p>
+            <a:r>
+              <a:rPr lang="en-US" sz="2000" b="1" dirty="0"/>
+              <a:t>Case Study:</a:t>
+            </a:r>
+          </a:p>
+          <a:p>
+            <a:r>
+              <a:rPr lang="en-US" sz="2000" dirty="0"/>
+              <a:t>Health Insurance Premiums</a:t>
+            </a:r>
+          </a:p>
+        </p:txBody>
+      </p:sp>
+      <p:pic>
+        <p:nvPicPr>
+          <p:cNvPr id="1026" name="Picture 2" descr="Health Insurance Plans 'Too Complicated to Understand' - UConn Today">
+            <a:extLst>
+              <a:ext uri="{FF2B5EF4-FFF2-40B4-BE49-F238E27FC236}">
+                <a16:creationId xmlns:a16="http://schemas.microsoft.com/office/drawing/2014/main" id="{056F271C-1E98-D3EA-D88F-EACDEBFF6AC6}"/>
+              </a:ext>
+            </a:extLst>
+          </p:cNvPr>
+          <p:cNvPicPr>
+            <a:picLocks noChangeAspect="1" noChangeArrowheads="1"/>
+          </p:cNvPicPr>
+          <p:nvPr/>
+        </p:nvPicPr>
+        <p:blipFill>
+          <a:blip r:embed="rId2">
+            <a:extLst>
+              <a:ext uri="{28A0092B-C50C-407E-A947-70E740481C1C}">
+                <a14:useLocalDpi xmlns:a14="http://schemas.microsoft.com/office/drawing/2010/main" val="0"/>
+              </a:ext>
+            </a:extLst>
+          </a:blip>
+          <a:srcRect/>
+          <a:stretch>
+            <a:fillRect/>
+          </a:stretch>
+        </p:blipFill>
+        <p:spPr bwMode="auto">
+          <a:xfrm>
+            <a:off x="7053558" y="1867638"/>
+            <a:ext cx="4679748" cy="3122724"/>
+          </a:xfrm>
+          <a:prstGeom prst="rect">
+            <a:avLst/>
+          </a:prstGeom>
+          <a:noFill/>
+          <a:extLst>
+            <a:ext uri="{909E8E84-426E-40DD-AFC4-6F175D3DCCD1}">
+              <a14:hiddenFill xmlns:a14="http://schemas.microsoft.com/office/drawing/2010/main">
+                <a:solidFill>
+                  <a:srgbClr val="FFFFFF"/>
+                </a:solidFill>
+              </a14:hiddenFill>
+            </a:ext>
+          </a:extLst>
+        </p:spPr>
+      </p:pic>
+    </p:spTree>
+    <p:extLst>
+      <p:ext uri="{BB962C8B-B14F-4D97-AF65-F5344CB8AC3E}">
+        <p14:creationId xmlns:p14="http://schemas.microsoft.com/office/powerpoint/2010/main" val="2355259409"/>
+      </p:ext>
+    </p:extLst>
+  </p:cSld>
+  <p:clrMapOvr>
+    <a:masterClrMapping/>
+  </p:clrMapOvr>
+</p:sld>
+</file>
+
+<file path=ppt/slides/slide20.xml><?xml version="1.0" encoding="utf-8"?>
+<p:sld xmlns:a="http://schemas.openxmlformats.org/drawingml/2006/main" xmlns:r="http://schemas.openxmlformats.org/officeDocument/2006/relationships" xmlns:p="http://schemas.openxmlformats.org/presentationml/2006/main">
+  <p:cSld>
+    <p:spTree>
+      <p:nvGrpSpPr>
+        <p:cNvPr id="1" name=""/>
+        <p:cNvGrpSpPr/>
+        <p:nvPr/>
+      </p:nvGrpSpPr>
+      <p:grpSpPr>
+        <a:xfrm>
+          <a:off x="0" y="0"/>
+          <a:ext cx="0" cy="0"/>
+          <a:chOff x="0" y="0"/>
+          <a:chExt cx="0" cy="0"/>
+        </a:xfrm>
+      </p:grpSpPr>
+      <p:sp>
+        <p:nvSpPr>
+          <p:cNvPr id="2" name="Title 1">
+            <a:extLst>
+              <a:ext uri="{FF2B5EF4-FFF2-40B4-BE49-F238E27FC236}">
+                <a16:creationId xmlns:a16="http://schemas.microsoft.com/office/drawing/2014/main" id="{185A3A63-E1CD-F4C7-17DD-BCD15C01F011}"/>
+              </a:ext>
+            </a:extLst>
+          </p:cNvPr>
+          <p:cNvSpPr>
+            <a:spLocks noGrp="1"/>
+          </p:cNvSpPr>
+          <p:nvPr>
+            <p:ph type="title"/>
+          </p:nvPr>
+        </p:nvSpPr>
+        <p:spPr>
+          <a:xfrm>
+            <a:off x="458694" y="50005"/>
+            <a:ext cx="10895106" cy="1325563"/>
+          </a:xfrm>
+        </p:spPr>
+        <p:txBody>
+          <a:bodyPr/>
+          <a:lstStyle/>
+          <a:p>
+            <a:r>
+              <a:rPr lang="en-US" dirty="0"/>
+              <a:t>Multiple Linear Regression</a:t>
+            </a:r>
+          </a:p>
+        </p:txBody>
+      </p:sp>
+      <p:sp>
+        <p:nvSpPr>
+          <p:cNvPr id="3" name="Content Placeholder 2">
+            <a:extLst>
+              <a:ext uri="{FF2B5EF4-FFF2-40B4-BE49-F238E27FC236}">
+                <a16:creationId xmlns:a16="http://schemas.microsoft.com/office/drawing/2014/main" id="{2E4EA465-744C-BC9D-4ECE-2AB1C3D3A5D3}"/>
+              </a:ext>
+            </a:extLst>
+          </p:cNvPr>
+          <p:cNvSpPr>
+            <a:spLocks noGrp="1"/>
+          </p:cNvSpPr>
+          <p:nvPr>
+            <p:ph idx="1"/>
+          </p:nvPr>
+        </p:nvSpPr>
+        <p:spPr>
+          <a:xfrm>
+            <a:off x="458694" y="1136794"/>
+            <a:ext cx="11082818" cy="477548"/>
+          </a:xfrm>
+        </p:spPr>
+        <p:txBody>
+          <a:bodyPr>
+            <a:normAutofit/>
+          </a:bodyPr>
+          <a:lstStyle/>
+          <a:p>
+            <a:r>
+              <a:rPr lang="en-US" sz="2000" dirty="0"/>
+              <a:t>We can choose to include more than one variables in regression. Let’s see an example.</a:t>
+            </a:r>
+          </a:p>
+        </p:txBody>
+      </p:sp>
+      <p:sp>
+        <p:nvSpPr>
+          <p:cNvPr id="9" name="TextBox 8">
+            <a:extLst>
+              <a:ext uri="{FF2B5EF4-FFF2-40B4-BE49-F238E27FC236}">
+                <a16:creationId xmlns:a16="http://schemas.microsoft.com/office/drawing/2014/main" id="{2A92E9BC-FA7A-50B3-18A7-C37DBCE5174E}"/>
+              </a:ext>
+            </a:extLst>
+          </p:cNvPr>
+          <p:cNvSpPr txBox="1"/>
+          <p:nvPr/>
+        </p:nvSpPr>
+        <p:spPr>
+          <a:xfrm>
+            <a:off x="6593371" y="1689173"/>
+            <a:ext cx="1614545" cy="369332"/>
+          </a:xfrm>
+          <a:prstGeom prst="rect">
+            <a:avLst/>
+          </a:prstGeom>
+          <a:noFill/>
+        </p:spPr>
+        <p:txBody>
+          <a:bodyPr wrap="none" rtlCol="0">
+            <a:spAutoFit/>
+          </a:bodyPr>
+          <a:lstStyle/>
+          <a:p>
+            <a:r>
+              <a:rPr lang="en-US" b="1" dirty="0"/>
+              <a:t>Interpret R2:</a:t>
+            </a:r>
+          </a:p>
+        </p:txBody>
+      </p:sp>
+      <p:sp>
+        <p:nvSpPr>
+          <p:cNvPr id="10" name="TextBox 9">
+            <a:extLst>
+              <a:ext uri="{FF2B5EF4-FFF2-40B4-BE49-F238E27FC236}">
+                <a16:creationId xmlns:a16="http://schemas.microsoft.com/office/drawing/2014/main" id="{6D45DB15-E882-A2D7-B3A4-787D703D24E0}"/>
+              </a:ext>
+            </a:extLst>
+          </p:cNvPr>
+          <p:cNvSpPr txBox="1"/>
+          <p:nvPr/>
+        </p:nvSpPr>
+        <p:spPr>
+          <a:xfrm>
+            <a:off x="6593371" y="3244334"/>
+            <a:ext cx="2827184" cy="369332"/>
+          </a:xfrm>
+          <a:prstGeom prst="rect">
+            <a:avLst/>
+          </a:prstGeom>
+          <a:noFill/>
+        </p:spPr>
+        <p:txBody>
+          <a:bodyPr wrap="none" rtlCol="0">
+            <a:spAutoFit/>
+          </a:bodyPr>
+          <a:lstStyle/>
+          <a:p>
+            <a:r>
+              <a:rPr lang="en-US" b="1" dirty="0"/>
+              <a:t>Estimate effect of ‘age’:</a:t>
+            </a:r>
+          </a:p>
+        </p:txBody>
+      </p:sp>
+      <p:sp>
+        <p:nvSpPr>
+          <p:cNvPr id="6" name="TextBox 5">
+            <a:extLst>
+              <a:ext uri="{FF2B5EF4-FFF2-40B4-BE49-F238E27FC236}">
+                <a16:creationId xmlns:a16="http://schemas.microsoft.com/office/drawing/2014/main" id="{D5679C07-D231-9117-2AF2-345744FE111C}"/>
+              </a:ext>
+            </a:extLst>
+          </p:cNvPr>
+          <p:cNvSpPr txBox="1"/>
+          <p:nvPr/>
+        </p:nvSpPr>
+        <p:spPr>
+          <a:xfrm>
+            <a:off x="6593371" y="4799495"/>
+            <a:ext cx="3383875" cy="369332"/>
+          </a:xfrm>
+          <a:prstGeom prst="rect">
+            <a:avLst/>
+          </a:prstGeom>
+          <a:noFill/>
+        </p:spPr>
+        <p:txBody>
+          <a:bodyPr wrap="none" rtlCol="0">
+            <a:spAutoFit/>
+          </a:bodyPr>
+          <a:lstStyle/>
+          <a:p>
+            <a:r>
+              <a:rPr lang="en-US" b="1" dirty="0"/>
+              <a:t>Estimate effect of ‘smoking’:</a:t>
+            </a:r>
+          </a:p>
+        </p:txBody>
+      </p:sp>
+      <p:pic>
+        <p:nvPicPr>
+          <p:cNvPr id="11" name="Picture 10" descr="A screenshot of a computer&#10;&#10;Description automatically generated">
+            <a:extLst>
+              <a:ext uri="{FF2B5EF4-FFF2-40B4-BE49-F238E27FC236}">
+                <a16:creationId xmlns:a16="http://schemas.microsoft.com/office/drawing/2014/main" id="{1409B1E0-AB74-5630-8456-E43889367339}"/>
+              </a:ext>
+            </a:extLst>
+          </p:cNvPr>
+          <p:cNvPicPr>
+            <a:picLocks noChangeAspect="1"/>
+          </p:cNvPicPr>
+          <p:nvPr/>
+        </p:nvPicPr>
+        <p:blipFill>
+          <a:blip r:embed="rId3"/>
+          <a:stretch>
+            <a:fillRect/>
+          </a:stretch>
+        </p:blipFill>
+        <p:spPr>
+          <a:xfrm>
+            <a:off x="458694" y="1506071"/>
+            <a:ext cx="5585545" cy="5351929"/>
+          </a:xfrm>
+          <a:prstGeom prst="rect">
+            <a:avLst/>
+          </a:prstGeom>
+        </p:spPr>
+      </p:pic>
+    </p:spTree>
+    <p:extLst>
+      <p:ext uri="{BB962C8B-B14F-4D97-AF65-F5344CB8AC3E}">
+        <p14:creationId xmlns:p14="http://schemas.microsoft.com/office/powerpoint/2010/main" val="3682001941"/>
+      </p:ext>
+    </p:extLst>
+  </p:cSld>
+  <p:clrMapOvr>
+    <a:masterClrMapping/>
+  </p:clrMapOvr>
+</p:sld>
+</file>
+
+<file path=ppt/slides/slide21.xml><?xml version="1.0" encoding="utf-8"?>
+<p:sld xmlns:a="http://schemas.openxmlformats.org/drawingml/2006/main" xmlns:r="http://schemas.openxmlformats.org/officeDocument/2006/relationships" xmlns:p="http://schemas.openxmlformats.org/presentationml/2006/main">
+  <p:cSld>
+    <p:spTree>
+      <p:nvGrpSpPr>
+        <p:cNvPr id="1" name=""/>
+        <p:cNvGrpSpPr/>
+        <p:nvPr/>
+      </p:nvGrpSpPr>
+      <p:grpSpPr>
+        <a:xfrm>
+          <a:off x="0" y="0"/>
+          <a:ext cx="0" cy="0"/>
+          <a:chOff x="0" y="0"/>
+          <a:chExt cx="0" cy="0"/>
+        </a:xfrm>
+      </p:grpSpPr>
+      <p:sp>
+        <p:nvSpPr>
+          <p:cNvPr id="2" name="Title 1">
+            <a:extLst>
+              <a:ext uri="{FF2B5EF4-FFF2-40B4-BE49-F238E27FC236}">
+                <a16:creationId xmlns:a16="http://schemas.microsoft.com/office/drawing/2014/main" id="{35D88EF6-F30D-A27C-66E9-1A7D60A51A1E}"/>
+              </a:ext>
+            </a:extLst>
+          </p:cNvPr>
+          <p:cNvSpPr>
+            <a:spLocks noGrp="1"/>
+          </p:cNvSpPr>
+          <p:nvPr>
+            <p:ph type="title"/>
+          </p:nvPr>
+        </p:nvSpPr>
+        <p:spPr>
+          <a:xfrm>
+            <a:off x="458694" y="0"/>
+            <a:ext cx="10895106" cy="1325563"/>
+          </a:xfrm>
+        </p:spPr>
+        <p:txBody>
+          <a:bodyPr>
+            <a:normAutofit fontScale="90000"/>
+          </a:bodyPr>
+          <a:lstStyle/>
+          <a:p>
+            <a:r>
+              <a:rPr lang="en-US" dirty="0"/>
+              <a:t>Confidence Intervals of Estimated Coefficients</a:t>
+            </a:r>
+          </a:p>
+        </p:txBody>
+      </p:sp>
       <p:sp>
         <p:nvSpPr>
           <p:cNvPr id="6" name="TextBox 5">
@@ -7871,6 +9424,36 @@
           </a:p>
         </p:txBody>
       </p:sp>
+      <p:pic>
+        <p:nvPicPr>
+          <p:cNvPr id="7" name="Picture 6" descr="A screenshot of a graph&#10;&#10;Description automatically generated">
+            <a:extLst>
+              <a:ext uri="{FF2B5EF4-FFF2-40B4-BE49-F238E27FC236}">
+                <a16:creationId xmlns:a16="http://schemas.microsoft.com/office/drawing/2014/main" id="{8C0FF27B-0958-11F3-B1B0-9926DBEC89B8}"/>
+              </a:ext>
+            </a:extLst>
+          </p:cNvPr>
+          <p:cNvPicPr>
+            <a:picLocks noChangeAspect="1"/>
+          </p:cNvPicPr>
+          <p:nvPr/>
+        </p:nvPicPr>
+        <p:blipFill>
+          <a:blip r:embed="rId2"/>
+          <a:stretch>
+            <a:fillRect/>
+          </a:stretch>
+        </p:blipFill>
+        <p:spPr>
+          <a:xfrm>
+            <a:off x="632666" y="2235666"/>
+            <a:ext cx="5499100" cy="3390900"/>
+          </a:xfrm>
+          <a:prstGeom prst="rect">
+            <a:avLst/>
+          </a:prstGeom>
+        </p:spPr>
+      </p:pic>
     </p:spTree>
     <p:extLst>
       <p:ext uri="{BB962C8B-B14F-4D97-AF65-F5344CB8AC3E}">
@@ -7884,7 +9467,7 @@
 </p:sld>
 </file>
 
-<file path=ppt/slides/slide19.xml><?xml version="1.0" encoding="utf-8"?>
+<file path=ppt/slides/slide22.xml><?xml version="1.0" encoding="utf-8"?>
 <p:sld xmlns:a="http://schemas.openxmlformats.org/drawingml/2006/main" xmlns:r="http://schemas.openxmlformats.org/officeDocument/2006/relationships" xmlns:p="http://schemas.openxmlformats.org/presentationml/2006/main">
   <p:cSld>
     <p:spTree>
@@ -8131,7 +9714,7 @@
 </p:sld>
 </file>
 
-<file path=ppt/slides/slide2.xml><?xml version="1.0" encoding="utf-8"?>
+<file path=ppt/slides/slide23.xml><?xml version="1.0" encoding="utf-8"?>
 <p:sld xmlns:a="http://schemas.openxmlformats.org/drawingml/2006/main" xmlns:r="http://schemas.openxmlformats.org/officeDocument/2006/relationships" xmlns:p="http://schemas.openxmlformats.org/presentationml/2006/main">
   <p:cSld>
     <p:spTree>
@@ -8153,216 +9736,6 @@
           <p:cNvPr id="2" name="Title 1">
             <a:extLst>
               <a:ext uri="{FF2B5EF4-FFF2-40B4-BE49-F238E27FC236}">
-                <a16:creationId xmlns:a16="http://schemas.microsoft.com/office/drawing/2014/main" id="{58B2575E-2084-BA73-335B-5168C63441BA}"/>
-              </a:ext>
-            </a:extLst>
-          </p:cNvPr>
-          <p:cNvSpPr>
-            <a:spLocks noGrp="1"/>
-          </p:cNvSpPr>
-          <p:nvPr>
-            <p:ph type="title"/>
-          </p:nvPr>
-        </p:nvSpPr>
-        <p:spPr/>
-        <p:txBody>
-          <a:bodyPr/>
-          <a:lstStyle/>
-          <a:p>
-            <a:r>
-              <a:rPr lang="en-US" dirty="0"/>
-              <a:t>Table of Contents</a:t>
-            </a:r>
-          </a:p>
-        </p:txBody>
-      </p:sp>
-      <p:sp>
-        <p:nvSpPr>
-          <p:cNvPr id="3" name="Content Placeholder 2">
-            <a:extLst>
-              <a:ext uri="{FF2B5EF4-FFF2-40B4-BE49-F238E27FC236}">
-                <a16:creationId xmlns:a16="http://schemas.microsoft.com/office/drawing/2014/main" id="{E111E9E9-768F-2F55-A47B-39ECC53EF03E}"/>
-              </a:ext>
-            </a:extLst>
-          </p:cNvPr>
-          <p:cNvSpPr>
-            <a:spLocks noGrp="1"/>
-          </p:cNvSpPr>
-          <p:nvPr>
-            <p:ph idx="1"/>
-          </p:nvPr>
-        </p:nvSpPr>
-        <p:spPr/>
-        <p:txBody>
-          <a:bodyPr/>
-          <a:lstStyle/>
-          <a:p>
-            <a:r>
-              <a:rPr lang="en-US" dirty="0"/>
-              <a:t>What is Linear Regression?</a:t>
-            </a:r>
-          </a:p>
-          <a:p>
-            <a:r>
-              <a:rPr lang="en-US" dirty="0"/>
-              <a:t>Mathematics of Linear Regression</a:t>
-            </a:r>
-          </a:p>
-          <a:p>
-            <a:r>
-              <a:rPr lang="en-US" dirty="0"/>
-              <a:t>Interpreting Results and </a:t>
-            </a:r>
-            <a:r>
-              <a:rPr lang="en-US" dirty="0" err="1"/>
-              <a:t>RSquared</a:t>
-            </a:r>
-            <a:endParaRPr lang="en-US" dirty="0"/>
-          </a:p>
-          <a:p>
-            <a:r>
-              <a:rPr lang="en-US" dirty="0"/>
-              <a:t>Assumptions and Model Diagnostics</a:t>
-            </a:r>
-          </a:p>
-          <a:p>
-            <a:r>
-              <a:rPr lang="en-US" dirty="0"/>
-              <a:t>Hands-on: Example in R/RStudio</a:t>
-            </a:r>
-          </a:p>
-          <a:p>
-            <a:r>
-              <a:rPr lang="en-US" dirty="0"/>
-              <a:t>Conclusion</a:t>
-            </a:r>
-          </a:p>
-        </p:txBody>
-      </p:sp>
-      <p:sp>
-        <p:nvSpPr>
-          <p:cNvPr id="4" name="TextBox 3">
-            <a:extLst>
-              <a:ext uri="{FF2B5EF4-FFF2-40B4-BE49-F238E27FC236}">
-                <a16:creationId xmlns:a16="http://schemas.microsoft.com/office/drawing/2014/main" id="{945CC72C-C6E1-0629-981F-AC3404E4E8D6}"/>
-              </a:ext>
-            </a:extLst>
-          </p:cNvPr>
-          <p:cNvSpPr txBox="1"/>
-          <p:nvPr/>
-        </p:nvSpPr>
-        <p:spPr>
-          <a:xfrm>
-            <a:off x="8383836" y="5637381"/>
-            <a:ext cx="3128790" cy="1015663"/>
-          </a:xfrm>
-          <a:prstGeom prst="rect">
-            <a:avLst/>
-          </a:prstGeom>
-          <a:noFill/>
-        </p:spPr>
-        <p:txBody>
-          <a:bodyPr wrap="square" rtlCol="0">
-            <a:spAutoFit/>
-          </a:bodyPr>
-          <a:lstStyle/>
-          <a:p>
-            <a:r>
-              <a:rPr lang="en-US" sz="2000" b="1" dirty="0"/>
-              <a:t>Case Study:</a:t>
-            </a:r>
-          </a:p>
-          <a:p>
-            <a:r>
-              <a:rPr lang="en-US" sz="2000" dirty="0"/>
-              <a:t>Number of Golf Courses in USA</a:t>
-            </a:r>
-          </a:p>
-        </p:txBody>
-      </p:sp>
-      <p:pic>
-        <p:nvPicPr>
-          <p:cNvPr id="2050" name="Picture 2">
-            <a:hlinkClick r:id="rId2" tooltip="Escape"/>
-            <a:extLst>
-              <a:ext uri="{FF2B5EF4-FFF2-40B4-BE49-F238E27FC236}">
-                <a16:creationId xmlns:a16="http://schemas.microsoft.com/office/drawing/2014/main" id="{77CE0746-E3A2-74D5-F457-80DD14C394DB}"/>
-              </a:ext>
-            </a:extLst>
-          </p:cNvPr>
-          <p:cNvPicPr>
-            <a:picLocks noChangeAspect="1" noChangeArrowheads="1"/>
-          </p:cNvPicPr>
-          <p:nvPr/>
-        </p:nvPicPr>
-        <p:blipFill>
-          <a:blip r:embed="rId3">
-            <a:extLst>
-              <a:ext uri="{28A0092B-C50C-407E-A947-70E740481C1C}">
-                <a14:useLocalDpi xmlns:a14="http://schemas.microsoft.com/office/drawing/2010/main" val="0"/>
-              </a:ext>
-            </a:extLst>
-          </a:blip>
-          <a:srcRect/>
-          <a:stretch>
-            <a:fillRect/>
-          </a:stretch>
-        </p:blipFill>
-        <p:spPr bwMode="auto">
-          <a:xfrm>
-            <a:off x="8383836" y="1028541"/>
-            <a:ext cx="3128790" cy="4434506"/>
-          </a:xfrm>
-          <a:prstGeom prst="rect">
-            <a:avLst/>
-          </a:prstGeom>
-          <a:noFill/>
-          <a:extLst>
-            <a:ext uri="{909E8E84-426E-40DD-AFC4-6F175D3DCCD1}">
-              <a14:hiddenFill xmlns:a14="http://schemas.microsoft.com/office/drawing/2010/main">
-                <a:solidFill>
-                  <a:srgbClr val="FFFFFF"/>
-                </a:solidFill>
-              </a14:hiddenFill>
-            </a:ext>
-          </a:extLst>
-        </p:spPr>
-      </p:pic>
-    </p:spTree>
-    <p:extLst>
-      <p:ext uri="{BB962C8B-B14F-4D97-AF65-F5344CB8AC3E}">
-        <p14:creationId xmlns:p14="http://schemas.microsoft.com/office/powerpoint/2010/main" val="2355259409"/>
-      </p:ext>
-    </p:extLst>
-  </p:cSld>
-  <p:clrMapOvr>
-    <a:masterClrMapping/>
-  </p:clrMapOvr>
-</p:sld>
-</file>
-
-<file path=ppt/slides/slide20.xml><?xml version="1.0" encoding="utf-8"?>
-<p:sld xmlns:a="http://schemas.openxmlformats.org/drawingml/2006/main" xmlns:r="http://schemas.openxmlformats.org/officeDocument/2006/relationships" xmlns:p="http://schemas.openxmlformats.org/presentationml/2006/main">
-  <p:cSld>
-    <p:spTree>
-      <p:nvGrpSpPr>
-        <p:cNvPr id="1" name=""/>
-        <p:cNvGrpSpPr/>
-        <p:nvPr/>
-      </p:nvGrpSpPr>
-      <p:grpSpPr>
-        <a:xfrm>
-          <a:off x="0" y="0"/>
-          <a:ext cx="0" cy="0"/>
-          <a:chOff x="0" y="0"/>
-          <a:chExt cx="0" cy="0"/>
-        </a:xfrm>
-      </p:grpSpPr>
-      <p:sp>
-        <p:nvSpPr>
-          <p:cNvPr id="2" name="Title 1">
-            <a:extLst>
-              <a:ext uri="{FF2B5EF4-FFF2-40B4-BE49-F238E27FC236}">
                 <a16:creationId xmlns:a16="http://schemas.microsoft.com/office/drawing/2014/main" id="{5EABA849-CC1C-65D3-6A2F-0302EEBEE759}"/>
               </a:ext>
             </a:extLst>
@@ -8542,7 +9915,7 @@
 </p:sld>
 </file>
 
-<file path=ppt/slides/slide21.xml><?xml version="1.0" encoding="utf-8"?>
+<file path=ppt/slides/slide24.xml><?xml version="1.0" encoding="utf-8"?>
 <p:sld xmlns:a="http://schemas.openxmlformats.org/drawingml/2006/main" xmlns:r="http://schemas.openxmlformats.org/officeDocument/2006/relationships" xmlns:p="http://schemas.openxmlformats.org/presentationml/2006/main">
   <p:cSld>
     <p:bg>
@@ -8869,7 +10242,7 @@
         <p:spPr>
           <a:xfrm>
             <a:off x="136941" y="2087562"/>
-            <a:ext cx="4191000" cy="2682875"/>
+            <a:ext cx="3149184" cy="2682875"/>
           </a:xfrm>
         </p:spPr>
         <p:txBody>
@@ -8887,10 +10260,10 @@
       </p:sp>
       <p:pic>
         <p:nvPicPr>
-          <p:cNvPr id="4" name="Content Placeholder 3" descr="A group of graphs showing different values&#10;&#10;Description automatically generated">
-            <a:extLst>
-              <a:ext uri="{FF2B5EF4-FFF2-40B4-BE49-F238E27FC236}">
-                <a16:creationId xmlns:a16="http://schemas.microsoft.com/office/drawing/2014/main" id="{0A548059-888E-B189-D62D-3C18E0AB532F}"/>
+          <p:cNvPr id="5" name="Picture 4" descr="A collage of graphs showing different values&#10;&#10;Description automatically generated">
+            <a:extLst>
+              <a:ext uri="{FF2B5EF4-FFF2-40B4-BE49-F238E27FC236}">
+                <a16:creationId xmlns:a16="http://schemas.microsoft.com/office/drawing/2014/main" id="{4347B02D-8F07-98F5-E6A6-1ED92AB63B39}"/>
               </a:ext>
             </a:extLst>
           </p:cNvPr>
@@ -8907,8 +10280,8 @@
         </p:blipFill>
         <p:spPr>
           <a:xfrm>
-            <a:off x="4581356" y="647699"/>
-            <a:ext cx="7224155" cy="5562599"/>
+            <a:off x="3520661" y="709140"/>
+            <a:ext cx="8381654" cy="5562599"/>
           </a:xfrm>
           <a:prstGeom prst="rect">
             <a:avLst/>
@@ -8928,7 +10301,7 @@
 </p:sld>
 </file>
 
-<file path=ppt/slides/slide22.xml><?xml version="1.0" encoding="utf-8"?>
+<file path=ppt/slides/slide25.xml><?xml version="1.0" encoding="utf-8"?>
 <p:sld xmlns:a="http://schemas.openxmlformats.org/drawingml/2006/main" xmlns:r="http://schemas.openxmlformats.org/officeDocument/2006/relationships" xmlns:p="http://schemas.openxmlformats.org/presentationml/2006/main">
   <p:cSld>
     <p:spTree>
@@ -8968,7 +10341,7 @@
           <a:p>
             <a:r>
               <a:rPr lang="en-US" dirty="0"/>
-              <a:t>Mid-class Quiz</a:t>
+              <a:t>In-class Quiz</a:t>
             </a:r>
           </a:p>
         </p:txBody>
@@ -9033,7 +10406,7 @@
 </p:sld>
 </file>
 
-<file path=ppt/slides/slide23.xml><?xml version="1.0" encoding="utf-8"?>
+<file path=ppt/slides/slide26.xml><?xml version="1.0" encoding="utf-8"?>
 <p:sld xmlns:a="http://schemas.openxmlformats.org/drawingml/2006/main" xmlns:r="http://schemas.openxmlformats.org/officeDocument/2006/relationships" xmlns:p="http://schemas.openxmlformats.org/presentationml/2006/main">
   <p:cSld>
     <p:spTree>
@@ -9119,7 +10492,7 @@
 </p:sld>
 </file>
 
-<file path=ppt/slides/slide24.xml><?xml version="1.0" encoding="utf-8"?>
+<file path=ppt/slides/slide27.xml><?xml version="1.0" encoding="utf-8"?>
 <p:sld xmlns:a="http://schemas.openxmlformats.org/drawingml/2006/main" xmlns:r="http://schemas.openxmlformats.org/officeDocument/2006/relationships" xmlns:p="http://schemas.openxmlformats.org/presentationml/2006/main">
   <p:cSld>
     <p:spTree>
@@ -9155,13 +10528,13 @@
         <p:spPr/>
         <p:txBody>
           <a:bodyPr>
-            <a:normAutofit fontScale="90000"/>
+            <a:normAutofit/>
           </a:bodyPr>
           <a:lstStyle/>
           <a:p>
             <a:r>
               <a:rPr lang="en-US" dirty="0"/>
-              <a:t>Impact of Location, Population, and Value of Linear Model</a:t>
+              <a:t>Impact of Smoking Habits, BMI and Others</a:t>
             </a:r>
           </a:p>
         </p:txBody>
@@ -9182,38 +10555,175 @@
             <p:ph idx="1"/>
           </p:nvPr>
         </p:nvSpPr>
-        <p:spPr/>
+        <p:spPr>
+          <a:xfrm>
+            <a:off x="1514474" y="1949450"/>
+            <a:ext cx="10218831" cy="4195763"/>
+          </a:xfrm>
+        </p:spPr>
         <p:txBody>
           <a:bodyPr>
-            <a:normAutofit fontScale="92500" lnSpcReduction="20000"/>
+            <a:normAutofit fontScale="85000" lnSpcReduction="20000"/>
           </a:bodyPr>
           <a:lstStyle/>
           <a:p>
-            <a:r>
+            <a:pPr marL="0" indent="0">
+              <a:buNone/>
+            </a:pPr>
+            <a:r>
+              <a:rPr lang="en-US" b="1" dirty="0"/>
+              <a:t>Impact of Smoking on Charges</a:t>
+            </a:r>
+            <a:br>
               <a:rPr lang="en-US" dirty="0"/>
-              <a:t>From our MLR results, we found that a one-unit increase in location quotient is associated with ~49 additional golf courses, holding other variables constant.</a:t>
-            </a:r>
-          </a:p>
-          <a:p>
-            <a:endParaRPr lang="en-US" dirty="0"/>
-          </a:p>
-          <a:p>
+            </a:br>
             <a:r>
               <a:rPr lang="en-US" dirty="0"/>
-              <a:t>For every additional 100,000 people in a state's population, the number of golf courses increases by ~2.</a:t>
-            </a:r>
-          </a:p>
-          <a:p>
-            <a:endParaRPr lang="en-US" dirty="0"/>
-          </a:p>
-          <a:p>
-            <a:r>
+              <a:t>From our MLR results, we found that being a smoker is associated with an increase of approximately $23,836 in annual medical charges, holding other variables constant.</a:t>
+            </a:r>
+          </a:p>
+          <a:p>
+            <a:pPr marL="0" indent="0">
+              <a:buNone/>
+            </a:pPr>
+            <a:r>
+              <a:rPr lang="en-US" b="1" dirty="0"/>
+              <a:t>Effect of BMI on Costs</a:t>
+            </a:r>
+            <a:br>
               <a:rPr lang="en-US" dirty="0"/>
-              <a:t>Location, Population, Population Growth, and Population Density together explain 71% of variability in the number of golf courses by state.</a:t>
-            </a:r>
-          </a:p>
-        </p:txBody>
-      </p:sp>
+            </a:br>
+            <a:r>
+              <a:rPr lang="en-US" dirty="0"/>
+              <a:t>For every one-unit increase in BMI, medical charges increase by around $338.66, controlling for other factors like age and smoking.</a:t>
+            </a:r>
+          </a:p>
+          <a:p>
+            <a:pPr marL="0" indent="0">
+              <a:buNone/>
+            </a:pPr>
+            <a:r>
+              <a:rPr lang="en-US" b="1" dirty="0"/>
+              <a:t>Explaining Variability in Medical Charges</a:t>
+            </a:r>
+            <a:br>
+              <a:rPr lang="en-US" dirty="0"/>
+            </a:br>
+            <a:r>
+              <a:rPr lang="en-US" dirty="0"/>
+              <a:t>Smoking habits, BMI, age, number of dependents, and regional differences together explain 75% of the variability in health insurance premiums.</a:t>
+            </a:r>
+          </a:p>
+        </p:txBody>
+      </p:sp>
+      <p:pic>
+        <p:nvPicPr>
+          <p:cNvPr id="5" name="Graphic 4" descr="Flying Money with solid fill">
+            <a:extLst>
+              <a:ext uri="{FF2B5EF4-FFF2-40B4-BE49-F238E27FC236}">
+                <a16:creationId xmlns:a16="http://schemas.microsoft.com/office/drawing/2014/main" id="{D90D5DF8-90BD-E8B8-C200-57E41B580849}"/>
+              </a:ext>
+            </a:extLst>
+          </p:cNvPr>
+          <p:cNvPicPr>
+            <a:picLocks noChangeAspect="1"/>
+          </p:cNvPicPr>
+          <p:nvPr/>
+        </p:nvPicPr>
+        <p:blipFill>
+          <a:blip r:embed="rId2">
+            <a:extLst>
+              <a:ext uri="{96DAC541-7B7A-43D3-8B79-37D633B846F1}">
+                <asvg:svgBlip xmlns:asvg="http://schemas.microsoft.com/office/drawing/2016/SVG/main" r:embed="rId3"/>
+              </a:ext>
+            </a:extLst>
+          </a:blip>
+          <a:stretch>
+            <a:fillRect/>
+          </a:stretch>
+        </p:blipFill>
+        <p:spPr>
+          <a:xfrm>
+            <a:off x="458694" y="1949450"/>
+            <a:ext cx="914400" cy="914400"/>
+          </a:xfrm>
+          <a:prstGeom prst="rect">
+            <a:avLst/>
+          </a:prstGeom>
+        </p:spPr>
+      </p:pic>
+      <p:pic>
+        <p:nvPicPr>
+          <p:cNvPr id="7" name="Graphic 6" descr="Scale with solid fill">
+            <a:extLst>
+              <a:ext uri="{FF2B5EF4-FFF2-40B4-BE49-F238E27FC236}">
+                <a16:creationId xmlns:a16="http://schemas.microsoft.com/office/drawing/2014/main" id="{BA615AE3-58BF-1077-690C-CDB2B11AF2E8}"/>
+              </a:ext>
+            </a:extLst>
+          </p:cNvPr>
+          <p:cNvPicPr>
+            <a:picLocks noChangeAspect="1"/>
+          </p:cNvPicPr>
+          <p:nvPr/>
+        </p:nvPicPr>
+        <p:blipFill>
+          <a:blip r:embed="rId4">
+            <a:extLst>
+              <a:ext uri="{96DAC541-7B7A-43D3-8B79-37D633B846F1}">
+                <asvg:svgBlip xmlns:asvg="http://schemas.microsoft.com/office/drawing/2016/SVG/main" r:embed="rId5"/>
+              </a:ext>
+            </a:extLst>
+          </a:blip>
+          <a:stretch>
+            <a:fillRect/>
+          </a:stretch>
+        </p:blipFill>
+        <p:spPr>
+          <a:xfrm>
+            <a:off x="458694" y="3343275"/>
+            <a:ext cx="914400" cy="914400"/>
+          </a:xfrm>
+          <a:prstGeom prst="rect">
+            <a:avLst/>
+          </a:prstGeom>
+        </p:spPr>
+      </p:pic>
+      <p:pic>
+        <p:nvPicPr>
+          <p:cNvPr id="9" name="Graphic 8" descr="Neanderthal Male with solid fill">
+            <a:extLst>
+              <a:ext uri="{FF2B5EF4-FFF2-40B4-BE49-F238E27FC236}">
+                <a16:creationId xmlns:a16="http://schemas.microsoft.com/office/drawing/2014/main" id="{11A5113E-D6B4-2D55-4289-A2A78C5C14CD}"/>
+              </a:ext>
+            </a:extLst>
+          </p:cNvPr>
+          <p:cNvPicPr>
+            <a:picLocks noChangeAspect="1"/>
+          </p:cNvPicPr>
+          <p:nvPr/>
+        </p:nvPicPr>
+        <p:blipFill>
+          <a:blip r:embed="rId6">
+            <a:extLst>
+              <a:ext uri="{96DAC541-7B7A-43D3-8B79-37D633B846F1}">
+                <asvg:svgBlip xmlns:asvg="http://schemas.microsoft.com/office/drawing/2016/SVG/main" r:embed="rId7"/>
+              </a:ext>
+            </a:extLst>
+          </a:blip>
+          <a:stretch>
+            <a:fillRect/>
+          </a:stretch>
+        </p:blipFill>
+        <p:spPr>
+          <a:xfrm>
+            <a:off x="529384" y="4722812"/>
+            <a:ext cx="914400" cy="914400"/>
+          </a:xfrm>
+          <a:prstGeom prst="rect">
+            <a:avLst/>
+          </a:prstGeom>
+        </p:spPr>
+      </p:pic>
     </p:spTree>
     <p:extLst>
       <p:ext uri="{BB962C8B-B14F-4D97-AF65-F5344CB8AC3E}">
@@ -9227,18 +10737,12 @@
 </p:sld>
 </file>
 
-<file path=ppt/slides/slide25.xml><?xml version="1.0" encoding="utf-8"?>
+<file path=ppt/slides/slide28.xml><?xml version="1.0" encoding="utf-8"?>
 <p:sld xmlns:a="http://schemas.openxmlformats.org/drawingml/2006/main" xmlns:r="http://schemas.openxmlformats.org/officeDocument/2006/relationships" xmlns:p="http://schemas.openxmlformats.org/presentationml/2006/main">
   <p:cSld>
     <p:spTree>
       <p:nvGrpSpPr>
-        <p:cNvPr id="1" name="">
-          <a:extLst>
-            <a:ext uri="{FF2B5EF4-FFF2-40B4-BE49-F238E27FC236}">
-              <a16:creationId xmlns:a16="http://schemas.microsoft.com/office/drawing/2014/main" id="{7EDC8915-1CCF-C41C-CD2D-4CEB524793AD}"/>
-            </a:ext>
-          </a:extLst>
-        </p:cNvPr>
+        <p:cNvPr id="1" name=""/>
         <p:cNvGrpSpPr/>
         <p:nvPr/>
       </p:nvGrpSpPr>
@@ -9255,7 +10759,7 @@
           <p:cNvPr id="2" name="Title 1">
             <a:extLst>
               <a:ext uri="{FF2B5EF4-FFF2-40B4-BE49-F238E27FC236}">
-                <a16:creationId xmlns:a16="http://schemas.microsoft.com/office/drawing/2014/main" id="{06106660-93D2-0DE0-1551-DB8D71E13A2B}"/>
+                <a16:creationId xmlns:a16="http://schemas.microsoft.com/office/drawing/2014/main" id="{2B270A58-3530-0543-6C0F-496C92362B10}"/>
               </a:ext>
             </a:extLst>
           </p:cNvPr>
@@ -9268,7 +10772,7 @@
         </p:nvSpPr>
         <p:spPr>
           <a:xfrm>
-            <a:off x="458694" y="50005"/>
+            <a:off x="458694" y="0"/>
             <a:ext cx="10895106" cy="1325563"/>
           </a:xfrm>
         </p:spPr>
@@ -9278,17 +10782,101 @@
           <a:p>
             <a:r>
               <a:rPr lang="en-US" dirty="0"/>
-              <a:t>Multiple Linear Regression</a:t>
+              <a:t>Recommended Policy Interventions</a:t>
+            </a:r>
+          </a:p>
+        </p:txBody>
+      </p:sp>
+      <p:sp>
+        <p:nvSpPr>
+          <p:cNvPr id="3" name="Content Placeholder 2">
+            <a:extLst>
+              <a:ext uri="{FF2B5EF4-FFF2-40B4-BE49-F238E27FC236}">
+                <a16:creationId xmlns:a16="http://schemas.microsoft.com/office/drawing/2014/main" id="{F3A6A45B-E260-C656-CD0C-3E1A8523C59E}"/>
+              </a:ext>
+            </a:extLst>
+          </p:cNvPr>
+          <p:cNvSpPr>
+            <a:spLocks noGrp="1"/>
+          </p:cNvSpPr>
+          <p:nvPr>
+            <p:ph idx="1"/>
+          </p:nvPr>
+        </p:nvSpPr>
+        <p:spPr>
+          <a:xfrm>
+            <a:off x="1385046" y="1169894"/>
+            <a:ext cx="10348259" cy="4975320"/>
+          </a:xfrm>
+        </p:spPr>
+        <p:txBody>
+          <a:bodyPr>
+            <a:normAutofit/>
+          </a:bodyPr>
+          <a:lstStyle/>
+          <a:p>
+            <a:pPr marL="0" indent="0">
+              <a:buNone/>
+            </a:pPr>
+            <a:r>
+              <a:rPr lang="en-US" sz="2400" dirty="0"/>
+              <a:t>Expand the </a:t>
+            </a:r>
+            <a:r>
+              <a:rPr lang="en-US" sz="2400" b="1" dirty="0"/>
+              <a:t>Massachusetts Tobacco Cessation and Prevention Program (MTCP) </a:t>
+            </a:r>
+            <a:r>
+              <a:rPr lang="en-US" sz="2400" dirty="0"/>
+              <a:t>with targeted campaigns for high-risk populations — regions, incentives like tax benefits, etc.</a:t>
+            </a:r>
+          </a:p>
+          <a:p>
+            <a:pPr marL="0" indent="0">
+              <a:buNone/>
+            </a:pPr>
+            <a:endParaRPr lang="en-US" sz="2400" dirty="0"/>
+          </a:p>
+          <a:p>
+            <a:pPr marL="0" indent="0">
+              <a:buNone/>
+            </a:pPr>
+            <a:r>
+              <a:rPr lang="en-US" sz="2400" dirty="0"/>
+              <a:t>Higher BMI leads to higher charges! Consider </a:t>
+            </a:r>
+            <a:r>
+              <a:rPr lang="en-US" sz="2400" b="1" dirty="0"/>
+              <a:t>subsidizing gym memberships, nutritional counseling, and fitness programs</a:t>
+            </a:r>
+            <a:r>
+              <a:rPr lang="en-US" sz="2400" dirty="0"/>
+              <a:t>, particularly for lower-income groups that face barriers to access</a:t>
+            </a:r>
+          </a:p>
+          <a:p>
+            <a:pPr marL="0" indent="0">
+              <a:buNone/>
+            </a:pPr>
+            <a:endParaRPr lang="en-US" sz="2400" dirty="0"/>
+          </a:p>
+          <a:p>
+            <a:pPr marL="0" indent="0">
+              <a:buNone/>
+            </a:pPr>
+            <a:r>
+              <a:rPr lang="en-US" sz="2400" dirty="0"/>
+              <a:t>Extra premium for children’s insurance causes higher childcare costs for parents. Consider subsidizing children’s insurance!</a:t>
             </a:r>
           </a:p>
         </p:txBody>
       </p:sp>
       <p:pic>
         <p:nvPicPr>
-          <p:cNvPr id="7" name="Picture 6" descr="A screenshot of a computer&#10;&#10;Description automatically generated">
-            <a:extLst>
-              <a:ext uri="{FF2B5EF4-FFF2-40B4-BE49-F238E27FC236}">
-                <a16:creationId xmlns:a16="http://schemas.microsoft.com/office/drawing/2014/main" id="{9969F06A-B1E7-E84D-383F-C32174359165}"/>
+          <p:cNvPr id="5" name="Graphic 4" descr="No smoking with solid fill">
+            <a:extLst>
+              <a:ext uri="{FF2B5EF4-FFF2-40B4-BE49-F238E27FC236}">
+                <a16:creationId xmlns:a16="http://schemas.microsoft.com/office/drawing/2014/main" id="{FAF4D817-D7E4-1C7D-80F8-89789E31FD37}"/>
               </a:ext>
             </a:extLst>
           </p:cNvPr>
@@ -9298,187 +10886,103 @@
           <p:nvPr/>
         </p:nvPicPr>
         <p:blipFill>
-          <a:blip r:embed="rId2"/>
+          <a:blip r:embed="rId2">
+            <a:extLst>
+              <a:ext uri="{96DAC541-7B7A-43D3-8B79-37D633B846F1}">
+                <asvg:svgBlip xmlns:asvg="http://schemas.microsoft.com/office/drawing/2016/SVG/main" r:embed="rId3"/>
+              </a:ext>
+            </a:extLst>
+          </a:blip>
           <a:stretch>
             <a:fillRect/>
           </a:stretch>
         </p:blipFill>
         <p:spPr>
           <a:xfrm>
-            <a:off x="2228835" y="1375568"/>
-            <a:ext cx="7354824" cy="5043633"/>
+            <a:off x="381000" y="1254125"/>
+            <a:ext cx="914400" cy="914400"/>
           </a:xfrm>
           <a:prstGeom prst="rect">
             <a:avLst/>
           </a:prstGeom>
         </p:spPr>
       </p:pic>
-      <p:sp>
-        <p:nvSpPr>
-          <p:cNvPr id="6" name="Rectangle 5">
-            <a:extLst>
-              <a:ext uri="{FF2B5EF4-FFF2-40B4-BE49-F238E27FC236}">
-                <a16:creationId xmlns:a16="http://schemas.microsoft.com/office/drawing/2014/main" id="{444E6D02-7EFA-C95C-CBCB-9473A628312F}"/>
-              </a:ext>
-            </a:extLst>
-          </p:cNvPr>
-          <p:cNvSpPr/>
+      <p:pic>
+        <p:nvPicPr>
+          <p:cNvPr id="7" name="Graphic 6" descr="Chocolate with solid fill">
+            <a:extLst>
+              <a:ext uri="{FF2B5EF4-FFF2-40B4-BE49-F238E27FC236}">
+                <a16:creationId xmlns:a16="http://schemas.microsoft.com/office/drawing/2014/main" id="{489E9BCF-038A-6C6A-AF7B-7D9EB1C83062}"/>
+              </a:ext>
+            </a:extLst>
+          </p:cNvPr>
+          <p:cNvPicPr>
+            <a:picLocks noChangeAspect="1"/>
+          </p:cNvPicPr>
           <p:nvPr/>
-        </p:nvSpPr>
+        </p:nvPicPr>
+        <p:blipFill>
+          <a:blip r:embed="rId4">
+            <a:extLst>
+              <a:ext uri="{96DAC541-7B7A-43D3-8B79-37D633B846F1}">
+                <asvg:svgBlip xmlns:asvg="http://schemas.microsoft.com/office/drawing/2016/SVG/main" r:embed="rId5"/>
+              </a:ext>
+            </a:extLst>
+          </a:blip>
+          <a:stretch>
+            <a:fillRect/>
+          </a:stretch>
+        </p:blipFill>
         <p:spPr>
           <a:xfrm>
-            <a:off x="3800819" y="4021157"/>
-            <a:ext cx="903383" cy="782197"/>
+            <a:off x="381000" y="2971800"/>
+            <a:ext cx="914400" cy="914400"/>
           </a:xfrm>
           <a:prstGeom prst="rect">
             <a:avLst/>
           </a:prstGeom>
-          <a:noFill/>
-          <a:ln w="19050" cap="flat" cmpd="sng" algn="ctr">
-            <a:solidFill>
-              <a:schemeClr val="accent2"/>
-            </a:solidFill>
-            <a:prstDash val="solid"/>
-            <a:round/>
-            <a:headEnd type="none" w="med" len="med"/>
-            <a:tailEnd type="none" w="med" len="med"/>
-          </a:ln>
         </p:spPr>
-        <p:style>
-          <a:lnRef idx="0">
-            <a:scrgbClr r="0" g="0" b="0"/>
-          </a:lnRef>
-          <a:fillRef idx="0">
-            <a:scrgbClr r="0" g="0" b="0"/>
-          </a:fillRef>
-          <a:effectRef idx="0">
-            <a:scrgbClr r="0" g="0" b="0"/>
-          </a:effectRef>
-          <a:fontRef idx="minor">
-            <a:schemeClr val="accent2"/>
-          </a:fontRef>
-        </p:style>
-        <p:txBody>
-          <a:bodyPr rtlCol="0" anchor="ctr"/>
-          <a:lstStyle/>
-          <a:p>
-            <a:pPr algn="ctr"/>
-            <a:endParaRPr lang="en-US"/>
-          </a:p>
-        </p:txBody>
-      </p:sp>
-      <p:sp>
-        <p:nvSpPr>
-          <p:cNvPr id="8" name="Rectangle 7">
-            <a:extLst>
-              <a:ext uri="{FF2B5EF4-FFF2-40B4-BE49-F238E27FC236}">
-                <a16:creationId xmlns:a16="http://schemas.microsoft.com/office/drawing/2014/main" id="{9CEF04B2-6EA8-6F24-7425-3D076CA6E8CF}"/>
-              </a:ext>
-            </a:extLst>
-          </p:cNvPr>
-          <p:cNvSpPr/>
+      </p:pic>
+      <p:pic>
+        <p:nvPicPr>
+          <p:cNvPr id="9" name="Graphic 8" descr="Family with two children with solid fill">
+            <a:extLst>
+              <a:ext uri="{FF2B5EF4-FFF2-40B4-BE49-F238E27FC236}">
+                <a16:creationId xmlns:a16="http://schemas.microsoft.com/office/drawing/2014/main" id="{292B878F-6910-3674-0EA1-61EE4450B3AD}"/>
+              </a:ext>
+            </a:extLst>
+          </p:cNvPr>
+          <p:cNvPicPr>
+            <a:picLocks noChangeAspect="1"/>
+          </p:cNvPicPr>
           <p:nvPr/>
-        </p:nvSpPr>
+        </p:nvPicPr>
+        <p:blipFill>
+          <a:blip r:embed="rId6">
+            <a:extLst>
+              <a:ext uri="{96DAC541-7B7A-43D3-8B79-37D633B846F1}">
+                <asvg:svgBlip xmlns:asvg="http://schemas.microsoft.com/office/drawing/2016/SVG/main" r:embed="rId7"/>
+              </a:ext>
+            </a:extLst>
+          </a:blip>
+          <a:stretch>
+            <a:fillRect/>
+          </a:stretch>
+        </p:blipFill>
         <p:spPr>
           <a:xfrm>
-            <a:off x="2228835" y="5971142"/>
-            <a:ext cx="5075348" cy="207484"/>
+            <a:off x="381000" y="4943475"/>
+            <a:ext cx="914400" cy="914400"/>
           </a:xfrm>
           <a:prstGeom prst="rect">
             <a:avLst/>
           </a:prstGeom>
-          <a:noFill/>
-          <a:ln w="19050" cap="flat" cmpd="sng" algn="ctr">
-            <a:solidFill>
-              <a:schemeClr val="accent2"/>
-            </a:solidFill>
-            <a:prstDash val="solid"/>
-            <a:round/>
-            <a:headEnd type="none" w="med" len="med"/>
-            <a:tailEnd type="none" w="med" len="med"/>
-          </a:ln>
         </p:spPr>
-        <p:style>
-          <a:lnRef idx="0">
-            <a:scrgbClr r="0" g="0" b="0"/>
-          </a:lnRef>
-          <a:fillRef idx="0">
-            <a:scrgbClr r="0" g="0" b="0"/>
-          </a:fillRef>
-          <a:effectRef idx="0">
-            <a:scrgbClr r="0" g="0" b="0"/>
-          </a:effectRef>
-          <a:fontRef idx="minor">
-            <a:schemeClr val="accent2"/>
-          </a:fontRef>
-        </p:style>
-        <p:txBody>
-          <a:bodyPr rtlCol="0" anchor="ctr"/>
-          <a:lstStyle/>
-          <a:p>
-            <a:pPr algn="ctr"/>
-            <a:endParaRPr lang="en-US"/>
-          </a:p>
-        </p:txBody>
-      </p:sp>
-      <p:sp>
-        <p:nvSpPr>
-          <p:cNvPr id="11" name="Rectangle 10">
-            <a:extLst>
-              <a:ext uri="{FF2B5EF4-FFF2-40B4-BE49-F238E27FC236}">
-                <a16:creationId xmlns:a16="http://schemas.microsoft.com/office/drawing/2014/main" id="{951ED54F-F1C1-CA80-24C1-72EF7B7FA0C3}"/>
-              </a:ext>
-            </a:extLst>
-          </p:cNvPr>
-          <p:cNvSpPr/>
-          <p:nvPr/>
-        </p:nvSpPr>
-        <p:spPr>
-          <a:xfrm>
-            <a:off x="6276186" y="3997287"/>
-            <a:ext cx="1027997" cy="806067"/>
-          </a:xfrm>
-          <a:prstGeom prst="rect">
-            <a:avLst/>
-          </a:prstGeom>
-          <a:noFill/>
-          <a:ln w="19050" cap="flat" cmpd="sng" algn="ctr">
-            <a:solidFill>
-              <a:schemeClr val="accent2"/>
-            </a:solidFill>
-            <a:prstDash val="solid"/>
-            <a:round/>
-            <a:headEnd type="none" w="med" len="med"/>
-            <a:tailEnd type="none" w="med" len="med"/>
-          </a:ln>
-        </p:spPr>
-        <p:style>
-          <a:lnRef idx="0">
-            <a:scrgbClr r="0" g="0" b="0"/>
-          </a:lnRef>
-          <a:fillRef idx="0">
-            <a:scrgbClr r="0" g="0" b="0"/>
-          </a:fillRef>
-          <a:effectRef idx="0">
-            <a:scrgbClr r="0" g="0" b="0"/>
-          </a:effectRef>
-          <a:fontRef idx="minor">
-            <a:schemeClr val="accent2"/>
-          </a:fontRef>
-        </p:style>
-        <p:txBody>
-          <a:bodyPr rtlCol="0" anchor="ctr"/>
-          <a:lstStyle/>
-          <a:p>
-            <a:pPr algn="ctr"/>
-            <a:endParaRPr lang="en-US"/>
-          </a:p>
-        </p:txBody>
-      </p:sp>
+      </p:pic>
     </p:spTree>
     <p:extLst>
       <p:ext uri="{BB962C8B-B14F-4D97-AF65-F5344CB8AC3E}">
-        <p14:creationId xmlns:p14="http://schemas.microsoft.com/office/powerpoint/2010/main" val="3008689520"/>
+        <p14:creationId xmlns:p14="http://schemas.microsoft.com/office/powerpoint/2010/main" val="1211321221"/>
       </p:ext>
     </p:extLst>
   </p:cSld>
@@ -9488,7 +10992,475 @@
 </p:sld>
 </file>
 
-<file path=ppt/slides/slide26.xml><?xml version="1.0" encoding="utf-8"?>
+<file path=ppt/slides/slide29.xml><?xml version="1.0" encoding="utf-8"?>
+<p:sld xmlns:a="http://schemas.openxmlformats.org/drawingml/2006/main" xmlns:r="http://schemas.openxmlformats.org/officeDocument/2006/relationships" xmlns:p="http://schemas.openxmlformats.org/presentationml/2006/main">
+  <p:cSld>
+    <p:spTree>
+      <p:nvGrpSpPr>
+        <p:cNvPr id="1" name=""/>
+        <p:cNvGrpSpPr/>
+        <p:nvPr/>
+      </p:nvGrpSpPr>
+      <p:grpSpPr>
+        <a:xfrm>
+          <a:off x="0" y="0"/>
+          <a:ext cx="0" cy="0"/>
+          <a:chOff x="0" y="0"/>
+          <a:chExt cx="0" cy="0"/>
+        </a:xfrm>
+      </p:grpSpPr>
+      <p:sp>
+        <p:nvSpPr>
+          <p:cNvPr id="2" name="Title 1">
+            <a:extLst>
+              <a:ext uri="{FF2B5EF4-FFF2-40B4-BE49-F238E27FC236}">
+                <a16:creationId xmlns:a16="http://schemas.microsoft.com/office/drawing/2014/main" id="{90705B0B-3B33-9B5C-F158-DEAAAEC8C05F}"/>
+              </a:ext>
+            </a:extLst>
+          </p:cNvPr>
+          <p:cNvSpPr>
+            <a:spLocks noGrp="1"/>
+          </p:cNvSpPr>
+          <p:nvPr>
+            <p:ph type="title"/>
+          </p:nvPr>
+        </p:nvSpPr>
+        <p:spPr>
+          <a:xfrm>
+            <a:off x="458695" y="18255"/>
+            <a:ext cx="10895106" cy="1325563"/>
+          </a:xfrm>
+        </p:spPr>
+        <p:txBody>
+          <a:bodyPr/>
+          <a:lstStyle/>
+          <a:p>
+            <a:r>
+              <a:rPr lang="en-US" dirty="0"/>
+              <a:t>Concluding Remarks</a:t>
+            </a:r>
+          </a:p>
+        </p:txBody>
+      </p:sp>
+      <p:sp>
+        <p:nvSpPr>
+          <p:cNvPr id="3" name="Content Placeholder 2">
+            <a:extLst>
+              <a:ext uri="{FF2B5EF4-FFF2-40B4-BE49-F238E27FC236}">
+                <a16:creationId xmlns:a16="http://schemas.microsoft.com/office/drawing/2014/main" id="{9CE956AE-7039-39B6-F94E-3EC7FE476B45}"/>
+              </a:ext>
+            </a:extLst>
+          </p:cNvPr>
+          <p:cNvSpPr>
+            <a:spLocks noGrp="1"/>
+          </p:cNvSpPr>
+          <p:nvPr>
+            <p:ph sz="half" idx="1"/>
+          </p:nvPr>
+        </p:nvSpPr>
+        <p:spPr>
+          <a:xfrm>
+            <a:off x="458696" y="1351660"/>
+            <a:ext cx="5561106" cy="5225410"/>
+          </a:xfrm>
+        </p:spPr>
+        <p:txBody>
+          <a:bodyPr>
+            <a:normAutofit fontScale="77500" lnSpcReduction="20000"/>
+          </a:bodyPr>
+          <a:lstStyle/>
+          <a:p>
+            <a:pPr marL="0" indent="0">
+              <a:buNone/>
+            </a:pPr>
+            <a:r>
+              <a:rPr lang="en-US" b="1" dirty="0"/>
+              <a:t>What we learned today?</a:t>
+            </a:r>
+          </a:p>
+          <a:p>
+            <a:r>
+              <a:rPr lang="en-US" dirty="0"/>
+              <a:t>Linear regression helps us identify relationship and patterns between </a:t>
+            </a:r>
+            <a:r>
+              <a:rPr lang="en-US" i="1" dirty="0"/>
+              <a:t>independent </a:t>
+            </a:r>
+            <a:r>
+              <a:rPr lang="en-US" dirty="0"/>
+              <a:t>and </a:t>
+            </a:r>
+            <a:r>
+              <a:rPr lang="en-US" i="1" dirty="0"/>
+              <a:t>dependent</a:t>
+            </a:r>
+            <a:r>
+              <a:rPr lang="en-US" dirty="0"/>
+              <a:t> variables</a:t>
+            </a:r>
+          </a:p>
+          <a:p>
+            <a:r>
+              <a:rPr lang="en-US" dirty="0"/>
+              <a:t>Smoking and BMI have high impact!</a:t>
+            </a:r>
+          </a:p>
+          <a:p>
+            <a:r>
+              <a:rPr lang="en-US" dirty="0"/>
+              <a:t>Model coefficients tell us the impact of an individual variable</a:t>
+            </a:r>
+          </a:p>
+          <a:p>
+            <a:r>
+              <a:rPr lang="en-US" dirty="0" err="1"/>
+              <a:t>RSquared</a:t>
+            </a:r>
+            <a:r>
+              <a:rPr lang="en-US" dirty="0"/>
+              <a:t> tells us “goodness of fit” of a model</a:t>
+            </a:r>
+          </a:p>
+          <a:p>
+            <a:r>
+              <a:rPr lang="en-US" dirty="0"/>
+              <a:t>Assumptions of LR should be verified before interpretation</a:t>
+            </a:r>
+          </a:p>
+          <a:p>
+            <a:r>
+              <a:rPr lang="en-US" dirty="0"/>
+              <a:t>Residuals analysis can tell us more about the data than we think</a:t>
+            </a:r>
+          </a:p>
+        </p:txBody>
+      </p:sp>
+      <p:sp>
+        <p:nvSpPr>
+          <p:cNvPr id="4" name="Content Placeholder 3">
+            <a:extLst>
+              <a:ext uri="{FF2B5EF4-FFF2-40B4-BE49-F238E27FC236}">
+                <a16:creationId xmlns:a16="http://schemas.microsoft.com/office/drawing/2014/main" id="{9DC30BDF-2AB0-095A-AEE6-0A7D1C72203C}"/>
+              </a:ext>
+            </a:extLst>
+          </p:cNvPr>
+          <p:cNvSpPr>
+            <a:spLocks noGrp="1"/>
+          </p:cNvSpPr>
+          <p:nvPr>
+            <p:ph sz="half" idx="2"/>
+          </p:nvPr>
+        </p:nvSpPr>
+        <p:spPr>
+          <a:xfrm>
+            <a:off x="6172199" y="1403569"/>
+            <a:ext cx="5561105" cy="4351338"/>
+          </a:xfrm>
+        </p:spPr>
+        <p:txBody>
+          <a:bodyPr>
+            <a:normAutofit fontScale="77500" lnSpcReduction="20000"/>
+          </a:bodyPr>
+          <a:lstStyle/>
+          <a:p>
+            <a:pPr marL="0" indent="0">
+              <a:buNone/>
+            </a:pPr>
+            <a:r>
+              <a:rPr lang="en-US" b="1" dirty="0"/>
+              <a:t>What to remember?</a:t>
+            </a:r>
+          </a:p>
+          <a:p>
+            <a:r>
+              <a:rPr lang="en-US" dirty="0"/>
+              <a:t>Regression’s strength is interpretability</a:t>
+            </a:r>
+          </a:p>
+          <a:p>
+            <a:r>
+              <a:rPr lang="en-US" dirty="0"/>
+              <a:t>Regression coefficient being significant doesn’t imply causality</a:t>
+            </a:r>
+          </a:p>
+          <a:p>
+            <a:r>
+              <a:rPr lang="en-US" dirty="0"/>
+              <a:t>Assumption of “linear model” might be too simplistic for pure prediction</a:t>
+            </a:r>
+          </a:p>
+          <a:p>
+            <a:r>
+              <a:rPr lang="en-US" b="1" dirty="0"/>
+              <a:t>LINE Assumptions: </a:t>
+            </a:r>
+            <a:r>
+              <a:rPr lang="en-US" dirty="0"/>
+              <a:t>Linearity, Independence, Normality, Equal Variance</a:t>
+            </a:r>
+          </a:p>
+          <a:p>
+            <a:r>
+              <a:rPr lang="en-US" b="1" dirty="0"/>
+              <a:t>There is more to regression! We will cover additional topics in coming classes</a:t>
+            </a:r>
+          </a:p>
+        </p:txBody>
+      </p:sp>
+    </p:spTree>
+    <p:extLst>
+      <p:ext uri="{BB962C8B-B14F-4D97-AF65-F5344CB8AC3E}">
+        <p14:creationId xmlns:p14="http://schemas.microsoft.com/office/powerpoint/2010/main" val="4096181571"/>
+      </p:ext>
+    </p:extLst>
+  </p:cSld>
+  <p:clrMapOvr>
+    <a:masterClrMapping/>
+  </p:clrMapOvr>
+</p:sld>
+</file>
+
+<file path=ppt/slides/slide3.xml><?xml version="1.0" encoding="utf-8"?>
+<p:sld xmlns:a="http://schemas.openxmlformats.org/drawingml/2006/main" xmlns:r="http://schemas.openxmlformats.org/officeDocument/2006/relationships" xmlns:p="http://schemas.openxmlformats.org/presentationml/2006/main">
+  <p:cSld>
+    <p:spTree>
+      <p:nvGrpSpPr>
+        <p:cNvPr id="1" name=""/>
+        <p:cNvGrpSpPr/>
+        <p:nvPr/>
+      </p:nvGrpSpPr>
+      <p:grpSpPr>
+        <a:xfrm>
+          <a:off x="0" y="0"/>
+          <a:ext cx="0" cy="0"/>
+          <a:chOff x="0" y="0"/>
+          <a:chExt cx="0" cy="0"/>
+        </a:xfrm>
+      </p:grpSpPr>
+      <p:sp>
+        <p:nvSpPr>
+          <p:cNvPr id="2" name="Title 1">
+            <a:extLst>
+              <a:ext uri="{FF2B5EF4-FFF2-40B4-BE49-F238E27FC236}">
+                <a16:creationId xmlns:a16="http://schemas.microsoft.com/office/drawing/2014/main" id="{8A3A2DE9-BCD7-797D-EB4D-3AF1F881F000}"/>
+              </a:ext>
+            </a:extLst>
+          </p:cNvPr>
+          <p:cNvSpPr>
+            <a:spLocks noGrp="1"/>
+          </p:cNvSpPr>
+          <p:nvPr>
+            <p:ph type="title"/>
+          </p:nvPr>
+        </p:nvSpPr>
+        <p:spPr/>
+        <p:txBody>
+          <a:bodyPr/>
+          <a:lstStyle/>
+          <a:p>
+            <a:r>
+              <a:rPr lang="en-US" dirty="0"/>
+              <a:t>Case Study</a:t>
+            </a:r>
+          </a:p>
+        </p:txBody>
+      </p:sp>
+      <p:sp>
+        <p:nvSpPr>
+          <p:cNvPr id="3" name="Text Placeholder 2">
+            <a:extLst>
+              <a:ext uri="{FF2B5EF4-FFF2-40B4-BE49-F238E27FC236}">
+                <a16:creationId xmlns:a16="http://schemas.microsoft.com/office/drawing/2014/main" id="{FACDEE7B-B401-F86D-606B-37C851CB0F93}"/>
+              </a:ext>
+            </a:extLst>
+          </p:cNvPr>
+          <p:cNvSpPr>
+            <a:spLocks noGrp="1"/>
+          </p:cNvSpPr>
+          <p:nvPr>
+            <p:ph type="body" idx="1"/>
+          </p:nvPr>
+        </p:nvSpPr>
+        <p:spPr/>
+        <p:txBody>
+          <a:bodyPr/>
+          <a:lstStyle/>
+          <a:p>
+            <a:r>
+              <a:rPr lang="en-US" dirty="0"/>
+              <a:t>What drives Health Insurance Premiums?</a:t>
+            </a:r>
+          </a:p>
+        </p:txBody>
+      </p:sp>
+    </p:spTree>
+    <p:extLst>
+      <p:ext uri="{BB962C8B-B14F-4D97-AF65-F5344CB8AC3E}">
+        <p14:creationId xmlns:p14="http://schemas.microsoft.com/office/powerpoint/2010/main" val="2822664906"/>
+      </p:ext>
+    </p:extLst>
+  </p:cSld>
+  <p:clrMapOvr>
+    <a:masterClrMapping/>
+  </p:clrMapOvr>
+</p:sld>
+</file>
+
+<file path=ppt/slides/slide30.xml><?xml version="1.0" encoding="utf-8"?>
+<p:sld xmlns:a="http://schemas.openxmlformats.org/drawingml/2006/main" xmlns:r="http://schemas.openxmlformats.org/officeDocument/2006/relationships" xmlns:p="http://schemas.openxmlformats.org/presentationml/2006/main">
+  <p:cSld>
+    <p:spTree>
+      <p:nvGrpSpPr>
+        <p:cNvPr id="1" name=""/>
+        <p:cNvGrpSpPr/>
+        <p:nvPr/>
+      </p:nvGrpSpPr>
+      <p:grpSpPr>
+        <a:xfrm>
+          <a:off x="0" y="0"/>
+          <a:ext cx="0" cy="0"/>
+          <a:chOff x="0" y="0"/>
+          <a:chExt cx="0" cy="0"/>
+        </a:xfrm>
+      </p:grpSpPr>
+      <p:sp>
+        <p:nvSpPr>
+          <p:cNvPr id="2" name="Title 1">
+            <a:extLst>
+              <a:ext uri="{FF2B5EF4-FFF2-40B4-BE49-F238E27FC236}">
+                <a16:creationId xmlns:a16="http://schemas.microsoft.com/office/drawing/2014/main" id="{0EACD1D4-65E0-5B6C-5AF0-7D9E309F8B3B}"/>
+              </a:ext>
+            </a:extLst>
+          </p:cNvPr>
+          <p:cNvSpPr>
+            <a:spLocks noGrp="1"/>
+          </p:cNvSpPr>
+          <p:nvPr>
+            <p:ph type="title"/>
+          </p:nvPr>
+        </p:nvSpPr>
+        <p:spPr>
+          <a:xfrm>
+            <a:off x="458694" y="0"/>
+            <a:ext cx="10895106" cy="1325563"/>
+          </a:xfrm>
+        </p:spPr>
+        <p:txBody>
+          <a:bodyPr/>
+          <a:lstStyle/>
+          <a:p>
+            <a:r>
+              <a:rPr lang="en-US" dirty="0"/>
+              <a:t>Next Up…</a:t>
+            </a:r>
+          </a:p>
+        </p:txBody>
+      </p:sp>
+      <p:sp>
+        <p:nvSpPr>
+          <p:cNvPr id="3" name="Content Placeholder 2">
+            <a:extLst>
+              <a:ext uri="{FF2B5EF4-FFF2-40B4-BE49-F238E27FC236}">
+                <a16:creationId xmlns:a16="http://schemas.microsoft.com/office/drawing/2014/main" id="{6F8091D7-2D32-3923-DA9B-55DAF0BDD643}"/>
+              </a:ext>
+            </a:extLst>
+          </p:cNvPr>
+          <p:cNvSpPr>
+            <a:spLocks noGrp="1"/>
+          </p:cNvSpPr>
+          <p:nvPr>
+            <p:ph idx="1"/>
+          </p:nvPr>
+        </p:nvSpPr>
+        <p:spPr>
+          <a:xfrm>
+            <a:off x="458694" y="1388126"/>
+            <a:ext cx="11274612" cy="4757088"/>
+          </a:xfrm>
+        </p:spPr>
+        <p:txBody>
+          <a:bodyPr/>
+          <a:lstStyle/>
+          <a:p>
+            <a:r>
+              <a:rPr lang="en-US" b="1" dirty="0"/>
+              <a:t>Interaction between Variables</a:t>
+            </a:r>
+          </a:p>
+          <a:p>
+            <a:pPr lvl="1"/>
+            <a:r>
+              <a:rPr lang="en-US" dirty="0"/>
+              <a:t>Identifying relationships that have combined/conditional effects, not additive effects</a:t>
+            </a:r>
+          </a:p>
+          <a:p>
+            <a:pPr lvl="1"/>
+            <a:r>
+              <a:rPr lang="en-US" dirty="0"/>
+              <a:t>Effect of exercise on weight might depend on diet type</a:t>
+            </a:r>
+          </a:p>
+          <a:p>
+            <a:r>
+              <a:rPr lang="en-US" b="1" dirty="0"/>
+              <a:t>Ranking Importance of Independent Variables</a:t>
+            </a:r>
+          </a:p>
+          <a:p>
+            <a:pPr lvl="1"/>
+            <a:r>
+              <a:rPr lang="en-US" dirty="0"/>
+              <a:t>Scaling X by its mean and standard deviation</a:t>
+            </a:r>
+          </a:p>
+          <a:p>
+            <a:r>
+              <a:rPr lang="en-US" b="1" dirty="0"/>
+              <a:t>Linear regression for optimization</a:t>
+            </a:r>
+          </a:p>
+          <a:p>
+            <a:pPr lvl="1"/>
+            <a:r>
+              <a:rPr lang="en-US" dirty="0">
+                <a:hlinkClick r:id="rId2"/>
+              </a:rPr>
+              <a:t>https://blog.harsh17.in/using-linear-regression-to-find-optimal-value/</a:t>
+            </a:r>
+            <a:r>
+              <a:rPr lang="en-US" dirty="0"/>
+              <a:t> </a:t>
+            </a:r>
+          </a:p>
+          <a:p>
+            <a:r>
+              <a:rPr lang="en-US" b="1" dirty="0"/>
+              <a:t>Variable selection:</a:t>
+            </a:r>
+            <a:r>
+              <a:rPr lang="en-US" dirty="0"/>
+              <a:t> Lasso and ridge regressions</a:t>
+            </a:r>
+            <a:endParaRPr lang="en-US" b="1" dirty="0"/>
+          </a:p>
+        </p:txBody>
+      </p:sp>
+    </p:spTree>
+    <p:extLst>
+      <p:ext uri="{BB962C8B-B14F-4D97-AF65-F5344CB8AC3E}">
+        <p14:creationId xmlns:p14="http://schemas.microsoft.com/office/powerpoint/2010/main" val="1004592387"/>
+      </p:ext>
+    </p:extLst>
+  </p:cSld>
+  <p:clrMapOvr>
+    <a:masterClrMapping/>
+  </p:clrMapOvr>
+</p:sld>
+</file>
+
+<file path=ppt/slides/slide31.xml><?xml version="1.0" encoding="utf-8"?>
 <p:sld xmlns:a="http://schemas.openxmlformats.org/drawingml/2006/main" xmlns:r="http://schemas.openxmlformats.org/officeDocument/2006/relationships" xmlns:p="http://schemas.openxmlformats.org/presentationml/2006/main">
   <p:cSld>
     <p:bg>
@@ -9513,12 +11485,12 @@
           <a:chExt cx="0" cy="0"/>
         </a:xfrm>
       </p:grpSpPr>
-      <p:sp useBgFill="1">
-        <p:nvSpPr>
-          <p:cNvPr id="19" name="Rectangle 18">
-            <a:extLst>
-              <a:ext uri="{FF2B5EF4-FFF2-40B4-BE49-F238E27FC236}">
-                <a16:creationId xmlns:a16="http://schemas.microsoft.com/office/drawing/2014/main" id="{8651CFA9-6065-4243-AC48-858E359780B1}"/>
+      <p:sp>
+        <p:nvSpPr>
+          <p:cNvPr id="9" name="Rectangle 8">
+            <a:extLst>
+              <a:ext uri="{FF2B5EF4-FFF2-40B4-BE49-F238E27FC236}">
+                <a16:creationId xmlns:a16="http://schemas.microsoft.com/office/drawing/2014/main" id="{0BABF38A-8A0D-492E-BD20-6CF4D46B50BD}"/>
               </a:ext>
               <a:ext uri="{C183D7F6-B498-43B3-948B-1728B52AA6E4}">
                 <adec:decorative xmlns:adec="http://schemas.microsoft.com/office/drawing/2017/decorative" val="1"/>
@@ -9539,75 +11511,7 @@
         <p:spPr>
           <a:xfrm>
             <a:off x="0" y="0"/>
-            <a:ext cx="12188952" cy="6858000"/>
-          </a:xfrm>
-          <a:prstGeom prst="rect">
-            <a:avLst/>
-          </a:prstGeom>
-          <a:ln>
-            <a:noFill/>
-          </a:ln>
-        </p:spPr>
-        <p:style>
-          <a:lnRef idx="2">
-            <a:schemeClr val="accent1">
-              <a:shade val="50000"/>
-            </a:schemeClr>
-          </a:lnRef>
-          <a:fillRef idx="1">
-            <a:schemeClr val="accent1"/>
-          </a:fillRef>
-          <a:effectRef idx="0">
-            <a:schemeClr val="accent1"/>
-          </a:effectRef>
-          <a:fontRef idx="minor">
-            <a:schemeClr val="lt1"/>
-          </a:fontRef>
-        </p:style>
-        <p:txBody>
-          <a:bodyPr rtlCol="0" anchor="ctr"/>
-          <a:lstStyle/>
-          <a:p>
-            <a:pPr algn="ctr"/>
-            <a:endParaRPr lang="en-US" dirty="0">
-              <a:solidFill>
-                <a:schemeClr val="tx1">
-                  <a:lumMod val="65000"/>
-                  <a:lumOff val="35000"/>
-                </a:schemeClr>
-              </a:solidFill>
-              <a:latin typeface="AvenirNext LT Pro Medium" panose="020B0504020202020204" pitchFamily="34" charset="0"/>
-            </a:endParaRPr>
-          </a:p>
-        </p:txBody>
-      </p:sp>
-      <p:sp>
-        <p:nvSpPr>
-          <p:cNvPr id="20" name="Rectangle 19">
-            <a:extLst>
-              <a:ext uri="{FF2B5EF4-FFF2-40B4-BE49-F238E27FC236}">
-                <a16:creationId xmlns:a16="http://schemas.microsoft.com/office/drawing/2014/main" id="{FBC8BBE5-981E-4B0B-9654-32B5668BFF31}"/>
-              </a:ext>
-              <a:ext uri="{C183D7F6-B498-43B3-948B-1728B52AA6E4}">
-                <adec:decorative xmlns:adec="http://schemas.microsoft.com/office/drawing/2017/decorative" val="1"/>
-              </a:ext>
-            </a:extLst>
-          </p:cNvPr>
-          <p:cNvSpPr>
-            <a:spLocks noGrp="1" noRot="1" noChangeAspect="1" noMove="1" noResize="1" noEditPoints="1" noAdjustHandles="1" noChangeArrowheads="1" noChangeShapeType="1" noTextEdit="1"/>
-          </p:cNvSpPr>
-          <p:nvPr>
-            <p:extLst>
-              <p:ext uri="{386F3935-93C4-4BCD-93E2-E3B085C9AB24}">
-                <p16:designElem xmlns:p16="http://schemas.microsoft.com/office/powerpoint/2015/main" val="1"/>
-              </p:ext>
-            </p:extLst>
-          </p:nvPr>
-        </p:nvSpPr>
-        <p:spPr>
-          <a:xfrm>
-            <a:off x="3048" y="0"/>
-            <a:ext cx="12188952" cy="6858000"/>
+            <a:ext cx="12192000" cy="6858004"/>
           </a:xfrm>
           <a:prstGeom prst="rect">
             <a:avLst/>
@@ -9643,7 +11547,7 @@
           <a:lstStyle/>
           <a:p>
             <a:pPr algn="ctr"/>
-            <a:endParaRPr lang="en-US">
+            <a:endParaRPr lang="en-US" dirty="0">
               <a:solidFill>
                 <a:schemeClr val="tx1">
                   <a:lumMod val="65000"/>
@@ -9655,21 +11559,21 @@
           </a:p>
         </p:txBody>
       </p:sp>
-      <p:grpSp>
-        <p:nvGrpSpPr>
-          <p:cNvPr id="21" name="Group 20">
-            <a:extLst>
-              <a:ext uri="{FF2B5EF4-FFF2-40B4-BE49-F238E27FC236}">
-                <a16:creationId xmlns:a16="http://schemas.microsoft.com/office/drawing/2014/main" id="{8D6FD602-3113-4FC4-982F-15099614D2A6}"/>
+      <p:pic>
+        <p:nvPicPr>
+          <p:cNvPr id="11" name="Picture 10">
+            <a:extLst>
+              <a:ext uri="{FF2B5EF4-FFF2-40B4-BE49-F238E27FC236}">
+                <a16:creationId xmlns:a16="http://schemas.microsoft.com/office/drawing/2014/main" id="{BC526B7A-4801-4FD1-95C8-03AF22629E87}"/>
               </a:ext>
               <a:ext uri="{C183D7F6-B498-43B3-948B-1728B52AA6E4}">
                 <adec:decorative xmlns:adec="http://schemas.microsoft.com/office/drawing/2017/decorative" val="1"/>
               </a:ext>
             </a:extLst>
           </p:cNvPr>
-          <p:cNvGrpSpPr>
-            <a:grpSpLocks noGrp="1" noUngrp="1" noRot="1" noChangeAspect="1" noMove="1" noResize="1"/>
-          </p:cNvGrpSpPr>
+          <p:cNvPicPr>
+            <a:picLocks noGrp="1" noRot="1" noChangeAspect="1" noMove="1" noResize="1" noEditPoints="1" noAdjustHandles="1" noChangeArrowheads="1" noChangeShapeType="1" noCrop="1"/>
+          </p:cNvPicPr>
           <p:nvPr>
             <p:extLst>
               <p:ext uri="{386F3935-93C4-4BCD-93E2-E3B085C9AB24}">
@@ -9677,340 +11581,36 @@
               </p:ext>
             </p:extLst>
           </p:nvPr>
-        </p:nvGrpSpPr>
-        <p:grpSpPr>
-          <a:xfrm flipH="1">
-            <a:off x="3048" y="0"/>
-            <a:ext cx="7724071" cy="6858000"/>
-            <a:chOff x="4464881" y="0"/>
-            <a:chExt cx="7724071" cy="6858000"/>
-          </a:xfrm>
-        </p:grpSpPr>
-        <p:pic>
-          <p:nvPicPr>
-            <p:cNvPr id="14" name="Picture 13">
-              <a:extLst>
-                <a:ext uri="{FF2B5EF4-FFF2-40B4-BE49-F238E27FC236}">
-                  <a16:creationId xmlns:a16="http://schemas.microsoft.com/office/drawing/2014/main" id="{8B8C81AF-BEDB-486F-AB26-181C63BF140D}"/>
-                </a:ext>
-                <a:ext uri="{C183D7F6-B498-43B3-948B-1728B52AA6E4}">
-                  <adec:decorative xmlns:adec="http://schemas.microsoft.com/office/drawing/2017/decorative" val="1"/>
-                </a:ext>
-              </a:extLst>
-            </p:cNvPr>
-            <p:cNvPicPr>
-              <a:picLocks noChangeAspect="1"/>
-            </p:cNvPicPr>
-            <p:nvPr>
-              <p:extLst>
-                <p:ext uri="{386F3935-93C4-4BCD-93E2-E3B085C9AB24}">
-                  <p16:designElem xmlns:p16="http://schemas.microsoft.com/office/powerpoint/2015/main" val="1"/>
-                </p:ext>
-              </p:extLst>
-            </p:nvPr>
-          </p:nvPicPr>
-          <p:blipFill>
-            <a:blip r:embed="rId2">
-              <a:duotone>
-                <a:schemeClr val="accent6">
-                  <a:shade val="45000"/>
-                  <a:satMod val="135000"/>
-                </a:schemeClr>
-                <a:prstClr val="white"/>
-              </a:duotone>
-              <a:alphaModFix amt="15000"/>
-              <a:extLst>
-                <a:ext uri="{28A0092B-C50C-407E-A947-70E740481C1C}">
-                  <a14:useLocalDpi xmlns:a14="http://schemas.microsoft.com/office/drawing/2010/main" val="0"/>
-                </a:ext>
-              </a:extLst>
-            </a:blip>
-            <a:stretch>
-              <a:fillRect/>
-            </a:stretch>
-          </p:blipFill>
-          <p:spPr>
-            <a:xfrm>
-              <a:off x="7073255" y="0"/>
-              <a:ext cx="5115697" cy="6858000"/>
-            </a:xfrm>
-            <a:prstGeom prst="rect">
-              <a:avLst/>
-            </a:prstGeom>
-          </p:spPr>
-        </p:pic>
-        <p:pic>
-          <p:nvPicPr>
-            <p:cNvPr id="15" name="Picture 14">
-              <a:extLst>
-                <a:ext uri="{FF2B5EF4-FFF2-40B4-BE49-F238E27FC236}">
-                  <a16:creationId xmlns:a16="http://schemas.microsoft.com/office/drawing/2014/main" id="{E08D8EF1-80CA-4FAD-BD38-F379CECC367E}"/>
-                </a:ext>
-                <a:ext uri="{C183D7F6-B498-43B3-948B-1728B52AA6E4}">
-                  <adec:decorative xmlns:adec="http://schemas.microsoft.com/office/drawing/2017/decorative" val="1"/>
-                </a:ext>
-              </a:extLst>
-            </p:cNvPr>
-            <p:cNvPicPr>
-              <a:picLocks noChangeAspect="1"/>
-            </p:cNvPicPr>
-            <p:nvPr>
-              <p:extLst>
-                <p:ext uri="{386F3935-93C4-4BCD-93E2-E3B085C9AB24}">
-                  <p16:designElem xmlns:p16="http://schemas.microsoft.com/office/powerpoint/2015/main" val="1"/>
-                </p:ext>
-              </p:extLst>
-            </p:nvPr>
-          </p:nvPicPr>
-          <p:blipFill>
-            <a:blip r:embed="rId3">
-              <a:duotone>
-                <a:schemeClr val="accent6">
-                  <a:shade val="45000"/>
-                  <a:satMod val="135000"/>
-                </a:schemeClr>
-                <a:prstClr val="white"/>
-              </a:duotone>
-              <a:alphaModFix amt="7000"/>
-              <a:extLst>
-                <a:ext uri="{28A0092B-C50C-407E-A947-70E740481C1C}">
-                  <a14:useLocalDpi xmlns:a14="http://schemas.microsoft.com/office/drawing/2010/main" val="0"/>
-                </a:ext>
-              </a:extLst>
-            </a:blip>
-            <a:stretch>
-              <a:fillRect/>
-            </a:stretch>
-          </p:blipFill>
-          <p:spPr>
-            <a:xfrm rot="16200000">
-              <a:off x="5412135" y="-947254"/>
-              <a:ext cx="5562598" cy="7457106"/>
-            </a:xfrm>
-            <a:prstGeom prst="rect">
-              <a:avLst/>
-            </a:prstGeom>
-            <a:effectLst>
-              <a:softEdge rad="0"/>
-            </a:effectLst>
-          </p:spPr>
-        </p:pic>
-      </p:grpSp>
-      <p:sp>
-        <p:nvSpPr>
-          <p:cNvPr id="2" name="Title 1">
-            <a:extLst>
-              <a:ext uri="{FF2B5EF4-FFF2-40B4-BE49-F238E27FC236}">
-                <a16:creationId xmlns:a16="http://schemas.microsoft.com/office/drawing/2014/main" id="{6D04B8D6-C670-2725-FCE7-2311FD1CF1CF}"/>
-              </a:ext>
-            </a:extLst>
-          </p:cNvPr>
-          <p:cNvSpPr>
-            <a:spLocks noGrp="1"/>
-          </p:cNvSpPr>
-          <p:nvPr>
-            <p:ph type="title"/>
-          </p:nvPr>
-        </p:nvSpPr>
-        <p:spPr>
-          <a:xfrm>
-            <a:off x="5667491" y="196237"/>
-            <a:ext cx="5867400" cy="1664573"/>
-          </a:xfrm>
-        </p:spPr>
-        <p:txBody>
-          <a:bodyPr>
-            <a:normAutofit fontScale="90000"/>
-          </a:bodyPr>
-          <a:lstStyle/>
-          <a:p>
-            <a:r>
-              <a:rPr lang="en-US" dirty="0"/>
-              <a:t>Location Matters!</a:t>
-            </a:r>
-            <a:br>
-              <a:rPr lang="en-US" dirty="0"/>
-            </a:br>
-            <a:r>
-              <a:rPr lang="en-US" sz="3100" dirty="0"/>
-              <a:t>Strategic Golf Course Development</a:t>
-            </a:r>
-            <a:endParaRPr lang="en-US" dirty="0"/>
-          </a:p>
-        </p:txBody>
-      </p:sp>
-      <p:pic>
-        <p:nvPicPr>
-          <p:cNvPr id="4" name="Picture 3" descr="A map of the states&#10;&#10;Description automatically generated">
-            <a:extLst>
-              <a:ext uri="{FF2B5EF4-FFF2-40B4-BE49-F238E27FC236}">
-                <a16:creationId xmlns:a16="http://schemas.microsoft.com/office/drawing/2014/main" id="{93885588-56DE-DC4B-50D7-3D0B8305F981}"/>
-              </a:ext>
-            </a:extLst>
-          </p:cNvPr>
-          <p:cNvPicPr>
-            <a:picLocks noChangeAspect="1"/>
-          </p:cNvPicPr>
-          <p:nvPr/>
         </p:nvPicPr>
         <p:blipFill>
-          <a:blip r:embed="rId4"/>
+          <a:blip r:embed="rId2">
+            <a:alphaModFix amt="10000"/>
+            <a:extLst>
+              <a:ext uri="{28A0092B-C50C-407E-A947-70E740481C1C}">
+                <a14:useLocalDpi xmlns:a14="http://schemas.microsoft.com/office/drawing/2010/main" val="0"/>
+              </a:ext>
+            </a:extLst>
+          </a:blip>
           <a:stretch>
             <a:fillRect/>
           </a:stretch>
         </p:blipFill>
         <p:spPr>
           <a:xfrm>
-            <a:off x="125995" y="1295402"/>
-            <a:ext cx="5408013" cy="4732009"/>
+            <a:off x="8534400" y="0"/>
+            <a:ext cx="3654612" cy="4575348"/>
           </a:xfrm>
           <a:prstGeom prst="rect">
             <a:avLst/>
           </a:prstGeom>
         </p:spPr>
       </p:pic>
-      <p:sp>
-        <p:nvSpPr>
-          <p:cNvPr id="3" name="Content Placeholder 2">
-            <a:extLst>
-              <a:ext uri="{FF2B5EF4-FFF2-40B4-BE49-F238E27FC236}">
-                <a16:creationId xmlns:a16="http://schemas.microsoft.com/office/drawing/2014/main" id="{7B59E17A-89AA-E888-1A20-0FF036CE70E6}"/>
-              </a:ext>
-            </a:extLst>
-          </p:cNvPr>
-          <p:cNvSpPr>
-            <a:spLocks noGrp="1"/>
-          </p:cNvSpPr>
-          <p:nvPr>
-            <p:ph idx="1"/>
-          </p:nvPr>
-        </p:nvSpPr>
-        <p:spPr>
-          <a:xfrm>
-            <a:off x="5667869" y="1747293"/>
-            <a:ext cx="5867022" cy="3928822"/>
-          </a:xfrm>
-        </p:spPr>
-        <p:txBody>
-          <a:bodyPr>
-            <a:noAutofit/>
-          </a:bodyPr>
-          <a:lstStyle/>
-          <a:p>
-            <a:r>
-              <a:rPr lang="en-US" sz="1800" b="1" dirty="0"/>
-              <a:t>Insight: </a:t>
-            </a:r>
-          </a:p>
-          <a:p>
-            <a:pPr lvl="1"/>
-            <a:r>
-              <a:rPr lang="en-US" sz="1800" dirty="0"/>
-              <a:t>Location matters! (</a:t>
-            </a:r>
-            <a:r>
-              <a:rPr lang="en-US" sz="1800" dirty="0" err="1"/>
-              <a:t>location_quotient</a:t>
-            </a:r>
-            <a:r>
-              <a:rPr lang="en-US" sz="1800" dirty="0"/>
-              <a:t> is significant.) </a:t>
-            </a:r>
-          </a:p>
-          <a:p>
-            <a:pPr lvl="1"/>
-            <a:r>
-              <a:rPr lang="en-US" sz="1800" dirty="0"/>
-              <a:t>States with a higher Location Quotient (e.g., Florida, Hawaii):</a:t>
-            </a:r>
-          </a:p>
-          <a:p>
-            <a:pPr lvl="2"/>
-            <a:r>
-              <a:rPr lang="en-US" sz="1800" dirty="0"/>
-              <a:t>More favorable for golf courses due to climate and topography.</a:t>
-            </a:r>
-          </a:p>
-          <a:p>
-            <a:pPr lvl="2"/>
-            <a:r>
-              <a:rPr lang="en-US" sz="1800" dirty="0"/>
-              <a:t>Strong existing presence of golf courses.</a:t>
-            </a:r>
-          </a:p>
-          <a:p>
-            <a:r>
-              <a:rPr lang="en-US" sz="1800" b="1" dirty="0"/>
-              <a:t>Action:</a:t>
-            </a:r>
-          </a:p>
-          <a:p>
-            <a:pPr lvl="1"/>
-            <a:r>
-              <a:rPr lang="en-US" sz="1800" dirty="0"/>
-              <a:t>Target high-Location Quotient regions for:</a:t>
-            </a:r>
-          </a:p>
-          <a:p>
-            <a:pPr lvl="2"/>
-            <a:r>
-              <a:rPr lang="en-US" sz="1800" dirty="0"/>
-              <a:t>Premium golf-related tourism?</a:t>
-            </a:r>
-          </a:p>
-          <a:p>
-            <a:pPr lvl="1"/>
-            <a:r>
-              <a:rPr lang="en-US" sz="1800" dirty="0"/>
-              <a:t>Leverage natural advantage to attract domestic and international clientele at those locations</a:t>
-            </a:r>
-          </a:p>
-        </p:txBody>
-      </p:sp>
-    </p:spTree>
-    <p:extLst>
-      <p:ext uri="{BB962C8B-B14F-4D97-AF65-F5344CB8AC3E}">
-        <p14:creationId xmlns:p14="http://schemas.microsoft.com/office/powerpoint/2010/main" val="3974113040"/>
-      </p:ext>
-    </p:extLst>
-  </p:cSld>
-  <p:clrMapOvr>
-    <a:masterClrMapping/>
-  </p:clrMapOvr>
-</p:sld>
-</file>
-
-<file path=ppt/slides/slide27.xml><?xml version="1.0" encoding="utf-8"?>
-<p:sld xmlns:a="http://schemas.openxmlformats.org/drawingml/2006/main" xmlns:r="http://schemas.openxmlformats.org/officeDocument/2006/relationships" xmlns:p="http://schemas.openxmlformats.org/presentationml/2006/main">
-  <p:cSld>
-    <p:bg>
-      <p:bgPr>
-        <a:solidFill>
-          <a:schemeClr val="bg1"/>
-        </a:solidFill>
-        <a:effectLst/>
-      </p:bgPr>
-    </p:bg>
-    <p:spTree>
-      <p:nvGrpSpPr>
-        <p:cNvPr id="1" name=""/>
-        <p:cNvGrpSpPr/>
-        <p:nvPr/>
-      </p:nvGrpSpPr>
-      <p:grpSpPr>
-        <a:xfrm>
-          <a:off x="0" y="0"/>
-          <a:ext cx="0" cy="0"/>
-          <a:chOff x="0" y="0"/>
-          <a:chExt cx="0" cy="0"/>
-        </a:xfrm>
-      </p:grpSpPr>
       <p:sp useBgFill="1">
         <p:nvSpPr>
-          <p:cNvPr id="24" name="Rectangle 23">
-            <a:extLst>
-              <a:ext uri="{FF2B5EF4-FFF2-40B4-BE49-F238E27FC236}">
-                <a16:creationId xmlns:a16="http://schemas.microsoft.com/office/drawing/2014/main" id="{8651CFA9-6065-4243-AC48-858E359780B1}"/>
+          <p:cNvPr id="13" name="Rectangle 12">
+            <a:extLst>
+              <a:ext uri="{FF2B5EF4-FFF2-40B4-BE49-F238E27FC236}">
+                <a16:creationId xmlns:a16="http://schemas.microsoft.com/office/drawing/2014/main" id="{E2748806-3AF5-4078-830A-C1F26BF1B200}"/>
               </a:ext>
               <a:ext uri="{C183D7F6-B498-43B3-948B-1728B52AA6E4}">
                 <adec:decorative xmlns:adec="http://schemas.microsoft.com/office/drawing/2017/decorative" val="1"/>
@@ -10075,10 +11675,10 @@
       </p:sp>
       <p:sp>
         <p:nvSpPr>
-          <p:cNvPr id="26" name="Rectangle 25">
-            <a:extLst>
-              <a:ext uri="{FF2B5EF4-FFF2-40B4-BE49-F238E27FC236}">
-                <a16:creationId xmlns:a16="http://schemas.microsoft.com/office/drawing/2014/main" id="{FBC8BBE5-981E-4B0B-9654-32B5668BFF31}"/>
+          <p:cNvPr id="15" name="Rectangle 14">
+            <a:extLst>
+              <a:ext uri="{FF2B5EF4-FFF2-40B4-BE49-F238E27FC236}">
+                <a16:creationId xmlns:a16="http://schemas.microsoft.com/office/drawing/2014/main" id="{BF991FCB-5132-414C-B377-526F56121B69}"/>
               </a:ext>
               <a:ext uri="{C183D7F6-B498-43B3-948B-1728B52AA6E4}">
                 <adec:decorative xmlns:adec="http://schemas.microsoft.com/office/drawing/2017/decorative" val="1"/>
@@ -10098,17 +11698,14 @@
         </p:nvSpPr>
         <p:spPr>
           <a:xfrm>
-            <a:off x="3048" y="0"/>
+            <a:off x="0" y="0"/>
             <a:ext cx="12188952" cy="6858000"/>
           </a:xfrm>
           <a:prstGeom prst="rect">
             <a:avLst/>
           </a:prstGeom>
           <a:solidFill>
-            <a:schemeClr val="bg2">
-              <a:lumMod val="90000"/>
-              <a:alpha val="70000"/>
-            </a:schemeClr>
+            <a:srgbClr val="000000"/>
           </a:solidFill>
           <a:ln>
             <a:noFill/>
@@ -10135,7 +11732,7 @@
           <a:lstStyle/>
           <a:p>
             <a:pPr algn="ctr"/>
-            <a:endParaRPr lang="en-US">
+            <a:endParaRPr lang="en-US" dirty="0">
               <a:solidFill>
                 <a:schemeClr val="tx1">
                   <a:lumMod val="65000"/>
@@ -10147,208 +11744,31 @@
           </a:p>
         </p:txBody>
       </p:sp>
-      <p:grpSp>
-        <p:nvGrpSpPr>
-          <p:cNvPr id="28" name="Group 27">
-            <a:extLst>
-              <a:ext uri="{FF2B5EF4-FFF2-40B4-BE49-F238E27FC236}">
-                <a16:creationId xmlns:a16="http://schemas.microsoft.com/office/drawing/2014/main" id="{8D6FD602-3113-4FC4-982F-15099614D2A6}"/>
-              </a:ext>
-              <a:ext uri="{C183D7F6-B498-43B3-948B-1728B52AA6E4}">
-                <adec:decorative xmlns:adec="http://schemas.microsoft.com/office/drawing/2017/decorative" val="1"/>
-              </a:ext>
-            </a:extLst>
-          </p:cNvPr>
-          <p:cNvGrpSpPr>
-            <a:grpSpLocks noGrp="1" noUngrp="1" noRot="1" noChangeAspect="1" noMove="1" noResize="1"/>
-          </p:cNvGrpSpPr>
-          <p:nvPr>
-            <p:extLst>
-              <p:ext uri="{386F3935-93C4-4BCD-93E2-E3B085C9AB24}">
-                <p16:designElem xmlns:p16="http://schemas.microsoft.com/office/powerpoint/2015/main" val="1"/>
-              </p:ext>
-            </p:extLst>
-          </p:nvPr>
-        </p:nvGrpSpPr>
-        <p:grpSpPr>
-          <a:xfrm flipH="1">
-            <a:off x="3048" y="0"/>
-            <a:ext cx="7724071" cy="6858000"/>
-            <a:chOff x="4464881" y="0"/>
-            <a:chExt cx="7724071" cy="6858000"/>
-          </a:xfrm>
-        </p:grpSpPr>
-        <p:pic>
-          <p:nvPicPr>
-            <p:cNvPr id="29" name="Picture 28">
-              <a:extLst>
-                <a:ext uri="{FF2B5EF4-FFF2-40B4-BE49-F238E27FC236}">
-                  <a16:creationId xmlns:a16="http://schemas.microsoft.com/office/drawing/2014/main" id="{8B8C81AF-BEDB-486F-AB26-181C63BF140D}"/>
-                </a:ext>
-                <a:ext uri="{C183D7F6-B498-43B3-948B-1728B52AA6E4}">
-                  <adec:decorative xmlns:adec="http://schemas.microsoft.com/office/drawing/2017/decorative" val="1"/>
-                </a:ext>
-              </a:extLst>
-            </p:cNvPr>
-            <p:cNvPicPr>
-              <a:picLocks noChangeAspect="1"/>
-            </p:cNvPicPr>
-            <p:nvPr>
-              <p:extLst>
-                <p:ext uri="{386F3935-93C4-4BCD-93E2-E3B085C9AB24}">
-                  <p16:designElem xmlns:p16="http://schemas.microsoft.com/office/powerpoint/2015/main" val="1"/>
-                </p:ext>
-              </p:extLst>
-            </p:nvPr>
-          </p:nvPicPr>
-          <p:blipFill>
-            <a:blip r:embed="rId2">
-              <a:duotone>
-                <a:schemeClr val="accent6">
-                  <a:shade val="45000"/>
-                  <a:satMod val="135000"/>
-                </a:schemeClr>
-                <a:prstClr val="white"/>
-              </a:duotone>
-              <a:alphaModFix amt="15000"/>
-              <a:extLst>
-                <a:ext uri="{28A0092B-C50C-407E-A947-70E740481C1C}">
-                  <a14:useLocalDpi xmlns:a14="http://schemas.microsoft.com/office/drawing/2010/main" val="0"/>
-                </a:ext>
-              </a:extLst>
-            </a:blip>
-            <a:stretch>
-              <a:fillRect/>
-            </a:stretch>
-          </p:blipFill>
-          <p:spPr>
-            <a:xfrm>
-              <a:off x="7073255" y="0"/>
-              <a:ext cx="5115697" cy="6858000"/>
-            </a:xfrm>
-            <a:prstGeom prst="rect">
-              <a:avLst/>
-            </a:prstGeom>
-          </p:spPr>
-        </p:pic>
-        <p:pic>
-          <p:nvPicPr>
-            <p:cNvPr id="30" name="Picture 29">
-              <a:extLst>
-                <a:ext uri="{FF2B5EF4-FFF2-40B4-BE49-F238E27FC236}">
-                  <a16:creationId xmlns:a16="http://schemas.microsoft.com/office/drawing/2014/main" id="{E08D8EF1-80CA-4FAD-BD38-F379CECC367E}"/>
-                </a:ext>
-                <a:ext uri="{C183D7F6-B498-43B3-948B-1728B52AA6E4}">
-                  <adec:decorative xmlns:adec="http://schemas.microsoft.com/office/drawing/2017/decorative" val="1"/>
-                </a:ext>
-              </a:extLst>
-            </p:cNvPr>
-            <p:cNvPicPr>
-              <a:picLocks noChangeAspect="1"/>
-            </p:cNvPicPr>
-            <p:nvPr>
-              <p:extLst>
-                <p:ext uri="{386F3935-93C4-4BCD-93E2-E3B085C9AB24}">
-                  <p16:designElem xmlns:p16="http://schemas.microsoft.com/office/powerpoint/2015/main" val="1"/>
-                </p:ext>
-              </p:extLst>
-            </p:nvPr>
-          </p:nvPicPr>
-          <p:blipFill>
-            <a:blip r:embed="rId3">
-              <a:duotone>
-                <a:schemeClr val="accent6">
-                  <a:shade val="45000"/>
-                  <a:satMod val="135000"/>
-                </a:schemeClr>
-                <a:prstClr val="white"/>
-              </a:duotone>
-              <a:alphaModFix amt="7000"/>
-              <a:extLst>
-                <a:ext uri="{28A0092B-C50C-407E-A947-70E740481C1C}">
-                  <a14:useLocalDpi xmlns:a14="http://schemas.microsoft.com/office/drawing/2010/main" val="0"/>
-                </a:ext>
-              </a:extLst>
-            </a:blip>
-            <a:stretch>
-              <a:fillRect/>
-            </a:stretch>
-          </p:blipFill>
-          <p:spPr>
-            <a:xfrm rot="16200000">
-              <a:off x="5412135" y="-947254"/>
-              <a:ext cx="5562598" cy="7457106"/>
-            </a:xfrm>
-            <a:prstGeom prst="rect">
-              <a:avLst/>
-            </a:prstGeom>
-            <a:effectLst>
-              <a:softEdge rad="0"/>
-            </a:effectLst>
-          </p:spPr>
-        </p:pic>
-      </p:grpSp>
-      <p:sp>
-        <p:nvSpPr>
-          <p:cNvPr id="2" name="Title 1">
-            <a:extLst>
-              <a:ext uri="{FF2B5EF4-FFF2-40B4-BE49-F238E27FC236}">
-                <a16:creationId xmlns:a16="http://schemas.microsoft.com/office/drawing/2014/main" id="{F31E7F41-F98C-939B-A050-B2D371FD7851}"/>
-              </a:ext>
-            </a:extLst>
-          </p:cNvPr>
-          <p:cNvSpPr>
-            <a:spLocks noGrp="1"/>
-          </p:cNvSpPr>
-          <p:nvPr>
-            <p:ph type="title"/>
-          </p:nvPr>
-        </p:nvSpPr>
-        <p:spPr>
-          <a:xfrm>
-            <a:off x="7273508" y="528542"/>
-            <a:ext cx="4254347" cy="944353"/>
-          </a:xfrm>
-        </p:spPr>
-        <p:txBody>
-          <a:bodyPr vert="horz" lIns="91440" tIns="45720" rIns="91440" bIns="45720" rtlCol="0" anchor="ctr">
-            <a:normAutofit/>
-          </a:bodyPr>
-          <a:lstStyle/>
-          <a:p>
-            <a:r>
-              <a:rPr lang="en-US" dirty="0"/>
-              <a:t>Market Potential</a:t>
-            </a:r>
-          </a:p>
-        </p:txBody>
-      </p:sp>
       <p:pic>
         <p:nvPicPr>
-          <p:cNvPr id="4" name="Content Placeholder 3" descr="A graph showing the difference between golf courses and the state&#10;&#10;Description automatically generated">
-            <a:extLst>
-              <a:ext uri="{FF2B5EF4-FFF2-40B4-BE49-F238E27FC236}">
-                <a16:creationId xmlns:a16="http://schemas.microsoft.com/office/drawing/2014/main" id="{FCE13D26-3339-5D84-A7F6-CB1F0E3DA4C0}"/>
+          <p:cNvPr id="5" name="Picture 4" descr="Yellow question mark">
+            <a:extLst>
+              <a:ext uri="{FF2B5EF4-FFF2-40B4-BE49-F238E27FC236}">
+                <a16:creationId xmlns:a16="http://schemas.microsoft.com/office/drawing/2014/main" id="{9FD4B422-7A01-9BD4-15D6-D74D54F747A4}"/>
               </a:ext>
             </a:extLst>
           </p:cNvPr>
           <p:cNvPicPr>
-            <a:picLocks noGrp="1" noChangeAspect="1"/>
+            <a:picLocks noChangeAspect="1"/>
           </p:cNvPicPr>
-          <p:nvPr>
-            <p:ph idx="1"/>
-          </p:nvPr>
+          <p:nvPr/>
         </p:nvPicPr>
         <p:blipFill>
-          <a:blip r:embed="rId4"/>
-          <a:stretch>
-            <a:fillRect/>
-          </a:stretch>
+          <a:blip r:embed="rId3">
+            <a:alphaModFix/>
+          </a:blip>
+          <a:srcRect b="6250"/>
+          <a:stretch/>
         </p:blipFill>
         <p:spPr>
           <a:xfrm>
-            <a:off x="163350" y="1057968"/>
-            <a:ext cx="6609625" cy="4626735"/>
+            <a:off x="-110149" y="-120586"/>
+            <a:ext cx="12592433" cy="7083245"/>
           </a:xfrm>
           <a:prstGeom prst="rect">
             <a:avLst/>
@@ -10357,197 +11777,117 @@
       </p:pic>
       <p:sp>
         <p:nvSpPr>
-          <p:cNvPr id="5" name="TextBox 4">
-            <a:extLst>
-              <a:ext uri="{FF2B5EF4-FFF2-40B4-BE49-F238E27FC236}">
-                <a16:creationId xmlns:a16="http://schemas.microsoft.com/office/drawing/2014/main" id="{474BE029-D1D2-CA62-E660-939FB0C94BAC}"/>
-              </a:ext>
-            </a:extLst>
-          </p:cNvPr>
-          <p:cNvSpPr txBox="1"/>
-          <p:nvPr/>
+          <p:cNvPr id="17" name="Rectangle 16">
+            <a:extLst>
+              <a:ext uri="{FF2B5EF4-FFF2-40B4-BE49-F238E27FC236}">
+                <a16:creationId xmlns:a16="http://schemas.microsoft.com/office/drawing/2014/main" id="{F23DAFF7-4C98-4E0E-8986-198D54B6C1F0}"/>
+              </a:ext>
+              <a:ext uri="{C183D7F6-B498-43B3-948B-1728B52AA6E4}">
+                <adec:decorative xmlns:adec="http://schemas.microsoft.com/office/drawing/2017/decorative" val="1"/>
+              </a:ext>
+            </a:extLst>
+          </p:cNvPr>
+          <p:cNvSpPr>
+            <a:spLocks noGrp="1" noRot="1" noChangeAspect="1" noMove="1" noResize="1" noEditPoints="1" noAdjustHandles="1" noChangeArrowheads="1" noChangeShapeType="1" noTextEdit="1"/>
+          </p:cNvSpPr>
+          <p:nvPr>
+            <p:extLst>
+              <p:ext uri="{386F3935-93C4-4BCD-93E2-E3B085C9AB24}">
+                <p16:designElem xmlns:p16="http://schemas.microsoft.com/office/powerpoint/2015/main" val="1"/>
+              </p:ext>
+            </p:extLst>
+          </p:nvPr>
         </p:nvSpPr>
         <p:spPr>
-          <a:xfrm>
-            <a:off x="6861050" y="2400636"/>
-            <a:ext cx="5867022" cy="3928822"/>
+          <a:xfrm rot="5400000">
+            <a:off x="4800600" y="-533400"/>
+            <a:ext cx="6858000" cy="7924800"/>
           </a:xfrm>
           <a:prstGeom prst="rect">
             <a:avLst/>
           </a:prstGeom>
+          <a:gradFill>
+            <a:gsLst>
+              <a:gs pos="100000">
+                <a:srgbClr val="000000">
+                  <a:alpha val="0"/>
+                </a:srgbClr>
+              </a:gs>
+              <a:gs pos="0">
+                <a:schemeClr val="tx1"/>
+              </a:gs>
+              <a:gs pos="0">
+                <a:srgbClr val="000000">
+                  <a:alpha val="60000"/>
+                </a:srgbClr>
+              </a:gs>
+            </a:gsLst>
+            <a:lin ang="5400000" scaled="1"/>
+          </a:gradFill>
+          <a:ln>
+            <a:noFill/>
+          </a:ln>
         </p:spPr>
-        <p:txBody>
-          <a:bodyPr vert="horz" lIns="91440" tIns="45720" rIns="91440" bIns="45720" rtlCol="0">
+        <p:style>
+          <a:lnRef idx="2">
+            <a:schemeClr val="accent1">
+              <a:shade val="50000"/>
+            </a:schemeClr>
+          </a:lnRef>
+          <a:fillRef idx="1">
+            <a:schemeClr val="accent1"/>
+          </a:fillRef>
+          <a:effectRef idx="0">
+            <a:schemeClr val="accent1"/>
+          </a:effectRef>
+          <a:fontRef idx="minor">
+            <a:schemeClr val="lt1"/>
+          </a:fontRef>
+        </p:style>
+        <p:txBody>
+          <a:bodyPr rtlCol="0" anchor="ctr"/>
+          <a:lstStyle/>
+          <a:p>
+            <a:pPr algn="ctr"/>
+            <a:endParaRPr lang="en-US" dirty="0"/>
+          </a:p>
+        </p:txBody>
+      </p:sp>
+      <p:sp>
+        <p:nvSpPr>
+          <p:cNvPr id="2" name="Title 1">
+            <a:extLst>
+              <a:ext uri="{FF2B5EF4-FFF2-40B4-BE49-F238E27FC236}">
+                <a16:creationId xmlns:a16="http://schemas.microsoft.com/office/drawing/2014/main" id="{4D525810-486D-BE2E-EE7A-BDFEEEB52B51}"/>
+              </a:ext>
+            </a:extLst>
+          </p:cNvPr>
+          <p:cNvSpPr>
+            <a:spLocks noGrp="1"/>
+          </p:cNvSpPr>
+          <p:nvPr>
+            <p:ph type="title"/>
+          </p:nvPr>
+        </p:nvSpPr>
+        <p:spPr>
+          <a:xfrm>
+            <a:off x="484547" y="1722617"/>
+            <a:ext cx="4958128" cy="3755144"/>
+          </a:xfrm>
+        </p:spPr>
+        <p:txBody>
+          <a:bodyPr vert="horz" lIns="91440" tIns="45720" rIns="91440" bIns="45720" rtlCol="0" anchor="b">
             <a:normAutofit/>
           </a:bodyPr>
           <a:lstStyle/>
           <a:p>
-            <a:pPr indent="-228600">
-              <a:lnSpc>
-                <a:spcPct val="110000"/>
-              </a:lnSpc>
-              <a:spcAft>
-                <a:spcPts val="600"/>
-              </a:spcAft>
-              <a:buClr>
-                <a:schemeClr val="accent1"/>
-              </a:buClr>
-              <a:buFont typeface="Arial" panose="020B0604020202020204" pitchFamily="34" charset="0"/>
-              <a:buChar char="•"/>
-            </a:pPr>
-            <a:r>
-              <a:rPr lang="en-US" dirty="0"/>
-              <a:t>We can see market potential by visualizing the residuals.</a:t>
-            </a:r>
-          </a:p>
-          <a:p>
-            <a:pPr marL="285750" indent="-228600">
-              <a:lnSpc>
-                <a:spcPct val="110000"/>
-              </a:lnSpc>
-              <a:spcAft>
-                <a:spcPts val="600"/>
-              </a:spcAft>
-              <a:buClr>
-                <a:schemeClr val="accent1"/>
-              </a:buClr>
-              <a:buFont typeface="Arial" panose="020B0604020202020204" pitchFamily="34" charset="0"/>
-              <a:buChar char="•"/>
-            </a:pPr>
-            <a:r>
-              <a:rPr lang="en-US" b="1" dirty="0"/>
-              <a:t>Underestimated States</a:t>
-            </a:r>
-            <a:r>
-              <a:rPr lang="en-US" dirty="0"/>
-              <a:t> (Red Points)</a:t>
-            </a:r>
-          </a:p>
-          <a:p>
-            <a:pPr marL="742950" lvl="1" indent="-228600">
-              <a:lnSpc>
-                <a:spcPct val="110000"/>
-              </a:lnSpc>
-              <a:spcAft>
-                <a:spcPts val="600"/>
-              </a:spcAft>
-              <a:buClr>
-                <a:schemeClr val="accent1"/>
-              </a:buClr>
-              <a:buFont typeface="Arial" panose="020B0604020202020204" pitchFamily="34" charset="0"/>
-              <a:buChar char="•"/>
-            </a:pPr>
-            <a:r>
-              <a:rPr lang="en-US" dirty="0"/>
-              <a:t>More </a:t>
-            </a:r>
-            <a:r>
-              <a:rPr lang="en-US" dirty="0" err="1"/>
-              <a:t>favourable</a:t>
-            </a:r>
-            <a:r>
-              <a:rPr lang="en-US" dirty="0"/>
-              <a:t> than expected</a:t>
-            </a:r>
-          </a:p>
-          <a:p>
-            <a:pPr marL="285750" indent="-228600">
-              <a:lnSpc>
-                <a:spcPct val="110000"/>
-              </a:lnSpc>
-              <a:spcAft>
-                <a:spcPts val="600"/>
-              </a:spcAft>
-              <a:buClr>
-                <a:schemeClr val="accent1"/>
-              </a:buClr>
-              <a:buFont typeface="Arial" panose="020B0604020202020204" pitchFamily="34" charset="0"/>
-              <a:buChar char="•"/>
-            </a:pPr>
-            <a:r>
-              <a:rPr lang="en-US" b="1" dirty="0"/>
-              <a:t>Overestimated States</a:t>
-            </a:r>
-            <a:r>
-              <a:rPr lang="en-US" dirty="0"/>
-              <a:t> (Blue Points)</a:t>
-            </a:r>
-          </a:p>
-          <a:p>
-            <a:pPr marL="742950" lvl="1" indent="-228600">
-              <a:lnSpc>
-                <a:spcPct val="110000"/>
-              </a:lnSpc>
-              <a:spcAft>
-                <a:spcPts val="600"/>
-              </a:spcAft>
-              <a:buClr>
-                <a:schemeClr val="accent1"/>
-              </a:buClr>
-              <a:buFont typeface="Arial" panose="020B0604020202020204" pitchFamily="34" charset="0"/>
-              <a:buChar char="•"/>
-            </a:pPr>
-            <a:r>
-              <a:rPr lang="en-US" dirty="0"/>
-              <a:t>Less </a:t>
-            </a:r>
-            <a:r>
-              <a:rPr lang="en-US" dirty="0" err="1"/>
-              <a:t>favourable</a:t>
-            </a:r>
-            <a:r>
-              <a:rPr lang="en-US" dirty="0"/>
-              <a:t> than expected</a:t>
-            </a:r>
-          </a:p>
-          <a:p>
-            <a:pPr marL="285750" indent="-228600">
-              <a:lnSpc>
-                <a:spcPct val="110000"/>
-              </a:lnSpc>
-              <a:spcAft>
-                <a:spcPts val="600"/>
-              </a:spcAft>
-              <a:buClr>
-                <a:schemeClr val="accent1"/>
-              </a:buClr>
-              <a:buFont typeface="Arial" panose="020B0604020202020204" pitchFamily="34" charset="0"/>
-              <a:buChar char="•"/>
-            </a:pPr>
-            <a:r>
-              <a:rPr lang="en-US" b="1" dirty="0"/>
-              <a:t>Well-Fitted States</a:t>
-            </a:r>
-            <a:r>
-              <a:rPr lang="en-US" dirty="0"/>
-              <a:t> (White Points)</a:t>
-            </a:r>
-          </a:p>
-          <a:p>
-            <a:pPr marL="742950" lvl="1" indent="-228600">
-              <a:lnSpc>
-                <a:spcPct val="110000"/>
-              </a:lnSpc>
-              <a:spcAft>
-                <a:spcPts val="600"/>
-              </a:spcAft>
-              <a:buClr>
-                <a:schemeClr val="accent1"/>
-              </a:buClr>
-              <a:buFont typeface="Arial" panose="020B0604020202020204" pitchFamily="34" charset="0"/>
-              <a:buChar char="•"/>
-            </a:pPr>
-            <a:r>
-              <a:rPr lang="en-US" dirty="0"/>
-              <a:t>As </a:t>
-            </a:r>
-            <a:r>
-              <a:rPr lang="en-US" dirty="0" err="1"/>
-              <a:t>favourable</a:t>
-            </a:r>
-            <a:r>
-              <a:rPr lang="en-US" dirty="0"/>
-              <a:t> as expected</a:t>
+            <a:r>
+              <a:rPr lang="en-US" sz="8000" dirty="0">
+                <a:solidFill>
+                  <a:srgbClr val="FFFFFF"/>
+                </a:solidFill>
+              </a:rPr>
+              <a:t>Questions?</a:t>
             </a:r>
           </a:p>
         </p:txBody>
@@ -10555,7 +11895,7 @@
     </p:spTree>
     <p:extLst>
       <p:ext uri="{BB962C8B-B14F-4D97-AF65-F5344CB8AC3E}">
-        <p14:creationId xmlns:p14="http://schemas.microsoft.com/office/powerpoint/2010/main" val="84603106"/>
+        <p14:creationId xmlns:p14="http://schemas.microsoft.com/office/powerpoint/2010/main" val="77000741"/>
       </p:ext>
     </p:extLst>
   </p:cSld>
@@ -10565,7 +11905,7 @@
 </p:sld>
 </file>
 
-<file path=ppt/slides/slide28.xml><?xml version="1.0" encoding="utf-8"?>
+<file path=ppt/slides/slide4.xml><?xml version="1.0" encoding="utf-8"?>
 <p:sld xmlns:a="http://schemas.openxmlformats.org/drawingml/2006/main" xmlns:r="http://schemas.openxmlformats.org/officeDocument/2006/relationships" xmlns:p="http://schemas.openxmlformats.org/presentationml/2006/main">
   <p:cSld>
     <p:spTree>
@@ -10587,7 +11927,7 @@
           <p:cNvPr id="2" name="Title 1">
             <a:extLst>
               <a:ext uri="{FF2B5EF4-FFF2-40B4-BE49-F238E27FC236}">
-                <a16:creationId xmlns:a16="http://schemas.microsoft.com/office/drawing/2014/main" id="{90705B0B-3B33-9B5C-F158-DEAAAEC8C05F}"/>
+                <a16:creationId xmlns:a16="http://schemas.microsoft.com/office/drawing/2014/main" id="{C2E2B034-3EB3-B0D6-221D-3B5AB0934CFA}"/>
               </a:ext>
             </a:extLst>
           </p:cNvPr>
@@ -10600,489 +11940,19 @@
         </p:nvSpPr>
         <p:spPr>
           <a:xfrm>
-            <a:off x="458695" y="18255"/>
+            <a:off x="458695" y="282389"/>
             <a:ext cx="10895106" cy="1325563"/>
           </a:xfrm>
         </p:spPr>
         <p:txBody>
-          <a:bodyPr/>
-          <a:lstStyle/>
-          <a:p>
-            <a:r>
-              <a:rPr lang="en-US" dirty="0"/>
-              <a:t>Concluding Remarks</a:t>
-            </a:r>
-          </a:p>
-        </p:txBody>
-      </p:sp>
-      <p:sp>
-        <p:nvSpPr>
-          <p:cNvPr id="3" name="Content Placeholder 2">
-            <a:extLst>
-              <a:ext uri="{FF2B5EF4-FFF2-40B4-BE49-F238E27FC236}">
-                <a16:creationId xmlns:a16="http://schemas.microsoft.com/office/drawing/2014/main" id="{9CE956AE-7039-39B6-F94E-3EC7FE476B45}"/>
-              </a:ext>
-            </a:extLst>
-          </p:cNvPr>
-          <p:cNvSpPr>
-            <a:spLocks noGrp="1"/>
-          </p:cNvSpPr>
-          <p:nvPr>
-            <p:ph sz="half" idx="1"/>
-          </p:nvPr>
-        </p:nvSpPr>
-        <p:spPr>
-          <a:xfrm>
-            <a:off x="458696" y="1351660"/>
-            <a:ext cx="5561106" cy="5225410"/>
-          </a:xfrm>
-        </p:spPr>
-        <p:txBody>
           <a:bodyPr>
-            <a:normAutofit fontScale="70000" lnSpcReduction="20000"/>
+            <a:normAutofit fontScale="90000"/>
           </a:bodyPr>
           <a:lstStyle/>
           <a:p>
-            <a:pPr marL="0" indent="0">
-              <a:buNone/>
-            </a:pPr>
-            <a:r>
-              <a:rPr lang="en-US" b="1" dirty="0"/>
-              <a:t>What we learned today?</a:t>
-            </a:r>
-          </a:p>
-          <a:p>
             <a:r>
               <a:rPr lang="en-US" dirty="0"/>
-              <a:t>Linear regression helps us identify relationship and patterns between </a:t>
-            </a:r>
-            <a:r>
-              <a:rPr lang="en-US" i="1" dirty="0"/>
-              <a:t>independent </a:t>
-            </a:r>
-            <a:r>
-              <a:rPr lang="en-US" dirty="0"/>
-              <a:t>and </a:t>
-            </a:r>
-            <a:r>
-              <a:rPr lang="en-US" i="1" dirty="0"/>
-              <a:t>dependent</a:t>
-            </a:r>
-            <a:r>
-              <a:rPr lang="en-US" dirty="0"/>
-              <a:t> variables</a:t>
-            </a:r>
-          </a:p>
-          <a:p>
-            <a:r>
-              <a:rPr lang="en-US" dirty="0"/>
-              <a:t>Location quotient and population matter in predicting the number of golf courses in a state</a:t>
-            </a:r>
-          </a:p>
-          <a:p>
-            <a:r>
-              <a:rPr lang="en-US" dirty="0"/>
-              <a:t>Model coefficients tell us the impact of an individual variable</a:t>
-            </a:r>
-          </a:p>
-          <a:p>
-            <a:r>
-              <a:rPr lang="en-US" dirty="0" err="1"/>
-              <a:t>RSquared</a:t>
-            </a:r>
-            <a:r>
-              <a:rPr lang="en-US" dirty="0"/>
-              <a:t> tells us “goodness of fit” of a model</a:t>
-            </a:r>
-          </a:p>
-          <a:p>
-            <a:r>
-              <a:rPr lang="en-US" dirty="0"/>
-              <a:t>Assumptions of LR should be verified before interpretation</a:t>
-            </a:r>
-          </a:p>
-          <a:p>
-            <a:r>
-              <a:rPr lang="en-US" dirty="0"/>
-              <a:t>Residuals analysis can tell us more about the data than we think</a:t>
-            </a:r>
-          </a:p>
-        </p:txBody>
-      </p:sp>
-      <p:sp>
-        <p:nvSpPr>
-          <p:cNvPr id="4" name="Content Placeholder 3">
-            <a:extLst>
-              <a:ext uri="{FF2B5EF4-FFF2-40B4-BE49-F238E27FC236}">
-                <a16:creationId xmlns:a16="http://schemas.microsoft.com/office/drawing/2014/main" id="{9DC30BDF-2AB0-095A-AEE6-0A7D1C72203C}"/>
-              </a:ext>
-            </a:extLst>
-          </p:cNvPr>
-          <p:cNvSpPr>
-            <a:spLocks noGrp="1"/>
-          </p:cNvSpPr>
-          <p:nvPr>
-            <p:ph sz="half" idx="2"/>
-          </p:nvPr>
-        </p:nvSpPr>
-        <p:spPr>
-          <a:xfrm>
-            <a:off x="6172199" y="1403569"/>
-            <a:ext cx="5561105" cy="4351338"/>
-          </a:xfrm>
-        </p:spPr>
-        <p:txBody>
-          <a:bodyPr>
-            <a:normAutofit fontScale="70000" lnSpcReduction="20000"/>
-          </a:bodyPr>
-          <a:lstStyle/>
-          <a:p>
-            <a:pPr marL="0" indent="0">
-              <a:buNone/>
-            </a:pPr>
-            <a:r>
-              <a:rPr lang="en-US" b="1" dirty="0"/>
-              <a:t>What to remember?</a:t>
-            </a:r>
-          </a:p>
-          <a:p>
-            <a:r>
-              <a:rPr lang="en-US" dirty="0"/>
-              <a:t>Regression’s strength is interpretability</a:t>
-            </a:r>
-          </a:p>
-          <a:p>
-            <a:r>
-              <a:rPr lang="en-US" dirty="0"/>
-              <a:t>Regression coefficient being significant doesn’t imply causality</a:t>
-            </a:r>
-          </a:p>
-          <a:p>
-            <a:r>
-              <a:rPr lang="en-US" dirty="0"/>
-              <a:t>Assumption of “linear model” might be too simplistic for pure prediction</a:t>
-            </a:r>
-          </a:p>
-          <a:p>
-            <a:r>
-              <a:rPr lang="en-US" b="1" dirty="0"/>
-              <a:t>LINE Assumptions: </a:t>
-            </a:r>
-            <a:r>
-              <a:rPr lang="en-US" dirty="0"/>
-              <a:t>Linearity, Independence, Normality, Equal Variance</a:t>
-            </a:r>
-          </a:p>
-          <a:p>
-            <a:r>
-              <a:rPr lang="en-US" b="1" dirty="0"/>
-              <a:t>There is more to regression! We will cover additional topics in coming classes</a:t>
-            </a:r>
-          </a:p>
-        </p:txBody>
-      </p:sp>
-    </p:spTree>
-    <p:extLst>
-      <p:ext uri="{BB962C8B-B14F-4D97-AF65-F5344CB8AC3E}">
-        <p14:creationId xmlns:p14="http://schemas.microsoft.com/office/powerpoint/2010/main" val="4096181571"/>
-      </p:ext>
-    </p:extLst>
-  </p:cSld>
-  <p:clrMapOvr>
-    <a:masterClrMapping/>
-  </p:clrMapOvr>
-</p:sld>
-</file>
-
-<file path=ppt/slides/slide29.xml><?xml version="1.0" encoding="utf-8"?>
-<p:sld xmlns:a="http://schemas.openxmlformats.org/drawingml/2006/main" xmlns:r="http://schemas.openxmlformats.org/officeDocument/2006/relationships" xmlns:p="http://schemas.openxmlformats.org/presentationml/2006/main">
-  <p:cSld>
-    <p:spTree>
-      <p:nvGrpSpPr>
-        <p:cNvPr id="1" name=""/>
-        <p:cNvGrpSpPr/>
-        <p:nvPr/>
-      </p:nvGrpSpPr>
-      <p:grpSpPr>
-        <a:xfrm>
-          <a:off x="0" y="0"/>
-          <a:ext cx="0" cy="0"/>
-          <a:chOff x="0" y="0"/>
-          <a:chExt cx="0" cy="0"/>
-        </a:xfrm>
-      </p:grpSpPr>
-      <p:sp>
-        <p:nvSpPr>
-          <p:cNvPr id="2" name="Title 1">
-            <a:extLst>
-              <a:ext uri="{FF2B5EF4-FFF2-40B4-BE49-F238E27FC236}">
-                <a16:creationId xmlns:a16="http://schemas.microsoft.com/office/drawing/2014/main" id="{0EACD1D4-65E0-5B6C-5AF0-7D9E309F8B3B}"/>
-              </a:ext>
-            </a:extLst>
-          </p:cNvPr>
-          <p:cNvSpPr>
-            <a:spLocks noGrp="1"/>
-          </p:cNvSpPr>
-          <p:nvPr>
-            <p:ph type="title"/>
-          </p:nvPr>
-        </p:nvSpPr>
-        <p:spPr>
-          <a:xfrm>
-            <a:off x="458694" y="0"/>
-            <a:ext cx="10895106" cy="1325563"/>
-          </a:xfrm>
-        </p:spPr>
-        <p:txBody>
-          <a:bodyPr/>
-          <a:lstStyle/>
-          <a:p>
-            <a:r>
-              <a:rPr lang="en-US" dirty="0"/>
-              <a:t>Next Up…</a:t>
-            </a:r>
-          </a:p>
-        </p:txBody>
-      </p:sp>
-      <p:sp>
-        <p:nvSpPr>
-          <p:cNvPr id="3" name="Content Placeholder 2">
-            <a:extLst>
-              <a:ext uri="{FF2B5EF4-FFF2-40B4-BE49-F238E27FC236}">
-                <a16:creationId xmlns:a16="http://schemas.microsoft.com/office/drawing/2014/main" id="{6F8091D7-2D32-3923-DA9B-55DAF0BDD643}"/>
-              </a:ext>
-            </a:extLst>
-          </p:cNvPr>
-          <p:cNvSpPr>
-            <a:spLocks noGrp="1"/>
-          </p:cNvSpPr>
-          <p:nvPr>
-            <p:ph idx="1"/>
-          </p:nvPr>
-        </p:nvSpPr>
-        <p:spPr>
-          <a:xfrm>
-            <a:off x="458694" y="1388126"/>
-            <a:ext cx="11274612" cy="4757088"/>
-          </a:xfrm>
-        </p:spPr>
-        <p:txBody>
-          <a:bodyPr/>
-          <a:lstStyle/>
-          <a:p>
-            <a:r>
-              <a:rPr lang="en-US" b="1" dirty="0"/>
-              <a:t>Interaction between Variables</a:t>
-            </a:r>
-          </a:p>
-          <a:p>
-            <a:pPr lvl="1"/>
-            <a:r>
-              <a:rPr lang="en-US" dirty="0"/>
-              <a:t>Identifying relationships that have combined/conditional effects, not additive effects</a:t>
-            </a:r>
-          </a:p>
-          <a:p>
-            <a:pPr lvl="1"/>
-            <a:r>
-              <a:rPr lang="en-US" dirty="0"/>
-              <a:t>Effect of exercise on weight might depend on diet type</a:t>
-            </a:r>
-          </a:p>
-          <a:p>
-            <a:r>
-              <a:rPr lang="en-US" b="1" dirty="0"/>
-              <a:t>Ranking Importance of Independent Variables</a:t>
-            </a:r>
-          </a:p>
-          <a:p>
-            <a:pPr lvl="1"/>
-            <a:r>
-              <a:rPr lang="en-US" dirty="0"/>
-              <a:t>Scaling X by its mean and standard deviation</a:t>
-            </a:r>
-          </a:p>
-          <a:p>
-            <a:r>
-              <a:rPr lang="en-US" b="1" dirty="0"/>
-              <a:t>Linear regression for optimization</a:t>
-            </a:r>
-          </a:p>
-          <a:p>
-            <a:pPr lvl="1"/>
-            <a:r>
-              <a:rPr lang="en-US" dirty="0">
-                <a:hlinkClick r:id="rId2"/>
-              </a:rPr>
-              <a:t>https://blog.harsh17.in/using-linear-regression-to-find-optimal-value/</a:t>
-            </a:r>
-            <a:r>
-              <a:rPr lang="en-US" dirty="0"/>
-              <a:t> </a:t>
-            </a:r>
-          </a:p>
-          <a:p>
-            <a:r>
-              <a:rPr lang="en-US" b="1" dirty="0"/>
-              <a:t>Variable selection:</a:t>
-            </a:r>
-            <a:r>
-              <a:rPr lang="en-US" dirty="0"/>
-              <a:t> Lasso and ridge regressions</a:t>
-            </a:r>
-            <a:endParaRPr lang="en-US" b="1" dirty="0"/>
-          </a:p>
-        </p:txBody>
-      </p:sp>
-    </p:spTree>
-    <p:extLst>
-      <p:ext uri="{BB962C8B-B14F-4D97-AF65-F5344CB8AC3E}">
-        <p14:creationId xmlns:p14="http://schemas.microsoft.com/office/powerpoint/2010/main" val="1004592387"/>
-      </p:ext>
-    </p:extLst>
-  </p:cSld>
-  <p:clrMapOvr>
-    <a:masterClrMapping/>
-  </p:clrMapOvr>
-</p:sld>
-</file>
-
-<file path=ppt/slides/slide3.xml><?xml version="1.0" encoding="utf-8"?>
-<p:sld xmlns:a="http://schemas.openxmlformats.org/drawingml/2006/main" xmlns:r="http://schemas.openxmlformats.org/officeDocument/2006/relationships" xmlns:p="http://schemas.openxmlformats.org/presentationml/2006/main">
-  <p:cSld>
-    <p:spTree>
-      <p:nvGrpSpPr>
-        <p:cNvPr id="1" name=""/>
-        <p:cNvGrpSpPr/>
-        <p:nvPr/>
-      </p:nvGrpSpPr>
-      <p:grpSpPr>
-        <a:xfrm>
-          <a:off x="0" y="0"/>
-          <a:ext cx="0" cy="0"/>
-          <a:chOff x="0" y="0"/>
-          <a:chExt cx="0" cy="0"/>
-        </a:xfrm>
-      </p:grpSpPr>
-      <p:sp>
-        <p:nvSpPr>
-          <p:cNvPr id="2" name="Title 1">
-            <a:extLst>
-              <a:ext uri="{FF2B5EF4-FFF2-40B4-BE49-F238E27FC236}">
-                <a16:creationId xmlns:a16="http://schemas.microsoft.com/office/drawing/2014/main" id="{C2E2B034-3EB3-B0D6-221D-3B5AB0934CFA}"/>
-              </a:ext>
-            </a:extLst>
-          </p:cNvPr>
-          <p:cNvSpPr>
-            <a:spLocks noGrp="1"/>
-          </p:cNvSpPr>
-          <p:nvPr>
-            <p:ph type="title"/>
-          </p:nvPr>
-        </p:nvSpPr>
-        <p:spPr>
-          <a:xfrm>
-            <a:off x="458694" y="50005"/>
-            <a:ext cx="10895106" cy="1325563"/>
-          </a:xfrm>
-        </p:spPr>
-        <p:txBody>
-          <a:bodyPr>
-            <a:normAutofit/>
-          </a:bodyPr>
-          <a:lstStyle/>
-          <a:p>
-            <a:r>
-              <a:rPr lang="en-US" dirty="0"/>
-              <a:t>Golf Courses by State: How Many Are There?</a:t>
-            </a:r>
-          </a:p>
-        </p:txBody>
-      </p:sp>
-      <p:pic>
-        <p:nvPicPr>
-          <p:cNvPr id="1026" name="Picture 2">
-            <a:extLst>
-              <a:ext uri="{FF2B5EF4-FFF2-40B4-BE49-F238E27FC236}">
-                <a16:creationId xmlns:a16="http://schemas.microsoft.com/office/drawing/2014/main" id="{7541CCB3-FF1F-0923-BAD1-DF4F96FE85B2}"/>
-              </a:ext>
-            </a:extLst>
-          </p:cNvPr>
-          <p:cNvPicPr>
-            <a:picLocks noGrp="1" noChangeAspect="1" noChangeArrowheads="1"/>
-          </p:cNvPicPr>
-          <p:nvPr>
-            <p:ph idx="1"/>
-          </p:nvPr>
-        </p:nvPicPr>
-        <p:blipFill>
-          <a:blip r:embed="rId2">
-            <a:extLst>
-              <a:ext uri="{28A0092B-C50C-407E-A947-70E740481C1C}">
-                <a14:useLocalDpi xmlns:a14="http://schemas.microsoft.com/office/drawing/2010/main" val="0"/>
-              </a:ext>
-            </a:extLst>
-          </a:blip>
-          <a:srcRect/>
-          <a:stretch>
-            <a:fillRect/>
-          </a:stretch>
-        </p:blipFill>
-        <p:spPr bwMode="auto">
-          <a:xfrm>
-            <a:off x="7169055" y="1487394"/>
-            <a:ext cx="3883212" cy="3883212"/>
-          </a:xfrm>
-          <a:prstGeom prst="rect">
-            <a:avLst/>
-          </a:prstGeom>
-          <a:noFill/>
-          <a:extLst>
-            <a:ext uri="{909E8E84-426E-40DD-AFC4-6F175D3DCCD1}">
-              <a14:hiddenFill xmlns:a14="http://schemas.microsoft.com/office/drawing/2010/main">
-                <a:solidFill>
-                  <a:srgbClr val="FFFFFF"/>
-                </a:solidFill>
-              </a14:hiddenFill>
-            </a:ext>
-          </a:extLst>
-        </p:spPr>
-      </p:pic>
-      <p:sp>
-        <p:nvSpPr>
-          <p:cNvPr id="4" name="TextBox 3">
-            <a:extLst>
-              <a:ext uri="{FF2B5EF4-FFF2-40B4-BE49-F238E27FC236}">
-                <a16:creationId xmlns:a16="http://schemas.microsoft.com/office/drawing/2014/main" id="{C4AF719D-E04D-5F99-86E0-003F928EF5E4}"/>
-              </a:ext>
-            </a:extLst>
-          </p:cNvPr>
-          <p:cNvSpPr txBox="1"/>
-          <p:nvPr/>
-        </p:nvSpPr>
-        <p:spPr>
-          <a:xfrm>
-            <a:off x="7169055" y="5618602"/>
-            <a:ext cx="3883212" cy="923330"/>
-          </a:xfrm>
-          <a:prstGeom prst="rect">
-            <a:avLst/>
-          </a:prstGeom>
-          <a:noFill/>
-        </p:spPr>
-        <p:txBody>
-          <a:bodyPr wrap="square" rtlCol="0">
-            <a:spAutoFit/>
-          </a:bodyPr>
-          <a:lstStyle/>
-          <a:p>
-            <a:r>
-              <a:rPr lang="en-US" b="1" dirty="0"/>
-              <a:t>Fun fact:</a:t>
-            </a:r>
-            <a:r>
-              <a:rPr lang="en-US" dirty="0"/>
-              <a:t> Florida has the highest number of golf courses in USA, currently 1000+</a:t>
+              <a:t>Health Insurance Premiums in Massachusetts: What Drives Costs?</a:t>
             </a:r>
           </a:p>
         </p:txBody>
@@ -11103,8 +11973,8 @@
         </p:nvSpPr>
         <p:spPr>
           <a:xfrm>
-            <a:off x="458694" y="1949450"/>
-            <a:ext cx="6592101" cy="4195763"/>
+            <a:off x="458695" y="1788458"/>
+            <a:ext cx="5637306" cy="4787153"/>
           </a:xfrm>
           <a:prstGeom prst="rect">
             <a:avLst/>
@@ -11295,42 +12165,76 @@
           </a:lstStyle>
           <a:p>
             <a:r>
-              <a:rPr lang="en-US" dirty="0"/>
-              <a:t>In 2023, more than 45 million people played golf in US</a:t>
-            </a:r>
-          </a:p>
-          <a:p>
-            <a:r>
-              <a:rPr lang="en-US" dirty="0"/>
-              <a:t>What determines how popular is golf in any state?</a:t>
-            </a:r>
-          </a:p>
-          <a:p>
-            <a:pPr lvl="1"/>
-            <a:r>
-              <a:rPr lang="en-US" dirty="0"/>
-              <a:t>Location</a:t>
-            </a:r>
-          </a:p>
-          <a:p>
-            <a:pPr lvl="1"/>
-            <a:r>
-              <a:rPr lang="en-US" dirty="0"/>
-              <a:t>Population / Population Density</a:t>
-            </a:r>
-          </a:p>
-          <a:p>
-            <a:pPr lvl="1"/>
-            <a:r>
-              <a:rPr lang="en-US" dirty="0"/>
-              <a:t>Population Growth</a:t>
-            </a:r>
-          </a:p>
-          <a:p>
-            <a:pPr lvl="1"/>
-            <a:r>
-              <a:rPr lang="en-US" dirty="0"/>
-              <a:t>Etc.</a:t>
+              <a:rPr lang="en-US" sz="2400" dirty="0"/>
+              <a:t>In 2022, per capita health care spending was $10,264, which was a 5.8% increase from 2021.</a:t>
+            </a:r>
+          </a:p>
+          <a:p>
+            <a:r>
+              <a:rPr lang="en-US" sz="2400" dirty="0"/>
+              <a:t>The average cost of an individual health insurance plan in Massachusetts is $721.19 per person.</a:t>
+            </a:r>
+          </a:p>
+        </p:txBody>
+      </p:sp>
+      <p:sp>
+        <p:nvSpPr>
+          <p:cNvPr id="6" name="TextBox 5">
+            <a:extLst>
+              <a:ext uri="{FF2B5EF4-FFF2-40B4-BE49-F238E27FC236}">
+                <a16:creationId xmlns:a16="http://schemas.microsoft.com/office/drawing/2014/main" id="{455F0C3C-3760-CC99-80B8-4E5B8B1EF241}"/>
+              </a:ext>
+            </a:extLst>
+          </p:cNvPr>
+          <p:cNvSpPr txBox="1"/>
+          <p:nvPr/>
+        </p:nvSpPr>
+        <p:spPr>
+          <a:xfrm>
+            <a:off x="6481482" y="1788458"/>
+            <a:ext cx="5526742" cy="3046988"/>
+          </a:xfrm>
+          <a:prstGeom prst="rect">
+            <a:avLst/>
+          </a:prstGeom>
+          <a:noFill/>
+        </p:spPr>
+        <p:txBody>
+          <a:bodyPr wrap="square" rtlCol="0">
+            <a:spAutoFit/>
+          </a:bodyPr>
+          <a:lstStyle/>
+          <a:p>
+            <a:r>
+              <a:rPr lang="en-US" sz="2400" b="1" dirty="0"/>
+              <a:t>What drives insurance premium in general?</a:t>
+            </a:r>
+          </a:p>
+          <a:p>
+            <a:endParaRPr lang="en-US" sz="2400" b="1" dirty="0"/>
+          </a:p>
+          <a:p>
+            <a:r>
+              <a:rPr lang="en-US" sz="2400" dirty="0"/>
+              <a:t>1. </a:t>
+            </a:r>
+          </a:p>
+          <a:p>
+            <a:endParaRPr lang="en-US" sz="2400" dirty="0"/>
+          </a:p>
+          <a:p>
+            <a:r>
+              <a:rPr lang="en-US" sz="2400" dirty="0"/>
+              <a:t>2. </a:t>
+            </a:r>
+          </a:p>
+          <a:p>
+            <a:endParaRPr lang="en-US" sz="2400" dirty="0"/>
+          </a:p>
+          <a:p>
+            <a:r>
+              <a:rPr lang="en-US" sz="2400" dirty="0"/>
+              <a:t>3. </a:t>
             </a:r>
           </a:p>
         </p:txBody>
@@ -11348,7 +12252,7 @@
 </p:sld>
 </file>
 
-<file path=ppt/slides/slide30.xml><?xml version="1.0" encoding="utf-8"?>
+<file path=ppt/slides/slide5.xml><?xml version="1.0" encoding="utf-8"?>
 <p:sld xmlns:a="http://schemas.openxmlformats.org/drawingml/2006/main" xmlns:r="http://schemas.openxmlformats.org/officeDocument/2006/relationships" xmlns:p="http://schemas.openxmlformats.org/presentationml/2006/main">
   <p:cSld>
     <p:bg>
@@ -11375,7 +12279,7 @@
       </p:grpSpPr>
       <p:sp>
         <p:nvSpPr>
-          <p:cNvPr id="9" name="Rectangle 8">
+          <p:cNvPr id="11" name="Rectangle 10">
             <a:extLst>
               <a:ext uri="{FF2B5EF4-FFF2-40B4-BE49-F238E27FC236}">
                 <a16:creationId xmlns:a16="http://schemas.microsoft.com/office/drawing/2014/main" id="{0BABF38A-8A0D-492E-BD20-6CF4D46B50BD}"/>
@@ -11449,7 +12353,7 @@
       </p:sp>
       <p:pic>
         <p:nvPicPr>
-          <p:cNvPr id="11" name="Picture 10">
+          <p:cNvPr id="13" name="Picture 12">
             <a:extLst>
               <a:ext uri="{FF2B5EF4-FFF2-40B4-BE49-F238E27FC236}">
                 <a16:creationId xmlns:a16="http://schemas.microsoft.com/office/drawing/2014/main" id="{BC526B7A-4801-4FD1-95C8-03AF22629E87}"/>
@@ -11495,10 +12399,10 @@
       </p:pic>
       <p:sp useBgFill="1">
         <p:nvSpPr>
-          <p:cNvPr id="13" name="Rectangle 12">
-            <a:extLst>
-              <a:ext uri="{FF2B5EF4-FFF2-40B4-BE49-F238E27FC236}">
-                <a16:creationId xmlns:a16="http://schemas.microsoft.com/office/drawing/2014/main" id="{E2748806-3AF5-4078-830A-C1F26BF1B200}"/>
+          <p:cNvPr id="15" name="Rectangle 14">
+            <a:extLst>
+              <a:ext uri="{FF2B5EF4-FFF2-40B4-BE49-F238E27FC236}">
+                <a16:creationId xmlns:a16="http://schemas.microsoft.com/office/drawing/2014/main" id="{297F7562-DBE2-4729-835D-1486BBB4373A}"/>
               </a:ext>
               <a:ext uri="{C183D7F6-B498-43B3-948B-1728B52AA6E4}">
                 <adec:decorative xmlns:adec="http://schemas.microsoft.com/office/drawing/2017/decorative" val="1"/>
@@ -11518,7 +12422,7 @@
         </p:nvSpPr>
         <p:spPr>
           <a:xfrm>
-            <a:off x="0" y="0"/>
+            <a:off x="3048" y="-2627"/>
             <a:ext cx="12188952" cy="6858000"/>
           </a:xfrm>
           <a:prstGeom prst="rect">
@@ -11563,10 +12467,10 @@
       </p:sp>
       <p:sp>
         <p:nvSpPr>
-          <p:cNvPr id="15" name="Rectangle 14">
-            <a:extLst>
-              <a:ext uri="{FF2B5EF4-FFF2-40B4-BE49-F238E27FC236}">
-                <a16:creationId xmlns:a16="http://schemas.microsoft.com/office/drawing/2014/main" id="{BF991FCB-5132-414C-B377-526F56121B69}"/>
+          <p:cNvPr id="17" name="Rectangle 16">
+            <a:extLst>
+              <a:ext uri="{FF2B5EF4-FFF2-40B4-BE49-F238E27FC236}">
+                <a16:creationId xmlns:a16="http://schemas.microsoft.com/office/drawing/2014/main" id="{DCE0245F-7D4D-413E-940B-1D9D9A171161}"/>
               </a:ext>
               <a:ext uri="{C183D7F6-B498-43B3-948B-1728B52AA6E4}">
                 <adec:decorative xmlns:adec="http://schemas.microsoft.com/office/drawing/2017/decorative" val="1"/>
@@ -11586,332 +12490,7 @@
         </p:nvSpPr>
         <p:spPr>
           <a:xfrm>
-            <a:off x="0" y="0"/>
-            <a:ext cx="12188952" cy="6858000"/>
-          </a:xfrm>
-          <a:prstGeom prst="rect">
-            <a:avLst/>
-          </a:prstGeom>
-          <a:solidFill>
-            <a:srgbClr val="000000"/>
-          </a:solidFill>
-          <a:ln>
-            <a:noFill/>
-          </a:ln>
-        </p:spPr>
-        <p:style>
-          <a:lnRef idx="2">
-            <a:schemeClr val="accent1">
-              <a:shade val="50000"/>
-            </a:schemeClr>
-          </a:lnRef>
-          <a:fillRef idx="1">
-            <a:schemeClr val="accent1"/>
-          </a:fillRef>
-          <a:effectRef idx="0">
-            <a:schemeClr val="accent1"/>
-          </a:effectRef>
-          <a:fontRef idx="minor">
-            <a:schemeClr val="lt1"/>
-          </a:fontRef>
-        </p:style>
-        <p:txBody>
-          <a:bodyPr rtlCol="0" anchor="ctr"/>
-          <a:lstStyle/>
-          <a:p>
-            <a:pPr algn="ctr"/>
-            <a:endParaRPr lang="en-US" dirty="0">
-              <a:solidFill>
-                <a:schemeClr val="tx1">
-                  <a:lumMod val="65000"/>
-                  <a:lumOff val="35000"/>
-                </a:schemeClr>
-              </a:solidFill>
-              <a:latin typeface="AvenirNext LT Pro Medium" panose="020B0504020202020204" pitchFamily="34" charset="0"/>
-            </a:endParaRPr>
-          </a:p>
-        </p:txBody>
-      </p:sp>
-      <p:pic>
-        <p:nvPicPr>
-          <p:cNvPr id="5" name="Picture 4" descr="Yellow question mark">
-            <a:extLst>
-              <a:ext uri="{FF2B5EF4-FFF2-40B4-BE49-F238E27FC236}">
-                <a16:creationId xmlns:a16="http://schemas.microsoft.com/office/drawing/2014/main" id="{9FD4B422-7A01-9BD4-15D6-D74D54F747A4}"/>
-              </a:ext>
-            </a:extLst>
-          </p:cNvPr>
-          <p:cNvPicPr>
-            <a:picLocks noChangeAspect="1"/>
-          </p:cNvPicPr>
-          <p:nvPr/>
-        </p:nvPicPr>
-        <p:blipFill>
-          <a:blip r:embed="rId3">
-            <a:alphaModFix/>
-          </a:blip>
-          <a:srcRect b="6250"/>
-          <a:stretch/>
-        </p:blipFill>
-        <p:spPr>
-          <a:xfrm>
-            <a:off x="-110149" y="-120586"/>
-            <a:ext cx="12592433" cy="7083245"/>
-          </a:xfrm>
-          <a:prstGeom prst="rect">
-            <a:avLst/>
-          </a:prstGeom>
-        </p:spPr>
-      </p:pic>
-      <p:sp>
-        <p:nvSpPr>
-          <p:cNvPr id="17" name="Rectangle 16">
-            <a:extLst>
-              <a:ext uri="{FF2B5EF4-FFF2-40B4-BE49-F238E27FC236}">
-                <a16:creationId xmlns:a16="http://schemas.microsoft.com/office/drawing/2014/main" id="{F23DAFF7-4C98-4E0E-8986-198D54B6C1F0}"/>
-              </a:ext>
-              <a:ext uri="{C183D7F6-B498-43B3-948B-1728B52AA6E4}">
-                <adec:decorative xmlns:adec="http://schemas.microsoft.com/office/drawing/2017/decorative" val="1"/>
-              </a:ext>
-            </a:extLst>
-          </p:cNvPr>
-          <p:cNvSpPr>
-            <a:spLocks noGrp="1" noRot="1" noChangeAspect="1" noMove="1" noResize="1" noEditPoints="1" noAdjustHandles="1" noChangeArrowheads="1" noChangeShapeType="1" noTextEdit="1"/>
-          </p:cNvSpPr>
-          <p:nvPr>
-            <p:extLst>
-              <p:ext uri="{386F3935-93C4-4BCD-93E2-E3B085C9AB24}">
-                <p16:designElem xmlns:p16="http://schemas.microsoft.com/office/powerpoint/2015/main" val="1"/>
-              </p:ext>
-            </p:extLst>
-          </p:nvPr>
-        </p:nvSpPr>
-        <p:spPr>
-          <a:xfrm rot="5400000">
-            <a:off x="4800600" y="-533400"/>
-            <a:ext cx="6858000" cy="7924800"/>
-          </a:xfrm>
-          <a:prstGeom prst="rect">
-            <a:avLst/>
-          </a:prstGeom>
-          <a:gradFill>
-            <a:gsLst>
-              <a:gs pos="100000">
-                <a:srgbClr val="000000">
-                  <a:alpha val="0"/>
-                </a:srgbClr>
-              </a:gs>
-              <a:gs pos="0">
-                <a:schemeClr val="tx1"/>
-              </a:gs>
-              <a:gs pos="0">
-                <a:srgbClr val="000000">
-                  <a:alpha val="60000"/>
-                </a:srgbClr>
-              </a:gs>
-            </a:gsLst>
-            <a:lin ang="5400000" scaled="1"/>
-          </a:gradFill>
-          <a:ln>
-            <a:noFill/>
-          </a:ln>
-        </p:spPr>
-        <p:style>
-          <a:lnRef idx="2">
-            <a:schemeClr val="accent1">
-              <a:shade val="50000"/>
-            </a:schemeClr>
-          </a:lnRef>
-          <a:fillRef idx="1">
-            <a:schemeClr val="accent1"/>
-          </a:fillRef>
-          <a:effectRef idx="0">
-            <a:schemeClr val="accent1"/>
-          </a:effectRef>
-          <a:fontRef idx="minor">
-            <a:schemeClr val="lt1"/>
-          </a:fontRef>
-        </p:style>
-        <p:txBody>
-          <a:bodyPr rtlCol="0" anchor="ctr"/>
-          <a:lstStyle/>
-          <a:p>
-            <a:pPr algn="ctr"/>
-            <a:endParaRPr lang="en-US" dirty="0"/>
-          </a:p>
-        </p:txBody>
-      </p:sp>
-      <p:sp>
-        <p:nvSpPr>
-          <p:cNvPr id="2" name="Title 1">
-            <a:extLst>
-              <a:ext uri="{FF2B5EF4-FFF2-40B4-BE49-F238E27FC236}">
-                <a16:creationId xmlns:a16="http://schemas.microsoft.com/office/drawing/2014/main" id="{4D525810-486D-BE2E-EE7A-BDFEEEB52B51}"/>
-              </a:ext>
-            </a:extLst>
-          </p:cNvPr>
-          <p:cNvSpPr>
-            <a:spLocks noGrp="1"/>
-          </p:cNvSpPr>
-          <p:nvPr>
-            <p:ph type="title"/>
-          </p:nvPr>
-        </p:nvSpPr>
-        <p:spPr>
-          <a:xfrm>
-            <a:off x="484547" y="1722617"/>
-            <a:ext cx="4958128" cy="3755144"/>
-          </a:xfrm>
-        </p:spPr>
-        <p:txBody>
-          <a:bodyPr vert="horz" lIns="91440" tIns="45720" rIns="91440" bIns="45720" rtlCol="0" anchor="b">
-            <a:normAutofit/>
-          </a:bodyPr>
-          <a:lstStyle/>
-          <a:p>
-            <a:r>
-              <a:rPr lang="en-US" sz="8000" dirty="0">
-                <a:solidFill>
-                  <a:srgbClr val="FFFFFF"/>
-                </a:solidFill>
-              </a:rPr>
-              <a:t>Questions?</a:t>
-            </a:r>
-          </a:p>
-        </p:txBody>
-      </p:sp>
-    </p:spTree>
-    <p:extLst>
-      <p:ext uri="{BB962C8B-B14F-4D97-AF65-F5344CB8AC3E}">
-        <p14:creationId xmlns:p14="http://schemas.microsoft.com/office/powerpoint/2010/main" val="77000741"/>
-      </p:ext>
-    </p:extLst>
-  </p:cSld>
-  <p:clrMapOvr>
-    <a:masterClrMapping/>
-  </p:clrMapOvr>
-</p:sld>
-</file>
-
-<file path=ppt/slides/slide4.xml><?xml version="1.0" encoding="utf-8"?>
-<p:sld xmlns:a="http://schemas.openxmlformats.org/drawingml/2006/main" xmlns:r="http://schemas.openxmlformats.org/officeDocument/2006/relationships" xmlns:p="http://schemas.openxmlformats.org/presentationml/2006/main">
-  <p:cSld>
-    <p:bg>
-      <p:bgPr>
-        <a:solidFill>
-          <a:schemeClr val="bg1"/>
-        </a:solidFill>
-        <a:effectLst/>
-      </p:bgPr>
-    </p:bg>
-    <p:spTree>
-      <p:nvGrpSpPr>
-        <p:cNvPr id="1" name=""/>
-        <p:cNvGrpSpPr/>
-        <p:nvPr/>
-      </p:nvGrpSpPr>
-      <p:grpSpPr>
-        <a:xfrm>
-          <a:off x="0" y="0"/>
-          <a:ext cx="0" cy="0"/>
-          <a:chOff x="0" y="0"/>
-          <a:chExt cx="0" cy="0"/>
-        </a:xfrm>
-      </p:grpSpPr>
-      <p:sp useBgFill="1">
-        <p:nvSpPr>
-          <p:cNvPr id="25" name="Rectangle 24">
-            <a:extLst>
-              <a:ext uri="{FF2B5EF4-FFF2-40B4-BE49-F238E27FC236}">
-                <a16:creationId xmlns:a16="http://schemas.microsoft.com/office/drawing/2014/main" id="{A4FB2F27-3F7D-440E-A905-86607A926A29}"/>
-              </a:ext>
-              <a:ext uri="{C183D7F6-B498-43B3-948B-1728B52AA6E4}">
-                <adec:decorative xmlns:adec="http://schemas.microsoft.com/office/drawing/2017/decorative" val="1"/>
-              </a:ext>
-            </a:extLst>
-          </p:cNvPr>
-          <p:cNvSpPr>
-            <a:spLocks noGrp="1" noRot="1" noChangeAspect="1" noMove="1" noResize="1" noEditPoints="1" noAdjustHandles="1" noChangeArrowheads="1" noChangeShapeType="1" noTextEdit="1"/>
-          </p:cNvSpPr>
-          <p:nvPr>
-            <p:extLst>
-              <p:ext uri="{386F3935-93C4-4BCD-93E2-E3B085C9AB24}">
-                <p16:designElem xmlns:p16="http://schemas.microsoft.com/office/powerpoint/2015/main" val="1"/>
-              </p:ext>
-            </p:extLst>
-          </p:nvPr>
-        </p:nvSpPr>
-        <p:spPr>
-          <a:xfrm>
-            <a:off x="0" y="0"/>
-            <a:ext cx="12188952" cy="6858000"/>
-          </a:xfrm>
-          <a:prstGeom prst="rect">
-            <a:avLst/>
-          </a:prstGeom>
-          <a:ln>
-            <a:noFill/>
-          </a:ln>
-        </p:spPr>
-        <p:style>
-          <a:lnRef idx="2">
-            <a:schemeClr val="accent1">
-              <a:shade val="50000"/>
-            </a:schemeClr>
-          </a:lnRef>
-          <a:fillRef idx="1">
-            <a:schemeClr val="accent1"/>
-          </a:fillRef>
-          <a:effectRef idx="0">
-            <a:schemeClr val="accent1"/>
-          </a:effectRef>
-          <a:fontRef idx="minor">
-            <a:schemeClr val="lt1"/>
-          </a:fontRef>
-        </p:style>
-        <p:txBody>
-          <a:bodyPr rtlCol="0" anchor="ctr"/>
-          <a:lstStyle/>
-          <a:p>
-            <a:pPr algn="ctr"/>
-            <a:endParaRPr lang="en-US" dirty="0">
-              <a:solidFill>
-                <a:schemeClr val="tx1">
-                  <a:lumMod val="65000"/>
-                  <a:lumOff val="35000"/>
-                </a:schemeClr>
-              </a:solidFill>
-              <a:latin typeface="AvenirNext LT Pro Medium" panose="020B0504020202020204" pitchFamily="34" charset="0"/>
-            </a:endParaRPr>
-          </a:p>
-        </p:txBody>
-      </p:sp>
-      <p:sp>
-        <p:nvSpPr>
-          <p:cNvPr id="26" name="Rectangle 25">
-            <a:extLst>
-              <a:ext uri="{FF2B5EF4-FFF2-40B4-BE49-F238E27FC236}">
-                <a16:creationId xmlns:a16="http://schemas.microsoft.com/office/drawing/2014/main" id="{AF678C14-A033-4139-BCA9-8382B039648B}"/>
-              </a:ext>
-              <a:ext uri="{C183D7F6-B498-43B3-948B-1728B52AA6E4}">
-                <adec:decorative xmlns:adec="http://schemas.microsoft.com/office/drawing/2017/decorative" val="1"/>
-              </a:ext>
-            </a:extLst>
-          </p:cNvPr>
-          <p:cNvSpPr>
-            <a:spLocks noGrp="1" noRot="1" noChangeAspect="1" noMove="1" noResize="1" noEditPoints="1" noAdjustHandles="1" noChangeArrowheads="1" noChangeShapeType="1" noTextEdit="1"/>
-          </p:cNvSpPr>
-          <p:nvPr>
-            <p:extLst>
-              <p:ext uri="{386F3935-93C4-4BCD-93E2-E3B085C9AB24}">
-                <p16:designElem xmlns:p16="http://schemas.microsoft.com/office/powerpoint/2015/main" val="1"/>
-              </p:ext>
-            </p:extLst>
-          </p:nvPr>
-        </p:nvSpPr>
-        <p:spPr>
-          <a:xfrm>
-            <a:off x="3048" y="0"/>
+            <a:off x="0" y="-2627"/>
             <a:ext cx="12188952" cy="6858000"/>
           </a:xfrm>
           <a:prstGeom prst="rect">
@@ -11948,7 +12527,7 @@
           <a:lstStyle/>
           <a:p>
             <a:pPr algn="ctr"/>
-            <a:endParaRPr lang="en-US">
+            <a:endParaRPr lang="en-US" dirty="0">
               <a:solidFill>
                 <a:schemeClr val="tx1">
                   <a:lumMod val="65000"/>
@@ -11962,10 +12541,10 @@
       </p:sp>
       <p:grpSp>
         <p:nvGrpSpPr>
-          <p:cNvPr id="27" name="Group 26">
-            <a:extLst>
-              <a:ext uri="{FF2B5EF4-FFF2-40B4-BE49-F238E27FC236}">
-                <a16:creationId xmlns:a16="http://schemas.microsoft.com/office/drawing/2014/main" id="{14763DA8-CE3A-4B30-B2F5-0D128777F742}"/>
+          <p:cNvPr id="19" name="Group 18">
+            <a:extLst>
+              <a:ext uri="{FF2B5EF4-FFF2-40B4-BE49-F238E27FC236}">
+                <a16:creationId xmlns:a16="http://schemas.microsoft.com/office/drawing/2014/main" id="{5BB11B77-16CE-4796-9677-F0ED67FCEC1B}"/>
               </a:ext>
               <a:ext uri="{C183D7F6-B498-43B3-948B-1728B52AA6E4}">
                 <adec:decorative xmlns:adec="http://schemas.microsoft.com/office/drawing/2017/decorative" val="1"/>
@@ -11984,8 +12563,8 @@
           </p:nvPr>
         </p:nvGrpSpPr>
         <p:grpSpPr>
-          <a:xfrm>
-            <a:off x="4464881" y="0"/>
+          <a:xfrm flipH="1">
+            <a:off x="0" y="0"/>
             <a:ext cx="7724071" cy="6858000"/>
             <a:chOff x="4464881" y="0"/>
             <a:chExt cx="7724071" cy="6858000"/>
@@ -11993,10 +12572,10 @@
         </p:grpSpPr>
         <p:pic>
           <p:nvPicPr>
-            <p:cNvPr id="15" name="Picture 14">
+            <p:cNvPr id="20" name="Picture 19">
               <a:extLst>
                 <a:ext uri="{FF2B5EF4-FFF2-40B4-BE49-F238E27FC236}">
-                  <a16:creationId xmlns:a16="http://schemas.microsoft.com/office/drawing/2014/main" id="{F6B75A5A-FDA7-4C8E-BD65-8506C42AA865}"/>
+                  <a16:creationId xmlns:a16="http://schemas.microsoft.com/office/drawing/2014/main" id="{EF26510D-AF6F-45BA-9996-9EA0F149D097}"/>
                 </a:ext>
                 <a:ext uri="{C183D7F6-B498-43B3-948B-1728B52AA6E4}">
                   <adec:decorative xmlns:adec="http://schemas.microsoft.com/office/drawing/2017/decorative" val="1"/>
@@ -12015,7 +12594,7 @@
             </p:nvPr>
           </p:nvPicPr>
           <p:blipFill>
-            <a:blip r:embed="rId2">
+            <a:blip r:embed="rId3">
               <a:duotone>
                 <a:schemeClr val="accent6">
                   <a:shade val="45000"/>
@@ -12046,10 +12625,10 @@
         </p:pic>
         <p:pic>
           <p:nvPicPr>
-            <p:cNvPr id="16" name="Picture 15">
+            <p:cNvPr id="21" name="Picture 20">
               <a:extLst>
                 <a:ext uri="{FF2B5EF4-FFF2-40B4-BE49-F238E27FC236}">
-                  <a16:creationId xmlns:a16="http://schemas.microsoft.com/office/drawing/2014/main" id="{0E6AFCAB-12BF-4A0B-B089-A794259D2FC9}"/>
+                  <a16:creationId xmlns:a16="http://schemas.microsoft.com/office/drawing/2014/main" id="{5E04EA3F-927A-42F5-96EF-44DCE97863D0}"/>
                 </a:ext>
                 <a:ext uri="{C183D7F6-B498-43B3-948B-1728B52AA6E4}">
                   <adec:decorative xmlns:adec="http://schemas.microsoft.com/office/drawing/2017/decorative" val="1"/>
@@ -12068,7 +12647,7 @@
             </p:nvPr>
           </p:nvPicPr>
           <p:blipFill>
-            <a:blip r:embed="rId3">
+            <a:blip r:embed="rId4">
               <a:duotone>
                 <a:schemeClr val="accent6">
                   <a:shade val="45000"/>
@@ -12106,7 +12685,7 @@
           <p:cNvPr id="2" name="Title 1">
             <a:extLst>
               <a:ext uri="{FF2B5EF4-FFF2-40B4-BE49-F238E27FC236}">
-                <a16:creationId xmlns:a16="http://schemas.microsoft.com/office/drawing/2014/main" id="{42060119-7179-15E5-14E8-094AE6857027}"/>
+                <a16:creationId xmlns:a16="http://schemas.microsoft.com/office/drawing/2014/main" id="{50C8AA6B-09B7-D418-DD8C-DF52F4232B9C}"/>
               </a:ext>
             </a:extLst>
           </p:cNvPr>
@@ -12119,26 +12698,29 @@
         </p:nvSpPr>
         <p:spPr>
           <a:xfrm>
-            <a:off x="838200" y="609599"/>
-            <a:ext cx="4191000" cy="2682875"/>
+            <a:off x="7409930" y="744909"/>
+            <a:ext cx="4323376" cy="1751787"/>
           </a:xfrm>
         </p:spPr>
         <p:txBody>
-          <a:bodyPr>
+          <a:bodyPr vert="horz" lIns="91440" tIns="45720" rIns="91440" bIns="45720" rtlCol="0" anchor="b">
             <a:normAutofit/>
           </a:bodyPr>
           <a:lstStyle/>
           <a:p>
-            <a:endParaRPr lang="en-US" sz="4000"/>
-          </a:p>
-        </p:txBody>
-      </p:sp>
-      <p:sp>
-        <p:nvSpPr>
-          <p:cNvPr id="3" name="Content Placeholder 2">
-            <a:extLst>
-              <a:ext uri="{FF2B5EF4-FFF2-40B4-BE49-F238E27FC236}">
-                <a16:creationId xmlns:a16="http://schemas.microsoft.com/office/drawing/2014/main" id="{B5453BB4-782E-A70D-D619-F10AF9580572}"/>
+            <a:r>
+              <a:rPr lang="en-US" sz="4400" dirty="0"/>
+              <a:t>Health Insurance Data</a:t>
+            </a:r>
+          </a:p>
+        </p:txBody>
+      </p:sp>
+      <p:sp>
+        <p:nvSpPr>
+          <p:cNvPr id="4" name="Text Placeholder 3">
+            <a:extLst>
+              <a:ext uri="{FF2B5EF4-FFF2-40B4-BE49-F238E27FC236}">
+                <a16:creationId xmlns:a16="http://schemas.microsoft.com/office/drawing/2014/main" id="{27757555-DB23-4C34-1D0D-B1658659B937}"/>
               </a:ext>
             </a:extLst>
           </p:cNvPr>
@@ -12146,52 +12728,98 @@
             <a:spLocks noGrp="1"/>
           </p:cNvSpPr>
           <p:nvPr>
-            <p:ph idx="1"/>
+            <p:ph type="body" sz="half" idx="2"/>
           </p:nvPr>
         </p:nvSpPr>
         <p:spPr>
           <a:xfrm>
-            <a:off x="838200" y="3429000"/>
-            <a:ext cx="4190730" cy="2667000"/>
+            <a:off x="7435509" y="3011687"/>
+            <a:ext cx="4323376" cy="2945360"/>
           </a:xfrm>
         </p:spPr>
         <p:txBody>
-          <a:bodyPr>
+          <a:bodyPr vert="horz" lIns="91440" tIns="45720" rIns="91440" bIns="45720" rtlCol="0" anchor="t">
             <a:normAutofit/>
           </a:bodyPr>
           <a:lstStyle/>
           <a:p>
             <a:r>
-              <a:rPr lang="en-US" sz="1800"/>
-              <a:t>golf.png</a:t>
-            </a:r>
+              <a:rPr lang="en-US" sz="2200" dirty="0"/>
+              <a:t>We will use data from Kaggle for a fictional case study.</a:t>
+            </a:r>
+          </a:p>
+          <a:p>
+            <a:endParaRPr lang="en-US" sz="2200" b="1" dirty="0"/>
+          </a:p>
+          <a:p>
+            <a:r>
+              <a:rPr lang="en-US" sz="2200" b="1" dirty="0"/>
+              <a:t>Download files from </a:t>
+            </a:r>
+            <a:r>
+              <a:rPr lang="en-US" sz="2200" b="1" dirty="0" err="1"/>
+              <a:t>Github</a:t>
+            </a:r>
+            <a:r>
+              <a:rPr lang="en-US" sz="2200" b="1" dirty="0"/>
+              <a:t>:</a:t>
+            </a:r>
+          </a:p>
+          <a:p>
+            <a:r>
+              <a:rPr lang="en-US" sz="2200" dirty="0" err="1">
+                <a:hlinkClick r:id="rId5"/>
+              </a:rPr>
+              <a:t>github.com</a:t>
+            </a:r>
+            <a:r>
+              <a:rPr lang="en-US" sz="2200" dirty="0">
+                <a:hlinkClick r:id="rId5"/>
+              </a:rPr>
+              <a:t>/</a:t>
+            </a:r>
+            <a:r>
+              <a:rPr lang="en-US" sz="2200" dirty="0" err="1">
+                <a:hlinkClick r:id="rId5"/>
+              </a:rPr>
+              <a:t>harshvardhaniimi</a:t>
+            </a:r>
+            <a:r>
+              <a:rPr lang="en-US" sz="2200" dirty="0">
+                <a:hlinkClick r:id="rId5"/>
+              </a:rPr>
+              <a:t>/linear-regression</a:t>
+            </a:r>
+            <a:endParaRPr lang="en-US" sz="2200" dirty="0"/>
           </a:p>
         </p:txBody>
       </p:sp>
       <p:pic>
         <p:nvPicPr>
-          <p:cNvPr id="5" name="Picture 4" descr="Two men walking on a golf course&#10;&#10;Description automatically generated">
-            <a:extLst>
-              <a:ext uri="{FF2B5EF4-FFF2-40B4-BE49-F238E27FC236}">
-                <a16:creationId xmlns:a16="http://schemas.microsoft.com/office/drawing/2014/main" id="{BB29AC1B-7A27-A7A4-779C-D73ADD3A7CF2}"/>
+          <p:cNvPr id="6" name="Content Placeholder 5" descr="A screenshot of a computer&#10;&#10;Description automatically generated">
+            <a:extLst>
+              <a:ext uri="{FF2B5EF4-FFF2-40B4-BE49-F238E27FC236}">
+                <a16:creationId xmlns:a16="http://schemas.microsoft.com/office/drawing/2014/main" id="{A465293A-DF93-2760-F6BA-27E5143FBAD1}"/>
               </a:ext>
             </a:extLst>
           </p:cNvPr>
           <p:cNvPicPr>
-            <a:picLocks noChangeAspect="1"/>
+            <a:picLocks noGrp="1" noChangeAspect="1"/>
           </p:cNvPicPr>
-          <p:nvPr/>
+          <p:nvPr>
+            <p:ph idx="1"/>
+          </p:nvPr>
         </p:nvPicPr>
         <p:blipFill>
-          <a:blip r:embed="rId4"/>
+          <a:blip r:embed="rId6"/>
           <a:stretch>
             <a:fillRect/>
           </a:stretch>
         </p:blipFill>
         <p:spPr>
           <a:xfrm>
-            <a:off x="2923246" y="568285"/>
-            <a:ext cx="6099568" cy="5428613"/>
+            <a:off x="603229" y="1175595"/>
+            <a:ext cx="6402214" cy="4501556"/>
           </a:xfrm>
           <a:prstGeom prst="rect">
             <a:avLst/>
@@ -12201,580 +12829,7 @@
     </p:spTree>
     <p:extLst>
       <p:ext uri="{BB962C8B-B14F-4D97-AF65-F5344CB8AC3E}">
-        <p14:creationId xmlns:p14="http://schemas.microsoft.com/office/powerpoint/2010/main" val="3411763370"/>
-      </p:ext>
-    </p:extLst>
-  </p:cSld>
-  <p:clrMapOvr>
-    <a:masterClrMapping/>
-  </p:clrMapOvr>
-</p:sld>
-</file>
-
-<file path=ppt/slides/slide5.xml><?xml version="1.0" encoding="utf-8"?>
-<p:sld xmlns:a="http://schemas.openxmlformats.org/drawingml/2006/main" xmlns:r="http://schemas.openxmlformats.org/officeDocument/2006/relationships" xmlns:p="http://schemas.openxmlformats.org/presentationml/2006/main">
-  <p:cSld>
-    <p:bg>
-      <p:bgPr>
-        <a:solidFill>
-          <a:schemeClr val="bg1"/>
-        </a:solidFill>
-        <a:effectLst/>
-      </p:bgPr>
-    </p:bg>
-    <p:spTree>
-      <p:nvGrpSpPr>
-        <p:cNvPr id="1" name=""/>
-        <p:cNvGrpSpPr/>
-        <p:nvPr/>
-      </p:nvGrpSpPr>
-      <p:grpSpPr>
-        <a:xfrm>
-          <a:off x="0" y="0"/>
-          <a:ext cx="0" cy="0"/>
-          <a:chOff x="0" y="0"/>
-          <a:chExt cx="0" cy="0"/>
-        </a:xfrm>
-      </p:grpSpPr>
-      <p:sp>
-        <p:nvSpPr>
-          <p:cNvPr id="22" name="Rectangle 21">
-            <a:extLst>
-              <a:ext uri="{FF2B5EF4-FFF2-40B4-BE49-F238E27FC236}">
-                <a16:creationId xmlns:a16="http://schemas.microsoft.com/office/drawing/2014/main" id="{0BABF38A-8A0D-492E-BD20-6CF4D46B50BD}"/>
-              </a:ext>
-              <a:ext uri="{C183D7F6-B498-43B3-948B-1728B52AA6E4}">
-                <adec:decorative xmlns:adec="http://schemas.microsoft.com/office/drawing/2017/decorative" val="1"/>
-              </a:ext>
-            </a:extLst>
-          </p:cNvPr>
-          <p:cNvSpPr>
-            <a:spLocks noGrp="1" noRot="1" noChangeAspect="1" noMove="1" noResize="1" noEditPoints="1" noAdjustHandles="1" noChangeArrowheads="1" noChangeShapeType="1" noTextEdit="1"/>
-          </p:cNvSpPr>
-          <p:nvPr>
-            <p:extLst>
-              <p:ext uri="{386F3935-93C4-4BCD-93E2-E3B085C9AB24}">
-                <p16:designElem xmlns:p16="http://schemas.microsoft.com/office/powerpoint/2015/main" val="1"/>
-              </p:ext>
-            </p:extLst>
-          </p:nvPr>
-        </p:nvSpPr>
-        <p:spPr>
-          <a:xfrm>
-            <a:off x="0" y="0"/>
-            <a:ext cx="12192000" cy="6858004"/>
-          </a:xfrm>
-          <a:prstGeom prst="rect">
-            <a:avLst/>
-          </a:prstGeom>
-          <a:solidFill>
-            <a:schemeClr val="bg2">
-              <a:lumMod val="90000"/>
-              <a:alpha val="70000"/>
-            </a:schemeClr>
-          </a:solidFill>
-          <a:ln>
-            <a:noFill/>
-          </a:ln>
-        </p:spPr>
-        <p:style>
-          <a:lnRef idx="2">
-            <a:schemeClr val="accent1">
-              <a:shade val="50000"/>
-            </a:schemeClr>
-          </a:lnRef>
-          <a:fillRef idx="1">
-            <a:schemeClr val="accent1"/>
-          </a:fillRef>
-          <a:effectRef idx="0">
-            <a:schemeClr val="accent1"/>
-          </a:effectRef>
-          <a:fontRef idx="minor">
-            <a:schemeClr val="lt1"/>
-          </a:fontRef>
-        </p:style>
-        <p:txBody>
-          <a:bodyPr rtlCol="0" anchor="ctr"/>
-          <a:lstStyle/>
-          <a:p>
-            <a:pPr algn="ctr"/>
-            <a:endParaRPr lang="en-US" dirty="0">
-              <a:solidFill>
-                <a:schemeClr val="tx1">
-                  <a:lumMod val="65000"/>
-                  <a:lumOff val="35000"/>
-                </a:schemeClr>
-              </a:solidFill>
-              <a:latin typeface="AvenirNext LT Pro Medium" panose="020B0504020202020204" pitchFamily="34" charset="0"/>
-            </a:endParaRPr>
-          </a:p>
-        </p:txBody>
-      </p:sp>
-      <p:pic>
-        <p:nvPicPr>
-          <p:cNvPr id="23" name="Picture 22">
-            <a:extLst>
-              <a:ext uri="{FF2B5EF4-FFF2-40B4-BE49-F238E27FC236}">
-                <a16:creationId xmlns:a16="http://schemas.microsoft.com/office/drawing/2014/main" id="{BC526B7A-4801-4FD1-95C8-03AF22629E87}"/>
-              </a:ext>
-              <a:ext uri="{C183D7F6-B498-43B3-948B-1728B52AA6E4}">
-                <adec:decorative xmlns:adec="http://schemas.microsoft.com/office/drawing/2017/decorative" val="1"/>
-              </a:ext>
-            </a:extLst>
-          </p:cNvPr>
-          <p:cNvPicPr>
-            <a:picLocks noGrp="1" noRot="1" noChangeAspect="1" noMove="1" noResize="1" noEditPoints="1" noAdjustHandles="1" noChangeArrowheads="1" noChangeShapeType="1" noCrop="1"/>
-          </p:cNvPicPr>
-          <p:nvPr>
-            <p:extLst>
-              <p:ext uri="{386F3935-93C4-4BCD-93E2-E3B085C9AB24}">
-                <p16:designElem xmlns:p16="http://schemas.microsoft.com/office/powerpoint/2015/main" val="1"/>
-              </p:ext>
-            </p:extLst>
-          </p:nvPr>
-        </p:nvPicPr>
-        <p:blipFill>
-          <a:blip r:embed="rId2">
-            <a:alphaModFix amt="10000"/>
-            <a:extLst>
-              <a:ext uri="{28A0092B-C50C-407E-A947-70E740481C1C}">
-                <a14:useLocalDpi xmlns:a14="http://schemas.microsoft.com/office/drawing/2010/main" val="0"/>
-              </a:ext>
-            </a:extLst>
-          </a:blip>
-          <a:stretch>
-            <a:fillRect/>
-          </a:stretch>
-        </p:blipFill>
-        <p:spPr>
-          <a:xfrm>
-            <a:off x="8534400" y="0"/>
-            <a:ext cx="3654612" cy="4575348"/>
-          </a:xfrm>
-          <a:prstGeom prst="rect">
-            <a:avLst/>
-          </a:prstGeom>
-        </p:spPr>
-      </p:pic>
-      <p:sp useBgFill="1">
-        <p:nvSpPr>
-          <p:cNvPr id="24" name="Rectangle 23">
-            <a:extLst>
-              <a:ext uri="{FF2B5EF4-FFF2-40B4-BE49-F238E27FC236}">
-                <a16:creationId xmlns:a16="http://schemas.microsoft.com/office/drawing/2014/main" id="{F1174801-1395-44C5-9B00-CCAC45C056E7}"/>
-              </a:ext>
-              <a:ext uri="{C183D7F6-B498-43B3-948B-1728B52AA6E4}">
-                <adec:decorative xmlns:adec="http://schemas.microsoft.com/office/drawing/2017/decorative" val="1"/>
-              </a:ext>
-            </a:extLst>
-          </p:cNvPr>
-          <p:cNvSpPr>
-            <a:spLocks noGrp="1" noRot="1" noChangeAspect="1" noMove="1" noResize="1" noEditPoints="1" noAdjustHandles="1" noChangeArrowheads="1" noChangeShapeType="1" noTextEdit="1"/>
-          </p:cNvSpPr>
-          <p:nvPr>
-            <p:extLst>
-              <p:ext uri="{386F3935-93C4-4BCD-93E2-E3B085C9AB24}">
-                <p16:designElem xmlns:p16="http://schemas.microsoft.com/office/powerpoint/2015/main" val="1"/>
-              </p:ext>
-            </p:extLst>
-          </p:nvPr>
-        </p:nvSpPr>
-        <p:spPr>
-          <a:xfrm>
-            <a:off x="0" y="0"/>
-            <a:ext cx="12188952" cy="6858000"/>
-          </a:xfrm>
-          <a:prstGeom prst="rect">
-            <a:avLst/>
-          </a:prstGeom>
-          <a:ln>
-            <a:noFill/>
-          </a:ln>
-        </p:spPr>
-        <p:style>
-          <a:lnRef idx="2">
-            <a:schemeClr val="accent1">
-              <a:shade val="50000"/>
-            </a:schemeClr>
-          </a:lnRef>
-          <a:fillRef idx="1">
-            <a:schemeClr val="accent1"/>
-          </a:fillRef>
-          <a:effectRef idx="0">
-            <a:schemeClr val="accent1"/>
-          </a:effectRef>
-          <a:fontRef idx="minor">
-            <a:schemeClr val="lt1"/>
-          </a:fontRef>
-        </p:style>
-        <p:txBody>
-          <a:bodyPr rtlCol="0" anchor="ctr"/>
-          <a:lstStyle/>
-          <a:p>
-            <a:pPr algn="ctr"/>
-            <a:endParaRPr lang="en-US" dirty="0">
-              <a:solidFill>
-                <a:schemeClr val="tx1">
-                  <a:lumMod val="65000"/>
-                  <a:lumOff val="35000"/>
-                </a:schemeClr>
-              </a:solidFill>
-              <a:latin typeface="AvenirNext LT Pro Medium" panose="020B0504020202020204" pitchFamily="34" charset="0"/>
-            </a:endParaRPr>
-          </a:p>
-        </p:txBody>
-      </p:sp>
-      <p:sp>
-        <p:nvSpPr>
-          <p:cNvPr id="25" name="Rectangle 24">
-            <a:extLst>
-              <a:ext uri="{FF2B5EF4-FFF2-40B4-BE49-F238E27FC236}">
-                <a16:creationId xmlns:a16="http://schemas.microsoft.com/office/drawing/2014/main" id="{32EBE56B-DFF0-4948-83B7-D40B66737120}"/>
-              </a:ext>
-              <a:ext uri="{C183D7F6-B498-43B3-948B-1728B52AA6E4}">
-                <adec:decorative xmlns:adec="http://schemas.microsoft.com/office/drawing/2017/decorative" val="1"/>
-              </a:ext>
-            </a:extLst>
-          </p:cNvPr>
-          <p:cNvSpPr>
-            <a:spLocks noGrp="1" noRot="1" noChangeAspect="1" noMove="1" noResize="1" noEditPoints="1" noAdjustHandles="1" noChangeArrowheads="1" noChangeShapeType="1" noTextEdit="1"/>
-          </p:cNvSpPr>
-          <p:nvPr>
-            <p:extLst>
-              <p:ext uri="{386F3935-93C4-4BCD-93E2-E3B085C9AB24}">
-                <p16:designElem xmlns:p16="http://schemas.microsoft.com/office/powerpoint/2015/main" val="1"/>
-              </p:ext>
-            </p:extLst>
-          </p:nvPr>
-        </p:nvSpPr>
-        <p:spPr>
-          <a:xfrm>
-            <a:off x="0" y="0"/>
-            <a:ext cx="12188952" cy="6858000"/>
-          </a:xfrm>
-          <a:prstGeom prst="rect">
-            <a:avLst/>
-          </a:prstGeom>
-          <a:solidFill>
-            <a:schemeClr val="bg2">
-              <a:lumMod val="90000"/>
-              <a:alpha val="70000"/>
-            </a:schemeClr>
-          </a:solidFill>
-          <a:ln>
-            <a:noFill/>
-          </a:ln>
-        </p:spPr>
-        <p:style>
-          <a:lnRef idx="2">
-            <a:schemeClr val="accent1">
-              <a:shade val="50000"/>
-            </a:schemeClr>
-          </a:lnRef>
-          <a:fillRef idx="1">
-            <a:schemeClr val="accent1"/>
-          </a:fillRef>
-          <a:effectRef idx="0">
-            <a:schemeClr val="accent1"/>
-          </a:effectRef>
-          <a:fontRef idx="minor">
-            <a:schemeClr val="lt1"/>
-          </a:fontRef>
-        </p:style>
-        <p:txBody>
-          <a:bodyPr rtlCol="0" anchor="ctr"/>
-          <a:lstStyle/>
-          <a:p>
-            <a:pPr algn="ctr"/>
-            <a:endParaRPr lang="en-US" dirty="0">
-              <a:solidFill>
-                <a:schemeClr val="tx1">
-                  <a:lumMod val="65000"/>
-                  <a:lumOff val="35000"/>
-                </a:schemeClr>
-              </a:solidFill>
-              <a:latin typeface="AvenirNext LT Pro Medium" panose="020B0504020202020204" pitchFamily="34" charset="0"/>
-            </a:endParaRPr>
-          </a:p>
-        </p:txBody>
-      </p:sp>
-      <p:sp>
-        <p:nvSpPr>
-          <p:cNvPr id="2" name="Title 1">
-            <a:extLst>
-              <a:ext uri="{FF2B5EF4-FFF2-40B4-BE49-F238E27FC236}">
-                <a16:creationId xmlns:a16="http://schemas.microsoft.com/office/drawing/2014/main" id="{F4E413B2-A54E-21ED-2742-8CD1F745DF45}"/>
-              </a:ext>
-            </a:extLst>
-          </p:cNvPr>
-          <p:cNvSpPr>
-            <a:spLocks noGrp="1"/>
-          </p:cNvSpPr>
-          <p:nvPr>
-            <p:ph type="title"/>
-          </p:nvPr>
-        </p:nvSpPr>
-        <p:spPr>
-          <a:xfrm>
-            <a:off x="996275" y="4071961"/>
-            <a:ext cx="5996628" cy="2068081"/>
-          </a:xfrm>
-        </p:spPr>
-        <p:txBody>
-          <a:bodyPr vert="horz" lIns="91440" tIns="45720" rIns="91440" bIns="45720" rtlCol="0" anchor="ctr">
-            <a:normAutofit/>
-          </a:bodyPr>
-          <a:lstStyle/>
-          <a:p>
-            <a:r>
-              <a:rPr lang="en-US" dirty="0"/>
-              <a:t>Golf Courses by Location</a:t>
-            </a:r>
-          </a:p>
-        </p:txBody>
-      </p:sp>
-      <p:grpSp>
-        <p:nvGrpSpPr>
-          <p:cNvPr id="26" name="Group 25">
-            <a:extLst>
-              <a:ext uri="{FF2B5EF4-FFF2-40B4-BE49-F238E27FC236}">
-                <a16:creationId xmlns:a16="http://schemas.microsoft.com/office/drawing/2014/main" id="{1349D8E1-A99C-44FA-8E2E-490F99B6FDAC}"/>
-              </a:ext>
-              <a:ext uri="{C183D7F6-B498-43B3-948B-1728B52AA6E4}">
-                <adec:decorative xmlns:adec="http://schemas.microsoft.com/office/drawing/2017/decorative" val="1"/>
-              </a:ext>
-            </a:extLst>
-          </p:cNvPr>
-          <p:cNvGrpSpPr>
-            <a:grpSpLocks noGrp="1" noUngrp="1" noRot="1" noChangeAspect="1" noMove="1" noResize="1"/>
-          </p:cNvGrpSpPr>
-          <p:nvPr>
-            <p:extLst>
-              <p:ext uri="{386F3935-93C4-4BCD-93E2-E3B085C9AB24}">
-                <p16:designElem xmlns:p16="http://schemas.microsoft.com/office/powerpoint/2015/main" val="1"/>
-              </p:ext>
-            </p:extLst>
-          </p:nvPr>
-        </p:nvGrpSpPr>
-        <p:grpSpPr>
-          <a:xfrm flipV="1">
-            <a:off x="8167025" y="76200"/>
-            <a:ext cx="3997615" cy="6816079"/>
-            <a:chOff x="8059620" y="41922"/>
-            <a:chExt cx="3997615" cy="6816077"/>
-          </a:xfrm>
-        </p:grpSpPr>
-        <p:pic>
-          <p:nvPicPr>
-            <p:cNvPr id="19" name="Picture 18">
-              <a:extLst>
-                <a:ext uri="{FF2B5EF4-FFF2-40B4-BE49-F238E27FC236}">
-                  <a16:creationId xmlns:a16="http://schemas.microsoft.com/office/drawing/2014/main" id="{3A84D5F5-1BF3-41EE-B3AD-9714296C22B9}"/>
-                </a:ext>
-                <a:ext uri="{C183D7F6-B498-43B3-948B-1728B52AA6E4}">
-                  <adec:decorative xmlns:adec="http://schemas.microsoft.com/office/drawing/2017/decorative" val="1"/>
-                </a:ext>
-              </a:extLst>
-            </p:cNvPr>
-            <p:cNvPicPr>
-              <a:picLocks noChangeAspect="1"/>
-            </p:cNvPicPr>
-            <p:nvPr>
-              <p:extLst>
-                <p:ext uri="{386F3935-93C4-4BCD-93E2-E3B085C9AB24}">
-                  <p16:designElem xmlns:p16="http://schemas.microsoft.com/office/powerpoint/2015/main" val="1"/>
-                </p:ext>
-              </p:extLst>
-            </p:nvPr>
-          </p:nvPicPr>
-          <p:blipFill rotWithShape="1">
-            <a:blip r:embed="rId3">
-              <a:duotone>
-                <a:schemeClr val="accent6">
-                  <a:shade val="45000"/>
-                  <a:satMod val="135000"/>
-                </a:schemeClr>
-                <a:prstClr val="white"/>
-              </a:duotone>
-              <a:alphaModFix amt="7000"/>
-              <a:extLst>
-                <a:ext uri="{28A0092B-C50C-407E-A947-70E740481C1C}">
-                  <a14:useLocalDpi xmlns:a14="http://schemas.microsoft.com/office/drawing/2010/main" val="0"/>
-                </a:ext>
-              </a:extLst>
-            </a:blip>
-            <a:srcRect l="22818" b="17291"/>
-            <a:stretch/>
-          </p:blipFill>
-          <p:spPr>
-            <a:xfrm flipH="1">
-              <a:off x="8059620" y="1345934"/>
-              <a:ext cx="3997615" cy="5512065"/>
-            </a:xfrm>
-            <a:prstGeom prst="rect">
-              <a:avLst/>
-            </a:prstGeom>
-          </p:spPr>
-        </p:pic>
-        <p:pic>
-          <p:nvPicPr>
-            <p:cNvPr id="20" name="Picture 19">
-              <a:extLst>
-                <a:ext uri="{FF2B5EF4-FFF2-40B4-BE49-F238E27FC236}">
-                  <a16:creationId xmlns:a16="http://schemas.microsoft.com/office/drawing/2014/main" id="{571D517A-9243-42DB-94D5-30316189642C}"/>
-                </a:ext>
-                <a:ext uri="{C183D7F6-B498-43B3-948B-1728B52AA6E4}">
-                  <adec:decorative xmlns:adec="http://schemas.microsoft.com/office/drawing/2017/decorative" val="1"/>
-                </a:ext>
-              </a:extLst>
-            </p:cNvPr>
-            <p:cNvPicPr>
-              <a:picLocks noChangeAspect="1"/>
-            </p:cNvPicPr>
-            <p:nvPr>
-              <p:extLst>
-                <p:ext uri="{386F3935-93C4-4BCD-93E2-E3B085C9AB24}">
-                  <p16:designElem xmlns:p16="http://schemas.microsoft.com/office/powerpoint/2015/main" val="1"/>
-                </p:ext>
-              </p:extLst>
-            </p:nvPr>
-          </p:nvPicPr>
-          <p:blipFill rotWithShape="1">
-            <a:blip r:embed="rId3">
-              <a:duotone>
-                <a:schemeClr val="accent6">
-                  <a:shade val="45000"/>
-                  <a:satMod val="135000"/>
-                </a:schemeClr>
-                <a:prstClr val="white"/>
-              </a:duotone>
-              <a:alphaModFix amt="15000"/>
-              <a:extLst>
-                <a:ext uri="{28A0092B-C50C-407E-A947-70E740481C1C}">
-                  <a14:useLocalDpi xmlns:a14="http://schemas.microsoft.com/office/drawing/2010/main" val="0"/>
-                </a:ext>
-              </a:extLst>
-            </a:blip>
-            <a:srcRect r="40690"/>
-            <a:stretch/>
-          </p:blipFill>
-          <p:spPr>
-            <a:xfrm>
-              <a:off x="8915400" y="41922"/>
-              <a:ext cx="3141835" cy="6816077"/>
-            </a:xfrm>
-            <a:prstGeom prst="rect">
-              <a:avLst/>
-            </a:prstGeom>
-          </p:spPr>
-        </p:pic>
-      </p:grpSp>
-      <p:sp>
-        <p:nvSpPr>
-          <p:cNvPr id="3" name="Content Placeholder 2">
-            <a:extLst>
-              <a:ext uri="{FF2B5EF4-FFF2-40B4-BE49-F238E27FC236}">
-                <a16:creationId xmlns:a16="http://schemas.microsoft.com/office/drawing/2014/main" id="{90225C35-C00D-93F1-CA87-F0F7CCB3DBCD}"/>
-              </a:ext>
-            </a:extLst>
-          </p:cNvPr>
-          <p:cNvSpPr>
-            <a:spLocks noGrp="1"/>
-          </p:cNvSpPr>
-          <p:nvPr>
-            <p:ph idx="1"/>
-          </p:nvPr>
-        </p:nvSpPr>
-        <p:spPr>
-          <a:xfrm>
-            <a:off x="7197980" y="4677850"/>
-            <a:ext cx="3997745" cy="2070574"/>
-          </a:xfrm>
-        </p:spPr>
-        <p:txBody>
-          <a:bodyPr vert="horz" lIns="91440" tIns="45720" rIns="91440" bIns="45720" rtlCol="0" anchor="ctr">
-            <a:normAutofit/>
-          </a:bodyPr>
-          <a:lstStyle/>
-          <a:p>
-            <a:pPr marL="0" indent="0">
-              <a:buNone/>
-            </a:pPr>
-            <a:r>
-              <a:rPr lang="en-US" sz="2200" b="1" dirty="0"/>
-              <a:t>Location Quotient:</a:t>
-            </a:r>
-            <a:r>
-              <a:rPr lang="en-US" sz="2200" dirty="0"/>
-              <a:t> A numerical index indicating location’s favorability to have golf courses</a:t>
-            </a:r>
-          </a:p>
-        </p:txBody>
-      </p:sp>
-      <p:pic>
-        <p:nvPicPr>
-          <p:cNvPr id="5" name="Picture 4" descr="A map of the united states&#10;&#10;Description automatically generated">
-            <a:extLst>
-              <a:ext uri="{FF2B5EF4-FFF2-40B4-BE49-F238E27FC236}">
-                <a16:creationId xmlns:a16="http://schemas.microsoft.com/office/drawing/2014/main" id="{3B1095B0-B142-CCC5-F10D-C28C8C001F76}"/>
-              </a:ext>
-            </a:extLst>
-          </p:cNvPr>
-          <p:cNvPicPr>
-            <a:picLocks noChangeAspect="1"/>
-          </p:cNvPicPr>
-          <p:nvPr/>
-        </p:nvPicPr>
-        <p:blipFill>
-          <a:blip r:embed="rId4"/>
-          <a:stretch>
-            <a:fillRect/>
-          </a:stretch>
-        </p:blipFill>
-        <p:spPr>
-          <a:xfrm>
-            <a:off x="6670332" y="609599"/>
-            <a:ext cx="5027939" cy="3356149"/>
-          </a:xfrm>
-          <a:prstGeom prst="rect">
-            <a:avLst/>
-          </a:prstGeom>
-        </p:spPr>
-      </p:pic>
-      <p:pic>
-        <p:nvPicPr>
-          <p:cNvPr id="4" name="Picture 3" descr="A map of the united states&#10;&#10;Description automatically generated">
-            <a:extLst>
-              <a:ext uri="{FF2B5EF4-FFF2-40B4-BE49-F238E27FC236}">
-                <a16:creationId xmlns:a16="http://schemas.microsoft.com/office/drawing/2014/main" id="{E978F282-FCB7-3BE1-AC85-3F62ACE9E83B}"/>
-              </a:ext>
-            </a:extLst>
-          </p:cNvPr>
-          <p:cNvPicPr>
-            <a:picLocks noChangeAspect="1"/>
-          </p:cNvPicPr>
-          <p:nvPr/>
-        </p:nvPicPr>
-        <p:blipFill>
-          <a:blip r:embed="rId5"/>
-          <a:stretch>
-            <a:fillRect/>
-          </a:stretch>
-        </p:blipFill>
-        <p:spPr>
-          <a:xfrm>
-            <a:off x="748289" y="609598"/>
-            <a:ext cx="5027939" cy="3356149"/>
-          </a:xfrm>
-          <a:prstGeom prst="rect">
-            <a:avLst/>
-          </a:prstGeom>
-        </p:spPr>
-      </p:pic>
-    </p:spTree>
-    <p:extLst>
-      <p:ext uri="{BB962C8B-B14F-4D97-AF65-F5344CB8AC3E}">
-        <p14:creationId xmlns:p14="http://schemas.microsoft.com/office/powerpoint/2010/main" val="3014203047"/>
+        <p14:creationId xmlns:p14="http://schemas.microsoft.com/office/powerpoint/2010/main" val="3845607635"/>
       </p:ext>
     </p:extLst>
   </p:cSld>
@@ -12806,6 +12861,291 @@
           <p:cNvPr id="2" name="Title 1">
             <a:extLst>
               <a:ext uri="{FF2B5EF4-FFF2-40B4-BE49-F238E27FC236}">
+                <a16:creationId xmlns:a16="http://schemas.microsoft.com/office/drawing/2014/main" id="{5310DE1A-4192-5553-29B5-6BA6656017A3}"/>
+              </a:ext>
+            </a:extLst>
+          </p:cNvPr>
+          <p:cNvSpPr>
+            <a:spLocks noGrp="1"/>
+          </p:cNvSpPr>
+          <p:nvPr>
+            <p:ph type="title"/>
+          </p:nvPr>
+        </p:nvSpPr>
+        <p:spPr/>
+        <p:txBody>
+          <a:bodyPr/>
+          <a:lstStyle/>
+          <a:p>
+            <a:r>
+              <a:rPr lang="en-US" dirty="0"/>
+              <a:t>Massachusetts Department of Public Health (MDPH)</a:t>
+            </a:r>
+          </a:p>
+        </p:txBody>
+      </p:sp>
+      <p:sp>
+        <p:nvSpPr>
+          <p:cNvPr id="3" name="Content Placeholder 2">
+            <a:extLst>
+              <a:ext uri="{FF2B5EF4-FFF2-40B4-BE49-F238E27FC236}">
+                <a16:creationId xmlns:a16="http://schemas.microsoft.com/office/drawing/2014/main" id="{5EC2C4E6-C8FD-D740-3ACD-1622C342669E}"/>
+              </a:ext>
+            </a:extLst>
+          </p:cNvPr>
+          <p:cNvSpPr>
+            <a:spLocks noGrp="1"/>
+          </p:cNvSpPr>
+          <p:nvPr>
+            <p:ph idx="1"/>
+          </p:nvPr>
+        </p:nvSpPr>
+        <p:spPr/>
+        <p:txBody>
+          <a:bodyPr>
+            <a:normAutofit fontScale="92500" lnSpcReduction="10000"/>
+          </a:bodyPr>
+          <a:lstStyle/>
+          <a:p>
+            <a:r>
+              <a:rPr lang="en-US" dirty="0"/>
+              <a:t>Goals</a:t>
+            </a:r>
+          </a:p>
+          <a:p>
+            <a:pPr marL="971550" lvl="1" indent="-514350">
+              <a:buFont typeface="+mj-lt"/>
+              <a:buAutoNum type="arabicPeriod"/>
+            </a:pPr>
+            <a:r>
+              <a:rPr lang="en-US" dirty="0"/>
+              <a:t>Identify actionable policy insights for MDPH</a:t>
+            </a:r>
+          </a:p>
+          <a:p>
+            <a:pPr marL="971550" lvl="1" indent="-514350">
+              <a:buFont typeface="+mj-lt"/>
+              <a:buAutoNum type="arabicPeriod"/>
+            </a:pPr>
+            <a:r>
+              <a:rPr lang="en-US" dirty="0"/>
+              <a:t>Empower insurers to structure premiums based on evidence rather than assumptions</a:t>
+            </a:r>
+          </a:p>
+          <a:p>
+            <a:r>
+              <a:rPr lang="en-US" dirty="0"/>
+              <a:t>Variables</a:t>
+            </a:r>
+          </a:p>
+          <a:p>
+            <a:pPr marL="971550" lvl="1" indent="-514350">
+              <a:buFont typeface="+mj-lt"/>
+              <a:buAutoNum type="arabicPeriod"/>
+            </a:pPr>
+            <a:r>
+              <a:rPr lang="en-US" dirty="0"/>
+              <a:t>Sex, Smoking Habits, Region </a:t>
+            </a:r>
+          </a:p>
+          <a:p>
+            <a:pPr marL="971550" lvl="1" indent="-514350">
+              <a:buFont typeface="+mj-lt"/>
+              <a:buAutoNum type="arabicPeriod"/>
+            </a:pPr>
+            <a:r>
+              <a:rPr lang="en-US" dirty="0"/>
+              <a:t>Age, BMI, Children</a:t>
+            </a:r>
+          </a:p>
+          <a:p>
+            <a:pPr marL="971550" lvl="1" indent="-514350">
+              <a:buFont typeface="+mj-lt"/>
+              <a:buAutoNum type="arabicPeriod"/>
+            </a:pPr>
+            <a:r>
+              <a:rPr lang="en-US" dirty="0"/>
+              <a:t>Insurance Charges</a:t>
+            </a:r>
+          </a:p>
+        </p:txBody>
+      </p:sp>
+      <p:sp>
+        <p:nvSpPr>
+          <p:cNvPr id="4" name="Text Placeholder 3">
+            <a:extLst>
+              <a:ext uri="{FF2B5EF4-FFF2-40B4-BE49-F238E27FC236}">
+                <a16:creationId xmlns:a16="http://schemas.microsoft.com/office/drawing/2014/main" id="{434C140E-6C65-A811-E965-00A3ABEE9232}"/>
+              </a:ext>
+            </a:extLst>
+          </p:cNvPr>
+          <p:cNvSpPr>
+            <a:spLocks noGrp="1"/>
+          </p:cNvSpPr>
+          <p:nvPr>
+            <p:ph type="body" sz="half" idx="2"/>
+          </p:nvPr>
+        </p:nvSpPr>
+        <p:spPr/>
+        <p:txBody>
+          <a:bodyPr/>
+          <a:lstStyle/>
+          <a:p>
+            <a:r>
+              <a:rPr lang="en-US" dirty="0"/>
+              <a:t>Identifying key factors driving health insurance charges.</a:t>
+            </a:r>
+          </a:p>
+          <a:p>
+            <a:endParaRPr lang="en-US" dirty="0"/>
+          </a:p>
+          <a:p>
+            <a:endParaRPr lang="en-US" b="1" dirty="0"/>
+          </a:p>
+          <a:p>
+            <a:endParaRPr lang="en-US" b="1" dirty="0"/>
+          </a:p>
+          <a:p>
+            <a:endParaRPr lang="en-US" b="1" dirty="0"/>
+          </a:p>
+          <a:p>
+            <a:endParaRPr lang="en-US" b="1" dirty="0"/>
+          </a:p>
+          <a:p>
+            <a:endParaRPr lang="en-US" b="1" dirty="0"/>
+          </a:p>
+          <a:p>
+            <a:endParaRPr lang="en-US" b="1" dirty="0"/>
+          </a:p>
+          <a:p>
+            <a:r>
+              <a:rPr lang="en-US" b="1" dirty="0"/>
+              <a:t>NOTE: Fictional Case Study</a:t>
+            </a:r>
+          </a:p>
+        </p:txBody>
+      </p:sp>
+    </p:spTree>
+    <p:extLst>
+      <p:ext uri="{BB962C8B-B14F-4D97-AF65-F5344CB8AC3E}">
+        <p14:creationId xmlns:p14="http://schemas.microsoft.com/office/powerpoint/2010/main" val="2681427100"/>
+      </p:ext>
+    </p:extLst>
+  </p:cSld>
+  <p:clrMapOvr>
+    <a:masterClrMapping/>
+  </p:clrMapOvr>
+</p:sld>
+</file>
+
+<file path=ppt/slides/slide7.xml><?xml version="1.0" encoding="utf-8"?>
+<p:sld xmlns:a="http://schemas.openxmlformats.org/drawingml/2006/main" xmlns:r="http://schemas.openxmlformats.org/officeDocument/2006/relationships" xmlns:p="http://schemas.openxmlformats.org/presentationml/2006/main">
+  <p:cSld>
+    <p:spTree>
+      <p:nvGrpSpPr>
+        <p:cNvPr id="1" name=""/>
+        <p:cNvGrpSpPr/>
+        <p:nvPr/>
+      </p:nvGrpSpPr>
+      <p:grpSpPr>
+        <a:xfrm>
+          <a:off x="0" y="0"/>
+          <a:ext cx="0" cy="0"/>
+          <a:chOff x="0" y="0"/>
+          <a:chExt cx="0" cy="0"/>
+        </a:xfrm>
+      </p:grpSpPr>
+      <p:sp>
+        <p:nvSpPr>
+          <p:cNvPr id="2" name="Title 1">
+            <a:extLst>
+              <a:ext uri="{FF2B5EF4-FFF2-40B4-BE49-F238E27FC236}">
+                <a16:creationId xmlns:a16="http://schemas.microsoft.com/office/drawing/2014/main" id="{EC63CAF8-6CB6-098C-3622-FCB0BFAEF5AB}"/>
+              </a:ext>
+            </a:extLst>
+          </p:cNvPr>
+          <p:cNvSpPr>
+            <a:spLocks noGrp="1"/>
+          </p:cNvSpPr>
+          <p:nvPr>
+            <p:ph type="title"/>
+          </p:nvPr>
+        </p:nvSpPr>
+        <p:spPr/>
+        <p:txBody>
+          <a:bodyPr/>
+          <a:lstStyle/>
+          <a:p>
+            <a:r>
+              <a:rPr lang="en-US" dirty="0"/>
+              <a:t>Linear Regression</a:t>
+            </a:r>
+          </a:p>
+        </p:txBody>
+      </p:sp>
+      <p:sp>
+        <p:nvSpPr>
+          <p:cNvPr id="3" name="Text Placeholder 2">
+            <a:extLst>
+              <a:ext uri="{FF2B5EF4-FFF2-40B4-BE49-F238E27FC236}">
+                <a16:creationId xmlns:a16="http://schemas.microsoft.com/office/drawing/2014/main" id="{1B531789-4651-74B9-AB69-31F8D043B22F}"/>
+              </a:ext>
+            </a:extLst>
+          </p:cNvPr>
+          <p:cNvSpPr>
+            <a:spLocks noGrp="1"/>
+          </p:cNvSpPr>
+          <p:nvPr>
+            <p:ph type="body" idx="1"/>
+          </p:nvPr>
+        </p:nvSpPr>
+        <p:spPr/>
+        <p:txBody>
+          <a:bodyPr/>
+          <a:lstStyle/>
+          <a:p>
+            <a:r>
+              <a:rPr lang="en-US" dirty="0"/>
+              <a:t>Going from correlation to regression</a:t>
+            </a:r>
+          </a:p>
+        </p:txBody>
+      </p:sp>
+    </p:spTree>
+    <p:extLst>
+      <p:ext uri="{BB962C8B-B14F-4D97-AF65-F5344CB8AC3E}">
+        <p14:creationId xmlns:p14="http://schemas.microsoft.com/office/powerpoint/2010/main" val="990461860"/>
+      </p:ext>
+    </p:extLst>
+  </p:cSld>
+  <p:clrMapOvr>
+    <a:masterClrMapping/>
+  </p:clrMapOvr>
+</p:sld>
+</file>
+
+<file path=ppt/slides/slide8.xml><?xml version="1.0" encoding="utf-8"?>
+<p:sld xmlns:a="http://schemas.openxmlformats.org/drawingml/2006/main" xmlns:r="http://schemas.openxmlformats.org/officeDocument/2006/relationships" xmlns:p="http://schemas.openxmlformats.org/presentationml/2006/main">
+  <p:cSld>
+    <p:spTree>
+      <p:nvGrpSpPr>
+        <p:cNvPr id="1" name=""/>
+        <p:cNvGrpSpPr/>
+        <p:nvPr/>
+      </p:nvGrpSpPr>
+      <p:grpSpPr>
+        <a:xfrm>
+          <a:off x="0" y="0"/>
+          <a:ext cx="0" cy="0"/>
+          <a:chOff x="0" y="0"/>
+          <a:chExt cx="0" cy="0"/>
+        </a:xfrm>
+      </p:grpSpPr>
+      <p:sp>
+        <p:nvSpPr>
+          <p:cNvPr id="2" name="Title 1">
+            <a:extLst>
+              <a:ext uri="{FF2B5EF4-FFF2-40B4-BE49-F238E27FC236}">
                 <a16:creationId xmlns:a16="http://schemas.microsoft.com/office/drawing/2014/main" id="{C00AEC7E-0891-10E8-1297-CCEB93B1B3A1}"/>
               </a:ext>
             </a:extLst>
@@ -12965,7 +13305,7 @@
 </p:sld>
 </file>
 
-<file path=ppt/slides/slide7.xml><?xml version="1.0" encoding="utf-8"?>
+<file path=ppt/slides/slide9.xml><?xml version="1.0" encoding="utf-8"?>
 <p:sld xmlns:a="http://schemas.openxmlformats.org/drawingml/2006/main" xmlns:r="http://schemas.openxmlformats.org/officeDocument/2006/relationships" xmlns:p="http://schemas.openxmlformats.org/presentationml/2006/main">
   <p:cSld>
     <p:bg>
@@ -13292,7 +13632,7 @@
         <p:spPr>
           <a:xfrm>
             <a:off x="304660" y="-2"/>
-            <a:ext cx="4191000" cy="1598342"/>
+            <a:ext cx="6929858" cy="1598342"/>
           </a:xfrm>
         </p:spPr>
         <p:txBody>
@@ -13477,10 +13817,10 @@
       </mc:AlternateContent>
       <p:pic>
         <p:nvPicPr>
-          <p:cNvPr id="4" name="Picture 3" descr="A graph with dots on it&#10;&#10;Description automatically generated">
-            <a:extLst>
-              <a:ext uri="{FF2B5EF4-FFF2-40B4-BE49-F238E27FC236}">
-                <a16:creationId xmlns:a16="http://schemas.microsoft.com/office/drawing/2014/main" id="{DF53DF25-5EF1-967A-87EF-C53BD575FF6E}"/>
+          <p:cNvPr id="6" name="Picture 5">
+            <a:extLst>
+              <a:ext uri="{FF2B5EF4-FFF2-40B4-BE49-F238E27FC236}">
+                <a16:creationId xmlns:a16="http://schemas.microsoft.com/office/drawing/2014/main" id="{828E1D3B-A694-38FD-8B88-ACBC27B6E43D}"/>
               </a:ext>
             </a:extLst>
           </p:cNvPr>
@@ -13497,8 +13837,8 @@
         </p:blipFill>
         <p:spPr>
           <a:xfrm>
-            <a:off x="4763387" y="799169"/>
-            <a:ext cx="7157838" cy="5135748"/>
+            <a:off x="4774196" y="1596004"/>
+            <a:ext cx="7281274" cy="4614295"/>
           </a:xfrm>
           <a:prstGeom prst="rect">
             <a:avLst/>
@@ -13509,552 +13849,6 @@
     <p:extLst>
       <p:ext uri="{BB962C8B-B14F-4D97-AF65-F5344CB8AC3E}">
         <p14:creationId xmlns:p14="http://schemas.microsoft.com/office/powerpoint/2010/main" val="1360148831"/>
-      </p:ext>
-    </p:extLst>
-  </p:cSld>
-  <p:clrMapOvr>
-    <a:masterClrMapping/>
-  </p:clrMapOvr>
-</p:sld>
-</file>
-
-<file path=ppt/slides/slide8.xml><?xml version="1.0" encoding="utf-8"?>
-<p:sld xmlns:a="http://schemas.openxmlformats.org/drawingml/2006/main" xmlns:r="http://schemas.openxmlformats.org/officeDocument/2006/relationships" xmlns:p="http://schemas.openxmlformats.org/presentationml/2006/main">
-  <p:cSld>
-    <p:spTree>
-      <p:nvGrpSpPr>
-        <p:cNvPr id="1" name=""/>
-        <p:cNvGrpSpPr/>
-        <p:nvPr/>
-      </p:nvGrpSpPr>
-      <p:grpSpPr>
-        <a:xfrm>
-          <a:off x="0" y="0"/>
-          <a:ext cx="0" cy="0"/>
-          <a:chOff x="0" y="0"/>
-          <a:chExt cx="0" cy="0"/>
-        </a:xfrm>
-      </p:grpSpPr>
-      <p:sp>
-        <p:nvSpPr>
-          <p:cNvPr id="2" name="Title 1">
-            <a:extLst>
-              <a:ext uri="{FF2B5EF4-FFF2-40B4-BE49-F238E27FC236}">
-                <a16:creationId xmlns:a16="http://schemas.microsoft.com/office/drawing/2014/main" id="{7EE9ED38-D8B4-E0D1-36EF-C98958BE85FB}"/>
-              </a:ext>
-            </a:extLst>
-          </p:cNvPr>
-          <p:cNvSpPr>
-            <a:spLocks noGrp="1"/>
-          </p:cNvSpPr>
-          <p:nvPr>
-            <p:ph type="title"/>
-          </p:nvPr>
-        </p:nvSpPr>
-        <p:spPr/>
-        <p:txBody>
-          <a:bodyPr/>
-          <a:lstStyle/>
-          <a:p>
-            <a:r>
-              <a:rPr lang="en-US" dirty="0"/>
-              <a:t>Key Components</a:t>
-            </a:r>
-          </a:p>
-        </p:txBody>
-      </p:sp>
-      <mc:AlternateContent xmlns:mc="http://schemas.openxmlformats.org/markup-compatibility/2006" xmlns:a14="http://schemas.microsoft.com/office/drawing/2010/main">
-        <mc:Choice Requires="a14">
-          <p:sp>
-            <p:nvSpPr>
-              <p:cNvPr id="3" name="Content Placeholder 2">
-                <a:extLst>
-                  <a:ext uri="{FF2B5EF4-FFF2-40B4-BE49-F238E27FC236}">
-                    <a16:creationId xmlns:a16="http://schemas.microsoft.com/office/drawing/2014/main" id="{211B50CB-C2C7-9FF5-6F18-D08C0E004CF0}"/>
-                  </a:ext>
-                </a:extLst>
-              </p:cNvPr>
-              <p:cNvSpPr>
-                <a:spLocks noGrp="1"/>
-              </p:cNvSpPr>
-              <p:nvPr>
-                <p:ph idx="1"/>
-              </p:nvPr>
-            </p:nvSpPr>
-            <p:spPr/>
-            <p:txBody>
-              <a:bodyPr>
-                <a:normAutofit fontScale="92500" lnSpcReduction="20000"/>
-              </a:bodyPr>
-              <a:lstStyle/>
-              <a:p>
-                <a:r>
-                  <a:rPr lang="en-US" b="1" dirty="0"/>
-                  <a:t>Dependent Variable:</a:t>
-                </a:r>
-                <a:r>
-                  <a:rPr lang="en-US" dirty="0"/>
-                  <a:t> </a:t>
-                </a:r>
-              </a:p>
-              <a:p>
-                <a:pPr lvl="1"/>
-                <a:r>
-                  <a:rPr lang="en-US" dirty="0"/>
-                  <a:t>Variable to be predicted or explained</a:t>
-                </a:r>
-              </a:p>
-              <a:p>
-                <a:pPr lvl="1"/>
-                <a:r>
-                  <a:rPr lang="en-US" dirty="0"/>
-                  <a:t>Also known as </a:t>
-                </a:r>
-                <a:r>
-                  <a:rPr lang="en-US" b="1" dirty="0"/>
-                  <a:t>Response</a:t>
-                </a:r>
-                <a:r>
-                  <a:rPr lang="en-US" dirty="0"/>
-                  <a:t> or </a:t>
-                </a:r>
-                <a:r>
-                  <a:rPr lang="en-US" b="1" dirty="0"/>
-                  <a:t>Outcome</a:t>
-                </a:r>
-                <a:r>
-                  <a:rPr lang="en-US" dirty="0"/>
-                  <a:t> variables. </a:t>
-                </a:r>
-              </a:p>
-              <a:p>
-                <a:pPr lvl="1"/>
-                <a:r>
-                  <a:rPr lang="en-US" dirty="0"/>
-                  <a:t>Usually written as </a:t>
-                </a:r>
-                <a14:m>
-                  <m:oMath xmlns:m="http://schemas.openxmlformats.org/officeDocument/2006/math">
-                    <m:sSub>
-                      <m:sSubPr>
-                        <m:ctrlPr>
-                          <a:rPr lang="en-US" b="0" i="1" smtClean="0">
-                            <a:latin typeface="Cambria Math" panose="02040503050406030204" pitchFamily="18" charset="0"/>
-                          </a:rPr>
-                        </m:ctrlPr>
-                      </m:sSubPr>
-                      <m:e>
-                        <m:r>
-                          <a:rPr lang="en-US" b="0" i="1" smtClean="0">
-                            <a:latin typeface="Cambria Math" panose="02040503050406030204" pitchFamily="18" charset="0"/>
-                          </a:rPr>
-                          <m:t>𝑦</m:t>
-                        </m:r>
-                      </m:e>
-                      <m:sub>
-                        <m:r>
-                          <a:rPr lang="en-US" b="0" i="1" smtClean="0">
-                            <a:latin typeface="Cambria Math" panose="02040503050406030204" pitchFamily="18" charset="0"/>
-                          </a:rPr>
-                          <m:t>𝑖</m:t>
-                        </m:r>
-                      </m:sub>
-                    </m:sSub>
-                  </m:oMath>
-                </a14:m>
-                <a:endParaRPr lang="en-US" dirty="0"/>
-              </a:p>
-              <a:p>
-                <a:pPr lvl="1"/>
-                <a:r>
-                  <a:rPr lang="en-US" dirty="0"/>
-                  <a:t>Example: </a:t>
-                </a:r>
-                <a:r>
-                  <a:rPr lang="en-US" i="1" dirty="0"/>
-                  <a:t>Number of golf courses</a:t>
-                </a:r>
-                <a:endParaRPr lang="en-US" dirty="0"/>
-              </a:p>
-              <a:p>
-                <a:r>
-                  <a:rPr lang="en-US" b="1" dirty="0"/>
-                  <a:t>Independent Variable(s):</a:t>
-                </a:r>
-                <a:r>
-                  <a:rPr lang="en-US" dirty="0"/>
-                  <a:t> </a:t>
-                </a:r>
-              </a:p>
-              <a:p>
-                <a:pPr lvl="1"/>
-                <a:r>
-                  <a:rPr lang="en-US" dirty="0"/>
-                  <a:t>Variables used to predict or explain dependent variable</a:t>
-                </a:r>
-                <a:endParaRPr lang="en-US" i="1" dirty="0"/>
-              </a:p>
-              <a:p>
-                <a:pPr lvl="1"/>
-                <a:r>
-                  <a:rPr lang="en-US" dirty="0"/>
-                  <a:t>Also known as </a:t>
-                </a:r>
-                <a:r>
-                  <a:rPr lang="en-US" b="1" dirty="0"/>
-                  <a:t>Predictor</a:t>
-                </a:r>
-                <a:r>
-                  <a:rPr lang="en-US" dirty="0"/>
-                  <a:t> or </a:t>
-                </a:r>
-                <a:r>
-                  <a:rPr lang="en-US" b="1" dirty="0"/>
-                  <a:t>Explanatory </a:t>
-                </a:r>
-                <a:r>
-                  <a:rPr lang="en-US" dirty="0"/>
-                  <a:t>variables</a:t>
-                </a:r>
-              </a:p>
-              <a:p>
-                <a:pPr lvl="1"/>
-                <a:r>
-                  <a:rPr lang="en-US" dirty="0"/>
-                  <a:t>Usually written as </a:t>
-                </a:r>
-                <a14:m>
-                  <m:oMath xmlns:m="http://schemas.openxmlformats.org/officeDocument/2006/math">
-                    <m:sSub>
-                      <m:sSubPr>
-                        <m:ctrlPr>
-                          <a:rPr lang="en-US" b="0" i="1" smtClean="0">
-                            <a:latin typeface="Cambria Math" panose="02040503050406030204" pitchFamily="18" charset="0"/>
-                          </a:rPr>
-                        </m:ctrlPr>
-                      </m:sSubPr>
-                      <m:e>
-                        <m:r>
-                          <a:rPr lang="en-US" b="0" i="1" smtClean="0">
-                            <a:latin typeface="Cambria Math" panose="02040503050406030204" pitchFamily="18" charset="0"/>
-                          </a:rPr>
-                          <m:t>𝑥</m:t>
-                        </m:r>
-                      </m:e>
-                      <m:sub>
-                        <m:r>
-                          <a:rPr lang="en-US" b="0" i="1" smtClean="0">
-                            <a:latin typeface="Cambria Math" panose="02040503050406030204" pitchFamily="18" charset="0"/>
-                          </a:rPr>
-                          <m:t>𝑖</m:t>
-                        </m:r>
-                      </m:sub>
-                    </m:sSub>
-                  </m:oMath>
-                </a14:m>
-                <a:endParaRPr lang="en-US" dirty="0"/>
-              </a:p>
-              <a:p>
-                <a:pPr lvl="1"/>
-                <a:r>
-                  <a:rPr lang="en-US" dirty="0"/>
-                  <a:t>Example: </a:t>
-                </a:r>
-                <a:r>
-                  <a:rPr lang="en-US" i="1" dirty="0"/>
-                  <a:t>Location Quotient</a:t>
-                </a:r>
-                <a:endParaRPr lang="en-US" dirty="0"/>
-              </a:p>
-            </p:txBody>
-          </p:sp>
-        </mc:Choice>
-        <mc:Fallback xmlns="">
-          <p:sp>
-            <p:nvSpPr>
-              <p:cNvPr id="3" name="Content Placeholder 2">
-                <a:extLst>
-                  <a:ext uri="{FF2B5EF4-FFF2-40B4-BE49-F238E27FC236}">
-                    <a16:creationId xmlns:a16="http://schemas.microsoft.com/office/drawing/2014/main" id="{211B50CB-C2C7-9FF5-6F18-D08C0E004CF0}"/>
-                  </a:ext>
-                </a:extLst>
-              </p:cNvPr>
-              <p:cNvSpPr>
-                <a:spLocks noGrp="1" noRot="1" noChangeAspect="1" noMove="1" noResize="1" noEditPoints="1" noAdjustHandles="1" noChangeArrowheads="1" noChangeShapeType="1" noTextEdit="1"/>
-              </p:cNvSpPr>
-              <p:nvPr>
-                <p:ph idx="1"/>
-              </p:nvPr>
-            </p:nvSpPr>
-            <p:spPr>
-              <a:blipFill>
-                <a:blip r:embed="rId2"/>
-                <a:stretch>
-                  <a:fillRect l="-900" t="-2417"/>
-                </a:stretch>
-              </a:blipFill>
-            </p:spPr>
-            <p:txBody>
-              <a:bodyPr/>
-              <a:lstStyle/>
-              <a:p>
-                <a:r>
-                  <a:rPr lang="en-US">
-                    <a:noFill/>
-                  </a:rPr>
-                  <a:t> </a:t>
-                </a:r>
-              </a:p>
-            </p:txBody>
-          </p:sp>
-        </mc:Fallback>
-      </mc:AlternateContent>
-      <p:sp>
-        <p:nvSpPr>
-          <p:cNvPr id="4" name="Rounded Rectangle 3">
-            <a:extLst>
-              <a:ext uri="{FF2B5EF4-FFF2-40B4-BE49-F238E27FC236}">
-                <a16:creationId xmlns:a16="http://schemas.microsoft.com/office/drawing/2014/main" id="{BA64615C-304D-17D1-BC6E-7097B3A94567}"/>
-              </a:ext>
-            </a:extLst>
-          </p:cNvPr>
-          <p:cNvSpPr/>
-          <p:nvPr/>
-        </p:nvSpPr>
-        <p:spPr>
-          <a:xfrm>
-            <a:off x="9099394" y="1768347"/>
-            <a:ext cx="2464419" cy="1248936"/>
-          </a:xfrm>
-          <a:prstGeom prst="roundRect">
-            <a:avLst/>
-          </a:prstGeom>
-          <a:solidFill>
-            <a:schemeClr val="accent2"/>
-          </a:solidFill>
-        </p:spPr>
-        <p:style>
-          <a:lnRef idx="2">
-            <a:schemeClr val="accent1">
-              <a:shade val="15000"/>
-            </a:schemeClr>
-          </a:lnRef>
-          <a:fillRef idx="1">
-            <a:schemeClr val="accent1"/>
-          </a:fillRef>
-          <a:effectRef idx="0">
-            <a:schemeClr val="accent1"/>
-          </a:effectRef>
-          <a:fontRef idx="minor">
-            <a:schemeClr val="lt1"/>
-          </a:fontRef>
-        </p:style>
-        <p:txBody>
-          <a:bodyPr rtlCol="0" anchor="ctr"/>
-          <a:lstStyle/>
-          <a:p>
-            <a:pPr algn="ctr"/>
-            <a:r>
-              <a:rPr lang="en-US" dirty="0"/>
-              <a:t>Predictor / Explanatory / Independent Variable</a:t>
-            </a:r>
-          </a:p>
-        </p:txBody>
-      </p:sp>
-      <p:sp>
-        <p:nvSpPr>
-          <p:cNvPr id="5" name="Rounded Rectangle 4">
-            <a:extLst>
-              <a:ext uri="{FF2B5EF4-FFF2-40B4-BE49-F238E27FC236}">
-                <a16:creationId xmlns:a16="http://schemas.microsoft.com/office/drawing/2014/main" id="{F73C83D2-1236-02EC-076F-85C80E533273}"/>
-              </a:ext>
-            </a:extLst>
-          </p:cNvPr>
-          <p:cNvSpPr/>
-          <p:nvPr/>
-        </p:nvSpPr>
-        <p:spPr>
-          <a:xfrm>
-            <a:off x="9099393" y="4533796"/>
-            <a:ext cx="2464419" cy="1248936"/>
-          </a:xfrm>
-          <a:prstGeom prst="roundRect">
-            <a:avLst/>
-          </a:prstGeom>
-          <a:solidFill>
-            <a:schemeClr val="accent6">
-              <a:lumMod val="50000"/>
-            </a:schemeClr>
-          </a:solidFill>
-        </p:spPr>
-        <p:style>
-          <a:lnRef idx="2">
-            <a:schemeClr val="accent1">
-              <a:shade val="15000"/>
-            </a:schemeClr>
-          </a:lnRef>
-          <a:fillRef idx="1">
-            <a:schemeClr val="accent1"/>
-          </a:fillRef>
-          <a:effectRef idx="0">
-            <a:schemeClr val="accent1"/>
-          </a:effectRef>
-          <a:fontRef idx="minor">
-            <a:schemeClr val="lt1"/>
-          </a:fontRef>
-        </p:style>
-        <p:txBody>
-          <a:bodyPr rtlCol="0" anchor="ctr"/>
-          <a:lstStyle/>
-          <a:p>
-            <a:pPr algn="ctr"/>
-            <a:r>
-              <a:rPr lang="en-US" dirty="0"/>
-              <a:t>Predicted / Response / Outcome / Dependent Variable</a:t>
-            </a:r>
-          </a:p>
-        </p:txBody>
-      </p:sp>
-      <p:cxnSp>
-        <p:nvCxnSpPr>
-          <p:cNvPr id="7" name="Straight Arrow Connector 6">
-            <a:extLst>
-              <a:ext uri="{FF2B5EF4-FFF2-40B4-BE49-F238E27FC236}">
-                <a16:creationId xmlns:a16="http://schemas.microsoft.com/office/drawing/2014/main" id="{1C925827-02B6-A9BD-E9E0-6580E5560E49}"/>
-              </a:ext>
-            </a:extLst>
-          </p:cNvPr>
-          <p:cNvCxnSpPr>
-            <a:stCxn id="4" idx="2"/>
-            <a:endCxn id="5" idx="0"/>
-          </p:cNvCxnSpPr>
-          <p:nvPr/>
-        </p:nvCxnSpPr>
-        <p:spPr>
-          <a:xfrm flipH="1">
-            <a:off x="10331603" y="3017283"/>
-            <a:ext cx="1" cy="1516513"/>
-          </a:xfrm>
-          <a:prstGeom prst="straightConnector1">
-            <a:avLst/>
-          </a:prstGeom>
-          <a:ln w="57150">
-            <a:solidFill>
-              <a:srgbClr val="0070C0"/>
-            </a:solidFill>
-            <a:tailEnd type="triangle"/>
-          </a:ln>
-        </p:spPr>
-        <p:style>
-          <a:lnRef idx="1">
-            <a:schemeClr val="accent1"/>
-          </a:lnRef>
-          <a:fillRef idx="0">
-            <a:schemeClr val="accent1"/>
-          </a:fillRef>
-          <a:effectRef idx="0">
-            <a:schemeClr val="accent1"/>
-          </a:effectRef>
-          <a:fontRef idx="minor">
-            <a:schemeClr val="tx1"/>
-          </a:fontRef>
-        </p:style>
-      </p:cxnSp>
-    </p:spTree>
-    <p:extLst>
-      <p:ext uri="{BB962C8B-B14F-4D97-AF65-F5344CB8AC3E}">
-        <p14:creationId xmlns:p14="http://schemas.microsoft.com/office/powerpoint/2010/main" val="853483064"/>
-      </p:ext>
-    </p:extLst>
-  </p:cSld>
-  <p:clrMapOvr>
-    <a:masterClrMapping/>
-  </p:clrMapOvr>
-</p:sld>
-</file>
-
-<file path=ppt/slides/slide9.xml><?xml version="1.0" encoding="utf-8"?>
-<p:sld xmlns:a="http://schemas.openxmlformats.org/drawingml/2006/main" xmlns:r="http://schemas.openxmlformats.org/officeDocument/2006/relationships" xmlns:p="http://schemas.openxmlformats.org/presentationml/2006/main">
-  <p:cSld>
-    <p:spTree>
-      <p:nvGrpSpPr>
-        <p:cNvPr id="1" name=""/>
-        <p:cNvGrpSpPr/>
-        <p:nvPr/>
-      </p:nvGrpSpPr>
-      <p:grpSpPr>
-        <a:xfrm>
-          <a:off x="0" y="0"/>
-          <a:ext cx="0" cy="0"/>
-          <a:chOff x="0" y="0"/>
-          <a:chExt cx="0" cy="0"/>
-        </a:xfrm>
-      </p:grpSpPr>
-      <p:sp>
-        <p:nvSpPr>
-          <p:cNvPr id="2" name="Title 1">
-            <a:extLst>
-              <a:ext uri="{FF2B5EF4-FFF2-40B4-BE49-F238E27FC236}">
-                <a16:creationId xmlns:a16="http://schemas.microsoft.com/office/drawing/2014/main" id="{A3CC2278-255D-2E6B-F5E9-EFE9BAE30CC2}"/>
-              </a:ext>
-            </a:extLst>
-          </p:cNvPr>
-          <p:cNvSpPr>
-            <a:spLocks noGrp="1"/>
-          </p:cNvSpPr>
-          <p:nvPr>
-            <p:ph type="title"/>
-          </p:nvPr>
-        </p:nvSpPr>
-        <p:spPr/>
-        <p:txBody>
-          <a:bodyPr/>
-          <a:lstStyle/>
-          <a:p>
-            <a:r>
-              <a:rPr lang="en-US" dirty="0"/>
-              <a:t>Linear Regression Mathematics</a:t>
-            </a:r>
-          </a:p>
-        </p:txBody>
-      </p:sp>
-      <p:sp>
-        <p:nvSpPr>
-          <p:cNvPr id="3" name="Text Placeholder 2">
-            <a:extLst>
-              <a:ext uri="{FF2B5EF4-FFF2-40B4-BE49-F238E27FC236}">
-                <a16:creationId xmlns:a16="http://schemas.microsoft.com/office/drawing/2014/main" id="{655140E9-1356-F2C6-AD4E-5887B44A0858}"/>
-              </a:ext>
-            </a:extLst>
-          </p:cNvPr>
-          <p:cNvSpPr>
-            <a:spLocks noGrp="1"/>
-          </p:cNvSpPr>
-          <p:nvPr>
-            <p:ph type="body" idx="1"/>
-          </p:nvPr>
-        </p:nvSpPr>
-        <p:spPr/>
-        <p:txBody>
-          <a:bodyPr/>
-          <a:lstStyle/>
-          <a:p>
-            <a:r>
-              <a:rPr lang="en-US" dirty="0"/>
-              <a:t>Linear Model, Coefficients and </a:t>
-            </a:r>
-            <a:r>
-              <a:rPr lang="en-US"/>
-              <a:t>Predicted Responses</a:t>
-            </a:r>
-            <a:endParaRPr lang="en-US" dirty="0"/>
-          </a:p>
-        </p:txBody>
-      </p:sp>
-    </p:spTree>
-    <p:extLst>
-      <p:ext uri="{BB962C8B-B14F-4D97-AF65-F5344CB8AC3E}">
-        <p14:creationId xmlns:p14="http://schemas.microsoft.com/office/powerpoint/2010/main" val="1298924940"/>
       </p:ext>
     </p:extLst>
   </p:cSld>
@@ -14263,4 +14057,319 @@
     </a:ext>
   </a:extLst>
 </a:theme>
+</file>
+
+<file path=ppt/theme/theme2.xml><?xml version="1.0" encoding="utf-8"?>
+<a:theme xmlns:a="http://schemas.openxmlformats.org/drawingml/2006/main" name="Office Theme">
+  <a:themeElements>
+    <a:clrScheme name="Office">
+      <a:dk1>
+        <a:sysClr val="windowText" lastClr="000000"/>
+      </a:dk1>
+      <a:lt1>
+        <a:sysClr val="window" lastClr="FFFFFF"/>
+      </a:lt1>
+      <a:dk2>
+        <a:srgbClr val="0E2841"/>
+      </a:dk2>
+      <a:lt2>
+        <a:srgbClr val="E8E8E8"/>
+      </a:lt2>
+      <a:accent1>
+        <a:srgbClr val="156082"/>
+      </a:accent1>
+      <a:accent2>
+        <a:srgbClr val="E97132"/>
+      </a:accent2>
+      <a:accent3>
+        <a:srgbClr val="196B24"/>
+      </a:accent3>
+      <a:accent4>
+        <a:srgbClr val="0F9ED5"/>
+      </a:accent4>
+      <a:accent5>
+        <a:srgbClr val="A02B93"/>
+      </a:accent5>
+      <a:accent6>
+        <a:srgbClr val="4EA72E"/>
+      </a:accent6>
+      <a:hlink>
+        <a:srgbClr val="467886"/>
+      </a:hlink>
+      <a:folHlink>
+        <a:srgbClr val="96607D"/>
+      </a:folHlink>
+    </a:clrScheme>
+    <a:fontScheme name="Office">
+      <a:majorFont>
+        <a:latin typeface="Aptos Display" panose="02110004020202020204"/>
+        <a:ea typeface=""/>
+        <a:cs typeface=""/>
+        <a:font script="Jpan" typeface="游ゴシック Light"/>
+        <a:font script="Hang" typeface="맑은 고딕"/>
+        <a:font script="Hans" typeface="等线 Light"/>
+        <a:font script="Hant" typeface="新細明體"/>
+        <a:font script="Arab" typeface="Times New Roman"/>
+        <a:font script="Hebr" typeface="Times New Roman"/>
+        <a:font script="Thai" typeface="Angsana New"/>
+        <a:font script="Ethi" typeface="Nyala"/>
+        <a:font script="Beng" typeface="Vrinda"/>
+        <a:font script="Gujr" typeface="Shruti"/>
+        <a:font script="Khmr" typeface="MoolBoran"/>
+        <a:font script="Knda" typeface="Tunga"/>
+        <a:font script="Guru" typeface="Raavi"/>
+        <a:font script="Cans" typeface="Euphemia"/>
+        <a:font script="Cher" typeface="Plantagenet Cherokee"/>
+        <a:font script="Yiii" typeface="Microsoft Yi Baiti"/>
+        <a:font script="Tibt" typeface="Microsoft Himalaya"/>
+        <a:font script="Thaa" typeface="MV Boli"/>
+        <a:font script="Deva" typeface="Mangal"/>
+        <a:font script="Telu" typeface="Gautami"/>
+        <a:font script="Taml" typeface="Latha"/>
+        <a:font script="Syrc" typeface="Estrangelo Edessa"/>
+        <a:font script="Orya" typeface="Kalinga"/>
+        <a:font script="Mlym" typeface="Kartika"/>
+        <a:font script="Laoo" typeface="DokChampa"/>
+        <a:font script="Sinh" typeface="Iskoola Pota"/>
+        <a:font script="Mong" typeface="Mongolian Baiti"/>
+        <a:font script="Viet" typeface="Times New Roman"/>
+        <a:font script="Uigh" typeface="Microsoft Uighur"/>
+        <a:font script="Geor" typeface="Sylfaen"/>
+        <a:font script="Armn" typeface="Arial"/>
+        <a:font script="Bugi" typeface="Leelawadee UI"/>
+        <a:font script="Bopo" typeface="Microsoft JhengHei"/>
+        <a:font script="Java" typeface="Javanese Text"/>
+        <a:font script="Lisu" typeface="Segoe UI"/>
+        <a:font script="Mymr" typeface="Myanmar Text"/>
+        <a:font script="Nkoo" typeface="Ebrima"/>
+        <a:font script="Olck" typeface="Nirmala UI"/>
+        <a:font script="Osma" typeface="Ebrima"/>
+        <a:font script="Phag" typeface="Phagspa"/>
+        <a:font script="Syrn" typeface="Estrangelo Edessa"/>
+        <a:font script="Syrj" typeface="Estrangelo Edessa"/>
+        <a:font script="Syre" typeface="Estrangelo Edessa"/>
+        <a:font script="Sora" typeface="Nirmala UI"/>
+        <a:font script="Tale" typeface="Microsoft Tai Le"/>
+        <a:font script="Talu" typeface="Microsoft New Tai Lue"/>
+        <a:font script="Tfng" typeface="Ebrima"/>
+      </a:majorFont>
+      <a:minorFont>
+        <a:latin typeface="Aptos" panose="02110004020202020204"/>
+        <a:ea typeface=""/>
+        <a:cs typeface=""/>
+        <a:font script="Jpan" typeface="游ゴシック"/>
+        <a:font script="Hang" typeface="맑은 고딕"/>
+        <a:font script="Hans" typeface="等线"/>
+        <a:font script="Hant" typeface="新細明體"/>
+        <a:font script="Arab" typeface="Arial"/>
+        <a:font script="Hebr" typeface="Arial"/>
+        <a:font script="Thai" typeface="Cordia New"/>
+        <a:font script="Ethi" typeface="Nyala"/>
+        <a:font script="Beng" typeface="Vrinda"/>
+        <a:font script="Gujr" typeface="Shruti"/>
+        <a:font script="Khmr" typeface="DaunPenh"/>
+        <a:font script="Knda" typeface="Tunga"/>
+        <a:font script="Guru" typeface="Raavi"/>
+        <a:font script="Cans" typeface="Euphemia"/>
+        <a:font script="Cher" typeface="Plantagenet Cherokee"/>
+        <a:font script="Yiii" typeface="Microsoft Yi Baiti"/>
+        <a:font script="Tibt" typeface="Microsoft Himalaya"/>
+        <a:font script="Thaa" typeface="MV Boli"/>
+        <a:font script="Deva" typeface="Mangal"/>
+        <a:font script="Telu" typeface="Gautami"/>
+        <a:font script="Taml" typeface="Latha"/>
+        <a:font script="Syrc" typeface="Estrangelo Edessa"/>
+        <a:font script="Orya" typeface="Kalinga"/>
+        <a:font script="Mlym" typeface="Kartika"/>
+        <a:font script="Laoo" typeface="DokChampa"/>
+        <a:font script="Sinh" typeface="Iskoola Pota"/>
+        <a:font script="Mong" typeface="Mongolian Baiti"/>
+        <a:font script="Viet" typeface="Arial"/>
+        <a:font script="Uigh" typeface="Microsoft Uighur"/>
+        <a:font script="Geor" typeface="Sylfaen"/>
+        <a:font script="Armn" typeface="Arial"/>
+        <a:font script="Bugi" typeface="Leelawadee UI"/>
+        <a:font script="Bopo" typeface="Microsoft JhengHei"/>
+        <a:font script="Java" typeface="Javanese Text"/>
+        <a:font script="Lisu" typeface="Segoe UI"/>
+        <a:font script="Mymr" typeface="Myanmar Text"/>
+        <a:font script="Nkoo" typeface="Ebrima"/>
+        <a:font script="Olck" typeface="Nirmala UI"/>
+        <a:font script="Osma" typeface="Ebrima"/>
+        <a:font script="Phag" typeface="Phagspa"/>
+        <a:font script="Syrn" typeface="Estrangelo Edessa"/>
+        <a:font script="Syrj" typeface="Estrangelo Edessa"/>
+        <a:font script="Syre" typeface="Estrangelo Edessa"/>
+        <a:font script="Sora" typeface="Nirmala UI"/>
+        <a:font script="Tale" typeface="Microsoft Tai Le"/>
+        <a:font script="Talu" typeface="Microsoft New Tai Lue"/>
+        <a:font script="Tfng" typeface="Ebrima"/>
+      </a:minorFont>
+    </a:fontScheme>
+    <a:fmtScheme name="Office">
+      <a:fillStyleLst>
+        <a:solidFill>
+          <a:schemeClr val="phClr"/>
+        </a:solidFill>
+        <a:gradFill rotWithShape="1">
+          <a:gsLst>
+            <a:gs pos="0">
+              <a:schemeClr val="phClr">
+                <a:lumMod val="110000"/>
+                <a:satMod val="105000"/>
+                <a:tint val="67000"/>
+              </a:schemeClr>
+            </a:gs>
+            <a:gs pos="50000">
+              <a:schemeClr val="phClr">
+                <a:lumMod val="105000"/>
+                <a:satMod val="103000"/>
+                <a:tint val="73000"/>
+              </a:schemeClr>
+            </a:gs>
+            <a:gs pos="100000">
+              <a:schemeClr val="phClr">
+                <a:lumMod val="105000"/>
+                <a:satMod val="109000"/>
+                <a:tint val="81000"/>
+              </a:schemeClr>
+            </a:gs>
+          </a:gsLst>
+          <a:lin ang="5400000" scaled="0"/>
+        </a:gradFill>
+        <a:gradFill rotWithShape="1">
+          <a:gsLst>
+            <a:gs pos="0">
+              <a:schemeClr val="phClr">
+                <a:satMod val="103000"/>
+                <a:lumMod val="102000"/>
+                <a:tint val="94000"/>
+              </a:schemeClr>
+            </a:gs>
+            <a:gs pos="50000">
+              <a:schemeClr val="phClr">
+                <a:satMod val="110000"/>
+                <a:lumMod val="100000"/>
+                <a:shade val="100000"/>
+              </a:schemeClr>
+            </a:gs>
+            <a:gs pos="100000">
+              <a:schemeClr val="phClr">
+                <a:lumMod val="99000"/>
+                <a:satMod val="120000"/>
+                <a:shade val="78000"/>
+              </a:schemeClr>
+            </a:gs>
+          </a:gsLst>
+          <a:lin ang="5400000" scaled="0"/>
+        </a:gradFill>
+      </a:fillStyleLst>
+      <a:lnStyleLst>
+        <a:ln w="12700" cap="flat" cmpd="sng" algn="ctr">
+          <a:solidFill>
+            <a:schemeClr val="phClr"/>
+          </a:solidFill>
+          <a:prstDash val="solid"/>
+          <a:miter lim="800000"/>
+        </a:ln>
+        <a:ln w="19050" cap="flat" cmpd="sng" algn="ctr">
+          <a:solidFill>
+            <a:schemeClr val="phClr"/>
+          </a:solidFill>
+          <a:prstDash val="solid"/>
+          <a:miter lim="800000"/>
+        </a:ln>
+        <a:ln w="25400" cap="flat" cmpd="sng" algn="ctr">
+          <a:solidFill>
+            <a:schemeClr val="phClr"/>
+          </a:solidFill>
+          <a:prstDash val="solid"/>
+          <a:miter lim="800000"/>
+        </a:ln>
+      </a:lnStyleLst>
+      <a:effectStyleLst>
+        <a:effectStyle>
+          <a:effectLst/>
+        </a:effectStyle>
+        <a:effectStyle>
+          <a:effectLst/>
+        </a:effectStyle>
+        <a:effectStyle>
+          <a:effectLst>
+            <a:outerShdw blurRad="57150" dist="19050" dir="5400000" algn="ctr" rotWithShape="0">
+              <a:srgbClr val="000000">
+                <a:alpha val="63000"/>
+              </a:srgbClr>
+            </a:outerShdw>
+          </a:effectLst>
+        </a:effectStyle>
+      </a:effectStyleLst>
+      <a:bgFillStyleLst>
+        <a:solidFill>
+          <a:schemeClr val="phClr"/>
+        </a:solidFill>
+        <a:solidFill>
+          <a:schemeClr val="phClr">
+            <a:tint val="95000"/>
+            <a:satMod val="170000"/>
+          </a:schemeClr>
+        </a:solidFill>
+        <a:gradFill rotWithShape="1">
+          <a:gsLst>
+            <a:gs pos="0">
+              <a:schemeClr val="phClr">
+                <a:tint val="93000"/>
+                <a:satMod val="150000"/>
+                <a:shade val="98000"/>
+                <a:lumMod val="102000"/>
+              </a:schemeClr>
+            </a:gs>
+            <a:gs pos="50000">
+              <a:schemeClr val="phClr">
+                <a:tint val="98000"/>
+                <a:satMod val="130000"/>
+                <a:shade val="90000"/>
+                <a:lumMod val="103000"/>
+              </a:schemeClr>
+            </a:gs>
+            <a:gs pos="100000">
+              <a:schemeClr val="phClr">
+                <a:shade val="63000"/>
+                <a:satMod val="120000"/>
+              </a:schemeClr>
+            </a:gs>
+          </a:gsLst>
+          <a:lin ang="5400000" scaled="0"/>
+        </a:gradFill>
+      </a:bgFillStyleLst>
+    </a:fmtScheme>
+  </a:themeElements>
+  <a:objectDefaults>
+    <a:lnDef>
+      <a:spPr/>
+      <a:bodyPr/>
+      <a:lstStyle/>
+      <a:style>
+        <a:lnRef idx="2">
+          <a:schemeClr val="accent1"/>
+        </a:lnRef>
+        <a:fillRef idx="0">
+          <a:schemeClr val="accent1"/>
+        </a:fillRef>
+        <a:effectRef idx="1">
+          <a:schemeClr val="accent1"/>
+        </a:effectRef>
+        <a:fontRef idx="minor">
+          <a:schemeClr val="tx1"/>
+        </a:fontRef>
+      </a:style>
+    </a:lnDef>
+  </a:objectDefaults>
+  <a:extraClrSchemeLst/>
+  <a:extLst>
+    <a:ext uri="{05A4C25C-085E-4340-85A3-A5531E510DB2}">
+      <thm15:themeFamily xmlns:thm15="http://schemas.microsoft.com/office/thememl/2012/main" name="Office Theme" id="{2E142A2C-CD16-42D6-873A-C26D2A0506FA}" vid="{1BDDFF52-6CD6-40A5-AB3C-68EB2F1E4D0A}"/>
+    </a:ext>
+  </a:extLst>
+</a:theme>
 </file>
--- a/Slides.pptx
+++ b/Slides.pptx
@@ -4518,8 +4518,8 @@
           </a:p>
         </p:txBody>
       </p:sp>
-      <mc:AlternateContent xmlns:mc="http://schemas.openxmlformats.org/markup-compatibility/2006">
-        <mc:Choice xmlns:a14="http://schemas.microsoft.com/office/drawing/2010/main" Requires="a14">
+      <mc:AlternateContent xmlns:mc="http://schemas.openxmlformats.org/markup-compatibility/2006" xmlns:a14="http://schemas.microsoft.com/office/drawing/2010/main">
+        <mc:Choice Requires="a14">
           <p:sp>
             <p:nvSpPr>
               <p:cNvPr id="3" name="Content Placeholder 2">
@@ -4724,7 +4724,7 @@
             </p:txBody>
           </p:sp>
         </mc:Choice>
-        <mc:Fallback>
+        <mc:Fallback xmlns="">
           <p:sp>
             <p:nvSpPr>
               <p:cNvPr id="3" name="Content Placeholder 2">
@@ -7177,8 +7177,8 @@
           </p:sp>
         </mc:Fallback>
       </mc:AlternateContent>
-      <mc:AlternateContent xmlns:mc="http://schemas.openxmlformats.org/markup-compatibility/2006">
-        <mc:Choice xmlns:a14="http://schemas.microsoft.com/office/drawing/2010/main" Requires="a14">
+      <mc:AlternateContent xmlns:mc="http://schemas.openxmlformats.org/markup-compatibility/2006" xmlns:a14="http://schemas.microsoft.com/office/drawing/2010/main">
+        <mc:Choice Requires="a14">
           <p:sp>
             <p:nvSpPr>
               <p:cNvPr id="3" name="Content Placeholder 2">
@@ -7709,7 +7709,7 @@
             </p:txBody>
           </p:sp>
         </mc:Choice>
-        <mc:Fallback>
+        <mc:Fallback xmlns="">
           <p:sp>
             <p:nvSpPr>
               <p:cNvPr id="3" name="Content Placeholder 2">
@@ -7908,8 +7908,8 @@
           </a:p>
         </p:txBody>
       </p:sp>
-      <mc:AlternateContent xmlns:mc="http://schemas.openxmlformats.org/markup-compatibility/2006">
-        <mc:Choice xmlns:a14="http://schemas.microsoft.com/office/drawing/2010/main" Requires="a14">
+      <mc:AlternateContent xmlns:mc="http://schemas.openxmlformats.org/markup-compatibility/2006" xmlns:a14="http://schemas.microsoft.com/office/drawing/2010/main">
+        <mc:Choice Requires="a14">
           <p:sp>
             <p:nvSpPr>
               <p:cNvPr id="3" name="TextBox 2">
@@ -8151,7 +8151,7 @@
             </p:txBody>
           </p:sp>
         </mc:Choice>
-        <mc:Fallback>
+        <mc:Fallback xmlns="">
           <p:sp>
             <p:nvSpPr>
               <p:cNvPr id="3" name="TextBox 2">
@@ -11290,6 +11290,71 @@
             <a:r>
               <a:rPr lang="en-US" dirty="0"/>
               <a:t>What drives Health Insurance Premiums?</a:t>
+            </a:r>
+          </a:p>
+        </p:txBody>
+      </p:sp>
+      <p:pic>
+        <p:nvPicPr>
+          <p:cNvPr id="5" name="Picture 4" descr="A qr code with a lion head&#10;&#10;Description automatically generated">
+            <a:extLst>
+              <a:ext uri="{FF2B5EF4-FFF2-40B4-BE49-F238E27FC236}">
+                <a16:creationId xmlns:a16="http://schemas.microsoft.com/office/drawing/2014/main" id="{8F865E7F-A5F1-FB42-2096-A40CE80E6C34}"/>
+              </a:ext>
+            </a:extLst>
+          </p:cNvPr>
+          <p:cNvPicPr>
+            <a:picLocks noChangeAspect="1"/>
+          </p:cNvPicPr>
+          <p:nvPr/>
+        </p:nvPicPr>
+        <p:blipFill>
+          <a:blip r:embed="rId2"/>
+          <a:stretch>
+            <a:fillRect/>
+          </a:stretch>
+        </p:blipFill>
+        <p:spPr>
+          <a:xfrm>
+            <a:off x="8502650" y="2000250"/>
+            <a:ext cx="2857500" cy="2857500"/>
+          </a:xfrm>
+          <a:prstGeom prst="rect">
+            <a:avLst/>
+          </a:prstGeom>
+        </p:spPr>
+      </p:pic>
+      <p:sp>
+        <p:nvSpPr>
+          <p:cNvPr id="6" name="TextBox 5">
+            <a:extLst>
+              <a:ext uri="{FF2B5EF4-FFF2-40B4-BE49-F238E27FC236}">
+                <a16:creationId xmlns:a16="http://schemas.microsoft.com/office/drawing/2014/main" id="{7BC34608-22FE-9170-A099-7E16CFBE9E5E}"/>
+              </a:ext>
+            </a:extLst>
+          </p:cNvPr>
+          <p:cNvSpPr txBox="1"/>
+          <p:nvPr/>
+        </p:nvSpPr>
+        <p:spPr>
+          <a:xfrm>
+            <a:off x="8502650" y="4956730"/>
+            <a:ext cx="2857500" cy="646331"/>
+          </a:xfrm>
+          <a:prstGeom prst="rect">
+            <a:avLst/>
+          </a:prstGeom>
+          <a:noFill/>
+        </p:spPr>
+        <p:txBody>
+          <a:bodyPr wrap="square" rtlCol="0">
+            <a:spAutoFit/>
+          </a:bodyPr>
+          <a:lstStyle/>
+          <a:p>
+            <a:r>
+              <a:rPr lang="en-US" dirty="0"/>
+              <a:t>Kindly download slides, data and R code.</a:t>
             </a:r>
           </a:p>
         </p:txBody>

--- a/Slides.pptx
+++ b/Slides.pptx
@@ -10,14 +10,14 @@
   <p:sldIdLst>
     <p:sldId id="256" r:id="rId2"/>
     <p:sldId id="257" r:id="rId3"/>
-    <p:sldId id="293" r:id="rId4"/>
-    <p:sldId id="258" r:id="rId5"/>
-    <p:sldId id="291" r:id="rId6"/>
-    <p:sldId id="292" r:id="rId7"/>
-    <p:sldId id="294" r:id="rId8"/>
-    <p:sldId id="259" r:id="rId9"/>
-    <p:sldId id="265" r:id="rId10"/>
-    <p:sldId id="263" r:id="rId11"/>
+    <p:sldId id="294" r:id="rId4"/>
+    <p:sldId id="259" r:id="rId5"/>
+    <p:sldId id="263" r:id="rId6"/>
+    <p:sldId id="293" r:id="rId7"/>
+    <p:sldId id="258" r:id="rId8"/>
+    <p:sldId id="291" r:id="rId9"/>
+    <p:sldId id="292" r:id="rId10"/>
+    <p:sldId id="265" r:id="rId11"/>
     <p:sldId id="283" r:id="rId12"/>
     <p:sldId id="262" r:id="rId13"/>
     <p:sldId id="267" r:id="rId14"/>
@@ -4476,6 +4476,14 @@
 <file path=ppt/slides/slide10.xml><?xml version="1.0" encoding="utf-8"?>
 <p:sld xmlns:a="http://schemas.openxmlformats.org/drawingml/2006/main" xmlns:r="http://schemas.openxmlformats.org/officeDocument/2006/relationships" xmlns:p="http://schemas.openxmlformats.org/presentationml/2006/main">
   <p:cSld>
+    <p:bg>
+      <p:bgPr>
+        <a:solidFill>
+          <a:schemeClr val="bg1"/>
+        </a:solidFill>
+        <a:effectLst/>
+      </p:bgPr>
+    </p:bg>
     <p:spTree>
       <p:nvGrpSpPr>
         <p:cNvPr id="1" name=""/>
@@ -4490,12 +4498,295 @@
           <a:chExt cx="0" cy="0"/>
         </a:xfrm>
       </p:grpSpPr>
+      <p:sp useBgFill="1">
+        <p:nvSpPr>
+          <p:cNvPr id="9" name="Rectangle 8">
+            <a:extLst>
+              <a:ext uri="{FF2B5EF4-FFF2-40B4-BE49-F238E27FC236}">
+                <a16:creationId xmlns:a16="http://schemas.microsoft.com/office/drawing/2014/main" id="{A4FB2F27-3F7D-440E-A905-86607A926A29}"/>
+              </a:ext>
+              <a:ext uri="{C183D7F6-B498-43B3-948B-1728B52AA6E4}">
+                <adec:decorative xmlns:adec="http://schemas.microsoft.com/office/drawing/2017/decorative" val="1"/>
+              </a:ext>
+            </a:extLst>
+          </p:cNvPr>
+          <p:cNvSpPr>
+            <a:spLocks noGrp="1" noRot="1" noChangeAspect="1" noMove="1" noResize="1" noEditPoints="1" noAdjustHandles="1" noChangeArrowheads="1" noChangeShapeType="1" noTextEdit="1"/>
+          </p:cNvSpPr>
+          <p:nvPr>
+            <p:extLst>
+              <p:ext uri="{386F3935-93C4-4BCD-93E2-E3B085C9AB24}">
+                <p16:designElem xmlns:p16="http://schemas.microsoft.com/office/powerpoint/2015/main" val="1"/>
+              </p:ext>
+            </p:extLst>
+          </p:nvPr>
+        </p:nvSpPr>
+        <p:spPr>
+          <a:xfrm>
+            <a:off x="0" y="0"/>
+            <a:ext cx="12188952" cy="6858000"/>
+          </a:xfrm>
+          <a:prstGeom prst="rect">
+            <a:avLst/>
+          </a:prstGeom>
+          <a:ln>
+            <a:noFill/>
+          </a:ln>
+        </p:spPr>
+        <p:style>
+          <a:lnRef idx="2">
+            <a:schemeClr val="accent1">
+              <a:shade val="50000"/>
+            </a:schemeClr>
+          </a:lnRef>
+          <a:fillRef idx="1">
+            <a:schemeClr val="accent1"/>
+          </a:fillRef>
+          <a:effectRef idx="0">
+            <a:schemeClr val="accent1"/>
+          </a:effectRef>
+          <a:fontRef idx="minor">
+            <a:schemeClr val="lt1"/>
+          </a:fontRef>
+        </p:style>
+        <p:txBody>
+          <a:bodyPr rtlCol="0" anchor="ctr"/>
+          <a:lstStyle/>
+          <a:p>
+            <a:pPr algn="ctr"/>
+            <a:endParaRPr lang="en-US" dirty="0">
+              <a:solidFill>
+                <a:schemeClr val="tx1">
+                  <a:lumMod val="65000"/>
+                  <a:lumOff val="35000"/>
+                </a:schemeClr>
+              </a:solidFill>
+              <a:latin typeface="AvenirNext LT Pro Medium" panose="020B0504020202020204" pitchFamily="34" charset="0"/>
+            </a:endParaRPr>
+          </a:p>
+        </p:txBody>
+      </p:sp>
+      <p:sp>
+        <p:nvSpPr>
+          <p:cNvPr id="11" name="Rectangle 10">
+            <a:extLst>
+              <a:ext uri="{FF2B5EF4-FFF2-40B4-BE49-F238E27FC236}">
+                <a16:creationId xmlns:a16="http://schemas.microsoft.com/office/drawing/2014/main" id="{AF678C14-A033-4139-BCA9-8382B039648B}"/>
+              </a:ext>
+              <a:ext uri="{C183D7F6-B498-43B3-948B-1728B52AA6E4}">
+                <adec:decorative xmlns:adec="http://schemas.microsoft.com/office/drawing/2017/decorative" val="1"/>
+              </a:ext>
+            </a:extLst>
+          </p:cNvPr>
+          <p:cNvSpPr>
+            <a:spLocks noGrp="1" noRot="1" noChangeAspect="1" noMove="1" noResize="1" noEditPoints="1" noAdjustHandles="1" noChangeArrowheads="1" noChangeShapeType="1" noTextEdit="1"/>
+          </p:cNvSpPr>
+          <p:nvPr>
+            <p:extLst>
+              <p:ext uri="{386F3935-93C4-4BCD-93E2-E3B085C9AB24}">
+                <p16:designElem xmlns:p16="http://schemas.microsoft.com/office/powerpoint/2015/main" val="1"/>
+              </p:ext>
+            </p:extLst>
+          </p:nvPr>
+        </p:nvSpPr>
+        <p:spPr>
+          <a:xfrm>
+            <a:off x="3048" y="0"/>
+            <a:ext cx="12188952" cy="6858000"/>
+          </a:xfrm>
+          <a:prstGeom prst="rect">
+            <a:avLst/>
+          </a:prstGeom>
+          <a:solidFill>
+            <a:schemeClr val="bg2">
+              <a:lumMod val="90000"/>
+              <a:alpha val="70000"/>
+            </a:schemeClr>
+          </a:solidFill>
+          <a:ln>
+            <a:noFill/>
+          </a:ln>
+        </p:spPr>
+        <p:style>
+          <a:lnRef idx="2">
+            <a:schemeClr val="accent1">
+              <a:shade val="50000"/>
+            </a:schemeClr>
+          </a:lnRef>
+          <a:fillRef idx="1">
+            <a:schemeClr val="accent1"/>
+          </a:fillRef>
+          <a:effectRef idx="0">
+            <a:schemeClr val="accent1"/>
+          </a:effectRef>
+          <a:fontRef idx="minor">
+            <a:schemeClr val="lt1"/>
+          </a:fontRef>
+        </p:style>
+        <p:txBody>
+          <a:bodyPr rtlCol="0" anchor="ctr"/>
+          <a:lstStyle/>
+          <a:p>
+            <a:pPr algn="ctr"/>
+            <a:endParaRPr lang="en-US">
+              <a:solidFill>
+                <a:schemeClr val="tx1">
+                  <a:lumMod val="65000"/>
+                  <a:lumOff val="35000"/>
+                </a:schemeClr>
+              </a:solidFill>
+              <a:latin typeface="AvenirNext LT Pro Medium" panose="020B0504020202020204" pitchFamily="34" charset="0"/>
+            </a:endParaRPr>
+          </a:p>
+        </p:txBody>
+      </p:sp>
+      <p:grpSp>
+        <p:nvGrpSpPr>
+          <p:cNvPr id="13" name="Group 12">
+            <a:extLst>
+              <a:ext uri="{FF2B5EF4-FFF2-40B4-BE49-F238E27FC236}">
+                <a16:creationId xmlns:a16="http://schemas.microsoft.com/office/drawing/2014/main" id="{14763DA8-CE3A-4B30-B2F5-0D128777F742}"/>
+              </a:ext>
+              <a:ext uri="{C183D7F6-B498-43B3-948B-1728B52AA6E4}">
+                <adec:decorative xmlns:adec="http://schemas.microsoft.com/office/drawing/2017/decorative" val="1"/>
+              </a:ext>
+            </a:extLst>
+          </p:cNvPr>
+          <p:cNvGrpSpPr>
+            <a:grpSpLocks noGrp="1" noUngrp="1" noRot="1" noChangeAspect="1" noMove="1" noResize="1"/>
+          </p:cNvGrpSpPr>
+          <p:nvPr>
+            <p:extLst>
+              <p:ext uri="{386F3935-93C4-4BCD-93E2-E3B085C9AB24}">
+                <p16:designElem xmlns:p16="http://schemas.microsoft.com/office/powerpoint/2015/main" val="1"/>
+              </p:ext>
+            </p:extLst>
+          </p:nvPr>
+        </p:nvGrpSpPr>
+        <p:grpSpPr>
+          <a:xfrm>
+            <a:off x="4464881" y="0"/>
+            <a:ext cx="7724071" cy="6858000"/>
+            <a:chOff x="4464881" y="0"/>
+            <a:chExt cx="7724071" cy="6858000"/>
+          </a:xfrm>
+        </p:grpSpPr>
+        <p:pic>
+          <p:nvPicPr>
+            <p:cNvPr id="14" name="Picture 13">
+              <a:extLst>
+                <a:ext uri="{FF2B5EF4-FFF2-40B4-BE49-F238E27FC236}">
+                  <a16:creationId xmlns:a16="http://schemas.microsoft.com/office/drawing/2014/main" id="{F6B75A5A-FDA7-4C8E-BD65-8506C42AA865}"/>
+                </a:ext>
+                <a:ext uri="{C183D7F6-B498-43B3-948B-1728B52AA6E4}">
+                  <adec:decorative xmlns:adec="http://schemas.microsoft.com/office/drawing/2017/decorative" val="1"/>
+                </a:ext>
+              </a:extLst>
+            </p:cNvPr>
+            <p:cNvPicPr>
+              <a:picLocks noChangeAspect="1"/>
+            </p:cNvPicPr>
+            <p:nvPr>
+              <p:extLst>
+                <p:ext uri="{386F3935-93C4-4BCD-93E2-E3B085C9AB24}">
+                  <p16:designElem xmlns:p16="http://schemas.microsoft.com/office/powerpoint/2015/main" val="1"/>
+                </p:ext>
+              </p:extLst>
+            </p:nvPr>
+          </p:nvPicPr>
+          <p:blipFill>
+            <a:blip r:embed="rId2">
+              <a:duotone>
+                <a:schemeClr val="accent6">
+                  <a:shade val="45000"/>
+                  <a:satMod val="135000"/>
+                </a:schemeClr>
+                <a:prstClr val="white"/>
+              </a:duotone>
+              <a:alphaModFix amt="15000"/>
+              <a:extLst>
+                <a:ext uri="{28A0092B-C50C-407E-A947-70E740481C1C}">
+                  <a14:useLocalDpi xmlns:a14="http://schemas.microsoft.com/office/drawing/2010/main" val="0"/>
+                </a:ext>
+              </a:extLst>
+            </a:blip>
+            <a:stretch>
+              <a:fillRect/>
+            </a:stretch>
+          </p:blipFill>
+          <p:spPr>
+            <a:xfrm>
+              <a:off x="7073255" y="0"/>
+              <a:ext cx="5115697" cy="6858000"/>
+            </a:xfrm>
+            <a:prstGeom prst="rect">
+              <a:avLst/>
+            </a:prstGeom>
+          </p:spPr>
+        </p:pic>
+        <p:pic>
+          <p:nvPicPr>
+            <p:cNvPr id="15" name="Picture 14">
+              <a:extLst>
+                <a:ext uri="{FF2B5EF4-FFF2-40B4-BE49-F238E27FC236}">
+                  <a16:creationId xmlns:a16="http://schemas.microsoft.com/office/drawing/2014/main" id="{0E6AFCAB-12BF-4A0B-B089-A794259D2FC9}"/>
+                </a:ext>
+                <a:ext uri="{C183D7F6-B498-43B3-948B-1728B52AA6E4}">
+                  <adec:decorative xmlns:adec="http://schemas.microsoft.com/office/drawing/2017/decorative" val="1"/>
+                </a:ext>
+              </a:extLst>
+            </p:cNvPr>
+            <p:cNvPicPr>
+              <a:picLocks noChangeAspect="1"/>
+            </p:cNvPicPr>
+            <p:nvPr>
+              <p:extLst>
+                <p:ext uri="{386F3935-93C4-4BCD-93E2-E3B085C9AB24}">
+                  <p16:designElem xmlns:p16="http://schemas.microsoft.com/office/powerpoint/2015/main" val="1"/>
+                </p:ext>
+              </p:extLst>
+            </p:nvPr>
+          </p:nvPicPr>
+          <p:blipFill>
+            <a:blip r:embed="rId3">
+              <a:duotone>
+                <a:schemeClr val="accent6">
+                  <a:shade val="45000"/>
+                  <a:satMod val="135000"/>
+                </a:schemeClr>
+                <a:prstClr val="white"/>
+              </a:duotone>
+              <a:alphaModFix amt="7000"/>
+              <a:extLst>
+                <a:ext uri="{28A0092B-C50C-407E-A947-70E740481C1C}">
+                  <a14:useLocalDpi xmlns:a14="http://schemas.microsoft.com/office/drawing/2010/main" val="0"/>
+                </a:ext>
+              </a:extLst>
+            </a:blip>
+            <a:stretch>
+              <a:fillRect/>
+            </a:stretch>
+          </p:blipFill>
+          <p:spPr>
+            <a:xfrm rot="16200000">
+              <a:off x="5412135" y="-947254"/>
+              <a:ext cx="5562598" cy="7457106"/>
+            </a:xfrm>
+            <a:prstGeom prst="rect">
+              <a:avLst/>
+            </a:prstGeom>
+            <a:effectLst>
+              <a:softEdge rad="0"/>
+            </a:effectLst>
+          </p:spPr>
+        </p:pic>
+      </p:grpSp>
       <p:sp>
         <p:nvSpPr>
           <p:cNvPr id="2" name="Title 1">
             <a:extLst>
               <a:ext uri="{FF2B5EF4-FFF2-40B4-BE49-F238E27FC236}">
-                <a16:creationId xmlns:a16="http://schemas.microsoft.com/office/drawing/2014/main" id="{7EE9ED38-D8B4-E0D1-36EF-C98958BE85FB}"/>
+                <a16:creationId xmlns:a16="http://schemas.microsoft.com/office/drawing/2014/main" id="{DBDB1065-06D3-7ECE-2D5A-F2095F429586}"/>
               </a:ext>
             </a:extLst>
           </p:cNvPr>
@@ -4506,26 +4797,33 @@
             <p:ph type="title"/>
           </p:nvPr>
         </p:nvSpPr>
-        <p:spPr/>
-        <p:txBody>
-          <a:bodyPr/>
+        <p:spPr>
+          <a:xfrm>
+            <a:off x="304660" y="-2"/>
+            <a:ext cx="6929858" cy="1598342"/>
+          </a:xfrm>
+        </p:spPr>
+        <p:txBody>
+          <a:bodyPr>
+            <a:normAutofit/>
+          </a:bodyPr>
           <a:lstStyle/>
           <a:p>
             <a:r>
-              <a:rPr lang="en-US" dirty="0"/>
-              <a:t>Key Components</a:t>
-            </a:r>
-          </a:p>
-        </p:txBody>
-      </p:sp>
-      <mc:AlternateContent xmlns:mc="http://schemas.openxmlformats.org/markup-compatibility/2006" xmlns:a14="http://schemas.microsoft.com/office/drawing/2010/main">
-        <mc:Choice Requires="a14">
+              <a:rPr lang="en-US" sz="4000" dirty="0"/>
+              <a:t>Scatterplot and Correlation</a:t>
+            </a:r>
+          </a:p>
+        </p:txBody>
+      </p:sp>
+      <mc:AlternateContent xmlns:mc="http://schemas.openxmlformats.org/markup-compatibility/2006">
+        <mc:Choice xmlns:a14="http://schemas.microsoft.com/office/drawing/2010/main" Requires="a14">
           <p:sp>
             <p:nvSpPr>
               <p:cNvPr id="3" name="Content Placeholder 2">
                 <a:extLst>
                   <a:ext uri="{FF2B5EF4-FFF2-40B4-BE49-F238E27FC236}">
-                    <a16:creationId xmlns:a16="http://schemas.microsoft.com/office/drawing/2014/main" id="{211B50CB-C2C7-9FF5-6F18-D08C0E004CF0}"/>
+                    <a16:creationId xmlns:a16="http://schemas.microsoft.com/office/drawing/2014/main" id="{FE11849C-6E2D-BC9E-2749-8701A51301D6}"/>
                   </a:ext>
                 </a:extLst>
               </p:cNvPr>
@@ -4536,201 +4834,118 @@
                 <p:ph idx="1"/>
               </p:nvPr>
             </p:nvSpPr>
-            <p:spPr/>
+            <p:spPr>
+              <a:xfrm>
+                <a:off x="423404" y="1598339"/>
+                <a:ext cx="4190730" cy="4925123"/>
+              </a:xfrm>
+            </p:spPr>
             <p:txBody>
               <a:bodyPr>
-                <a:normAutofit fontScale="92500" lnSpcReduction="20000"/>
+                <a:normAutofit lnSpcReduction="10000"/>
               </a:bodyPr>
               <a:lstStyle/>
               <a:p>
                 <a:r>
-                  <a:rPr lang="en-US" b="1" dirty="0"/>
-                  <a:t>Dependent Variable:</a:t>
-                </a:r>
-                <a:r>
-                  <a:rPr lang="en-US" dirty="0"/>
-                  <a:t> </a:t>
+                  <a:rPr lang="en-US" sz="2200" dirty="0"/>
+                  <a:t>Note for:</a:t>
                 </a:r>
               </a:p>
               <a:p>
                 <a:pPr lvl="1"/>
                 <a:r>
-                  <a:rPr lang="en-US" dirty="0"/>
-                  <a:t>Variable to be predicted or explained</a:t>
+                  <a:rPr lang="en-US" sz="2200" dirty="0"/>
+                  <a:t>Direction</a:t>
                 </a:r>
               </a:p>
               <a:p>
                 <a:pPr lvl="1"/>
                 <a:r>
-                  <a:rPr lang="en-US" dirty="0"/>
-                  <a:t>Also known as </a:t>
-                </a:r>
-                <a:r>
-                  <a:rPr lang="en-US" b="1" dirty="0"/>
-                  <a:t>Response</a:t>
-                </a:r>
-                <a:r>
-                  <a:rPr lang="en-US" dirty="0"/>
-                  <a:t> or </a:t>
-                </a:r>
-                <a:r>
-                  <a:rPr lang="en-US" b="1" dirty="0"/>
-                  <a:t>Outcome</a:t>
-                </a:r>
-                <a:r>
-                  <a:rPr lang="en-US" dirty="0"/>
-                  <a:t> variables. </a:t>
+                  <a:rPr lang="en-US" sz="2200" dirty="0"/>
+                  <a:t>Strength</a:t>
                 </a:r>
               </a:p>
               <a:p>
                 <a:pPr lvl="1"/>
                 <a:r>
-                  <a:rPr lang="en-US" dirty="0"/>
-                  <a:t>Usually written as </a:t>
+                  <a:rPr lang="en-US" sz="2200" dirty="0"/>
+                  <a:t>Outliers</a:t>
+                </a:r>
+              </a:p>
+              <a:p>
+                <a:r>
+                  <a:rPr lang="en-US" sz="2200" dirty="0"/>
+                  <a:t>Linear regression is square of correlation between Y and X</a:t>
+                </a:r>
+              </a:p>
+              <a:p>
+                <a:r>
+                  <a:rPr lang="en-US" sz="2200" dirty="0"/>
+                  <a:t>In multilinear regression, its squared correlation between </a:t>
                 </a:r>
                 <a14:m>
                   <m:oMath xmlns:m="http://schemas.openxmlformats.org/officeDocument/2006/math">
-                    <m:sSub>
-                      <m:sSubPr>
+                    <m:acc>
+                      <m:accPr>
+                        <m:chr m:val="̂"/>
                         <m:ctrlPr>
-                          <a:rPr lang="en-US" b="0" i="1" smtClean="0">
+                          <a:rPr lang="en-US" sz="2200" b="0" i="1" smtClean="0">
                             <a:latin typeface="Cambria Math" panose="02040503050406030204" pitchFamily="18" charset="0"/>
                           </a:rPr>
                         </m:ctrlPr>
-                      </m:sSubPr>
+                      </m:accPr>
                       <m:e>
                         <m:r>
-                          <a:rPr lang="en-US" b="0" i="1" smtClean="0">
+                          <a:rPr lang="en-US" sz="2200" b="0" i="1" smtClean="0">
                             <a:latin typeface="Cambria Math" panose="02040503050406030204" pitchFamily="18" charset="0"/>
                           </a:rPr>
-                          <m:t>𝑦</m:t>
+                          <m:t>𝑌</m:t>
                         </m:r>
                       </m:e>
-                      <m:sub>
-                        <m:r>
-                          <a:rPr lang="en-US" b="0" i="1" smtClean="0">
-                            <a:latin typeface="Cambria Math" panose="02040503050406030204" pitchFamily="18" charset="0"/>
-                          </a:rPr>
-                          <m:t>𝑖</m:t>
-                        </m:r>
-                      </m:sub>
-                    </m:sSub>
+                    </m:acc>
                   </m:oMath>
                 </a14:m>
-                <a:endParaRPr lang="en-US" dirty="0"/>
-              </a:p>
-              <a:p>
-                <a:pPr lvl="1"/>
                 <a:r>
-                  <a:rPr lang="en-US" dirty="0"/>
-                  <a:t>Example: </a:t>
+                  <a:rPr lang="en-US" sz="2200" dirty="0"/>
+                  <a:t> and </a:t>
                 </a:r>
+                <a14:m>
+                  <m:oMath xmlns:m="http://schemas.openxmlformats.org/officeDocument/2006/math">
+                    <m:r>
+                      <a:rPr lang="en-US" sz="2200" b="0" i="1" smtClean="0">
+                        <a:latin typeface="Cambria Math" panose="02040503050406030204" pitchFamily="18" charset="0"/>
+                      </a:rPr>
+                      <m:t>𝑌</m:t>
+                    </m:r>
+                  </m:oMath>
+                </a14:m>
                 <a:r>
-                  <a:rPr lang="en-US" i="1" dirty="0"/>
-                  <a:t>Insurance Premium</a:t>
+                  <a:rPr lang="en-US" sz="2200" dirty="0"/>
+                  <a:t> (Why?)</a:t>
                 </a:r>
-                <a:endParaRPr lang="en-US" dirty="0"/>
               </a:p>
               <a:p>
                 <a:r>
-                  <a:rPr lang="en-US" b="1" dirty="0"/>
-                  <a:t>Independent Variable(s):</a:t>
+                  <a:rPr lang="en-US" sz="2200" dirty="0">
+                    <a:hlinkClick r:id="rId4"/>
+                  </a:rPr>
+                  <a:t>https://digitalfirst.bfwpub.com/stats_applet/stats_applet_5_correg.html</a:t>
                 </a:r>
                 <a:r>
-                  <a:rPr lang="en-US" dirty="0"/>
+                  <a:rPr lang="en-US" sz="2200" dirty="0"/>
                   <a:t> </a:t>
                 </a:r>
-              </a:p>
-              <a:p>
-                <a:pPr lvl="1"/>
-                <a:r>
-                  <a:rPr lang="en-US" dirty="0"/>
-                  <a:t>Variables used to predict or explain dependent variable</a:t>
-                </a:r>
-                <a:endParaRPr lang="en-US" i="1" dirty="0"/>
-              </a:p>
-              <a:p>
-                <a:pPr lvl="1"/>
-                <a:r>
-                  <a:rPr lang="en-US" dirty="0"/>
-                  <a:t>Also known as </a:t>
-                </a:r>
-                <a:r>
-                  <a:rPr lang="en-US" b="1" dirty="0"/>
-                  <a:t>Predictor</a:t>
-                </a:r>
-                <a:r>
-                  <a:rPr lang="en-US" dirty="0"/>
-                  <a:t> or </a:t>
-                </a:r>
-                <a:r>
-                  <a:rPr lang="en-US" b="1" dirty="0"/>
-                  <a:t>Explanatory </a:t>
-                </a:r>
-                <a:r>
-                  <a:rPr lang="en-US" dirty="0"/>
-                  <a:t>variables</a:t>
-                </a:r>
-              </a:p>
-              <a:p>
-                <a:pPr lvl="1"/>
-                <a:r>
-                  <a:rPr lang="en-US" dirty="0"/>
-                  <a:t>Usually written as </a:t>
-                </a:r>
-                <a14:m>
-                  <m:oMath xmlns:m="http://schemas.openxmlformats.org/officeDocument/2006/math">
-                    <m:sSub>
-                      <m:sSubPr>
-                        <m:ctrlPr>
-                          <a:rPr lang="en-US" b="0" i="1" smtClean="0">
-                            <a:latin typeface="Cambria Math" panose="02040503050406030204" pitchFamily="18" charset="0"/>
-                          </a:rPr>
-                        </m:ctrlPr>
-                      </m:sSubPr>
-                      <m:e>
-                        <m:r>
-                          <a:rPr lang="en-US" b="0" i="1" smtClean="0">
-                            <a:latin typeface="Cambria Math" panose="02040503050406030204" pitchFamily="18" charset="0"/>
-                          </a:rPr>
-                          <m:t>𝑥</m:t>
-                        </m:r>
-                      </m:e>
-                      <m:sub>
-                        <m:r>
-                          <a:rPr lang="en-US" b="0" i="1" smtClean="0">
-                            <a:latin typeface="Cambria Math" panose="02040503050406030204" pitchFamily="18" charset="0"/>
-                          </a:rPr>
-                          <m:t>𝑖</m:t>
-                        </m:r>
-                      </m:sub>
-                    </m:sSub>
-                  </m:oMath>
-                </a14:m>
-                <a:endParaRPr lang="en-US" dirty="0"/>
-              </a:p>
-              <a:p>
-                <a:pPr lvl="1"/>
-                <a:r>
-                  <a:rPr lang="en-US" dirty="0"/>
-                  <a:t>Example: </a:t>
-                </a:r>
-                <a:r>
-                  <a:rPr lang="en-US" i="1" dirty="0"/>
-                  <a:t>BMI, Smoking Habits, # of Dependents, Age, etc.</a:t>
-                </a:r>
-                <a:endParaRPr lang="en-US" dirty="0"/>
               </a:p>
             </p:txBody>
           </p:sp>
         </mc:Choice>
-        <mc:Fallback xmlns="">
+        <mc:Fallback>
           <p:sp>
             <p:nvSpPr>
               <p:cNvPr id="3" name="Content Placeholder 2">
                 <a:extLst>
                   <a:ext uri="{FF2B5EF4-FFF2-40B4-BE49-F238E27FC236}">
-                    <a16:creationId xmlns:a16="http://schemas.microsoft.com/office/drawing/2014/main" id="{211B50CB-C2C7-9FF5-6F18-D08C0E004CF0}"/>
+                    <a16:creationId xmlns:a16="http://schemas.microsoft.com/office/drawing/2014/main" id="{FE11849C-6E2D-BC9E-2749-8701A51301D6}"/>
                   </a:ext>
                 </a:extLst>
               </p:cNvPr>
@@ -4742,10 +4957,14 @@
               </p:nvPr>
             </p:nvSpPr>
             <p:spPr>
+              <a:xfrm>
+                <a:off x="423404" y="1598339"/>
+                <a:ext cx="4190730" cy="4925123"/>
+              </a:xfrm>
               <a:blipFill>
-                <a:blip r:embed="rId2"/>
+                <a:blip r:embed="rId5"/>
                 <a:stretch>
-                  <a:fillRect l="-900" t="-2417"/>
+                  <a:fillRect l="-1813" t="-771" r="-2115"/>
                 </a:stretch>
               </a:blipFill>
             </p:spPr>
@@ -4764,161 +4983,40 @@
           </p:sp>
         </mc:Fallback>
       </mc:AlternateContent>
-      <p:sp>
-        <p:nvSpPr>
-          <p:cNvPr id="4" name="Rounded Rectangle 3">
-            <a:extLst>
-              <a:ext uri="{FF2B5EF4-FFF2-40B4-BE49-F238E27FC236}">
-                <a16:creationId xmlns:a16="http://schemas.microsoft.com/office/drawing/2014/main" id="{BA64615C-304D-17D1-BC6E-7097B3A94567}"/>
-              </a:ext>
-            </a:extLst>
-          </p:cNvPr>
-          <p:cNvSpPr/>
+      <p:pic>
+        <p:nvPicPr>
+          <p:cNvPr id="5" name="Picture 4">
+            <a:extLst>
+              <a:ext uri="{FF2B5EF4-FFF2-40B4-BE49-F238E27FC236}">
+                <a16:creationId xmlns:a16="http://schemas.microsoft.com/office/drawing/2014/main" id="{F0797A46-E2C7-1DF7-AA5F-A16FDF33AF30}"/>
+              </a:ext>
+            </a:extLst>
+          </p:cNvPr>
+          <p:cNvPicPr>
+            <a:picLocks noChangeAspect="1"/>
+          </p:cNvPicPr>
           <p:nvPr/>
-        </p:nvSpPr>
+        </p:nvPicPr>
+        <p:blipFill>
+          <a:blip r:embed="rId6"/>
+          <a:stretch>
+            <a:fillRect/>
+          </a:stretch>
+        </p:blipFill>
         <p:spPr>
           <a:xfrm>
-            <a:off x="9099394" y="1768347"/>
-            <a:ext cx="2464419" cy="1248936"/>
+            <a:off x="4732878" y="1406168"/>
+            <a:ext cx="7128609" cy="4990026"/>
           </a:xfrm>
-          <a:prstGeom prst="roundRect">
+          <a:prstGeom prst="rect">
             <a:avLst/>
           </a:prstGeom>
-          <a:solidFill>
-            <a:schemeClr val="accent2"/>
-          </a:solidFill>
         </p:spPr>
-        <p:style>
-          <a:lnRef idx="2">
-            <a:schemeClr val="accent1">
-              <a:shade val="15000"/>
-            </a:schemeClr>
-          </a:lnRef>
-          <a:fillRef idx="1">
-            <a:schemeClr val="accent1"/>
-          </a:fillRef>
-          <a:effectRef idx="0">
-            <a:schemeClr val="accent1"/>
-          </a:effectRef>
-          <a:fontRef idx="minor">
-            <a:schemeClr val="lt1"/>
-          </a:fontRef>
-        </p:style>
-        <p:txBody>
-          <a:bodyPr rtlCol="0" anchor="ctr"/>
-          <a:lstStyle/>
-          <a:p>
-            <a:pPr algn="ctr"/>
-            <a:r>
-              <a:rPr lang="en-US" dirty="0"/>
-              <a:t>Predictor / Explanatory / Independent Variable</a:t>
-            </a:r>
-          </a:p>
-        </p:txBody>
-      </p:sp>
-      <p:sp>
-        <p:nvSpPr>
-          <p:cNvPr id="5" name="Rounded Rectangle 4">
-            <a:extLst>
-              <a:ext uri="{FF2B5EF4-FFF2-40B4-BE49-F238E27FC236}">
-                <a16:creationId xmlns:a16="http://schemas.microsoft.com/office/drawing/2014/main" id="{F73C83D2-1236-02EC-076F-85C80E533273}"/>
-              </a:ext>
-            </a:extLst>
-          </p:cNvPr>
-          <p:cNvSpPr/>
-          <p:nvPr/>
-        </p:nvSpPr>
-        <p:spPr>
-          <a:xfrm>
-            <a:off x="9099393" y="4533796"/>
-            <a:ext cx="2464419" cy="1248936"/>
-          </a:xfrm>
-          <a:prstGeom prst="roundRect">
-            <a:avLst/>
-          </a:prstGeom>
-          <a:solidFill>
-            <a:schemeClr val="accent6">
-              <a:lumMod val="50000"/>
-            </a:schemeClr>
-          </a:solidFill>
-        </p:spPr>
-        <p:style>
-          <a:lnRef idx="2">
-            <a:schemeClr val="accent1">
-              <a:shade val="15000"/>
-            </a:schemeClr>
-          </a:lnRef>
-          <a:fillRef idx="1">
-            <a:schemeClr val="accent1"/>
-          </a:fillRef>
-          <a:effectRef idx="0">
-            <a:schemeClr val="accent1"/>
-          </a:effectRef>
-          <a:fontRef idx="minor">
-            <a:schemeClr val="lt1"/>
-          </a:fontRef>
-        </p:style>
-        <p:txBody>
-          <a:bodyPr rtlCol="0" anchor="ctr"/>
-          <a:lstStyle/>
-          <a:p>
-            <a:pPr algn="ctr"/>
-            <a:r>
-              <a:rPr lang="en-US" dirty="0"/>
-              <a:t>Predicted / Response / Outcome / Dependent Variable</a:t>
-            </a:r>
-          </a:p>
-        </p:txBody>
-      </p:sp>
-      <p:cxnSp>
-        <p:nvCxnSpPr>
-          <p:cNvPr id="7" name="Straight Arrow Connector 6">
-            <a:extLst>
-              <a:ext uri="{FF2B5EF4-FFF2-40B4-BE49-F238E27FC236}">
-                <a16:creationId xmlns:a16="http://schemas.microsoft.com/office/drawing/2014/main" id="{1C925827-02B6-A9BD-E9E0-6580E5560E49}"/>
-              </a:ext>
-            </a:extLst>
-          </p:cNvPr>
-          <p:cNvCxnSpPr>
-            <a:stCxn id="4" idx="2"/>
-            <a:endCxn id="5" idx="0"/>
-          </p:cNvCxnSpPr>
-          <p:nvPr/>
-        </p:nvCxnSpPr>
-        <p:spPr>
-          <a:xfrm flipH="1">
-            <a:off x="10331603" y="3017283"/>
-            <a:ext cx="1" cy="1516513"/>
-          </a:xfrm>
-          <a:prstGeom prst="straightConnector1">
-            <a:avLst/>
-          </a:prstGeom>
-          <a:ln w="57150">
-            <a:solidFill>
-              <a:srgbClr val="0070C0"/>
-            </a:solidFill>
-            <a:tailEnd type="triangle"/>
-          </a:ln>
-        </p:spPr>
-        <p:style>
-          <a:lnRef idx="1">
-            <a:schemeClr val="accent1"/>
-          </a:lnRef>
-          <a:fillRef idx="0">
-            <a:schemeClr val="accent1"/>
-          </a:fillRef>
-          <a:effectRef idx="0">
-            <a:schemeClr val="accent1"/>
-          </a:effectRef>
-          <a:fontRef idx="minor">
-            <a:schemeClr val="tx1"/>
-          </a:fontRef>
-        </p:style>
-      </p:cxnSp>
+      </p:pic>
     </p:spTree>
     <p:extLst>
       <p:ext uri="{BB962C8B-B14F-4D97-AF65-F5344CB8AC3E}">
-        <p14:creationId xmlns:p14="http://schemas.microsoft.com/office/powerpoint/2010/main" val="853483064"/>
+        <p14:creationId xmlns:p14="http://schemas.microsoft.com/office/powerpoint/2010/main" val="1360148831"/>
       </p:ext>
     </p:extLst>
   </p:cSld>
@@ -8988,12 +9086,6 @@
           <a:p>
             <a:r>
               <a:rPr lang="en-US" dirty="0"/>
-              <a:t>Hands-on: Example in R/RStudio</a:t>
-            </a:r>
-          </a:p>
-          <a:p>
-            <a:r>
-              <a:rPr lang="en-US" dirty="0"/>
               <a:t>Conclusion</a:t>
             </a:r>
           </a:p>
@@ -11243,7 +11335,7 @@
           <p:cNvPr id="2" name="Title 1">
             <a:extLst>
               <a:ext uri="{FF2B5EF4-FFF2-40B4-BE49-F238E27FC236}">
-                <a16:creationId xmlns:a16="http://schemas.microsoft.com/office/drawing/2014/main" id="{8A3A2DE9-BCD7-797D-EB4D-3AF1F881F000}"/>
+                <a16:creationId xmlns:a16="http://schemas.microsoft.com/office/drawing/2014/main" id="{EC63CAF8-6CB6-098C-3622-FCB0BFAEF5AB}"/>
               </a:ext>
             </a:extLst>
           </p:cNvPr>
@@ -11261,7 +11353,7 @@
           <a:p>
             <a:r>
               <a:rPr lang="en-US" dirty="0"/>
-              <a:t>Case Study</a:t>
+              <a:t>Linear Regression</a:t>
             </a:r>
           </a:p>
         </p:txBody>
@@ -11271,7 +11363,7 @@
           <p:cNvPr id="3" name="Text Placeholder 2">
             <a:extLst>
               <a:ext uri="{FF2B5EF4-FFF2-40B4-BE49-F238E27FC236}">
-                <a16:creationId xmlns:a16="http://schemas.microsoft.com/office/drawing/2014/main" id="{FACDEE7B-B401-F86D-606B-37C851CB0F93}"/>
+                <a16:creationId xmlns:a16="http://schemas.microsoft.com/office/drawing/2014/main" id="{1B531789-4651-74B9-AB69-31F8D043B22F}"/>
               </a:ext>
             </a:extLst>
           </p:cNvPr>
@@ -11289,72 +11381,7 @@
           <a:p>
             <a:r>
               <a:rPr lang="en-US" dirty="0"/>
-              <a:t>What drives Health Insurance Premiums?</a:t>
-            </a:r>
-          </a:p>
-        </p:txBody>
-      </p:sp>
-      <p:pic>
-        <p:nvPicPr>
-          <p:cNvPr id="5" name="Picture 4" descr="A qr code with a lion head&#10;&#10;Description automatically generated">
-            <a:extLst>
-              <a:ext uri="{FF2B5EF4-FFF2-40B4-BE49-F238E27FC236}">
-                <a16:creationId xmlns:a16="http://schemas.microsoft.com/office/drawing/2014/main" id="{8F865E7F-A5F1-FB42-2096-A40CE80E6C34}"/>
-              </a:ext>
-            </a:extLst>
-          </p:cNvPr>
-          <p:cNvPicPr>
-            <a:picLocks noChangeAspect="1"/>
-          </p:cNvPicPr>
-          <p:nvPr/>
-        </p:nvPicPr>
-        <p:blipFill>
-          <a:blip r:embed="rId2"/>
-          <a:stretch>
-            <a:fillRect/>
-          </a:stretch>
-        </p:blipFill>
-        <p:spPr>
-          <a:xfrm>
-            <a:off x="8502650" y="2000250"/>
-            <a:ext cx="2857500" cy="2857500"/>
-          </a:xfrm>
-          <a:prstGeom prst="rect">
-            <a:avLst/>
-          </a:prstGeom>
-        </p:spPr>
-      </p:pic>
-      <p:sp>
-        <p:nvSpPr>
-          <p:cNvPr id="6" name="TextBox 5">
-            <a:extLst>
-              <a:ext uri="{FF2B5EF4-FFF2-40B4-BE49-F238E27FC236}">
-                <a16:creationId xmlns:a16="http://schemas.microsoft.com/office/drawing/2014/main" id="{7BC34608-22FE-9170-A099-7E16CFBE9E5E}"/>
-              </a:ext>
-            </a:extLst>
-          </p:cNvPr>
-          <p:cNvSpPr txBox="1"/>
-          <p:nvPr/>
-        </p:nvSpPr>
-        <p:spPr>
-          <a:xfrm>
-            <a:off x="8502650" y="4956730"/>
-            <a:ext cx="2857500" cy="646331"/>
-          </a:xfrm>
-          <a:prstGeom prst="rect">
-            <a:avLst/>
-          </a:prstGeom>
-          <a:noFill/>
-        </p:spPr>
-        <p:txBody>
-          <a:bodyPr wrap="square" rtlCol="0">
-            <a:spAutoFit/>
-          </a:bodyPr>
-          <a:lstStyle/>
-          <a:p>
-            <a:r>
-              <a:rPr lang="en-US" dirty="0"/>
-              <a:t>Kindly download slides, data and R code.</a:t>
+              <a:t>Going from correlation to regression</a:t>
             </a:r>
           </a:p>
         </p:txBody>
@@ -11362,7 +11389,7 @@
     </p:spTree>
     <p:extLst>
       <p:ext uri="{BB962C8B-B14F-4D97-AF65-F5344CB8AC3E}">
-        <p14:creationId xmlns:p14="http://schemas.microsoft.com/office/powerpoint/2010/main" val="2822664906"/>
+        <p14:creationId xmlns:p14="http://schemas.microsoft.com/office/powerpoint/2010/main" val="990461860"/>
       </p:ext>
     </p:extLst>
   </p:cSld>
@@ -11971,6 +11998,786 @@
 </file>
 
 <file path=ppt/slides/slide4.xml><?xml version="1.0" encoding="utf-8"?>
+<p:sld xmlns:a="http://schemas.openxmlformats.org/drawingml/2006/main" xmlns:r="http://schemas.openxmlformats.org/officeDocument/2006/relationships" xmlns:p="http://schemas.openxmlformats.org/presentationml/2006/main">
+  <p:cSld>
+    <p:spTree>
+      <p:nvGrpSpPr>
+        <p:cNvPr id="1" name=""/>
+        <p:cNvGrpSpPr/>
+        <p:nvPr/>
+      </p:nvGrpSpPr>
+      <p:grpSpPr>
+        <a:xfrm>
+          <a:off x="0" y="0"/>
+          <a:ext cx="0" cy="0"/>
+          <a:chOff x="0" y="0"/>
+          <a:chExt cx="0" cy="0"/>
+        </a:xfrm>
+      </p:grpSpPr>
+      <p:sp>
+        <p:nvSpPr>
+          <p:cNvPr id="2" name="Title 1">
+            <a:extLst>
+              <a:ext uri="{FF2B5EF4-FFF2-40B4-BE49-F238E27FC236}">
+                <a16:creationId xmlns:a16="http://schemas.microsoft.com/office/drawing/2014/main" id="{C00AEC7E-0891-10E8-1297-CCEB93B1B3A1}"/>
+              </a:ext>
+            </a:extLst>
+          </p:cNvPr>
+          <p:cNvSpPr>
+            <a:spLocks noGrp="1"/>
+          </p:cNvSpPr>
+          <p:nvPr>
+            <p:ph type="title"/>
+          </p:nvPr>
+        </p:nvSpPr>
+        <p:spPr>
+          <a:xfrm>
+            <a:off x="458694" y="0"/>
+            <a:ext cx="10895106" cy="1325563"/>
+          </a:xfrm>
+        </p:spPr>
+        <p:txBody>
+          <a:bodyPr/>
+          <a:lstStyle/>
+          <a:p>
+            <a:r>
+              <a:rPr lang="en-US" dirty="0"/>
+              <a:t>What is Linear Regression?</a:t>
+            </a:r>
+          </a:p>
+        </p:txBody>
+      </p:sp>
+      <p:sp>
+        <p:nvSpPr>
+          <p:cNvPr id="3" name="Content Placeholder 2">
+            <a:extLst>
+              <a:ext uri="{FF2B5EF4-FFF2-40B4-BE49-F238E27FC236}">
+                <a16:creationId xmlns:a16="http://schemas.microsoft.com/office/drawing/2014/main" id="{3800216D-2563-20F1-F05D-B58466C016D3}"/>
+              </a:ext>
+            </a:extLst>
+          </p:cNvPr>
+          <p:cNvSpPr>
+            <a:spLocks noGrp="1"/>
+          </p:cNvSpPr>
+          <p:nvPr>
+            <p:ph idx="1"/>
+          </p:nvPr>
+        </p:nvSpPr>
+        <p:spPr>
+          <a:xfrm>
+            <a:off x="458694" y="1476260"/>
+            <a:ext cx="11274612" cy="5100810"/>
+          </a:xfrm>
+        </p:spPr>
+        <p:txBody>
+          <a:bodyPr>
+            <a:normAutofit fontScale="92500" lnSpcReduction="20000"/>
+          </a:bodyPr>
+          <a:lstStyle/>
+          <a:p>
+            <a:r>
+              <a:rPr lang="en-US" dirty="0"/>
+              <a:t>Linear regression is a </a:t>
+            </a:r>
+            <a:r>
+              <a:rPr lang="en-US" i="1" dirty="0"/>
+              <a:t>model</a:t>
+            </a:r>
+            <a:r>
+              <a:rPr lang="en-US" dirty="0"/>
+              <a:t> that estimates </a:t>
+            </a:r>
+            <a:r>
+              <a:rPr lang="en-US" i="1" dirty="0"/>
+              <a:t>linear relationship</a:t>
+            </a:r>
+            <a:r>
+              <a:rPr lang="en-US" dirty="0"/>
+              <a:t> between a dependent variable and one or more independent variable(s)</a:t>
+            </a:r>
+          </a:p>
+          <a:p>
+            <a:r>
+              <a:rPr lang="en-US" dirty="0"/>
+              <a:t>It is an attempt to find the best fit line between independent and dependent variables</a:t>
+            </a:r>
+          </a:p>
+          <a:p>
+            <a:r>
+              <a:rPr lang="en-US" b="1" dirty="0"/>
+              <a:t>Strengths:</a:t>
+            </a:r>
+          </a:p>
+          <a:p>
+            <a:pPr lvl="1"/>
+            <a:r>
+              <a:rPr lang="en-US" dirty="0"/>
+              <a:t>Explainability and interpretability in understanding decisions </a:t>
+            </a:r>
+          </a:p>
+          <a:p>
+            <a:pPr lvl="1"/>
+            <a:r>
+              <a:rPr lang="en-US" dirty="0"/>
+              <a:t>Strong statistical basis for usage and interpretation</a:t>
+            </a:r>
+          </a:p>
+          <a:p>
+            <a:r>
+              <a:rPr lang="en-US" b="1" dirty="0"/>
+              <a:t>Weaknesses:</a:t>
+            </a:r>
+          </a:p>
+          <a:p>
+            <a:pPr lvl="1"/>
+            <a:r>
+              <a:rPr lang="en-US" dirty="0"/>
+              <a:t>Assumes linear relationship — simple model is too simple</a:t>
+            </a:r>
+          </a:p>
+          <a:p>
+            <a:pPr lvl="1"/>
+            <a:r>
+              <a:rPr lang="en-US" dirty="0"/>
+              <a:t>Sensitive to outliers</a:t>
+            </a:r>
+          </a:p>
+          <a:p>
+            <a:pPr lvl="1"/>
+            <a:r>
+              <a:rPr lang="en-US" dirty="0"/>
+              <a:t>Assumptions — we will talk about them</a:t>
+            </a:r>
+          </a:p>
+          <a:p>
+            <a:pPr lvl="1"/>
+            <a:r>
+              <a:rPr lang="en-US" b="1" dirty="0"/>
+              <a:t>No causation implied, only a sophisticated form of correlation</a:t>
+            </a:r>
+          </a:p>
+        </p:txBody>
+      </p:sp>
+    </p:spTree>
+    <p:extLst>
+      <p:ext uri="{BB962C8B-B14F-4D97-AF65-F5344CB8AC3E}">
+        <p14:creationId xmlns:p14="http://schemas.microsoft.com/office/powerpoint/2010/main" val="489798222"/>
+      </p:ext>
+    </p:extLst>
+  </p:cSld>
+  <p:clrMapOvr>
+    <a:masterClrMapping/>
+  </p:clrMapOvr>
+</p:sld>
+</file>
+
+<file path=ppt/slides/slide5.xml><?xml version="1.0" encoding="utf-8"?>
+<p:sld xmlns:a="http://schemas.openxmlformats.org/drawingml/2006/main" xmlns:r="http://schemas.openxmlformats.org/officeDocument/2006/relationships" xmlns:p="http://schemas.openxmlformats.org/presentationml/2006/main">
+  <p:cSld>
+    <p:spTree>
+      <p:nvGrpSpPr>
+        <p:cNvPr id="1" name=""/>
+        <p:cNvGrpSpPr/>
+        <p:nvPr/>
+      </p:nvGrpSpPr>
+      <p:grpSpPr>
+        <a:xfrm>
+          <a:off x="0" y="0"/>
+          <a:ext cx="0" cy="0"/>
+          <a:chOff x="0" y="0"/>
+          <a:chExt cx="0" cy="0"/>
+        </a:xfrm>
+      </p:grpSpPr>
+      <p:sp>
+        <p:nvSpPr>
+          <p:cNvPr id="2" name="Title 1">
+            <a:extLst>
+              <a:ext uri="{FF2B5EF4-FFF2-40B4-BE49-F238E27FC236}">
+                <a16:creationId xmlns:a16="http://schemas.microsoft.com/office/drawing/2014/main" id="{7EE9ED38-D8B4-E0D1-36EF-C98958BE85FB}"/>
+              </a:ext>
+            </a:extLst>
+          </p:cNvPr>
+          <p:cNvSpPr>
+            <a:spLocks noGrp="1"/>
+          </p:cNvSpPr>
+          <p:nvPr>
+            <p:ph type="title"/>
+          </p:nvPr>
+        </p:nvSpPr>
+        <p:spPr/>
+        <p:txBody>
+          <a:bodyPr/>
+          <a:lstStyle/>
+          <a:p>
+            <a:r>
+              <a:rPr lang="en-US" dirty="0"/>
+              <a:t>Key Components</a:t>
+            </a:r>
+          </a:p>
+        </p:txBody>
+      </p:sp>
+      <mc:AlternateContent xmlns:mc="http://schemas.openxmlformats.org/markup-compatibility/2006" xmlns:a14="http://schemas.microsoft.com/office/drawing/2010/main">
+        <mc:Choice Requires="a14">
+          <p:sp>
+            <p:nvSpPr>
+              <p:cNvPr id="3" name="Content Placeholder 2">
+                <a:extLst>
+                  <a:ext uri="{FF2B5EF4-FFF2-40B4-BE49-F238E27FC236}">
+                    <a16:creationId xmlns:a16="http://schemas.microsoft.com/office/drawing/2014/main" id="{211B50CB-C2C7-9FF5-6F18-D08C0E004CF0}"/>
+                  </a:ext>
+                </a:extLst>
+              </p:cNvPr>
+              <p:cNvSpPr>
+                <a:spLocks noGrp="1"/>
+              </p:cNvSpPr>
+              <p:nvPr>
+                <p:ph idx="1"/>
+              </p:nvPr>
+            </p:nvSpPr>
+            <p:spPr/>
+            <p:txBody>
+              <a:bodyPr>
+                <a:normAutofit fontScale="92500" lnSpcReduction="20000"/>
+              </a:bodyPr>
+              <a:lstStyle/>
+              <a:p>
+                <a:r>
+                  <a:rPr lang="en-US" b="1" dirty="0"/>
+                  <a:t>Dependent Variable:</a:t>
+                </a:r>
+                <a:r>
+                  <a:rPr lang="en-US" dirty="0"/>
+                  <a:t> </a:t>
+                </a:r>
+              </a:p>
+              <a:p>
+                <a:pPr lvl="1"/>
+                <a:r>
+                  <a:rPr lang="en-US" dirty="0"/>
+                  <a:t>Variable to be predicted or explained</a:t>
+                </a:r>
+              </a:p>
+              <a:p>
+                <a:pPr lvl="1"/>
+                <a:r>
+                  <a:rPr lang="en-US" dirty="0"/>
+                  <a:t>Also known as </a:t>
+                </a:r>
+                <a:r>
+                  <a:rPr lang="en-US" b="1" dirty="0"/>
+                  <a:t>Response</a:t>
+                </a:r>
+                <a:r>
+                  <a:rPr lang="en-US" dirty="0"/>
+                  <a:t> or </a:t>
+                </a:r>
+                <a:r>
+                  <a:rPr lang="en-US" b="1" dirty="0"/>
+                  <a:t>Outcome</a:t>
+                </a:r>
+                <a:r>
+                  <a:rPr lang="en-US" dirty="0"/>
+                  <a:t> variables. </a:t>
+                </a:r>
+              </a:p>
+              <a:p>
+                <a:pPr lvl="1"/>
+                <a:r>
+                  <a:rPr lang="en-US" dirty="0"/>
+                  <a:t>Usually written as </a:t>
+                </a:r>
+                <a14:m>
+                  <m:oMath xmlns:m="http://schemas.openxmlformats.org/officeDocument/2006/math">
+                    <m:sSub>
+                      <m:sSubPr>
+                        <m:ctrlPr>
+                          <a:rPr lang="en-US" b="0" i="1" smtClean="0">
+                            <a:latin typeface="Cambria Math" panose="02040503050406030204" pitchFamily="18" charset="0"/>
+                          </a:rPr>
+                        </m:ctrlPr>
+                      </m:sSubPr>
+                      <m:e>
+                        <m:r>
+                          <a:rPr lang="en-US" b="0" i="1" smtClean="0">
+                            <a:latin typeface="Cambria Math" panose="02040503050406030204" pitchFamily="18" charset="0"/>
+                          </a:rPr>
+                          <m:t>𝑦</m:t>
+                        </m:r>
+                      </m:e>
+                      <m:sub>
+                        <m:r>
+                          <a:rPr lang="en-US" b="0" i="1" smtClean="0">
+                            <a:latin typeface="Cambria Math" panose="02040503050406030204" pitchFamily="18" charset="0"/>
+                          </a:rPr>
+                          <m:t>𝑖</m:t>
+                        </m:r>
+                      </m:sub>
+                    </m:sSub>
+                  </m:oMath>
+                </a14:m>
+                <a:endParaRPr lang="en-US" dirty="0"/>
+              </a:p>
+              <a:p>
+                <a:pPr lvl="1"/>
+                <a:r>
+                  <a:rPr lang="en-US" dirty="0"/>
+                  <a:t>Example: </a:t>
+                </a:r>
+                <a:r>
+                  <a:rPr lang="en-US" i="1" dirty="0"/>
+                  <a:t>Insurance Premium</a:t>
+                </a:r>
+                <a:endParaRPr lang="en-US" dirty="0"/>
+              </a:p>
+              <a:p>
+                <a:r>
+                  <a:rPr lang="en-US" b="1" dirty="0"/>
+                  <a:t>Independent Variable(s):</a:t>
+                </a:r>
+                <a:r>
+                  <a:rPr lang="en-US" dirty="0"/>
+                  <a:t> </a:t>
+                </a:r>
+              </a:p>
+              <a:p>
+                <a:pPr lvl="1"/>
+                <a:r>
+                  <a:rPr lang="en-US" dirty="0"/>
+                  <a:t>Variables used to predict or explain dependent variable</a:t>
+                </a:r>
+                <a:endParaRPr lang="en-US" i="1" dirty="0"/>
+              </a:p>
+              <a:p>
+                <a:pPr lvl="1"/>
+                <a:r>
+                  <a:rPr lang="en-US" dirty="0"/>
+                  <a:t>Also known as </a:t>
+                </a:r>
+                <a:r>
+                  <a:rPr lang="en-US" b="1" dirty="0"/>
+                  <a:t>Predictor</a:t>
+                </a:r>
+                <a:r>
+                  <a:rPr lang="en-US" dirty="0"/>
+                  <a:t> or </a:t>
+                </a:r>
+                <a:r>
+                  <a:rPr lang="en-US" b="1" dirty="0"/>
+                  <a:t>Explanatory </a:t>
+                </a:r>
+                <a:r>
+                  <a:rPr lang="en-US" dirty="0"/>
+                  <a:t>variables</a:t>
+                </a:r>
+              </a:p>
+              <a:p>
+                <a:pPr lvl="1"/>
+                <a:r>
+                  <a:rPr lang="en-US" dirty="0"/>
+                  <a:t>Usually written as </a:t>
+                </a:r>
+                <a14:m>
+                  <m:oMath xmlns:m="http://schemas.openxmlformats.org/officeDocument/2006/math">
+                    <m:sSub>
+                      <m:sSubPr>
+                        <m:ctrlPr>
+                          <a:rPr lang="en-US" b="0" i="1" smtClean="0">
+                            <a:latin typeface="Cambria Math" panose="02040503050406030204" pitchFamily="18" charset="0"/>
+                          </a:rPr>
+                        </m:ctrlPr>
+                      </m:sSubPr>
+                      <m:e>
+                        <m:r>
+                          <a:rPr lang="en-US" b="0" i="1" smtClean="0">
+                            <a:latin typeface="Cambria Math" panose="02040503050406030204" pitchFamily="18" charset="0"/>
+                          </a:rPr>
+                          <m:t>𝑥</m:t>
+                        </m:r>
+                      </m:e>
+                      <m:sub>
+                        <m:r>
+                          <a:rPr lang="en-US" b="0" i="1" smtClean="0">
+                            <a:latin typeface="Cambria Math" panose="02040503050406030204" pitchFamily="18" charset="0"/>
+                          </a:rPr>
+                          <m:t>𝑖</m:t>
+                        </m:r>
+                      </m:sub>
+                    </m:sSub>
+                  </m:oMath>
+                </a14:m>
+                <a:endParaRPr lang="en-US" dirty="0"/>
+              </a:p>
+              <a:p>
+                <a:pPr lvl="1"/>
+                <a:r>
+                  <a:rPr lang="en-US" dirty="0"/>
+                  <a:t>Example: </a:t>
+                </a:r>
+                <a:r>
+                  <a:rPr lang="en-US" i="1" dirty="0"/>
+                  <a:t>BMI, Smoking Habits, # of Dependents, Age, etc.</a:t>
+                </a:r>
+                <a:endParaRPr lang="en-US" dirty="0"/>
+              </a:p>
+            </p:txBody>
+          </p:sp>
+        </mc:Choice>
+        <mc:Fallback xmlns="">
+          <p:sp>
+            <p:nvSpPr>
+              <p:cNvPr id="3" name="Content Placeholder 2">
+                <a:extLst>
+                  <a:ext uri="{FF2B5EF4-FFF2-40B4-BE49-F238E27FC236}">
+                    <a16:creationId xmlns:a16="http://schemas.microsoft.com/office/drawing/2014/main" id="{211B50CB-C2C7-9FF5-6F18-D08C0E004CF0}"/>
+                  </a:ext>
+                </a:extLst>
+              </p:cNvPr>
+              <p:cNvSpPr>
+                <a:spLocks noGrp="1" noRot="1" noChangeAspect="1" noMove="1" noResize="1" noEditPoints="1" noAdjustHandles="1" noChangeArrowheads="1" noChangeShapeType="1" noTextEdit="1"/>
+              </p:cNvSpPr>
+              <p:nvPr>
+                <p:ph idx="1"/>
+              </p:nvPr>
+            </p:nvSpPr>
+            <p:spPr>
+              <a:blipFill>
+                <a:blip r:embed="rId2"/>
+                <a:stretch>
+                  <a:fillRect l="-900" t="-2417"/>
+                </a:stretch>
+              </a:blipFill>
+            </p:spPr>
+            <p:txBody>
+              <a:bodyPr/>
+              <a:lstStyle/>
+              <a:p>
+                <a:r>
+                  <a:rPr lang="en-US">
+                    <a:noFill/>
+                  </a:rPr>
+                  <a:t> </a:t>
+                </a:r>
+              </a:p>
+            </p:txBody>
+          </p:sp>
+        </mc:Fallback>
+      </mc:AlternateContent>
+      <p:sp>
+        <p:nvSpPr>
+          <p:cNvPr id="4" name="Rounded Rectangle 3">
+            <a:extLst>
+              <a:ext uri="{FF2B5EF4-FFF2-40B4-BE49-F238E27FC236}">
+                <a16:creationId xmlns:a16="http://schemas.microsoft.com/office/drawing/2014/main" id="{BA64615C-304D-17D1-BC6E-7097B3A94567}"/>
+              </a:ext>
+            </a:extLst>
+          </p:cNvPr>
+          <p:cNvSpPr/>
+          <p:nvPr/>
+        </p:nvSpPr>
+        <p:spPr>
+          <a:xfrm>
+            <a:off x="9099394" y="1768347"/>
+            <a:ext cx="2464419" cy="1248936"/>
+          </a:xfrm>
+          <a:prstGeom prst="roundRect">
+            <a:avLst/>
+          </a:prstGeom>
+          <a:solidFill>
+            <a:schemeClr val="accent2"/>
+          </a:solidFill>
+        </p:spPr>
+        <p:style>
+          <a:lnRef idx="2">
+            <a:schemeClr val="accent1">
+              <a:shade val="15000"/>
+            </a:schemeClr>
+          </a:lnRef>
+          <a:fillRef idx="1">
+            <a:schemeClr val="accent1"/>
+          </a:fillRef>
+          <a:effectRef idx="0">
+            <a:schemeClr val="accent1"/>
+          </a:effectRef>
+          <a:fontRef idx="minor">
+            <a:schemeClr val="lt1"/>
+          </a:fontRef>
+        </p:style>
+        <p:txBody>
+          <a:bodyPr rtlCol="0" anchor="ctr"/>
+          <a:lstStyle/>
+          <a:p>
+            <a:pPr algn="ctr"/>
+            <a:r>
+              <a:rPr lang="en-US" dirty="0"/>
+              <a:t>Predictor / Explanatory / Independent Variable</a:t>
+            </a:r>
+          </a:p>
+        </p:txBody>
+      </p:sp>
+      <p:sp>
+        <p:nvSpPr>
+          <p:cNvPr id="5" name="Rounded Rectangle 4">
+            <a:extLst>
+              <a:ext uri="{FF2B5EF4-FFF2-40B4-BE49-F238E27FC236}">
+                <a16:creationId xmlns:a16="http://schemas.microsoft.com/office/drawing/2014/main" id="{F73C83D2-1236-02EC-076F-85C80E533273}"/>
+              </a:ext>
+            </a:extLst>
+          </p:cNvPr>
+          <p:cNvSpPr/>
+          <p:nvPr/>
+        </p:nvSpPr>
+        <p:spPr>
+          <a:xfrm>
+            <a:off x="9099393" y="4533796"/>
+            <a:ext cx="2464419" cy="1248936"/>
+          </a:xfrm>
+          <a:prstGeom prst="roundRect">
+            <a:avLst/>
+          </a:prstGeom>
+          <a:solidFill>
+            <a:schemeClr val="accent6">
+              <a:lumMod val="50000"/>
+            </a:schemeClr>
+          </a:solidFill>
+        </p:spPr>
+        <p:style>
+          <a:lnRef idx="2">
+            <a:schemeClr val="accent1">
+              <a:shade val="15000"/>
+            </a:schemeClr>
+          </a:lnRef>
+          <a:fillRef idx="1">
+            <a:schemeClr val="accent1"/>
+          </a:fillRef>
+          <a:effectRef idx="0">
+            <a:schemeClr val="accent1"/>
+          </a:effectRef>
+          <a:fontRef idx="minor">
+            <a:schemeClr val="lt1"/>
+          </a:fontRef>
+        </p:style>
+        <p:txBody>
+          <a:bodyPr rtlCol="0" anchor="ctr"/>
+          <a:lstStyle/>
+          <a:p>
+            <a:pPr algn="ctr"/>
+            <a:r>
+              <a:rPr lang="en-US" dirty="0"/>
+              <a:t>Predicted / Response / Outcome / Dependent Variable</a:t>
+            </a:r>
+          </a:p>
+        </p:txBody>
+      </p:sp>
+      <p:cxnSp>
+        <p:nvCxnSpPr>
+          <p:cNvPr id="7" name="Straight Arrow Connector 6">
+            <a:extLst>
+              <a:ext uri="{FF2B5EF4-FFF2-40B4-BE49-F238E27FC236}">
+                <a16:creationId xmlns:a16="http://schemas.microsoft.com/office/drawing/2014/main" id="{1C925827-02B6-A9BD-E9E0-6580E5560E49}"/>
+              </a:ext>
+            </a:extLst>
+          </p:cNvPr>
+          <p:cNvCxnSpPr>
+            <a:stCxn id="4" idx="2"/>
+            <a:endCxn id="5" idx="0"/>
+          </p:cNvCxnSpPr>
+          <p:nvPr/>
+        </p:nvCxnSpPr>
+        <p:spPr>
+          <a:xfrm flipH="1">
+            <a:off x="10331603" y="3017283"/>
+            <a:ext cx="1" cy="1516513"/>
+          </a:xfrm>
+          <a:prstGeom prst="straightConnector1">
+            <a:avLst/>
+          </a:prstGeom>
+          <a:ln w="57150">
+            <a:solidFill>
+              <a:srgbClr val="0070C0"/>
+            </a:solidFill>
+            <a:tailEnd type="triangle"/>
+          </a:ln>
+        </p:spPr>
+        <p:style>
+          <a:lnRef idx="1">
+            <a:schemeClr val="accent1"/>
+          </a:lnRef>
+          <a:fillRef idx="0">
+            <a:schemeClr val="accent1"/>
+          </a:fillRef>
+          <a:effectRef idx="0">
+            <a:schemeClr val="accent1"/>
+          </a:effectRef>
+          <a:fontRef idx="minor">
+            <a:schemeClr val="tx1"/>
+          </a:fontRef>
+        </p:style>
+      </p:cxnSp>
+    </p:spTree>
+    <p:extLst>
+      <p:ext uri="{BB962C8B-B14F-4D97-AF65-F5344CB8AC3E}">
+        <p14:creationId xmlns:p14="http://schemas.microsoft.com/office/powerpoint/2010/main" val="853483064"/>
+      </p:ext>
+    </p:extLst>
+  </p:cSld>
+  <p:clrMapOvr>
+    <a:masterClrMapping/>
+  </p:clrMapOvr>
+</p:sld>
+</file>
+
+<file path=ppt/slides/slide6.xml><?xml version="1.0" encoding="utf-8"?>
+<p:sld xmlns:a="http://schemas.openxmlformats.org/drawingml/2006/main" xmlns:r="http://schemas.openxmlformats.org/officeDocument/2006/relationships" xmlns:p="http://schemas.openxmlformats.org/presentationml/2006/main">
+  <p:cSld>
+    <p:spTree>
+      <p:nvGrpSpPr>
+        <p:cNvPr id="1" name=""/>
+        <p:cNvGrpSpPr/>
+        <p:nvPr/>
+      </p:nvGrpSpPr>
+      <p:grpSpPr>
+        <a:xfrm>
+          <a:off x="0" y="0"/>
+          <a:ext cx="0" cy="0"/>
+          <a:chOff x="0" y="0"/>
+          <a:chExt cx="0" cy="0"/>
+        </a:xfrm>
+      </p:grpSpPr>
+      <p:sp>
+        <p:nvSpPr>
+          <p:cNvPr id="2" name="Title 1">
+            <a:extLst>
+              <a:ext uri="{FF2B5EF4-FFF2-40B4-BE49-F238E27FC236}">
+                <a16:creationId xmlns:a16="http://schemas.microsoft.com/office/drawing/2014/main" id="{8A3A2DE9-BCD7-797D-EB4D-3AF1F881F000}"/>
+              </a:ext>
+            </a:extLst>
+          </p:cNvPr>
+          <p:cNvSpPr>
+            <a:spLocks noGrp="1"/>
+          </p:cNvSpPr>
+          <p:nvPr>
+            <p:ph type="title"/>
+          </p:nvPr>
+        </p:nvSpPr>
+        <p:spPr/>
+        <p:txBody>
+          <a:bodyPr/>
+          <a:lstStyle/>
+          <a:p>
+            <a:r>
+              <a:rPr lang="en-US" dirty="0"/>
+              <a:t>Case Study</a:t>
+            </a:r>
+          </a:p>
+        </p:txBody>
+      </p:sp>
+      <p:sp>
+        <p:nvSpPr>
+          <p:cNvPr id="3" name="Text Placeholder 2">
+            <a:extLst>
+              <a:ext uri="{FF2B5EF4-FFF2-40B4-BE49-F238E27FC236}">
+                <a16:creationId xmlns:a16="http://schemas.microsoft.com/office/drawing/2014/main" id="{FACDEE7B-B401-F86D-606B-37C851CB0F93}"/>
+              </a:ext>
+            </a:extLst>
+          </p:cNvPr>
+          <p:cNvSpPr>
+            <a:spLocks noGrp="1"/>
+          </p:cNvSpPr>
+          <p:nvPr>
+            <p:ph type="body" idx="1"/>
+          </p:nvPr>
+        </p:nvSpPr>
+        <p:spPr/>
+        <p:txBody>
+          <a:bodyPr/>
+          <a:lstStyle/>
+          <a:p>
+            <a:r>
+              <a:rPr lang="en-US" dirty="0"/>
+              <a:t>What drives Health Insurance Premiums?</a:t>
+            </a:r>
+          </a:p>
+        </p:txBody>
+      </p:sp>
+      <p:pic>
+        <p:nvPicPr>
+          <p:cNvPr id="5" name="Picture 4" descr="A qr code with a lion head&#10;&#10;Description automatically generated">
+            <a:extLst>
+              <a:ext uri="{FF2B5EF4-FFF2-40B4-BE49-F238E27FC236}">
+                <a16:creationId xmlns:a16="http://schemas.microsoft.com/office/drawing/2014/main" id="{8F865E7F-A5F1-FB42-2096-A40CE80E6C34}"/>
+              </a:ext>
+            </a:extLst>
+          </p:cNvPr>
+          <p:cNvPicPr>
+            <a:picLocks noChangeAspect="1"/>
+          </p:cNvPicPr>
+          <p:nvPr/>
+        </p:nvPicPr>
+        <p:blipFill>
+          <a:blip r:embed="rId2"/>
+          <a:stretch>
+            <a:fillRect/>
+          </a:stretch>
+        </p:blipFill>
+        <p:spPr>
+          <a:xfrm>
+            <a:off x="8502650" y="2000250"/>
+            <a:ext cx="2857500" cy="2857500"/>
+          </a:xfrm>
+          <a:prstGeom prst="rect">
+            <a:avLst/>
+          </a:prstGeom>
+        </p:spPr>
+      </p:pic>
+      <p:sp>
+        <p:nvSpPr>
+          <p:cNvPr id="6" name="TextBox 5">
+            <a:extLst>
+              <a:ext uri="{FF2B5EF4-FFF2-40B4-BE49-F238E27FC236}">
+                <a16:creationId xmlns:a16="http://schemas.microsoft.com/office/drawing/2014/main" id="{7BC34608-22FE-9170-A099-7E16CFBE9E5E}"/>
+              </a:ext>
+            </a:extLst>
+          </p:cNvPr>
+          <p:cNvSpPr txBox="1"/>
+          <p:nvPr/>
+        </p:nvSpPr>
+        <p:spPr>
+          <a:xfrm>
+            <a:off x="8502650" y="4956730"/>
+            <a:ext cx="2857500" cy="646331"/>
+          </a:xfrm>
+          <a:prstGeom prst="rect">
+            <a:avLst/>
+          </a:prstGeom>
+          <a:noFill/>
+        </p:spPr>
+        <p:txBody>
+          <a:bodyPr wrap="square" rtlCol="0">
+            <a:spAutoFit/>
+          </a:bodyPr>
+          <a:lstStyle/>
+          <a:p>
+            <a:r>
+              <a:rPr lang="en-US" dirty="0"/>
+              <a:t>Kindly download slides, data and R code.</a:t>
+            </a:r>
+          </a:p>
+        </p:txBody>
+      </p:sp>
+    </p:spTree>
+    <p:extLst>
+      <p:ext uri="{BB962C8B-B14F-4D97-AF65-F5344CB8AC3E}">
+        <p14:creationId xmlns:p14="http://schemas.microsoft.com/office/powerpoint/2010/main" val="2822664906"/>
+      </p:ext>
+    </p:extLst>
+  </p:cSld>
+  <p:clrMapOvr>
+    <a:masterClrMapping/>
+  </p:clrMapOvr>
+</p:sld>
+</file>
+
+<file path=ppt/slides/slide7.xml><?xml version="1.0" encoding="utf-8"?>
 <p:sld xmlns:a="http://schemas.openxmlformats.org/drawingml/2006/main" xmlns:r="http://schemas.openxmlformats.org/officeDocument/2006/relationships" xmlns:p="http://schemas.openxmlformats.org/presentationml/2006/main">
   <p:cSld>
     <p:spTree>
@@ -12272,7 +13079,7 @@
           <a:p>
             <a:r>
               <a:rPr lang="en-US" sz="2400" b="1" dirty="0"/>
-              <a:t>What drives insurance premium in general?</a:t>
+              <a:t>What lifestyle factors drive insurance premium in general?</a:t>
             </a:r>
           </a:p>
           <a:p>
@@ -12317,7 +13124,7 @@
 </p:sld>
 </file>
 
-<file path=ppt/slides/slide5.xml><?xml version="1.0" encoding="utf-8"?>
+<file path=ppt/slides/slide8.xml><?xml version="1.0" encoding="utf-8"?>
 <p:sld xmlns:a="http://schemas.openxmlformats.org/drawingml/2006/main" xmlns:r="http://schemas.openxmlformats.org/officeDocument/2006/relationships" xmlns:p="http://schemas.openxmlformats.org/presentationml/2006/main">
   <p:cSld>
     <p:bg>
@@ -12904,7 +13711,7 @@
 </p:sld>
 </file>
 
-<file path=ppt/slides/slide6.xml><?xml version="1.0" encoding="utf-8"?>
+<file path=ppt/slides/slide9.xml><?xml version="1.0" encoding="utf-8"?>
 <p:sld xmlns:a="http://schemas.openxmlformats.org/drawingml/2006/main" xmlns:r="http://schemas.openxmlformats.org/officeDocument/2006/relationships" xmlns:p="http://schemas.openxmlformats.org/presentationml/2006/main">
   <p:cSld>
     <p:spTree>
@@ -12984,7 +13791,7 @@
             </a:pPr>
             <a:r>
               <a:rPr lang="en-US" dirty="0"/>
-              <a:t>Identify actionable policy insights for MDPH</a:t>
+              <a:t>Identify actionable Policy Insights for MDPH</a:t>
             </a:r>
           </a:p>
           <a:p>
@@ -13020,7 +13827,7 @@
             </a:pPr>
             <a:r>
               <a:rPr lang="en-US" dirty="0"/>
-              <a:t>Age, BMI, Children</a:t>
+              <a:t>Age, BMI, Dependents</a:t>
             </a:r>
           </a:p>
           <a:p>
@@ -13094,826 +13901,6 @@
     <p:extLst>
       <p:ext uri="{BB962C8B-B14F-4D97-AF65-F5344CB8AC3E}">
         <p14:creationId xmlns:p14="http://schemas.microsoft.com/office/powerpoint/2010/main" val="2681427100"/>
-      </p:ext>
-    </p:extLst>
-  </p:cSld>
-  <p:clrMapOvr>
-    <a:masterClrMapping/>
-  </p:clrMapOvr>
-</p:sld>
-</file>
-
-<file path=ppt/slides/slide7.xml><?xml version="1.0" encoding="utf-8"?>
-<p:sld xmlns:a="http://schemas.openxmlformats.org/drawingml/2006/main" xmlns:r="http://schemas.openxmlformats.org/officeDocument/2006/relationships" xmlns:p="http://schemas.openxmlformats.org/presentationml/2006/main">
-  <p:cSld>
-    <p:spTree>
-      <p:nvGrpSpPr>
-        <p:cNvPr id="1" name=""/>
-        <p:cNvGrpSpPr/>
-        <p:nvPr/>
-      </p:nvGrpSpPr>
-      <p:grpSpPr>
-        <a:xfrm>
-          <a:off x="0" y="0"/>
-          <a:ext cx="0" cy="0"/>
-          <a:chOff x="0" y="0"/>
-          <a:chExt cx="0" cy="0"/>
-        </a:xfrm>
-      </p:grpSpPr>
-      <p:sp>
-        <p:nvSpPr>
-          <p:cNvPr id="2" name="Title 1">
-            <a:extLst>
-              <a:ext uri="{FF2B5EF4-FFF2-40B4-BE49-F238E27FC236}">
-                <a16:creationId xmlns:a16="http://schemas.microsoft.com/office/drawing/2014/main" id="{EC63CAF8-6CB6-098C-3622-FCB0BFAEF5AB}"/>
-              </a:ext>
-            </a:extLst>
-          </p:cNvPr>
-          <p:cNvSpPr>
-            <a:spLocks noGrp="1"/>
-          </p:cNvSpPr>
-          <p:nvPr>
-            <p:ph type="title"/>
-          </p:nvPr>
-        </p:nvSpPr>
-        <p:spPr/>
-        <p:txBody>
-          <a:bodyPr/>
-          <a:lstStyle/>
-          <a:p>
-            <a:r>
-              <a:rPr lang="en-US" dirty="0"/>
-              <a:t>Linear Regression</a:t>
-            </a:r>
-          </a:p>
-        </p:txBody>
-      </p:sp>
-      <p:sp>
-        <p:nvSpPr>
-          <p:cNvPr id="3" name="Text Placeholder 2">
-            <a:extLst>
-              <a:ext uri="{FF2B5EF4-FFF2-40B4-BE49-F238E27FC236}">
-                <a16:creationId xmlns:a16="http://schemas.microsoft.com/office/drawing/2014/main" id="{1B531789-4651-74B9-AB69-31F8D043B22F}"/>
-              </a:ext>
-            </a:extLst>
-          </p:cNvPr>
-          <p:cNvSpPr>
-            <a:spLocks noGrp="1"/>
-          </p:cNvSpPr>
-          <p:nvPr>
-            <p:ph type="body" idx="1"/>
-          </p:nvPr>
-        </p:nvSpPr>
-        <p:spPr/>
-        <p:txBody>
-          <a:bodyPr/>
-          <a:lstStyle/>
-          <a:p>
-            <a:r>
-              <a:rPr lang="en-US" dirty="0"/>
-              <a:t>Going from correlation to regression</a:t>
-            </a:r>
-          </a:p>
-        </p:txBody>
-      </p:sp>
-    </p:spTree>
-    <p:extLst>
-      <p:ext uri="{BB962C8B-B14F-4D97-AF65-F5344CB8AC3E}">
-        <p14:creationId xmlns:p14="http://schemas.microsoft.com/office/powerpoint/2010/main" val="990461860"/>
-      </p:ext>
-    </p:extLst>
-  </p:cSld>
-  <p:clrMapOvr>
-    <a:masterClrMapping/>
-  </p:clrMapOvr>
-</p:sld>
-</file>
-
-<file path=ppt/slides/slide8.xml><?xml version="1.0" encoding="utf-8"?>
-<p:sld xmlns:a="http://schemas.openxmlformats.org/drawingml/2006/main" xmlns:r="http://schemas.openxmlformats.org/officeDocument/2006/relationships" xmlns:p="http://schemas.openxmlformats.org/presentationml/2006/main">
-  <p:cSld>
-    <p:spTree>
-      <p:nvGrpSpPr>
-        <p:cNvPr id="1" name=""/>
-        <p:cNvGrpSpPr/>
-        <p:nvPr/>
-      </p:nvGrpSpPr>
-      <p:grpSpPr>
-        <a:xfrm>
-          <a:off x="0" y="0"/>
-          <a:ext cx="0" cy="0"/>
-          <a:chOff x="0" y="0"/>
-          <a:chExt cx="0" cy="0"/>
-        </a:xfrm>
-      </p:grpSpPr>
-      <p:sp>
-        <p:nvSpPr>
-          <p:cNvPr id="2" name="Title 1">
-            <a:extLst>
-              <a:ext uri="{FF2B5EF4-FFF2-40B4-BE49-F238E27FC236}">
-                <a16:creationId xmlns:a16="http://schemas.microsoft.com/office/drawing/2014/main" id="{C00AEC7E-0891-10E8-1297-CCEB93B1B3A1}"/>
-              </a:ext>
-            </a:extLst>
-          </p:cNvPr>
-          <p:cNvSpPr>
-            <a:spLocks noGrp="1"/>
-          </p:cNvSpPr>
-          <p:nvPr>
-            <p:ph type="title"/>
-          </p:nvPr>
-        </p:nvSpPr>
-        <p:spPr>
-          <a:xfrm>
-            <a:off x="458694" y="0"/>
-            <a:ext cx="10895106" cy="1325563"/>
-          </a:xfrm>
-        </p:spPr>
-        <p:txBody>
-          <a:bodyPr/>
-          <a:lstStyle/>
-          <a:p>
-            <a:r>
-              <a:rPr lang="en-US" dirty="0"/>
-              <a:t>What is Linear Regression?</a:t>
-            </a:r>
-          </a:p>
-        </p:txBody>
-      </p:sp>
-      <p:sp>
-        <p:nvSpPr>
-          <p:cNvPr id="3" name="Content Placeholder 2">
-            <a:extLst>
-              <a:ext uri="{FF2B5EF4-FFF2-40B4-BE49-F238E27FC236}">
-                <a16:creationId xmlns:a16="http://schemas.microsoft.com/office/drawing/2014/main" id="{3800216D-2563-20F1-F05D-B58466C016D3}"/>
-              </a:ext>
-            </a:extLst>
-          </p:cNvPr>
-          <p:cNvSpPr>
-            <a:spLocks noGrp="1"/>
-          </p:cNvSpPr>
-          <p:nvPr>
-            <p:ph idx="1"/>
-          </p:nvPr>
-        </p:nvSpPr>
-        <p:spPr>
-          <a:xfrm>
-            <a:off x="458694" y="1476260"/>
-            <a:ext cx="11274612" cy="5100810"/>
-          </a:xfrm>
-        </p:spPr>
-        <p:txBody>
-          <a:bodyPr>
-            <a:normAutofit fontScale="85000" lnSpcReduction="20000"/>
-          </a:bodyPr>
-          <a:lstStyle/>
-          <a:p>
-            <a:r>
-              <a:rPr lang="en-US" dirty="0"/>
-              <a:t>Linear regression is a </a:t>
-            </a:r>
-            <a:r>
-              <a:rPr lang="en-US" i="1" dirty="0"/>
-              <a:t>model</a:t>
-            </a:r>
-            <a:r>
-              <a:rPr lang="en-US" dirty="0"/>
-              <a:t> that estimates </a:t>
-            </a:r>
-            <a:r>
-              <a:rPr lang="en-US" i="1" dirty="0"/>
-              <a:t>linear relationship</a:t>
-            </a:r>
-            <a:r>
-              <a:rPr lang="en-US" dirty="0"/>
-              <a:t> between a dependent variable and one or more independent variable(s)</a:t>
-            </a:r>
-          </a:p>
-          <a:p>
-            <a:r>
-              <a:rPr lang="en-US" dirty="0"/>
-              <a:t>It is an attempt to find the best fit line between independent and dependent variables</a:t>
-            </a:r>
-          </a:p>
-          <a:p>
-            <a:r>
-              <a:rPr lang="en-US" b="1" dirty="0"/>
-              <a:t>Strengths:</a:t>
-            </a:r>
-          </a:p>
-          <a:p>
-            <a:pPr lvl="1"/>
-            <a:r>
-              <a:rPr lang="en-US" dirty="0"/>
-              <a:t>Explainability and interpretability</a:t>
-            </a:r>
-          </a:p>
-          <a:p>
-            <a:pPr lvl="1"/>
-            <a:r>
-              <a:rPr lang="en-US" dirty="0"/>
-              <a:t>Simple, quick and easy</a:t>
-            </a:r>
-          </a:p>
-          <a:p>
-            <a:pPr lvl="1"/>
-            <a:r>
-              <a:rPr lang="en-US" dirty="0"/>
-              <a:t>Statistical basis for usage and interpretation</a:t>
-            </a:r>
-          </a:p>
-          <a:p>
-            <a:r>
-              <a:rPr lang="en-US" b="1" dirty="0"/>
-              <a:t>Weaknesses:</a:t>
-            </a:r>
-          </a:p>
-          <a:p>
-            <a:pPr lvl="1"/>
-            <a:r>
-              <a:rPr lang="en-US" dirty="0"/>
-              <a:t>Assumes linear relationship — simple model is too simple</a:t>
-            </a:r>
-          </a:p>
-          <a:p>
-            <a:pPr lvl="1"/>
-            <a:r>
-              <a:rPr lang="en-US" dirty="0"/>
-              <a:t>Sensitive to outliers</a:t>
-            </a:r>
-          </a:p>
-          <a:p>
-            <a:pPr lvl="1"/>
-            <a:r>
-              <a:rPr lang="en-US" dirty="0"/>
-              <a:t>Assumptions — we will talk about them</a:t>
-            </a:r>
-          </a:p>
-          <a:p>
-            <a:pPr lvl="1"/>
-            <a:r>
-              <a:rPr lang="en-US" b="1" dirty="0"/>
-              <a:t>No causation implied, only a sophisticated form of correlation</a:t>
-            </a:r>
-          </a:p>
-        </p:txBody>
-      </p:sp>
-    </p:spTree>
-    <p:extLst>
-      <p:ext uri="{BB962C8B-B14F-4D97-AF65-F5344CB8AC3E}">
-        <p14:creationId xmlns:p14="http://schemas.microsoft.com/office/powerpoint/2010/main" val="489798222"/>
-      </p:ext>
-    </p:extLst>
-  </p:cSld>
-  <p:clrMapOvr>
-    <a:masterClrMapping/>
-  </p:clrMapOvr>
-</p:sld>
-</file>
-
-<file path=ppt/slides/slide9.xml><?xml version="1.0" encoding="utf-8"?>
-<p:sld xmlns:a="http://schemas.openxmlformats.org/drawingml/2006/main" xmlns:r="http://schemas.openxmlformats.org/officeDocument/2006/relationships" xmlns:p="http://schemas.openxmlformats.org/presentationml/2006/main">
-  <p:cSld>
-    <p:bg>
-      <p:bgPr>
-        <a:solidFill>
-          <a:schemeClr val="bg1"/>
-        </a:solidFill>
-        <a:effectLst/>
-      </p:bgPr>
-    </p:bg>
-    <p:spTree>
-      <p:nvGrpSpPr>
-        <p:cNvPr id="1" name=""/>
-        <p:cNvGrpSpPr/>
-        <p:nvPr/>
-      </p:nvGrpSpPr>
-      <p:grpSpPr>
-        <a:xfrm>
-          <a:off x="0" y="0"/>
-          <a:ext cx="0" cy="0"/>
-          <a:chOff x="0" y="0"/>
-          <a:chExt cx="0" cy="0"/>
-        </a:xfrm>
-      </p:grpSpPr>
-      <p:sp useBgFill="1">
-        <p:nvSpPr>
-          <p:cNvPr id="9" name="Rectangle 8">
-            <a:extLst>
-              <a:ext uri="{FF2B5EF4-FFF2-40B4-BE49-F238E27FC236}">
-                <a16:creationId xmlns:a16="http://schemas.microsoft.com/office/drawing/2014/main" id="{A4FB2F27-3F7D-440E-A905-86607A926A29}"/>
-              </a:ext>
-              <a:ext uri="{C183D7F6-B498-43B3-948B-1728B52AA6E4}">
-                <adec:decorative xmlns:adec="http://schemas.microsoft.com/office/drawing/2017/decorative" val="1"/>
-              </a:ext>
-            </a:extLst>
-          </p:cNvPr>
-          <p:cNvSpPr>
-            <a:spLocks noGrp="1" noRot="1" noChangeAspect="1" noMove="1" noResize="1" noEditPoints="1" noAdjustHandles="1" noChangeArrowheads="1" noChangeShapeType="1" noTextEdit="1"/>
-          </p:cNvSpPr>
-          <p:nvPr>
-            <p:extLst>
-              <p:ext uri="{386F3935-93C4-4BCD-93E2-E3B085C9AB24}">
-                <p16:designElem xmlns:p16="http://schemas.microsoft.com/office/powerpoint/2015/main" val="1"/>
-              </p:ext>
-            </p:extLst>
-          </p:nvPr>
-        </p:nvSpPr>
-        <p:spPr>
-          <a:xfrm>
-            <a:off x="0" y="0"/>
-            <a:ext cx="12188952" cy="6858000"/>
-          </a:xfrm>
-          <a:prstGeom prst="rect">
-            <a:avLst/>
-          </a:prstGeom>
-          <a:ln>
-            <a:noFill/>
-          </a:ln>
-        </p:spPr>
-        <p:style>
-          <a:lnRef idx="2">
-            <a:schemeClr val="accent1">
-              <a:shade val="50000"/>
-            </a:schemeClr>
-          </a:lnRef>
-          <a:fillRef idx="1">
-            <a:schemeClr val="accent1"/>
-          </a:fillRef>
-          <a:effectRef idx="0">
-            <a:schemeClr val="accent1"/>
-          </a:effectRef>
-          <a:fontRef idx="minor">
-            <a:schemeClr val="lt1"/>
-          </a:fontRef>
-        </p:style>
-        <p:txBody>
-          <a:bodyPr rtlCol="0" anchor="ctr"/>
-          <a:lstStyle/>
-          <a:p>
-            <a:pPr algn="ctr"/>
-            <a:endParaRPr lang="en-US" dirty="0">
-              <a:solidFill>
-                <a:schemeClr val="tx1">
-                  <a:lumMod val="65000"/>
-                  <a:lumOff val="35000"/>
-                </a:schemeClr>
-              </a:solidFill>
-              <a:latin typeface="AvenirNext LT Pro Medium" panose="020B0504020202020204" pitchFamily="34" charset="0"/>
-            </a:endParaRPr>
-          </a:p>
-        </p:txBody>
-      </p:sp>
-      <p:sp>
-        <p:nvSpPr>
-          <p:cNvPr id="11" name="Rectangle 10">
-            <a:extLst>
-              <a:ext uri="{FF2B5EF4-FFF2-40B4-BE49-F238E27FC236}">
-                <a16:creationId xmlns:a16="http://schemas.microsoft.com/office/drawing/2014/main" id="{AF678C14-A033-4139-BCA9-8382B039648B}"/>
-              </a:ext>
-              <a:ext uri="{C183D7F6-B498-43B3-948B-1728B52AA6E4}">
-                <adec:decorative xmlns:adec="http://schemas.microsoft.com/office/drawing/2017/decorative" val="1"/>
-              </a:ext>
-            </a:extLst>
-          </p:cNvPr>
-          <p:cNvSpPr>
-            <a:spLocks noGrp="1" noRot="1" noChangeAspect="1" noMove="1" noResize="1" noEditPoints="1" noAdjustHandles="1" noChangeArrowheads="1" noChangeShapeType="1" noTextEdit="1"/>
-          </p:cNvSpPr>
-          <p:nvPr>
-            <p:extLst>
-              <p:ext uri="{386F3935-93C4-4BCD-93E2-E3B085C9AB24}">
-                <p16:designElem xmlns:p16="http://schemas.microsoft.com/office/powerpoint/2015/main" val="1"/>
-              </p:ext>
-            </p:extLst>
-          </p:nvPr>
-        </p:nvSpPr>
-        <p:spPr>
-          <a:xfrm>
-            <a:off x="3048" y="0"/>
-            <a:ext cx="12188952" cy="6858000"/>
-          </a:xfrm>
-          <a:prstGeom prst="rect">
-            <a:avLst/>
-          </a:prstGeom>
-          <a:solidFill>
-            <a:schemeClr val="bg2">
-              <a:lumMod val="90000"/>
-              <a:alpha val="70000"/>
-            </a:schemeClr>
-          </a:solidFill>
-          <a:ln>
-            <a:noFill/>
-          </a:ln>
-        </p:spPr>
-        <p:style>
-          <a:lnRef idx="2">
-            <a:schemeClr val="accent1">
-              <a:shade val="50000"/>
-            </a:schemeClr>
-          </a:lnRef>
-          <a:fillRef idx="1">
-            <a:schemeClr val="accent1"/>
-          </a:fillRef>
-          <a:effectRef idx="0">
-            <a:schemeClr val="accent1"/>
-          </a:effectRef>
-          <a:fontRef idx="minor">
-            <a:schemeClr val="lt1"/>
-          </a:fontRef>
-        </p:style>
-        <p:txBody>
-          <a:bodyPr rtlCol="0" anchor="ctr"/>
-          <a:lstStyle/>
-          <a:p>
-            <a:pPr algn="ctr"/>
-            <a:endParaRPr lang="en-US">
-              <a:solidFill>
-                <a:schemeClr val="tx1">
-                  <a:lumMod val="65000"/>
-                  <a:lumOff val="35000"/>
-                </a:schemeClr>
-              </a:solidFill>
-              <a:latin typeface="AvenirNext LT Pro Medium" panose="020B0504020202020204" pitchFamily="34" charset="0"/>
-            </a:endParaRPr>
-          </a:p>
-        </p:txBody>
-      </p:sp>
-      <p:grpSp>
-        <p:nvGrpSpPr>
-          <p:cNvPr id="13" name="Group 12">
-            <a:extLst>
-              <a:ext uri="{FF2B5EF4-FFF2-40B4-BE49-F238E27FC236}">
-                <a16:creationId xmlns:a16="http://schemas.microsoft.com/office/drawing/2014/main" id="{14763DA8-CE3A-4B30-B2F5-0D128777F742}"/>
-              </a:ext>
-              <a:ext uri="{C183D7F6-B498-43B3-948B-1728B52AA6E4}">
-                <adec:decorative xmlns:adec="http://schemas.microsoft.com/office/drawing/2017/decorative" val="1"/>
-              </a:ext>
-            </a:extLst>
-          </p:cNvPr>
-          <p:cNvGrpSpPr>
-            <a:grpSpLocks noGrp="1" noUngrp="1" noRot="1" noChangeAspect="1" noMove="1" noResize="1"/>
-          </p:cNvGrpSpPr>
-          <p:nvPr>
-            <p:extLst>
-              <p:ext uri="{386F3935-93C4-4BCD-93E2-E3B085C9AB24}">
-                <p16:designElem xmlns:p16="http://schemas.microsoft.com/office/powerpoint/2015/main" val="1"/>
-              </p:ext>
-            </p:extLst>
-          </p:nvPr>
-        </p:nvGrpSpPr>
-        <p:grpSpPr>
-          <a:xfrm>
-            <a:off x="4464881" y="0"/>
-            <a:ext cx="7724071" cy="6858000"/>
-            <a:chOff x="4464881" y="0"/>
-            <a:chExt cx="7724071" cy="6858000"/>
-          </a:xfrm>
-        </p:grpSpPr>
-        <p:pic>
-          <p:nvPicPr>
-            <p:cNvPr id="14" name="Picture 13">
-              <a:extLst>
-                <a:ext uri="{FF2B5EF4-FFF2-40B4-BE49-F238E27FC236}">
-                  <a16:creationId xmlns:a16="http://schemas.microsoft.com/office/drawing/2014/main" id="{F6B75A5A-FDA7-4C8E-BD65-8506C42AA865}"/>
-                </a:ext>
-                <a:ext uri="{C183D7F6-B498-43B3-948B-1728B52AA6E4}">
-                  <adec:decorative xmlns:adec="http://schemas.microsoft.com/office/drawing/2017/decorative" val="1"/>
-                </a:ext>
-              </a:extLst>
-            </p:cNvPr>
-            <p:cNvPicPr>
-              <a:picLocks noChangeAspect="1"/>
-            </p:cNvPicPr>
-            <p:nvPr>
-              <p:extLst>
-                <p:ext uri="{386F3935-93C4-4BCD-93E2-E3B085C9AB24}">
-                  <p16:designElem xmlns:p16="http://schemas.microsoft.com/office/powerpoint/2015/main" val="1"/>
-                </p:ext>
-              </p:extLst>
-            </p:nvPr>
-          </p:nvPicPr>
-          <p:blipFill>
-            <a:blip r:embed="rId2">
-              <a:duotone>
-                <a:schemeClr val="accent6">
-                  <a:shade val="45000"/>
-                  <a:satMod val="135000"/>
-                </a:schemeClr>
-                <a:prstClr val="white"/>
-              </a:duotone>
-              <a:alphaModFix amt="15000"/>
-              <a:extLst>
-                <a:ext uri="{28A0092B-C50C-407E-A947-70E740481C1C}">
-                  <a14:useLocalDpi xmlns:a14="http://schemas.microsoft.com/office/drawing/2010/main" val="0"/>
-                </a:ext>
-              </a:extLst>
-            </a:blip>
-            <a:stretch>
-              <a:fillRect/>
-            </a:stretch>
-          </p:blipFill>
-          <p:spPr>
-            <a:xfrm>
-              <a:off x="7073255" y="0"/>
-              <a:ext cx="5115697" cy="6858000"/>
-            </a:xfrm>
-            <a:prstGeom prst="rect">
-              <a:avLst/>
-            </a:prstGeom>
-          </p:spPr>
-        </p:pic>
-        <p:pic>
-          <p:nvPicPr>
-            <p:cNvPr id="15" name="Picture 14">
-              <a:extLst>
-                <a:ext uri="{FF2B5EF4-FFF2-40B4-BE49-F238E27FC236}">
-                  <a16:creationId xmlns:a16="http://schemas.microsoft.com/office/drawing/2014/main" id="{0E6AFCAB-12BF-4A0B-B089-A794259D2FC9}"/>
-                </a:ext>
-                <a:ext uri="{C183D7F6-B498-43B3-948B-1728B52AA6E4}">
-                  <adec:decorative xmlns:adec="http://schemas.microsoft.com/office/drawing/2017/decorative" val="1"/>
-                </a:ext>
-              </a:extLst>
-            </p:cNvPr>
-            <p:cNvPicPr>
-              <a:picLocks noChangeAspect="1"/>
-            </p:cNvPicPr>
-            <p:nvPr>
-              <p:extLst>
-                <p:ext uri="{386F3935-93C4-4BCD-93E2-E3B085C9AB24}">
-                  <p16:designElem xmlns:p16="http://schemas.microsoft.com/office/powerpoint/2015/main" val="1"/>
-                </p:ext>
-              </p:extLst>
-            </p:nvPr>
-          </p:nvPicPr>
-          <p:blipFill>
-            <a:blip r:embed="rId3">
-              <a:duotone>
-                <a:schemeClr val="accent6">
-                  <a:shade val="45000"/>
-                  <a:satMod val="135000"/>
-                </a:schemeClr>
-                <a:prstClr val="white"/>
-              </a:duotone>
-              <a:alphaModFix amt="7000"/>
-              <a:extLst>
-                <a:ext uri="{28A0092B-C50C-407E-A947-70E740481C1C}">
-                  <a14:useLocalDpi xmlns:a14="http://schemas.microsoft.com/office/drawing/2010/main" val="0"/>
-                </a:ext>
-              </a:extLst>
-            </a:blip>
-            <a:stretch>
-              <a:fillRect/>
-            </a:stretch>
-          </p:blipFill>
-          <p:spPr>
-            <a:xfrm rot="16200000">
-              <a:off x="5412135" y="-947254"/>
-              <a:ext cx="5562598" cy="7457106"/>
-            </a:xfrm>
-            <a:prstGeom prst="rect">
-              <a:avLst/>
-            </a:prstGeom>
-            <a:effectLst>
-              <a:softEdge rad="0"/>
-            </a:effectLst>
-          </p:spPr>
-        </p:pic>
-      </p:grpSp>
-      <p:sp>
-        <p:nvSpPr>
-          <p:cNvPr id="2" name="Title 1">
-            <a:extLst>
-              <a:ext uri="{FF2B5EF4-FFF2-40B4-BE49-F238E27FC236}">
-                <a16:creationId xmlns:a16="http://schemas.microsoft.com/office/drawing/2014/main" id="{DBDB1065-06D3-7ECE-2D5A-F2095F429586}"/>
-              </a:ext>
-            </a:extLst>
-          </p:cNvPr>
-          <p:cNvSpPr>
-            <a:spLocks noGrp="1"/>
-          </p:cNvSpPr>
-          <p:nvPr>
-            <p:ph type="title"/>
-          </p:nvPr>
-        </p:nvSpPr>
-        <p:spPr>
-          <a:xfrm>
-            <a:off x="304660" y="-2"/>
-            <a:ext cx="6929858" cy="1598342"/>
-          </a:xfrm>
-        </p:spPr>
-        <p:txBody>
-          <a:bodyPr>
-            <a:normAutofit/>
-          </a:bodyPr>
-          <a:lstStyle/>
-          <a:p>
-            <a:r>
-              <a:rPr lang="en-US" sz="4000" dirty="0"/>
-              <a:t>Scatterplot and Correlation</a:t>
-            </a:r>
-          </a:p>
-        </p:txBody>
-      </p:sp>
-      <mc:AlternateContent xmlns:mc="http://schemas.openxmlformats.org/markup-compatibility/2006" xmlns:a14="http://schemas.microsoft.com/office/drawing/2010/main">
-        <mc:Choice Requires="a14">
-          <p:sp>
-            <p:nvSpPr>
-              <p:cNvPr id="3" name="Content Placeholder 2">
-                <a:extLst>
-                  <a:ext uri="{FF2B5EF4-FFF2-40B4-BE49-F238E27FC236}">
-                    <a16:creationId xmlns:a16="http://schemas.microsoft.com/office/drawing/2014/main" id="{FE11849C-6E2D-BC9E-2749-8701A51301D6}"/>
-                  </a:ext>
-                </a:extLst>
-              </p:cNvPr>
-              <p:cNvSpPr>
-                <a:spLocks noGrp="1"/>
-              </p:cNvSpPr>
-              <p:nvPr>
-                <p:ph idx="1"/>
-              </p:nvPr>
-            </p:nvSpPr>
-            <p:spPr>
-              <a:xfrm>
-                <a:off x="423404" y="1598339"/>
-                <a:ext cx="4190730" cy="4925123"/>
-              </a:xfrm>
-            </p:spPr>
-            <p:txBody>
-              <a:bodyPr>
-                <a:normAutofit lnSpcReduction="10000"/>
-              </a:bodyPr>
-              <a:lstStyle/>
-              <a:p>
-                <a:r>
-                  <a:rPr lang="en-US" sz="2200" dirty="0"/>
-                  <a:t>Note for:</a:t>
-                </a:r>
-              </a:p>
-              <a:p>
-                <a:pPr lvl="1"/>
-                <a:r>
-                  <a:rPr lang="en-US" sz="2200" dirty="0"/>
-                  <a:t>Direction</a:t>
-                </a:r>
-              </a:p>
-              <a:p>
-                <a:pPr lvl="1"/>
-                <a:r>
-                  <a:rPr lang="en-US" sz="2200" dirty="0"/>
-                  <a:t>Strength</a:t>
-                </a:r>
-              </a:p>
-              <a:p>
-                <a:pPr lvl="1"/>
-                <a:r>
-                  <a:rPr lang="en-US" sz="2200" dirty="0"/>
-                  <a:t>Outliers</a:t>
-                </a:r>
-              </a:p>
-              <a:p>
-                <a:r>
-                  <a:rPr lang="en-US" sz="2200" dirty="0"/>
-                  <a:t>Linear regression is square of correlation between Y and X</a:t>
-                </a:r>
-              </a:p>
-              <a:p>
-                <a:r>
-                  <a:rPr lang="en-US" sz="2200" dirty="0"/>
-                  <a:t>In multilinear regression, its squared correlation between </a:t>
-                </a:r>
-                <a14:m>
-                  <m:oMath xmlns:m="http://schemas.openxmlformats.org/officeDocument/2006/math">
-                    <m:acc>
-                      <m:accPr>
-                        <m:chr m:val="̂"/>
-                        <m:ctrlPr>
-                          <a:rPr lang="en-US" sz="2200" b="0" i="1" smtClean="0">
-                            <a:latin typeface="Cambria Math" panose="02040503050406030204" pitchFamily="18" charset="0"/>
-                          </a:rPr>
-                        </m:ctrlPr>
-                      </m:accPr>
-                      <m:e>
-                        <m:r>
-                          <a:rPr lang="en-US" sz="2200" b="0" i="1" smtClean="0">
-                            <a:latin typeface="Cambria Math" panose="02040503050406030204" pitchFamily="18" charset="0"/>
-                          </a:rPr>
-                          <m:t>𝑌</m:t>
-                        </m:r>
-                      </m:e>
-                    </m:acc>
-                  </m:oMath>
-                </a14:m>
-                <a:r>
-                  <a:rPr lang="en-US" sz="2200" dirty="0"/>
-                  <a:t> and </a:t>
-                </a:r>
-                <a14:m>
-                  <m:oMath xmlns:m="http://schemas.openxmlformats.org/officeDocument/2006/math">
-                    <m:r>
-                      <a:rPr lang="en-US" sz="2200" b="0" i="1" smtClean="0">
-                        <a:latin typeface="Cambria Math" panose="02040503050406030204" pitchFamily="18" charset="0"/>
-                      </a:rPr>
-                      <m:t>𝑌</m:t>
-                    </m:r>
-                  </m:oMath>
-                </a14:m>
-                <a:r>
-                  <a:rPr lang="en-US" sz="2200" dirty="0"/>
-                  <a:t> (Why?)</a:t>
-                </a:r>
-              </a:p>
-              <a:p>
-                <a:r>
-                  <a:rPr lang="en-US" sz="2200" dirty="0">
-                    <a:hlinkClick r:id="rId4"/>
-                  </a:rPr>
-                  <a:t>https://digitalfirst.bfwpub.com/stats_applet/stats_applet_5_correg.html</a:t>
-                </a:r>
-                <a:r>
-                  <a:rPr lang="en-US" sz="2200" dirty="0"/>
-                  <a:t> </a:t>
-                </a:r>
-              </a:p>
-            </p:txBody>
-          </p:sp>
-        </mc:Choice>
-        <mc:Fallback xmlns="">
-          <p:sp>
-            <p:nvSpPr>
-              <p:cNvPr id="3" name="Content Placeholder 2">
-                <a:extLst>
-                  <a:ext uri="{FF2B5EF4-FFF2-40B4-BE49-F238E27FC236}">
-                    <a16:creationId xmlns:a16="http://schemas.microsoft.com/office/drawing/2014/main" id="{FE11849C-6E2D-BC9E-2749-8701A51301D6}"/>
-                  </a:ext>
-                </a:extLst>
-              </p:cNvPr>
-              <p:cNvSpPr>
-                <a:spLocks noGrp="1" noRot="1" noChangeAspect="1" noMove="1" noResize="1" noEditPoints="1" noAdjustHandles="1" noChangeArrowheads="1" noChangeShapeType="1" noTextEdit="1"/>
-              </p:cNvSpPr>
-              <p:nvPr>
-                <p:ph idx="1"/>
-              </p:nvPr>
-            </p:nvSpPr>
-            <p:spPr>
-              <a:xfrm>
-                <a:off x="423404" y="1598339"/>
-                <a:ext cx="4190730" cy="4925123"/>
-              </a:xfrm>
-              <a:blipFill>
-                <a:blip r:embed="rId5"/>
-                <a:stretch>
-                  <a:fillRect l="-1813" t="-771" r="-2115"/>
-                </a:stretch>
-              </a:blipFill>
-            </p:spPr>
-            <p:txBody>
-              <a:bodyPr/>
-              <a:lstStyle/>
-              <a:p>
-                <a:r>
-                  <a:rPr lang="en-US">
-                    <a:noFill/>
-                  </a:rPr>
-                  <a:t> </a:t>
-                </a:r>
-              </a:p>
-            </p:txBody>
-          </p:sp>
-        </mc:Fallback>
-      </mc:AlternateContent>
-      <p:pic>
-        <p:nvPicPr>
-          <p:cNvPr id="6" name="Picture 5">
-            <a:extLst>
-              <a:ext uri="{FF2B5EF4-FFF2-40B4-BE49-F238E27FC236}">
-                <a16:creationId xmlns:a16="http://schemas.microsoft.com/office/drawing/2014/main" id="{828E1D3B-A694-38FD-8B88-ACBC27B6E43D}"/>
-              </a:ext>
-            </a:extLst>
-          </p:cNvPr>
-          <p:cNvPicPr>
-            <a:picLocks noChangeAspect="1"/>
-          </p:cNvPicPr>
-          <p:nvPr/>
-        </p:nvPicPr>
-        <p:blipFill>
-          <a:blip r:embed="rId6"/>
-          <a:stretch>
-            <a:fillRect/>
-          </a:stretch>
-        </p:blipFill>
-        <p:spPr>
-          <a:xfrm>
-            <a:off x="4774196" y="1596004"/>
-            <a:ext cx="7281274" cy="4614295"/>
-          </a:xfrm>
-          <a:prstGeom prst="rect">
-            <a:avLst/>
-          </a:prstGeom>
-        </p:spPr>
-      </p:pic>
-    </p:spTree>
-    <p:extLst>
-      <p:ext uri="{BB962C8B-B14F-4D97-AF65-F5344CB8AC3E}">
-        <p14:creationId xmlns:p14="http://schemas.microsoft.com/office/powerpoint/2010/main" val="1360148831"/>
       </p:ext>
     </p:extLst>
   </p:cSld>

--- a/Slides.pptx
+++ b/Slides.pptx
@@ -14,8 +14,8 @@
     <p:sldId id="259" r:id="rId5"/>
     <p:sldId id="263" r:id="rId6"/>
     <p:sldId id="293" r:id="rId7"/>
-    <p:sldId id="258" r:id="rId8"/>
-    <p:sldId id="291" r:id="rId9"/>
+    <p:sldId id="291" r:id="rId8"/>
+    <p:sldId id="258" r:id="rId9"/>
     <p:sldId id="292" r:id="rId10"/>
     <p:sldId id="265" r:id="rId11"/>
     <p:sldId id="283" r:id="rId12"/>
@@ -227,7 +227,7 @@
           <a:p>
             <a:fld id="{B4230D54-4C76-544A-900B-B2D4356259F8}" type="datetimeFigureOut">
               <a:rPr lang="en-US" smtClean="0"/>
-              <a:t>11/29/24</a:t>
+              <a:t>12/1/24</a:t>
             </a:fld>
             <a:endParaRPr lang="en-US"/>
           </a:p>
@@ -920,7 +920,7 @@
             <a:fld id="{11A6662E-FAF4-44BC-88B5-85A7CBFB6D30}" type="datetime1">
               <a:rPr lang="en-US" smtClean="0"/>
               <a:pPr/>
-              <a:t>11/29/24</a:t>
+              <a:t>12/1/24</a:t>
             </a:fld>
             <a:endParaRPr lang="en-US" dirty="0"/>
           </a:p>
@@ -1147,7 +1147,7 @@
           <a:p>
             <a:fld id="{4C559632-1575-4E14-B53B-3DC3D5ED3947}" type="datetime1">
               <a:rPr lang="en-US" smtClean="0"/>
-              <a:t>11/29/24</a:t>
+              <a:t>12/1/24</a:t>
             </a:fld>
             <a:endParaRPr lang="en-US"/>
           </a:p>
@@ -1355,7 +1355,7 @@
           <a:p>
             <a:fld id="{CC4A6868-2568-4CC9-B302-F37117B01A6E}" type="datetime1">
               <a:rPr lang="en-US" smtClean="0"/>
-              <a:t>11/29/24</a:t>
+              <a:t>12/1/24</a:t>
             </a:fld>
             <a:endParaRPr lang="en-US"/>
           </a:p>
@@ -1560,7 +1560,7 @@
           <a:p>
             <a:fld id="{0055F08A-1E71-4B2B-BB49-E743F2903911}" type="datetime1">
               <a:rPr lang="en-US" smtClean="0"/>
-              <a:t>11/29/24</a:t>
+              <a:t>12/1/24</a:t>
             </a:fld>
             <a:endParaRPr lang="en-US" dirty="0"/>
           </a:p>
@@ -1834,7 +1834,7 @@
           <a:p>
             <a:fld id="{15417D9E-721A-44BB-8863-9873FE64DA75}" type="datetime1">
               <a:rPr lang="en-US" smtClean="0"/>
-              <a:t>11/29/24</a:t>
+              <a:t>12/1/24</a:t>
             </a:fld>
             <a:endParaRPr lang="en-US"/>
           </a:p>
@@ -2107,7 +2107,7 @@
           <a:p>
             <a:fld id="{5F31DA2F-80B8-49CF-99FB-5ABCA53A607A}" type="datetime1">
               <a:rPr lang="en-US" smtClean="0"/>
-              <a:t>11/29/24</a:t>
+              <a:t>12/1/24</a:t>
             </a:fld>
             <a:endParaRPr lang="en-US"/>
           </a:p>
@@ -2522,7 +2522,7 @@
           <a:p>
             <a:fld id="{28852172-E6C9-4B6C-929A-A9DE3837BBF1}" type="datetime1">
               <a:rPr lang="en-US" smtClean="0"/>
-              <a:t>11/29/24</a:t>
+              <a:t>12/1/24</a:t>
             </a:fld>
             <a:endParaRPr lang="en-US"/>
           </a:p>
@@ -2674,7 +2674,7 @@
           <a:p>
             <a:fld id="{3AB41CFF-90C9-47B3-9DA1-F2BF8D839F7E}" type="datetime1">
               <a:rPr lang="en-US" smtClean="0"/>
-              <a:t>11/29/24</a:t>
+              <a:t>12/1/24</a:t>
             </a:fld>
             <a:endParaRPr lang="en-US"/>
           </a:p>
@@ -2787,7 +2787,7 @@
           <a:p>
             <a:fld id="{F06048FA-06AB-4884-A69B-986B96E68A24}" type="datetime1">
               <a:rPr lang="en-US" smtClean="0"/>
-              <a:t>11/29/24</a:t>
+              <a:t>12/1/24</a:t>
             </a:fld>
             <a:endParaRPr lang="en-US"/>
           </a:p>
@@ -3098,7 +3098,7 @@
           <a:p>
             <a:fld id="{50DB7ABA-0172-4F9C-889D-567164F66BCD}" type="datetime1">
               <a:rPr lang="en-US" smtClean="0"/>
-              <a:t>11/29/24</a:t>
+              <a:t>12/1/24</a:t>
             </a:fld>
             <a:endParaRPr lang="en-US"/>
           </a:p>
@@ -3389,7 +3389,7 @@
           <a:p>
             <a:fld id="{78AC6A5B-8AE7-4A41-B5A7-9ADC6686DC18}" type="datetime1">
               <a:rPr lang="en-US" smtClean="0"/>
-              <a:t>11/29/24</a:t>
+              <a:t>12/1/24</a:t>
             </a:fld>
             <a:endParaRPr lang="en-US"/>
           </a:p>
@@ -3698,7 +3698,7 @@
             <a:fld id="{57E0CF6C-748E-4B7A-BC8B-3011EF78ED13}" type="datetime1">
               <a:rPr lang="en-US" smtClean="0"/>
               <a:pPr/>
-              <a:t>11/29/24</a:t>
+              <a:t>12/1/24</a:t>
             </a:fld>
             <a:endParaRPr lang="en-US" dirty="0"/>
           </a:p>
@@ -4816,8 +4816,8 @@
           </a:p>
         </p:txBody>
       </p:sp>
-      <mc:AlternateContent xmlns:mc="http://schemas.openxmlformats.org/markup-compatibility/2006">
-        <mc:Choice xmlns:a14="http://schemas.microsoft.com/office/drawing/2010/main" Requires="a14">
+      <mc:AlternateContent xmlns:mc="http://schemas.openxmlformats.org/markup-compatibility/2006" xmlns:a14="http://schemas.microsoft.com/office/drawing/2010/main">
+        <mc:Choice Requires="a14">
           <p:sp>
             <p:nvSpPr>
               <p:cNvPr id="3" name="Content Placeholder 2">
@@ -4939,7 +4939,7 @@
             </p:txBody>
           </p:sp>
         </mc:Choice>
-        <mc:Fallback>
+        <mc:Fallback xmlns="">
           <p:sp>
             <p:nvSpPr>
               <p:cNvPr id="3" name="Content Placeholder 2">
@@ -10903,7 +10903,7 @@
         </p:spPr>
         <p:txBody>
           <a:bodyPr>
-            <a:normAutofit/>
+            <a:normAutofit lnSpcReduction="10000"/>
           </a:bodyPr>
           <a:lstStyle/>
           <a:p>
@@ -10920,7 +10920,7 @@
             </a:r>
             <a:r>
               <a:rPr lang="en-US" sz="2400" dirty="0"/>
-              <a:t>with targeted campaigns for high-risk populations — regions, incentives like tax benefits, etc.</a:t>
+              <a:t>with targeted campaigns for high-risk populations — regions, incentives like tax benefits, or disincentives like higher taxes on cigarettes, etc.</a:t>
             </a:r>
           </a:p>
           <a:p>
@@ -10939,11 +10939,19 @@
             </a:r>
             <a:r>
               <a:rPr lang="en-US" sz="2400" b="1" dirty="0"/>
-              <a:t>subsidizing gym memberships, nutritional counseling, and fitness programs</a:t>
+              <a:t>subsidizing gym memberships, nutritional counseling, active transit like biking </a:t>
+            </a:r>
+            <a:r>
+              <a:rPr lang="en-US" sz="2400" b="1"/>
+              <a:t>and walking </a:t>
+            </a:r>
+            <a:r>
+              <a:rPr lang="en-US" sz="2400"/>
+              <a:t>particularly </a:t>
             </a:r>
             <a:r>
               <a:rPr lang="en-US" sz="2400" dirty="0"/>
-              <a:t>, particularly for lower-income groups that face barriers to access</a:t>
+              <a:t>for lower-income groups that face barriers to access</a:t>
             </a:r>
           </a:p>
           <a:p>
@@ -11027,7 +11035,7 @@
         </p:blipFill>
         <p:spPr>
           <a:xfrm>
-            <a:off x="381000" y="2971800"/>
+            <a:off x="381000" y="3422650"/>
             <a:ext cx="914400" cy="914400"/>
           </a:xfrm>
           <a:prstGeom prst="rect">
@@ -11063,7 +11071,7 @@
         </p:blipFill>
         <p:spPr>
           <a:xfrm>
-            <a:off x="381000" y="4943475"/>
+            <a:off x="381000" y="4988080"/>
             <a:ext cx="914400" cy="914400"/>
           </a:xfrm>
           <a:prstGeom prst="rect">
@@ -12780,6 +12788,593 @@
 <file path=ppt/slides/slide7.xml><?xml version="1.0" encoding="utf-8"?>
 <p:sld xmlns:a="http://schemas.openxmlformats.org/drawingml/2006/main" xmlns:r="http://schemas.openxmlformats.org/officeDocument/2006/relationships" xmlns:p="http://schemas.openxmlformats.org/presentationml/2006/main">
   <p:cSld>
+    <p:bg>
+      <p:bgPr>
+        <a:solidFill>
+          <a:schemeClr val="bg1"/>
+        </a:solidFill>
+        <a:effectLst/>
+      </p:bgPr>
+    </p:bg>
+    <p:spTree>
+      <p:nvGrpSpPr>
+        <p:cNvPr id="1" name=""/>
+        <p:cNvGrpSpPr/>
+        <p:nvPr/>
+      </p:nvGrpSpPr>
+      <p:grpSpPr>
+        <a:xfrm>
+          <a:off x="0" y="0"/>
+          <a:ext cx="0" cy="0"/>
+          <a:chOff x="0" y="0"/>
+          <a:chExt cx="0" cy="0"/>
+        </a:xfrm>
+      </p:grpSpPr>
+      <p:sp>
+        <p:nvSpPr>
+          <p:cNvPr id="11" name="Rectangle 10">
+            <a:extLst>
+              <a:ext uri="{FF2B5EF4-FFF2-40B4-BE49-F238E27FC236}">
+                <a16:creationId xmlns:a16="http://schemas.microsoft.com/office/drawing/2014/main" id="{0BABF38A-8A0D-492E-BD20-6CF4D46B50BD}"/>
+              </a:ext>
+              <a:ext uri="{C183D7F6-B498-43B3-948B-1728B52AA6E4}">
+                <adec:decorative xmlns:adec="http://schemas.microsoft.com/office/drawing/2017/decorative" val="1"/>
+              </a:ext>
+            </a:extLst>
+          </p:cNvPr>
+          <p:cNvSpPr>
+            <a:spLocks noGrp="1" noRot="1" noChangeAspect="1" noMove="1" noResize="1" noEditPoints="1" noAdjustHandles="1" noChangeArrowheads="1" noChangeShapeType="1" noTextEdit="1"/>
+          </p:cNvSpPr>
+          <p:nvPr>
+            <p:extLst>
+              <p:ext uri="{386F3935-93C4-4BCD-93E2-E3B085C9AB24}">
+                <p16:designElem xmlns:p16="http://schemas.microsoft.com/office/powerpoint/2015/main" val="1"/>
+              </p:ext>
+            </p:extLst>
+          </p:nvPr>
+        </p:nvSpPr>
+        <p:spPr>
+          <a:xfrm>
+            <a:off x="0" y="0"/>
+            <a:ext cx="12192000" cy="6858004"/>
+          </a:xfrm>
+          <a:prstGeom prst="rect">
+            <a:avLst/>
+          </a:prstGeom>
+          <a:solidFill>
+            <a:schemeClr val="bg2">
+              <a:lumMod val="90000"/>
+              <a:alpha val="70000"/>
+            </a:schemeClr>
+          </a:solidFill>
+          <a:ln>
+            <a:noFill/>
+          </a:ln>
+        </p:spPr>
+        <p:style>
+          <a:lnRef idx="2">
+            <a:schemeClr val="accent1">
+              <a:shade val="50000"/>
+            </a:schemeClr>
+          </a:lnRef>
+          <a:fillRef idx="1">
+            <a:schemeClr val="accent1"/>
+          </a:fillRef>
+          <a:effectRef idx="0">
+            <a:schemeClr val="accent1"/>
+          </a:effectRef>
+          <a:fontRef idx="minor">
+            <a:schemeClr val="lt1"/>
+          </a:fontRef>
+        </p:style>
+        <p:txBody>
+          <a:bodyPr rtlCol="0" anchor="ctr"/>
+          <a:lstStyle/>
+          <a:p>
+            <a:pPr algn="ctr"/>
+            <a:endParaRPr lang="en-US" dirty="0">
+              <a:solidFill>
+                <a:schemeClr val="tx1">
+                  <a:lumMod val="65000"/>
+                  <a:lumOff val="35000"/>
+                </a:schemeClr>
+              </a:solidFill>
+              <a:latin typeface="AvenirNext LT Pro Medium" panose="020B0504020202020204" pitchFamily="34" charset="0"/>
+            </a:endParaRPr>
+          </a:p>
+        </p:txBody>
+      </p:sp>
+      <p:pic>
+        <p:nvPicPr>
+          <p:cNvPr id="13" name="Picture 12">
+            <a:extLst>
+              <a:ext uri="{FF2B5EF4-FFF2-40B4-BE49-F238E27FC236}">
+                <a16:creationId xmlns:a16="http://schemas.microsoft.com/office/drawing/2014/main" id="{BC526B7A-4801-4FD1-95C8-03AF22629E87}"/>
+              </a:ext>
+              <a:ext uri="{C183D7F6-B498-43B3-948B-1728B52AA6E4}">
+                <adec:decorative xmlns:adec="http://schemas.microsoft.com/office/drawing/2017/decorative" val="1"/>
+              </a:ext>
+            </a:extLst>
+          </p:cNvPr>
+          <p:cNvPicPr>
+            <a:picLocks noGrp="1" noRot="1" noChangeAspect="1" noMove="1" noResize="1" noEditPoints="1" noAdjustHandles="1" noChangeArrowheads="1" noChangeShapeType="1" noCrop="1"/>
+          </p:cNvPicPr>
+          <p:nvPr>
+            <p:extLst>
+              <p:ext uri="{386F3935-93C4-4BCD-93E2-E3B085C9AB24}">
+                <p16:designElem xmlns:p16="http://schemas.microsoft.com/office/powerpoint/2015/main" val="1"/>
+              </p:ext>
+            </p:extLst>
+          </p:nvPr>
+        </p:nvPicPr>
+        <p:blipFill>
+          <a:blip r:embed="rId2">
+            <a:alphaModFix amt="10000"/>
+            <a:extLst>
+              <a:ext uri="{28A0092B-C50C-407E-A947-70E740481C1C}">
+                <a14:useLocalDpi xmlns:a14="http://schemas.microsoft.com/office/drawing/2010/main" val="0"/>
+              </a:ext>
+            </a:extLst>
+          </a:blip>
+          <a:stretch>
+            <a:fillRect/>
+          </a:stretch>
+        </p:blipFill>
+        <p:spPr>
+          <a:xfrm>
+            <a:off x="8534400" y="0"/>
+            <a:ext cx="3654612" cy="4575348"/>
+          </a:xfrm>
+          <a:prstGeom prst="rect">
+            <a:avLst/>
+          </a:prstGeom>
+        </p:spPr>
+      </p:pic>
+      <p:sp useBgFill="1">
+        <p:nvSpPr>
+          <p:cNvPr id="15" name="Rectangle 14">
+            <a:extLst>
+              <a:ext uri="{FF2B5EF4-FFF2-40B4-BE49-F238E27FC236}">
+                <a16:creationId xmlns:a16="http://schemas.microsoft.com/office/drawing/2014/main" id="{297F7562-DBE2-4729-835D-1486BBB4373A}"/>
+              </a:ext>
+              <a:ext uri="{C183D7F6-B498-43B3-948B-1728B52AA6E4}">
+                <adec:decorative xmlns:adec="http://schemas.microsoft.com/office/drawing/2017/decorative" val="1"/>
+              </a:ext>
+            </a:extLst>
+          </p:cNvPr>
+          <p:cNvSpPr>
+            <a:spLocks noGrp="1" noRot="1" noChangeAspect="1" noMove="1" noResize="1" noEditPoints="1" noAdjustHandles="1" noChangeArrowheads="1" noChangeShapeType="1" noTextEdit="1"/>
+          </p:cNvSpPr>
+          <p:nvPr>
+            <p:extLst>
+              <p:ext uri="{386F3935-93C4-4BCD-93E2-E3B085C9AB24}">
+                <p16:designElem xmlns:p16="http://schemas.microsoft.com/office/powerpoint/2015/main" val="1"/>
+              </p:ext>
+            </p:extLst>
+          </p:nvPr>
+        </p:nvSpPr>
+        <p:spPr>
+          <a:xfrm>
+            <a:off x="3048" y="-2627"/>
+            <a:ext cx="12188952" cy="6858000"/>
+          </a:xfrm>
+          <a:prstGeom prst="rect">
+            <a:avLst/>
+          </a:prstGeom>
+          <a:ln>
+            <a:noFill/>
+          </a:ln>
+        </p:spPr>
+        <p:style>
+          <a:lnRef idx="2">
+            <a:schemeClr val="accent1">
+              <a:shade val="50000"/>
+            </a:schemeClr>
+          </a:lnRef>
+          <a:fillRef idx="1">
+            <a:schemeClr val="accent1"/>
+          </a:fillRef>
+          <a:effectRef idx="0">
+            <a:schemeClr val="accent1"/>
+          </a:effectRef>
+          <a:fontRef idx="minor">
+            <a:schemeClr val="lt1"/>
+          </a:fontRef>
+        </p:style>
+        <p:txBody>
+          <a:bodyPr rtlCol="0" anchor="ctr"/>
+          <a:lstStyle/>
+          <a:p>
+            <a:pPr algn="ctr"/>
+            <a:endParaRPr lang="en-US" dirty="0">
+              <a:solidFill>
+                <a:schemeClr val="tx1">
+                  <a:lumMod val="65000"/>
+                  <a:lumOff val="35000"/>
+                </a:schemeClr>
+              </a:solidFill>
+              <a:latin typeface="AvenirNext LT Pro Medium" panose="020B0504020202020204" pitchFamily="34" charset="0"/>
+            </a:endParaRPr>
+          </a:p>
+        </p:txBody>
+      </p:sp>
+      <p:sp>
+        <p:nvSpPr>
+          <p:cNvPr id="17" name="Rectangle 16">
+            <a:extLst>
+              <a:ext uri="{FF2B5EF4-FFF2-40B4-BE49-F238E27FC236}">
+                <a16:creationId xmlns:a16="http://schemas.microsoft.com/office/drawing/2014/main" id="{DCE0245F-7D4D-413E-940B-1D9D9A171161}"/>
+              </a:ext>
+              <a:ext uri="{C183D7F6-B498-43B3-948B-1728B52AA6E4}">
+                <adec:decorative xmlns:adec="http://schemas.microsoft.com/office/drawing/2017/decorative" val="1"/>
+              </a:ext>
+            </a:extLst>
+          </p:cNvPr>
+          <p:cNvSpPr>
+            <a:spLocks noGrp="1" noRot="1" noChangeAspect="1" noMove="1" noResize="1" noEditPoints="1" noAdjustHandles="1" noChangeArrowheads="1" noChangeShapeType="1" noTextEdit="1"/>
+          </p:cNvSpPr>
+          <p:nvPr>
+            <p:extLst>
+              <p:ext uri="{386F3935-93C4-4BCD-93E2-E3B085C9AB24}">
+                <p16:designElem xmlns:p16="http://schemas.microsoft.com/office/powerpoint/2015/main" val="1"/>
+              </p:ext>
+            </p:extLst>
+          </p:nvPr>
+        </p:nvSpPr>
+        <p:spPr>
+          <a:xfrm>
+            <a:off x="0" y="-2627"/>
+            <a:ext cx="12188952" cy="6858000"/>
+          </a:xfrm>
+          <a:prstGeom prst="rect">
+            <a:avLst/>
+          </a:prstGeom>
+          <a:solidFill>
+            <a:schemeClr val="bg2">
+              <a:lumMod val="90000"/>
+              <a:alpha val="70000"/>
+            </a:schemeClr>
+          </a:solidFill>
+          <a:ln>
+            <a:noFill/>
+          </a:ln>
+        </p:spPr>
+        <p:style>
+          <a:lnRef idx="2">
+            <a:schemeClr val="accent1">
+              <a:shade val="50000"/>
+            </a:schemeClr>
+          </a:lnRef>
+          <a:fillRef idx="1">
+            <a:schemeClr val="accent1"/>
+          </a:fillRef>
+          <a:effectRef idx="0">
+            <a:schemeClr val="accent1"/>
+          </a:effectRef>
+          <a:fontRef idx="minor">
+            <a:schemeClr val="lt1"/>
+          </a:fontRef>
+        </p:style>
+        <p:txBody>
+          <a:bodyPr rtlCol="0" anchor="ctr"/>
+          <a:lstStyle/>
+          <a:p>
+            <a:pPr algn="ctr"/>
+            <a:endParaRPr lang="en-US" dirty="0">
+              <a:solidFill>
+                <a:schemeClr val="tx1">
+                  <a:lumMod val="65000"/>
+                  <a:lumOff val="35000"/>
+                </a:schemeClr>
+              </a:solidFill>
+              <a:latin typeface="AvenirNext LT Pro Medium" panose="020B0504020202020204" pitchFamily="34" charset="0"/>
+            </a:endParaRPr>
+          </a:p>
+        </p:txBody>
+      </p:sp>
+      <p:grpSp>
+        <p:nvGrpSpPr>
+          <p:cNvPr id="19" name="Group 18">
+            <a:extLst>
+              <a:ext uri="{FF2B5EF4-FFF2-40B4-BE49-F238E27FC236}">
+                <a16:creationId xmlns:a16="http://schemas.microsoft.com/office/drawing/2014/main" id="{5BB11B77-16CE-4796-9677-F0ED67FCEC1B}"/>
+              </a:ext>
+              <a:ext uri="{C183D7F6-B498-43B3-948B-1728B52AA6E4}">
+                <adec:decorative xmlns:adec="http://schemas.microsoft.com/office/drawing/2017/decorative" val="1"/>
+              </a:ext>
+            </a:extLst>
+          </p:cNvPr>
+          <p:cNvGrpSpPr>
+            <a:grpSpLocks noGrp="1" noUngrp="1" noRot="1" noChangeAspect="1" noMove="1" noResize="1"/>
+          </p:cNvGrpSpPr>
+          <p:nvPr>
+            <p:extLst>
+              <p:ext uri="{386F3935-93C4-4BCD-93E2-E3B085C9AB24}">
+                <p16:designElem xmlns:p16="http://schemas.microsoft.com/office/powerpoint/2015/main" val="1"/>
+              </p:ext>
+            </p:extLst>
+          </p:nvPr>
+        </p:nvGrpSpPr>
+        <p:grpSpPr>
+          <a:xfrm flipH="1">
+            <a:off x="0" y="0"/>
+            <a:ext cx="7724071" cy="6858000"/>
+            <a:chOff x="4464881" y="0"/>
+            <a:chExt cx="7724071" cy="6858000"/>
+          </a:xfrm>
+        </p:grpSpPr>
+        <p:pic>
+          <p:nvPicPr>
+            <p:cNvPr id="20" name="Picture 19">
+              <a:extLst>
+                <a:ext uri="{FF2B5EF4-FFF2-40B4-BE49-F238E27FC236}">
+                  <a16:creationId xmlns:a16="http://schemas.microsoft.com/office/drawing/2014/main" id="{EF26510D-AF6F-45BA-9996-9EA0F149D097}"/>
+                </a:ext>
+                <a:ext uri="{C183D7F6-B498-43B3-948B-1728B52AA6E4}">
+                  <adec:decorative xmlns:adec="http://schemas.microsoft.com/office/drawing/2017/decorative" val="1"/>
+                </a:ext>
+              </a:extLst>
+            </p:cNvPr>
+            <p:cNvPicPr>
+              <a:picLocks noChangeAspect="1"/>
+            </p:cNvPicPr>
+            <p:nvPr>
+              <p:extLst>
+                <p:ext uri="{386F3935-93C4-4BCD-93E2-E3B085C9AB24}">
+                  <p16:designElem xmlns:p16="http://schemas.microsoft.com/office/powerpoint/2015/main" val="1"/>
+                </p:ext>
+              </p:extLst>
+            </p:nvPr>
+          </p:nvPicPr>
+          <p:blipFill>
+            <a:blip r:embed="rId3">
+              <a:duotone>
+                <a:schemeClr val="accent6">
+                  <a:shade val="45000"/>
+                  <a:satMod val="135000"/>
+                </a:schemeClr>
+                <a:prstClr val="white"/>
+              </a:duotone>
+              <a:alphaModFix amt="15000"/>
+              <a:extLst>
+                <a:ext uri="{28A0092B-C50C-407E-A947-70E740481C1C}">
+                  <a14:useLocalDpi xmlns:a14="http://schemas.microsoft.com/office/drawing/2010/main" val="0"/>
+                </a:ext>
+              </a:extLst>
+            </a:blip>
+            <a:stretch>
+              <a:fillRect/>
+            </a:stretch>
+          </p:blipFill>
+          <p:spPr>
+            <a:xfrm>
+              <a:off x="7073255" y="0"/>
+              <a:ext cx="5115697" cy="6858000"/>
+            </a:xfrm>
+            <a:prstGeom prst="rect">
+              <a:avLst/>
+            </a:prstGeom>
+          </p:spPr>
+        </p:pic>
+        <p:pic>
+          <p:nvPicPr>
+            <p:cNvPr id="21" name="Picture 20">
+              <a:extLst>
+                <a:ext uri="{FF2B5EF4-FFF2-40B4-BE49-F238E27FC236}">
+                  <a16:creationId xmlns:a16="http://schemas.microsoft.com/office/drawing/2014/main" id="{5E04EA3F-927A-42F5-96EF-44DCE97863D0}"/>
+                </a:ext>
+                <a:ext uri="{C183D7F6-B498-43B3-948B-1728B52AA6E4}">
+                  <adec:decorative xmlns:adec="http://schemas.microsoft.com/office/drawing/2017/decorative" val="1"/>
+                </a:ext>
+              </a:extLst>
+            </p:cNvPr>
+            <p:cNvPicPr>
+              <a:picLocks noChangeAspect="1"/>
+            </p:cNvPicPr>
+            <p:nvPr>
+              <p:extLst>
+                <p:ext uri="{386F3935-93C4-4BCD-93E2-E3B085C9AB24}">
+                  <p16:designElem xmlns:p16="http://schemas.microsoft.com/office/powerpoint/2015/main" val="1"/>
+                </p:ext>
+              </p:extLst>
+            </p:nvPr>
+          </p:nvPicPr>
+          <p:blipFill>
+            <a:blip r:embed="rId4">
+              <a:duotone>
+                <a:schemeClr val="accent6">
+                  <a:shade val="45000"/>
+                  <a:satMod val="135000"/>
+                </a:schemeClr>
+                <a:prstClr val="white"/>
+              </a:duotone>
+              <a:alphaModFix amt="7000"/>
+              <a:extLst>
+                <a:ext uri="{28A0092B-C50C-407E-A947-70E740481C1C}">
+                  <a14:useLocalDpi xmlns:a14="http://schemas.microsoft.com/office/drawing/2010/main" val="0"/>
+                </a:ext>
+              </a:extLst>
+            </a:blip>
+            <a:stretch>
+              <a:fillRect/>
+            </a:stretch>
+          </p:blipFill>
+          <p:spPr>
+            <a:xfrm rot="16200000">
+              <a:off x="5412135" y="-947254"/>
+              <a:ext cx="5562598" cy="7457106"/>
+            </a:xfrm>
+            <a:prstGeom prst="rect">
+              <a:avLst/>
+            </a:prstGeom>
+            <a:effectLst>
+              <a:softEdge rad="0"/>
+            </a:effectLst>
+          </p:spPr>
+        </p:pic>
+      </p:grpSp>
+      <p:sp>
+        <p:nvSpPr>
+          <p:cNvPr id="2" name="Title 1">
+            <a:extLst>
+              <a:ext uri="{FF2B5EF4-FFF2-40B4-BE49-F238E27FC236}">
+                <a16:creationId xmlns:a16="http://schemas.microsoft.com/office/drawing/2014/main" id="{50C8AA6B-09B7-D418-DD8C-DF52F4232B9C}"/>
+              </a:ext>
+            </a:extLst>
+          </p:cNvPr>
+          <p:cNvSpPr>
+            <a:spLocks noGrp="1"/>
+          </p:cNvSpPr>
+          <p:nvPr>
+            <p:ph type="title"/>
+          </p:nvPr>
+        </p:nvSpPr>
+        <p:spPr>
+          <a:xfrm>
+            <a:off x="7409930" y="744909"/>
+            <a:ext cx="4323376" cy="1751787"/>
+          </a:xfrm>
+        </p:spPr>
+        <p:txBody>
+          <a:bodyPr vert="horz" lIns="91440" tIns="45720" rIns="91440" bIns="45720" rtlCol="0" anchor="b">
+            <a:normAutofit/>
+          </a:bodyPr>
+          <a:lstStyle/>
+          <a:p>
+            <a:r>
+              <a:rPr lang="en-US" sz="4400" dirty="0"/>
+              <a:t>Health Insurance Data</a:t>
+            </a:r>
+          </a:p>
+        </p:txBody>
+      </p:sp>
+      <p:sp>
+        <p:nvSpPr>
+          <p:cNvPr id="4" name="Text Placeholder 3">
+            <a:extLst>
+              <a:ext uri="{FF2B5EF4-FFF2-40B4-BE49-F238E27FC236}">
+                <a16:creationId xmlns:a16="http://schemas.microsoft.com/office/drawing/2014/main" id="{27757555-DB23-4C34-1D0D-B1658659B937}"/>
+              </a:ext>
+            </a:extLst>
+          </p:cNvPr>
+          <p:cNvSpPr>
+            <a:spLocks noGrp="1"/>
+          </p:cNvSpPr>
+          <p:nvPr>
+            <p:ph type="body" sz="half" idx="2"/>
+          </p:nvPr>
+        </p:nvSpPr>
+        <p:spPr>
+          <a:xfrm>
+            <a:off x="7435509" y="3011687"/>
+            <a:ext cx="4323376" cy="2945360"/>
+          </a:xfrm>
+        </p:spPr>
+        <p:txBody>
+          <a:bodyPr vert="horz" lIns="91440" tIns="45720" rIns="91440" bIns="45720" rtlCol="0" anchor="t">
+            <a:normAutofit/>
+          </a:bodyPr>
+          <a:lstStyle/>
+          <a:p>
+            <a:r>
+              <a:rPr lang="en-US" sz="2200" dirty="0"/>
+              <a:t>We will use data from Kaggle for a fictional case study.</a:t>
+            </a:r>
+          </a:p>
+          <a:p>
+            <a:endParaRPr lang="en-US" sz="2200" b="1" dirty="0"/>
+          </a:p>
+          <a:p>
+            <a:r>
+              <a:rPr lang="en-US" sz="2200" b="1" dirty="0"/>
+              <a:t>Download files from </a:t>
+            </a:r>
+            <a:r>
+              <a:rPr lang="en-US" sz="2200" b="1" dirty="0" err="1"/>
+              <a:t>Github</a:t>
+            </a:r>
+            <a:r>
+              <a:rPr lang="en-US" sz="2200" b="1" dirty="0"/>
+              <a:t>:</a:t>
+            </a:r>
+          </a:p>
+          <a:p>
+            <a:r>
+              <a:rPr lang="en-US" sz="2200" dirty="0" err="1">
+                <a:hlinkClick r:id="rId5"/>
+              </a:rPr>
+              <a:t>github.com</a:t>
+            </a:r>
+            <a:r>
+              <a:rPr lang="en-US" sz="2200" dirty="0">
+                <a:hlinkClick r:id="rId5"/>
+              </a:rPr>
+              <a:t>/</a:t>
+            </a:r>
+            <a:r>
+              <a:rPr lang="en-US" sz="2200" dirty="0" err="1">
+                <a:hlinkClick r:id="rId5"/>
+              </a:rPr>
+              <a:t>harshvardhaniimi</a:t>
+            </a:r>
+            <a:r>
+              <a:rPr lang="en-US" sz="2200" dirty="0">
+                <a:hlinkClick r:id="rId5"/>
+              </a:rPr>
+              <a:t>/linear-regression</a:t>
+            </a:r>
+            <a:endParaRPr lang="en-US" sz="2200" dirty="0"/>
+          </a:p>
+        </p:txBody>
+      </p:sp>
+      <p:pic>
+        <p:nvPicPr>
+          <p:cNvPr id="6" name="Content Placeholder 5" descr="A screenshot of a computer&#10;&#10;Description automatically generated">
+            <a:extLst>
+              <a:ext uri="{FF2B5EF4-FFF2-40B4-BE49-F238E27FC236}">
+                <a16:creationId xmlns:a16="http://schemas.microsoft.com/office/drawing/2014/main" id="{A465293A-DF93-2760-F6BA-27E5143FBAD1}"/>
+              </a:ext>
+            </a:extLst>
+          </p:cNvPr>
+          <p:cNvPicPr>
+            <a:picLocks noGrp="1" noChangeAspect="1"/>
+          </p:cNvPicPr>
+          <p:nvPr>
+            <p:ph idx="1"/>
+          </p:nvPr>
+        </p:nvPicPr>
+        <p:blipFill>
+          <a:blip r:embed="rId6"/>
+          <a:stretch>
+            <a:fillRect/>
+          </a:stretch>
+        </p:blipFill>
+        <p:spPr>
+          <a:xfrm>
+            <a:off x="603229" y="1175595"/>
+            <a:ext cx="6402214" cy="4501556"/>
+          </a:xfrm>
+          <a:prstGeom prst="rect">
+            <a:avLst/>
+          </a:prstGeom>
+        </p:spPr>
+      </p:pic>
+    </p:spTree>
+    <p:extLst>
+      <p:ext uri="{BB962C8B-B14F-4D97-AF65-F5344CB8AC3E}">
+        <p14:creationId xmlns:p14="http://schemas.microsoft.com/office/powerpoint/2010/main" val="3845607635"/>
+      </p:ext>
+    </p:extLst>
+  </p:cSld>
+  <p:clrMapOvr>
+    <a:masterClrMapping/>
+  </p:clrMapOvr>
+</p:sld>
+</file>
+
+<file path=ppt/slides/slide8.xml><?xml version="1.0" encoding="utf-8"?>
+<p:sld xmlns:a="http://schemas.openxmlformats.org/drawingml/2006/main" xmlns:r="http://schemas.openxmlformats.org/officeDocument/2006/relationships" xmlns:p="http://schemas.openxmlformats.org/presentationml/2006/main">
+  <p:cSld>
     <p:spTree>
       <p:nvGrpSpPr>
         <p:cNvPr id="1" name=""/>
@@ -13115,593 +13710,6 @@
     <p:extLst>
       <p:ext uri="{BB962C8B-B14F-4D97-AF65-F5344CB8AC3E}">
         <p14:creationId xmlns:p14="http://schemas.microsoft.com/office/powerpoint/2010/main" val="2657178138"/>
-      </p:ext>
-    </p:extLst>
-  </p:cSld>
-  <p:clrMapOvr>
-    <a:masterClrMapping/>
-  </p:clrMapOvr>
-</p:sld>
-</file>
-
-<file path=ppt/slides/slide8.xml><?xml version="1.0" encoding="utf-8"?>
-<p:sld xmlns:a="http://schemas.openxmlformats.org/drawingml/2006/main" xmlns:r="http://schemas.openxmlformats.org/officeDocument/2006/relationships" xmlns:p="http://schemas.openxmlformats.org/presentationml/2006/main">
-  <p:cSld>
-    <p:bg>
-      <p:bgPr>
-        <a:solidFill>
-          <a:schemeClr val="bg1"/>
-        </a:solidFill>
-        <a:effectLst/>
-      </p:bgPr>
-    </p:bg>
-    <p:spTree>
-      <p:nvGrpSpPr>
-        <p:cNvPr id="1" name=""/>
-        <p:cNvGrpSpPr/>
-        <p:nvPr/>
-      </p:nvGrpSpPr>
-      <p:grpSpPr>
-        <a:xfrm>
-          <a:off x="0" y="0"/>
-          <a:ext cx="0" cy="0"/>
-          <a:chOff x="0" y="0"/>
-          <a:chExt cx="0" cy="0"/>
-        </a:xfrm>
-      </p:grpSpPr>
-      <p:sp>
-        <p:nvSpPr>
-          <p:cNvPr id="11" name="Rectangle 10">
-            <a:extLst>
-              <a:ext uri="{FF2B5EF4-FFF2-40B4-BE49-F238E27FC236}">
-                <a16:creationId xmlns:a16="http://schemas.microsoft.com/office/drawing/2014/main" id="{0BABF38A-8A0D-492E-BD20-6CF4D46B50BD}"/>
-              </a:ext>
-              <a:ext uri="{C183D7F6-B498-43B3-948B-1728B52AA6E4}">
-                <adec:decorative xmlns:adec="http://schemas.microsoft.com/office/drawing/2017/decorative" val="1"/>
-              </a:ext>
-            </a:extLst>
-          </p:cNvPr>
-          <p:cNvSpPr>
-            <a:spLocks noGrp="1" noRot="1" noChangeAspect="1" noMove="1" noResize="1" noEditPoints="1" noAdjustHandles="1" noChangeArrowheads="1" noChangeShapeType="1" noTextEdit="1"/>
-          </p:cNvSpPr>
-          <p:nvPr>
-            <p:extLst>
-              <p:ext uri="{386F3935-93C4-4BCD-93E2-E3B085C9AB24}">
-                <p16:designElem xmlns:p16="http://schemas.microsoft.com/office/powerpoint/2015/main" val="1"/>
-              </p:ext>
-            </p:extLst>
-          </p:nvPr>
-        </p:nvSpPr>
-        <p:spPr>
-          <a:xfrm>
-            <a:off x="0" y="0"/>
-            <a:ext cx="12192000" cy="6858004"/>
-          </a:xfrm>
-          <a:prstGeom prst="rect">
-            <a:avLst/>
-          </a:prstGeom>
-          <a:solidFill>
-            <a:schemeClr val="bg2">
-              <a:lumMod val="90000"/>
-              <a:alpha val="70000"/>
-            </a:schemeClr>
-          </a:solidFill>
-          <a:ln>
-            <a:noFill/>
-          </a:ln>
-        </p:spPr>
-        <p:style>
-          <a:lnRef idx="2">
-            <a:schemeClr val="accent1">
-              <a:shade val="50000"/>
-            </a:schemeClr>
-          </a:lnRef>
-          <a:fillRef idx="1">
-            <a:schemeClr val="accent1"/>
-          </a:fillRef>
-          <a:effectRef idx="0">
-            <a:schemeClr val="accent1"/>
-          </a:effectRef>
-          <a:fontRef idx="minor">
-            <a:schemeClr val="lt1"/>
-          </a:fontRef>
-        </p:style>
-        <p:txBody>
-          <a:bodyPr rtlCol="0" anchor="ctr"/>
-          <a:lstStyle/>
-          <a:p>
-            <a:pPr algn="ctr"/>
-            <a:endParaRPr lang="en-US" dirty="0">
-              <a:solidFill>
-                <a:schemeClr val="tx1">
-                  <a:lumMod val="65000"/>
-                  <a:lumOff val="35000"/>
-                </a:schemeClr>
-              </a:solidFill>
-              <a:latin typeface="AvenirNext LT Pro Medium" panose="020B0504020202020204" pitchFamily="34" charset="0"/>
-            </a:endParaRPr>
-          </a:p>
-        </p:txBody>
-      </p:sp>
-      <p:pic>
-        <p:nvPicPr>
-          <p:cNvPr id="13" name="Picture 12">
-            <a:extLst>
-              <a:ext uri="{FF2B5EF4-FFF2-40B4-BE49-F238E27FC236}">
-                <a16:creationId xmlns:a16="http://schemas.microsoft.com/office/drawing/2014/main" id="{BC526B7A-4801-4FD1-95C8-03AF22629E87}"/>
-              </a:ext>
-              <a:ext uri="{C183D7F6-B498-43B3-948B-1728B52AA6E4}">
-                <adec:decorative xmlns:adec="http://schemas.microsoft.com/office/drawing/2017/decorative" val="1"/>
-              </a:ext>
-            </a:extLst>
-          </p:cNvPr>
-          <p:cNvPicPr>
-            <a:picLocks noGrp="1" noRot="1" noChangeAspect="1" noMove="1" noResize="1" noEditPoints="1" noAdjustHandles="1" noChangeArrowheads="1" noChangeShapeType="1" noCrop="1"/>
-          </p:cNvPicPr>
-          <p:nvPr>
-            <p:extLst>
-              <p:ext uri="{386F3935-93C4-4BCD-93E2-E3B085C9AB24}">
-                <p16:designElem xmlns:p16="http://schemas.microsoft.com/office/powerpoint/2015/main" val="1"/>
-              </p:ext>
-            </p:extLst>
-          </p:nvPr>
-        </p:nvPicPr>
-        <p:blipFill>
-          <a:blip r:embed="rId2">
-            <a:alphaModFix amt="10000"/>
-            <a:extLst>
-              <a:ext uri="{28A0092B-C50C-407E-A947-70E740481C1C}">
-                <a14:useLocalDpi xmlns:a14="http://schemas.microsoft.com/office/drawing/2010/main" val="0"/>
-              </a:ext>
-            </a:extLst>
-          </a:blip>
-          <a:stretch>
-            <a:fillRect/>
-          </a:stretch>
-        </p:blipFill>
-        <p:spPr>
-          <a:xfrm>
-            <a:off x="8534400" y="0"/>
-            <a:ext cx="3654612" cy="4575348"/>
-          </a:xfrm>
-          <a:prstGeom prst="rect">
-            <a:avLst/>
-          </a:prstGeom>
-        </p:spPr>
-      </p:pic>
-      <p:sp useBgFill="1">
-        <p:nvSpPr>
-          <p:cNvPr id="15" name="Rectangle 14">
-            <a:extLst>
-              <a:ext uri="{FF2B5EF4-FFF2-40B4-BE49-F238E27FC236}">
-                <a16:creationId xmlns:a16="http://schemas.microsoft.com/office/drawing/2014/main" id="{297F7562-DBE2-4729-835D-1486BBB4373A}"/>
-              </a:ext>
-              <a:ext uri="{C183D7F6-B498-43B3-948B-1728B52AA6E4}">
-                <adec:decorative xmlns:adec="http://schemas.microsoft.com/office/drawing/2017/decorative" val="1"/>
-              </a:ext>
-            </a:extLst>
-          </p:cNvPr>
-          <p:cNvSpPr>
-            <a:spLocks noGrp="1" noRot="1" noChangeAspect="1" noMove="1" noResize="1" noEditPoints="1" noAdjustHandles="1" noChangeArrowheads="1" noChangeShapeType="1" noTextEdit="1"/>
-          </p:cNvSpPr>
-          <p:nvPr>
-            <p:extLst>
-              <p:ext uri="{386F3935-93C4-4BCD-93E2-E3B085C9AB24}">
-                <p16:designElem xmlns:p16="http://schemas.microsoft.com/office/powerpoint/2015/main" val="1"/>
-              </p:ext>
-            </p:extLst>
-          </p:nvPr>
-        </p:nvSpPr>
-        <p:spPr>
-          <a:xfrm>
-            <a:off x="3048" y="-2627"/>
-            <a:ext cx="12188952" cy="6858000"/>
-          </a:xfrm>
-          <a:prstGeom prst="rect">
-            <a:avLst/>
-          </a:prstGeom>
-          <a:ln>
-            <a:noFill/>
-          </a:ln>
-        </p:spPr>
-        <p:style>
-          <a:lnRef idx="2">
-            <a:schemeClr val="accent1">
-              <a:shade val="50000"/>
-            </a:schemeClr>
-          </a:lnRef>
-          <a:fillRef idx="1">
-            <a:schemeClr val="accent1"/>
-          </a:fillRef>
-          <a:effectRef idx="0">
-            <a:schemeClr val="accent1"/>
-          </a:effectRef>
-          <a:fontRef idx="minor">
-            <a:schemeClr val="lt1"/>
-          </a:fontRef>
-        </p:style>
-        <p:txBody>
-          <a:bodyPr rtlCol="0" anchor="ctr"/>
-          <a:lstStyle/>
-          <a:p>
-            <a:pPr algn="ctr"/>
-            <a:endParaRPr lang="en-US" dirty="0">
-              <a:solidFill>
-                <a:schemeClr val="tx1">
-                  <a:lumMod val="65000"/>
-                  <a:lumOff val="35000"/>
-                </a:schemeClr>
-              </a:solidFill>
-              <a:latin typeface="AvenirNext LT Pro Medium" panose="020B0504020202020204" pitchFamily="34" charset="0"/>
-            </a:endParaRPr>
-          </a:p>
-        </p:txBody>
-      </p:sp>
-      <p:sp>
-        <p:nvSpPr>
-          <p:cNvPr id="17" name="Rectangle 16">
-            <a:extLst>
-              <a:ext uri="{FF2B5EF4-FFF2-40B4-BE49-F238E27FC236}">
-                <a16:creationId xmlns:a16="http://schemas.microsoft.com/office/drawing/2014/main" id="{DCE0245F-7D4D-413E-940B-1D9D9A171161}"/>
-              </a:ext>
-              <a:ext uri="{C183D7F6-B498-43B3-948B-1728B52AA6E4}">
-                <adec:decorative xmlns:adec="http://schemas.microsoft.com/office/drawing/2017/decorative" val="1"/>
-              </a:ext>
-            </a:extLst>
-          </p:cNvPr>
-          <p:cNvSpPr>
-            <a:spLocks noGrp="1" noRot="1" noChangeAspect="1" noMove="1" noResize="1" noEditPoints="1" noAdjustHandles="1" noChangeArrowheads="1" noChangeShapeType="1" noTextEdit="1"/>
-          </p:cNvSpPr>
-          <p:nvPr>
-            <p:extLst>
-              <p:ext uri="{386F3935-93C4-4BCD-93E2-E3B085C9AB24}">
-                <p16:designElem xmlns:p16="http://schemas.microsoft.com/office/powerpoint/2015/main" val="1"/>
-              </p:ext>
-            </p:extLst>
-          </p:nvPr>
-        </p:nvSpPr>
-        <p:spPr>
-          <a:xfrm>
-            <a:off x="0" y="-2627"/>
-            <a:ext cx="12188952" cy="6858000"/>
-          </a:xfrm>
-          <a:prstGeom prst="rect">
-            <a:avLst/>
-          </a:prstGeom>
-          <a:solidFill>
-            <a:schemeClr val="bg2">
-              <a:lumMod val="90000"/>
-              <a:alpha val="70000"/>
-            </a:schemeClr>
-          </a:solidFill>
-          <a:ln>
-            <a:noFill/>
-          </a:ln>
-        </p:spPr>
-        <p:style>
-          <a:lnRef idx="2">
-            <a:schemeClr val="accent1">
-              <a:shade val="50000"/>
-            </a:schemeClr>
-          </a:lnRef>
-          <a:fillRef idx="1">
-            <a:schemeClr val="accent1"/>
-          </a:fillRef>
-          <a:effectRef idx="0">
-            <a:schemeClr val="accent1"/>
-          </a:effectRef>
-          <a:fontRef idx="minor">
-            <a:schemeClr val="lt1"/>
-          </a:fontRef>
-        </p:style>
-        <p:txBody>
-          <a:bodyPr rtlCol="0" anchor="ctr"/>
-          <a:lstStyle/>
-          <a:p>
-            <a:pPr algn="ctr"/>
-            <a:endParaRPr lang="en-US" dirty="0">
-              <a:solidFill>
-                <a:schemeClr val="tx1">
-                  <a:lumMod val="65000"/>
-                  <a:lumOff val="35000"/>
-                </a:schemeClr>
-              </a:solidFill>
-              <a:latin typeface="AvenirNext LT Pro Medium" panose="020B0504020202020204" pitchFamily="34" charset="0"/>
-            </a:endParaRPr>
-          </a:p>
-        </p:txBody>
-      </p:sp>
-      <p:grpSp>
-        <p:nvGrpSpPr>
-          <p:cNvPr id="19" name="Group 18">
-            <a:extLst>
-              <a:ext uri="{FF2B5EF4-FFF2-40B4-BE49-F238E27FC236}">
-                <a16:creationId xmlns:a16="http://schemas.microsoft.com/office/drawing/2014/main" id="{5BB11B77-16CE-4796-9677-F0ED67FCEC1B}"/>
-              </a:ext>
-              <a:ext uri="{C183D7F6-B498-43B3-948B-1728B52AA6E4}">
-                <adec:decorative xmlns:adec="http://schemas.microsoft.com/office/drawing/2017/decorative" val="1"/>
-              </a:ext>
-            </a:extLst>
-          </p:cNvPr>
-          <p:cNvGrpSpPr>
-            <a:grpSpLocks noGrp="1" noUngrp="1" noRot="1" noChangeAspect="1" noMove="1" noResize="1"/>
-          </p:cNvGrpSpPr>
-          <p:nvPr>
-            <p:extLst>
-              <p:ext uri="{386F3935-93C4-4BCD-93E2-E3B085C9AB24}">
-                <p16:designElem xmlns:p16="http://schemas.microsoft.com/office/powerpoint/2015/main" val="1"/>
-              </p:ext>
-            </p:extLst>
-          </p:nvPr>
-        </p:nvGrpSpPr>
-        <p:grpSpPr>
-          <a:xfrm flipH="1">
-            <a:off x="0" y="0"/>
-            <a:ext cx="7724071" cy="6858000"/>
-            <a:chOff x="4464881" y="0"/>
-            <a:chExt cx="7724071" cy="6858000"/>
-          </a:xfrm>
-        </p:grpSpPr>
-        <p:pic>
-          <p:nvPicPr>
-            <p:cNvPr id="20" name="Picture 19">
-              <a:extLst>
-                <a:ext uri="{FF2B5EF4-FFF2-40B4-BE49-F238E27FC236}">
-                  <a16:creationId xmlns:a16="http://schemas.microsoft.com/office/drawing/2014/main" id="{EF26510D-AF6F-45BA-9996-9EA0F149D097}"/>
-                </a:ext>
-                <a:ext uri="{C183D7F6-B498-43B3-948B-1728B52AA6E4}">
-                  <adec:decorative xmlns:adec="http://schemas.microsoft.com/office/drawing/2017/decorative" val="1"/>
-                </a:ext>
-              </a:extLst>
-            </p:cNvPr>
-            <p:cNvPicPr>
-              <a:picLocks noChangeAspect="1"/>
-            </p:cNvPicPr>
-            <p:nvPr>
-              <p:extLst>
-                <p:ext uri="{386F3935-93C4-4BCD-93E2-E3B085C9AB24}">
-                  <p16:designElem xmlns:p16="http://schemas.microsoft.com/office/powerpoint/2015/main" val="1"/>
-                </p:ext>
-              </p:extLst>
-            </p:nvPr>
-          </p:nvPicPr>
-          <p:blipFill>
-            <a:blip r:embed="rId3">
-              <a:duotone>
-                <a:schemeClr val="accent6">
-                  <a:shade val="45000"/>
-                  <a:satMod val="135000"/>
-                </a:schemeClr>
-                <a:prstClr val="white"/>
-              </a:duotone>
-              <a:alphaModFix amt="15000"/>
-              <a:extLst>
-                <a:ext uri="{28A0092B-C50C-407E-A947-70E740481C1C}">
-                  <a14:useLocalDpi xmlns:a14="http://schemas.microsoft.com/office/drawing/2010/main" val="0"/>
-                </a:ext>
-              </a:extLst>
-            </a:blip>
-            <a:stretch>
-              <a:fillRect/>
-            </a:stretch>
-          </p:blipFill>
-          <p:spPr>
-            <a:xfrm>
-              <a:off x="7073255" y="0"/>
-              <a:ext cx="5115697" cy="6858000"/>
-            </a:xfrm>
-            <a:prstGeom prst="rect">
-              <a:avLst/>
-            </a:prstGeom>
-          </p:spPr>
-        </p:pic>
-        <p:pic>
-          <p:nvPicPr>
-            <p:cNvPr id="21" name="Picture 20">
-              <a:extLst>
-                <a:ext uri="{FF2B5EF4-FFF2-40B4-BE49-F238E27FC236}">
-                  <a16:creationId xmlns:a16="http://schemas.microsoft.com/office/drawing/2014/main" id="{5E04EA3F-927A-42F5-96EF-44DCE97863D0}"/>
-                </a:ext>
-                <a:ext uri="{C183D7F6-B498-43B3-948B-1728B52AA6E4}">
-                  <adec:decorative xmlns:adec="http://schemas.microsoft.com/office/drawing/2017/decorative" val="1"/>
-                </a:ext>
-              </a:extLst>
-            </p:cNvPr>
-            <p:cNvPicPr>
-              <a:picLocks noChangeAspect="1"/>
-            </p:cNvPicPr>
-            <p:nvPr>
-              <p:extLst>
-                <p:ext uri="{386F3935-93C4-4BCD-93E2-E3B085C9AB24}">
-                  <p16:designElem xmlns:p16="http://schemas.microsoft.com/office/powerpoint/2015/main" val="1"/>
-                </p:ext>
-              </p:extLst>
-            </p:nvPr>
-          </p:nvPicPr>
-          <p:blipFill>
-            <a:blip r:embed="rId4">
-              <a:duotone>
-                <a:schemeClr val="accent6">
-                  <a:shade val="45000"/>
-                  <a:satMod val="135000"/>
-                </a:schemeClr>
-                <a:prstClr val="white"/>
-              </a:duotone>
-              <a:alphaModFix amt="7000"/>
-              <a:extLst>
-                <a:ext uri="{28A0092B-C50C-407E-A947-70E740481C1C}">
-                  <a14:useLocalDpi xmlns:a14="http://schemas.microsoft.com/office/drawing/2010/main" val="0"/>
-                </a:ext>
-              </a:extLst>
-            </a:blip>
-            <a:stretch>
-              <a:fillRect/>
-            </a:stretch>
-          </p:blipFill>
-          <p:spPr>
-            <a:xfrm rot="16200000">
-              <a:off x="5412135" y="-947254"/>
-              <a:ext cx="5562598" cy="7457106"/>
-            </a:xfrm>
-            <a:prstGeom prst="rect">
-              <a:avLst/>
-            </a:prstGeom>
-            <a:effectLst>
-              <a:softEdge rad="0"/>
-            </a:effectLst>
-          </p:spPr>
-        </p:pic>
-      </p:grpSp>
-      <p:sp>
-        <p:nvSpPr>
-          <p:cNvPr id="2" name="Title 1">
-            <a:extLst>
-              <a:ext uri="{FF2B5EF4-FFF2-40B4-BE49-F238E27FC236}">
-                <a16:creationId xmlns:a16="http://schemas.microsoft.com/office/drawing/2014/main" id="{50C8AA6B-09B7-D418-DD8C-DF52F4232B9C}"/>
-              </a:ext>
-            </a:extLst>
-          </p:cNvPr>
-          <p:cNvSpPr>
-            <a:spLocks noGrp="1"/>
-          </p:cNvSpPr>
-          <p:nvPr>
-            <p:ph type="title"/>
-          </p:nvPr>
-        </p:nvSpPr>
-        <p:spPr>
-          <a:xfrm>
-            <a:off x="7409930" y="744909"/>
-            <a:ext cx="4323376" cy="1751787"/>
-          </a:xfrm>
-        </p:spPr>
-        <p:txBody>
-          <a:bodyPr vert="horz" lIns="91440" tIns="45720" rIns="91440" bIns="45720" rtlCol="0" anchor="b">
-            <a:normAutofit/>
-          </a:bodyPr>
-          <a:lstStyle/>
-          <a:p>
-            <a:r>
-              <a:rPr lang="en-US" sz="4400" dirty="0"/>
-              <a:t>Health Insurance Data</a:t>
-            </a:r>
-          </a:p>
-        </p:txBody>
-      </p:sp>
-      <p:sp>
-        <p:nvSpPr>
-          <p:cNvPr id="4" name="Text Placeholder 3">
-            <a:extLst>
-              <a:ext uri="{FF2B5EF4-FFF2-40B4-BE49-F238E27FC236}">
-                <a16:creationId xmlns:a16="http://schemas.microsoft.com/office/drawing/2014/main" id="{27757555-DB23-4C34-1D0D-B1658659B937}"/>
-              </a:ext>
-            </a:extLst>
-          </p:cNvPr>
-          <p:cNvSpPr>
-            <a:spLocks noGrp="1"/>
-          </p:cNvSpPr>
-          <p:nvPr>
-            <p:ph type="body" sz="half" idx="2"/>
-          </p:nvPr>
-        </p:nvSpPr>
-        <p:spPr>
-          <a:xfrm>
-            <a:off x="7435509" y="3011687"/>
-            <a:ext cx="4323376" cy="2945360"/>
-          </a:xfrm>
-        </p:spPr>
-        <p:txBody>
-          <a:bodyPr vert="horz" lIns="91440" tIns="45720" rIns="91440" bIns="45720" rtlCol="0" anchor="t">
-            <a:normAutofit/>
-          </a:bodyPr>
-          <a:lstStyle/>
-          <a:p>
-            <a:r>
-              <a:rPr lang="en-US" sz="2200" dirty="0"/>
-              <a:t>We will use data from Kaggle for a fictional case study.</a:t>
-            </a:r>
-          </a:p>
-          <a:p>
-            <a:endParaRPr lang="en-US" sz="2200" b="1" dirty="0"/>
-          </a:p>
-          <a:p>
-            <a:r>
-              <a:rPr lang="en-US" sz="2200" b="1" dirty="0"/>
-              <a:t>Download files from </a:t>
-            </a:r>
-            <a:r>
-              <a:rPr lang="en-US" sz="2200" b="1" dirty="0" err="1"/>
-              <a:t>Github</a:t>
-            </a:r>
-            <a:r>
-              <a:rPr lang="en-US" sz="2200" b="1" dirty="0"/>
-              <a:t>:</a:t>
-            </a:r>
-          </a:p>
-          <a:p>
-            <a:r>
-              <a:rPr lang="en-US" sz="2200" dirty="0" err="1">
-                <a:hlinkClick r:id="rId5"/>
-              </a:rPr>
-              <a:t>github.com</a:t>
-            </a:r>
-            <a:r>
-              <a:rPr lang="en-US" sz="2200" dirty="0">
-                <a:hlinkClick r:id="rId5"/>
-              </a:rPr>
-              <a:t>/</a:t>
-            </a:r>
-            <a:r>
-              <a:rPr lang="en-US" sz="2200" dirty="0" err="1">
-                <a:hlinkClick r:id="rId5"/>
-              </a:rPr>
-              <a:t>harshvardhaniimi</a:t>
-            </a:r>
-            <a:r>
-              <a:rPr lang="en-US" sz="2200" dirty="0">
-                <a:hlinkClick r:id="rId5"/>
-              </a:rPr>
-              <a:t>/linear-regression</a:t>
-            </a:r>
-            <a:endParaRPr lang="en-US" sz="2200" dirty="0"/>
-          </a:p>
-        </p:txBody>
-      </p:sp>
-      <p:pic>
-        <p:nvPicPr>
-          <p:cNvPr id="6" name="Content Placeholder 5" descr="A screenshot of a computer&#10;&#10;Description automatically generated">
-            <a:extLst>
-              <a:ext uri="{FF2B5EF4-FFF2-40B4-BE49-F238E27FC236}">
-                <a16:creationId xmlns:a16="http://schemas.microsoft.com/office/drawing/2014/main" id="{A465293A-DF93-2760-F6BA-27E5143FBAD1}"/>
-              </a:ext>
-            </a:extLst>
-          </p:cNvPr>
-          <p:cNvPicPr>
-            <a:picLocks noGrp="1" noChangeAspect="1"/>
-          </p:cNvPicPr>
-          <p:nvPr>
-            <p:ph idx="1"/>
-          </p:nvPr>
-        </p:nvPicPr>
-        <p:blipFill>
-          <a:blip r:embed="rId6"/>
-          <a:stretch>
-            <a:fillRect/>
-          </a:stretch>
-        </p:blipFill>
-        <p:spPr>
-          <a:xfrm>
-            <a:off x="603229" y="1175595"/>
-            <a:ext cx="6402214" cy="4501556"/>
-          </a:xfrm>
-          <a:prstGeom prst="rect">
-            <a:avLst/>
-          </a:prstGeom>
-        </p:spPr>
-      </p:pic>
-    </p:spTree>
-    <p:extLst>
-      <p:ext uri="{BB962C8B-B14F-4D97-AF65-F5344CB8AC3E}">
-        <p14:creationId xmlns:p14="http://schemas.microsoft.com/office/powerpoint/2010/main" val="3845607635"/>
       </p:ext>
     </p:extLst>
   </p:cSld>

--- a/Slides.pptx
+++ b/Slides.pptx
@@ -5,40 +5,41 @@
     <p:sldMasterId id="2147483660" r:id="rId1"/>
   </p:sldMasterIdLst>
   <p:notesMasterIdLst>
-    <p:notesMasterId r:id="rId33"/>
+    <p:notesMasterId r:id="rId34"/>
   </p:notesMasterIdLst>
   <p:sldIdLst>
     <p:sldId id="256" r:id="rId2"/>
     <p:sldId id="257" r:id="rId3"/>
     <p:sldId id="294" r:id="rId4"/>
     <p:sldId id="259" r:id="rId5"/>
-    <p:sldId id="263" r:id="rId6"/>
-    <p:sldId id="293" r:id="rId7"/>
-    <p:sldId id="291" r:id="rId8"/>
-    <p:sldId id="258" r:id="rId9"/>
-    <p:sldId id="292" r:id="rId10"/>
-    <p:sldId id="265" r:id="rId11"/>
-    <p:sldId id="283" r:id="rId12"/>
-    <p:sldId id="262" r:id="rId13"/>
-    <p:sldId id="267" r:id="rId14"/>
-    <p:sldId id="269" r:id="rId15"/>
-    <p:sldId id="282" r:id="rId16"/>
-    <p:sldId id="272" r:id="rId17"/>
-    <p:sldId id="296" r:id="rId18"/>
-    <p:sldId id="270" r:id="rId19"/>
-    <p:sldId id="295" r:id="rId20"/>
-    <p:sldId id="274" r:id="rId21"/>
-    <p:sldId id="276" r:id="rId22"/>
-    <p:sldId id="275" r:id="rId23"/>
-    <p:sldId id="278" r:id="rId24"/>
-    <p:sldId id="279" r:id="rId25"/>
-    <p:sldId id="289" r:id="rId26"/>
-    <p:sldId id="281" r:id="rId27"/>
-    <p:sldId id="285" r:id="rId28"/>
-    <p:sldId id="297" r:id="rId29"/>
-    <p:sldId id="288" r:id="rId30"/>
-    <p:sldId id="260" r:id="rId31"/>
-    <p:sldId id="290" r:id="rId32"/>
+    <p:sldId id="298" r:id="rId6"/>
+    <p:sldId id="263" r:id="rId7"/>
+    <p:sldId id="293" r:id="rId8"/>
+    <p:sldId id="291" r:id="rId9"/>
+    <p:sldId id="258" r:id="rId10"/>
+    <p:sldId id="292" r:id="rId11"/>
+    <p:sldId id="265" r:id="rId12"/>
+    <p:sldId id="283" r:id="rId13"/>
+    <p:sldId id="262" r:id="rId14"/>
+    <p:sldId id="267" r:id="rId15"/>
+    <p:sldId id="269" r:id="rId16"/>
+    <p:sldId id="282" r:id="rId17"/>
+    <p:sldId id="272" r:id="rId18"/>
+    <p:sldId id="296" r:id="rId19"/>
+    <p:sldId id="270" r:id="rId20"/>
+    <p:sldId id="295" r:id="rId21"/>
+    <p:sldId id="274" r:id="rId22"/>
+    <p:sldId id="276" r:id="rId23"/>
+    <p:sldId id="275" r:id="rId24"/>
+    <p:sldId id="278" r:id="rId25"/>
+    <p:sldId id="279" r:id="rId26"/>
+    <p:sldId id="289" r:id="rId27"/>
+    <p:sldId id="281" r:id="rId28"/>
+    <p:sldId id="285" r:id="rId29"/>
+    <p:sldId id="297" r:id="rId30"/>
+    <p:sldId id="288" r:id="rId31"/>
+    <p:sldId id="260" r:id="rId32"/>
+    <p:sldId id="290" r:id="rId33"/>
   </p:sldIdLst>
   <p:sldSz cx="12192000" cy="6858000"/>
   <p:notesSz cx="6858000" cy="9144000"/>
@@ -654,7 +655,7 @@
           <a:p>
             <a:fld id="{E7396038-7FD2-034F-85C6-986CD04FB57A}" type="slidenum">
               <a:rPr lang="en-US" smtClean="0"/>
-              <a:t>16</a:t>
+              <a:t>17</a:t>
             </a:fld>
             <a:endParaRPr lang="en-US"/>
           </a:p>
@@ -738,7 +739,7 @@
           <a:p>
             <a:fld id="{E7396038-7FD2-034F-85C6-986CD04FB57A}" type="slidenum">
               <a:rPr lang="en-US" smtClean="0"/>
-              <a:t>20</a:t>
+              <a:t>21</a:t>
             </a:fld>
             <a:endParaRPr lang="en-US"/>
           </a:p>
@@ -4476,6 +4477,205 @@
 <file path=ppt/slides/slide10.xml><?xml version="1.0" encoding="utf-8"?>
 <p:sld xmlns:a="http://schemas.openxmlformats.org/drawingml/2006/main" xmlns:r="http://schemas.openxmlformats.org/officeDocument/2006/relationships" xmlns:p="http://schemas.openxmlformats.org/presentationml/2006/main">
   <p:cSld>
+    <p:spTree>
+      <p:nvGrpSpPr>
+        <p:cNvPr id="1" name=""/>
+        <p:cNvGrpSpPr/>
+        <p:nvPr/>
+      </p:nvGrpSpPr>
+      <p:grpSpPr>
+        <a:xfrm>
+          <a:off x="0" y="0"/>
+          <a:ext cx="0" cy="0"/>
+          <a:chOff x="0" y="0"/>
+          <a:chExt cx="0" cy="0"/>
+        </a:xfrm>
+      </p:grpSpPr>
+      <p:sp>
+        <p:nvSpPr>
+          <p:cNvPr id="2" name="Title 1">
+            <a:extLst>
+              <a:ext uri="{FF2B5EF4-FFF2-40B4-BE49-F238E27FC236}">
+                <a16:creationId xmlns:a16="http://schemas.microsoft.com/office/drawing/2014/main" id="{5310DE1A-4192-5553-29B5-6BA6656017A3}"/>
+              </a:ext>
+            </a:extLst>
+          </p:cNvPr>
+          <p:cNvSpPr>
+            <a:spLocks noGrp="1"/>
+          </p:cNvSpPr>
+          <p:nvPr>
+            <p:ph type="title"/>
+          </p:nvPr>
+        </p:nvSpPr>
+        <p:spPr/>
+        <p:txBody>
+          <a:bodyPr/>
+          <a:lstStyle/>
+          <a:p>
+            <a:r>
+              <a:rPr lang="en-US" dirty="0"/>
+              <a:t>Massachusetts Department of Public Health (MDPH)</a:t>
+            </a:r>
+          </a:p>
+        </p:txBody>
+      </p:sp>
+      <p:sp>
+        <p:nvSpPr>
+          <p:cNvPr id="3" name="Content Placeholder 2">
+            <a:extLst>
+              <a:ext uri="{FF2B5EF4-FFF2-40B4-BE49-F238E27FC236}">
+                <a16:creationId xmlns:a16="http://schemas.microsoft.com/office/drawing/2014/main" id="{5EC2C4E6-C8FD-D740-3ACD-1622C342669E}"/>
+              </a:ext>
+            </a:extLst>
+          </p:cNvPr>
+          <p:cNvSpPr>
+            <a:spLocks noGrp="1"/>
+          </p:cNvSpPr>
+          <p:nvPr>
+            <p:ph idx="1"/>
+          </p:nvPr>
+        </p:nvSpPr>
+        <p:spPr/>
+        <p:txBody>
+          <a:bodyPr>
+            <a:normAutofit fontScale="92500" lnSpcReduction="10000"/>
+          </a:bodyPr>
+          <a:lstStyle/>
+          <a:p>
+            <a:r>
+              <a:rPr lang="en-US" dirty="0"/>
+              <a:t>Goals</a:t>
+            </a:r>
+          </a:p>
+          <a:p>
+            <a:pPr marL="971550" lvl="1" indent="-514350">
+              <a:buFont typeface="+mj-lt"/>
+              <a:buAutoNum type="arabicPeriod"/>
+            </a:pPr>
+            <a:r>
+              <a:rPr lang="en-US" dirty="0"/>
+              <a:t>Identify actionable Policy Insights for MDPH</a:t>
+            </a:r>
+          </a:p>
+          <a:p>
+            <a:pPr marL="971550" lvl="1" indent="-514350">
+              <a:buFont typeface="+mj-lt"/>
+              <a:buAutoNum type="arabicPeriod"/>
+            </a:pPr>
+            <a:r>
+              <a:rPr lang="en-US" dirty="0"/>
+              <a:t>Empower insurers to structure premiums based on evidence rather than assumptions</a:t>
+            </a:r>
+          </a:p>
+          <a:p>
+            <a:r>
+              <a:rPr lang="en-US" dirty="0"/>
+              <a:t>Variables</a:t>
+            </a:r>
+          </a:p>
+          <a:p>
+            <a:pPr marL="971550" lvl="1" indent="-514350">
+              <a:buFont typeface="+mj-lt"/>
+              <a:buAutoNum type="arabicPeriod"/>
+            </a:pPr>
+            <a:r>
+              <a:rPr lang="en-US" dirty="0"/>
+              <a:t>Sex, Smoking Habits, Region </a:t>
+            </a:r>
+          </a:p>
+          <a:p>
+            <a:pPr marL="971550" lvl="1" indent="-514350">
+              <a:buFont typeface="+mj-lt"/>
+              <a:buAutoNum type="arabicPeriod"/>
+            </a:pPr>
+            <a:r>
+              <a:rPr lang="en-US" dirty="0"/>
+              <a:t>Age, BMI, Dependents</a:t>
+            </a:r>
+          </a:p>
+          <a:p>
+            <a:pPr marL="971550" lvl="1" indent="-514350">
+              <a:buFont typeface="+mj-lt"/>
+              <a:buAutoNum type="arabicPeriod"/>
+            </a:pPr>
+            <a:r>
+              <a:rPr lang="en-US" dirty="0"/>
+              <a:t>Insurance Charges</a:t>
+            </a:r>
+          </a:p>
+        </p:txBody>
+      </p:sp>
+      <p:sp>
+        <p:nvSpPr>
+          <p:cNvPr id="4" name="Text Placeholder 3">
+            <a:extLst>
+              <a:ext uri="{FF2B5EF4-FFF2-40B4-BE49-F238E27FC236}">
+                <a16:creationId xmlns:a16="http://schemas.microsoft.com/office/drawing/2014/main" id="{434C140E-6C65-A811-E965-00A3ABEE9232}"/>
+              </a:ext>
+            </a:extLst>
+          </p:cNvPr>
+          <p:cNvSpPr>
+            <a:spLocks noGrp="1"/>
+          </p:cNvSpPr>
+          <p:nvPr>
+            <p:ph type="body" sz="half" idx="2"/>
+          </p:nvPr>
+        </p:nvSpPr>
+        <p:spPr/>
+        <p:txBody>
+          <a:bodyPr/>
+          <a:lstStyle/>
+          <a:p>
+            <a:r>
+              <a:rPr lang="en-US" dirty="0"/>
+              <a:t>Identifying key factors driving health insurance charges.</a:t>
+            </a:r>
+          </a:p>
+          <a:p>
+            <a:endParaRPr lang="en-US" dirty="0"/>
+          </a:p>
+          <a:p>
+            <a:endParaRPr lang="en-US" b="1" dirty="0"/>
+          </a:p>
+          <a:p>
+            <a:endParaRPr lang="en-US" b="1" dirty="0"/>
+          </a:p>
+          <a:p>
+            <a:endParaRPr lang="en-US" b="1" dirty="0"/>
+          </a:p>
+          <a:p>
+            <a:endParaRPr lang="en-US" b="1" dirty="0"/>
+          </a:p>
+          <a:p>
+            <a:endParaRPr lang="en-US" b="1" dirty="0"/>
+          </a:p>
+          <a:p>
+            <a:endParaRPr lang="en-US" b="1" dirty="0"/>
+          </a:p>
+          <a:p>
+            <a:r>
+              <a:rPr lang="en-US" b="1" dirty="0"/>
+              <a:t>NOTE: Fictional Case Study</a:t>
+            </a:r>
+          </a:p>
+        </p:txBody>
+      </p:sp>
+    </p:spTree>
+    <p:extLst>
+      <p:ext uri="{BB962C8B-B14F-4D97-AF65-F5344CB8AC3E}">
+        <p14:creationId xmlns:p14="http://schemas.microsoft.com/office/powerpoint/2010/main" val="2681427100"/>
+      </p:ext>
+    </p:extLst>
+  </p:cSld>
+  <p:clrMapOvr>
+    <a:masterClrMapping/>
+  </p:clrMapOvr>
+</p:sld>
+</file>
+
+<file path=ppt/slides/slide11.xml><?xml version="1.0" encoding="utf-8"?>
+<p:sld xmlns:a="http://schemas.openxmlformats.org/drawingml/2006/main" xmlns:r="http://schemas.openxmlformats.org/officeDocument/2006/relationships" xmlns:p="http://schemas.openxmlformats.org/presentationml/2006/main">
+  <p:cSld>
     <p:bg>
       <p:bgPr>
         <a:solidFill>
@@ -5026,7 +5226,7 @@
 </p:sld>
 </file>
 
-<file path=ppt/slides/slide11.xml><?xml version="1.0" encoding="utf-8"?>
+<file path=ppt/slides/slide12.xml><?xml version="1.0" encoding="utf-8"?>
 <p:sld xmlns:a="http://schemas.openxmlformats.org/drawingml/2006/main" xmlns:r="http://schemas.openxmlformats.org/officeDocument/2006/relationships" xmlns:p="http://schemas.openxmlformats.org/presentationml/2006/main">
   <p:cSld>
     <p:spTree>
@@ -5117,7 +5317,7 @@
 </p:sld>
 </file>
 
-<file path=ppt/slides/slide12.xml><?xml version="1.0" encoding="utf-8"?>
+<file path=ppt/slides/slide13.xml><?xml version="1.0" encoding="utf-8"?>
 <p:sld xmlns:a="http://schemas.openxmlformats.org/drawingml/2006/main" xmlns:r="http://schemas.openxmlformats.org/officeDocument/2006/relationships" xmlns:p="http://schemas.openxmlformats.org/presentationml/2006/main">
   <p:cSld>
     <p:spTree>
@@ -5946,7 +6146,7 @@
 </p:sld>
 </file>
 
-<file path=ppt/slides/slide13.xml><?xml version="1.0" encoding="utf-8"?>
+<file path=ppt/slides/slide14.xml><?xml version="1.0" encoding="utf-8"?>
 <p:sld xmlns:a="http://schemas.openxmlformats.org/drawingml/2006/main" xmlns:r="http://schemas.openxmlformats.org/officeDocument/2006/relationships" xmlns:p="http://schemas.openxmlformats.org/presentationml/2006/main">
   <p:cSld>
     <p:spTree>
@@ -7155,7 +7355,7 @@
 </p:sld>
 </file>
 
-<file path=ppt/slides/slide14.xml><?xml version="1.0" encoding="utf-8"?>
+<file path=ppt/slides/slide15.xml><?xml version="1.0" encoding="utf-8"?>
 <p:sld xmlns:a="http://schemas.openxmlformats.org/drawingml/2006/main" xmlns:r="http://schemas.openxmlformats.org/officeDocument/2006/relationships" xmlns:p="http://schemas.openxmlformats.org/presentationml/2006/main">
   <p:cSld>
     <p:spTree>
@@ -7864,7 +8064,7 @@
 </p:sld>
 </file>
 
-<file path=ppt/slides/slide15.xml><?xml version="1.0" encoding="utf-8"?>
+<file path=ppt/slides/slide16.xml><?xml version="1.0" encoding="utf-8"?>
 <p:sld xmlns:a="http://schemas.openxmlformats.org/drawingml/2006/main" xmlns:r="http://schemas.openxmlformats.org/officeDocument/2006/relationships" xmlns:p="http://schemas.openxmlformats.org/presentationml/2006/main">
   <p:cSld>
     <p:spTree>
@@ -7950,7 +8150,7 @@
 </p:sld>
 </file>
 
-<file path=ppt/slides/slide16.xml><?xml version="1.0" encoding="utf-8"?>
+<file path=ppt/slides/slide17.xml><?xml version="1.0" encoding="utf-8"?>
 <p:sld xmlns:a="http://schemas.openxmlformats.org/drawingml/2006/main" xmlns:r="http://schemas.openxmlformats.org/officeDocument/2006/relationships" xmlns:p="http://schemas.openxmlformats.org/presentationml/2006/main">
   <p:cSld>
     <p:spTree>
@@ -8337,7 +8537,7 @@
 </p:sld>
 </file>
 
-<file path=ppt/slides/slide17.xml><?xml version="1.0" encoding="utf-8"?>
+<file path=ppt/slides/slide18.xml><?xml version="1.0" encoding="utf-8"?>
 <p:sld xmlns:a="http://schemas.openxmlformats.org/drawingml/2006/main" xmlns:r="http://schemas.openxmlformats.org/officeDocument/2006/relationships" xmlns:p="http://schemas.openxmlformats.org/presentationml/2006/main">
   <p:cSld>
     <p:spTree>
@@ -8514,7 +8714,7 @@
 </p:sld>
 </file>
 
-<file path=ppt/slides/slide18.xml><?xml version="1.0" encoding="utf-8"?>
+<file path=ppt/slides/slide19.xml><?xml version="1.0" encoding="utf-8"?>
 <p:sld xmlns:a="http://schemas.openxmlformats.org/drawingml/2006/main" xmlns:r="http://schemas.openxmlformats.org/officeDocument/2006/relationships" xmlns:p="http://schemas.openxmlformats.org/presentationml/2006/main">
   <p:cSld>
     <p:spTree>
@@ -8708,278 +8908,6 @@
     <p:extLst>
       <p:ext uri="{BB962C8B-B14F-4D97-AF65-F5344CB8AC3E}">
         <p14:creationId xmlns:p14="http://schemas.microsoft.com/office/powerpoint/2010/main" val="3466176843"/>
-      </p:ext>
-    </p:extLst>
-  </p:cSld>
-  <p:clrMapOvr>
-    <a:masterClrMapping/>
-  </p:clrMapOvr>
-</p:sld>
-</file>
-
-<file path=ppt/slides/slide19.xml><?xml version="1.0" encoding="utf-8"?>
-<p:sld xmlns:a="http://schemas.openxmlformats.org/drawingml/2006/main" xmlns:r="http://schemas.openxmlformats.org/officeDocument/2006/relationships" xmlns:p="http://schemas.openxmlformats.org/presentationml/2006/main">
-  <p:cSld>
-    <p:spTree>
-      <p:nvGrpSpPr>
-        <p:cNvPr id="1" name="">
-          <a:extLst>
-            <a:ext uri="{FF2B5EF4-FFF2-40B4-BE49-F238E27FC236}">
-              <a16:creationId xmlns:a16="http://schemas.microsoft.com/office/drawing/2014/main" id="{7BC7F4CA-4E65-9400-9C41-AF44E4F4F69A}"/>
-            </a:ext>
-          </a:extLst>
-        </p:cNvPr>
-        <p:cNvGrpSpPr/>
-        <p:nvPr/>
-      </p:nvGrpSpPr>
-      <p:grpSpPr>
-        <a:xfrm>
-          <a:off x="0" y="0"/>
-          <a:ext cx="0" cy="0"/>
-          <a:chOff x="0" y="0"/>
-          <a:chExt cx="0" cy="0"/>
-        </a:xfrm>
-      </p:grpSpPr>
-      <p:sp>
-        <p:nvSpPr>
-          <p:cNvPr id="2" name="Title 1">
-            <a:extLst>
-              <a:ext uri="{FF2B5EF4-FFF2-40B4-BE49-F238E27FC236}">
-                <a16:creationId xmlns:a16="http://schemas.microsoft.com/office/drawing/2014/main" id="{02DFA93A-EB2E-6E5D-DF8D-99EE3D93326F}"/>
-              </a:ext>
-            </a:extLst>
-          </p:cNvPr>
-          <p:cNvSpPr>
-            <a:spLocks noGrp="1"/>
-          </p:cNvSpPr>
-          <p:nvPr>
-            <p:ph type="title"/>
-          </p:nvPr>
-        </p:nvSpPr>
-        <p:spPr>
-          <a:xfrm>
-            <a:off x="458694" y="50005"/>
-            <a:ext cx="10895106" cy="1325563"/>
-          </a:xfrm>
-        </p:spPr>
-        <p:txBody>
-          <a:bodyPr/>
-          <a:lstStyle/>
-          <a:p>
-            <a:r>
-              <a:rPr lang="en-US" dirty="0"/>
-              <a:t>Interpretation</a:t>
-            </a:r>
-          </a:p>
-        </p:txBody>
-      </p:sp>
-      <p:pic>
-        <p:nvPicPr>
-          <p:cNvPr id="7" name="Picture 6" descr="A screenshot of a computer&#10;&#10;Description automatically generated">
-            <a:extLst>
-              <a:ext uri="{FF2B5EF4-FFF2-40B4-BE49-F238E27FC236}">
-                <a16:creationId xmlns:a16="http://schemas.microsoft.com/office/drawing/2014/main" id="{2B1EF225-0DCD-6535-3F7E-73E4FE93B179}"/>
-              </a:ext>
-            </a:extLst>
-          </p:cNvPr>
-          <p:cNvPicPr>
-            <a:picLocks noChangeAspect="1"/>
-          </p:cNvPicPr>
-          <p:nvPr/>
-        </p:nvPicPr>
-        <p:blipFill>
-          <a:blip r:embed="rId2"/>
-          <a:stretch>
-            <a:fillRect/>
-          </a:stretch>
-        </p:blipFill>
-        <p:spPr>
-          <a:xfrm>
-            <a:off x="162468" y="1828800"/>
-            <a:ext cx="6160746" cy="4618038"/>
-          </a:xfrm>
-          <a:prstGeom prst="rect">
-            <a:avLst/>
-          </a:prstGeom>
-        </p:spPr>
-      </p:pic>
-      <p:sp>
-        <p:nvSpPr>
-          <p:cNvPr id="3" name="TextBox 2">
-            <a:extLst>
-              <a:ext uri="{FF2B5EF4-FFF2-40B4-BE49-F238E27FC236}">
-                <a16:creationId xmlns:a16="http://schemas.microsoft.com/office/drawing/2014/main" id="{D706A00C-2FFB-E2AE-EDCC-B585C81031FA}"/>
-              </a:ext>
-            </a:extLst>
-          </p:cNvPr>
-          <p:cNvSpPr txBox="1"/>
-          <p:nvPr/>
-        </p:nvSpPr>
-        <p:spPr>
-          <a:xfrm>
-            <a:off x="6985366" y="330456"/>
-            <a:ext cx="4869363" cy="5632311"/>
-          </a:xfrm>
-          <a:prstGeom prst="rect">
-            <a:avLst/>
-          </a:prstGeom>
-          <a:noFill/>
-        </p:spPr>
-        <p:txBody>
-          <a:bodyPr wrap="square" rtlCol="0">
-            <a:spAutoFit/>
-          </a:bodyPr>
-          <a:lstStyle/>
-          <a:p>
-            <a:r>
-              <a:rPr lang="en-US" b="1" dirty="0">
-                <a:effectLst/>
-              </a:rPr>
-              <a:t>Is regression model significant?</a:t>
-            </a:r>
-          </a:p>
-          <a:p>
-            <a:pPr marL="342900" indent="-342900">
-              <a:buFont typeface="+mj-lt"/>
-              <a:buAutoNum type="arabicPeriod"/>
-            </a:pPr>
-            <a:endParaRPr lang="en-US" dirty="0">
-              <a:effectLst/>
-            </a:endParaRPr>
-          </a:p>
-          <a:p>
-            <a:pPr marL="285750" indent="-285750">
-              <a:buFont typeface="Arial" panose="020B0604020202020204" pitchFamily="34" charset="0"/>
-              <a:buChar char="•"/>
-            </a:pPr>
-            <a:r>
-              <a:rPr lang="en-US" dirty="0"/>
-              <a:t>F-statistic = </a:t>
-            </a:r>
-          </a:p>
-          <a:p>
-            <a:pPr marL="285750" indent="-285750">
-              <a:buFont typeface="Arial" panose="020B0604020202020204" pitchFamily="34" charset="0"/>
-              <a:buChar char="•"/>
-            </a:pPr>
-            <a:endParaRPr lang="en-US" dirty="0"/>
-          </a:p>
-          <a:p>
-            <a:pPr marL="285750" indent="-285750">
-              <a:buFont typeface="Arial" panose="020B0604020202020204" pitchFamily="34" charset="0"/>
-              <a:buChar char="•"/>
-            </a:pPr>
-            <a:r>
-              <a:rPr lang="en-US" dirty="0"/>
-              <a:t>R2 = </a:t>
-            </a:r>
-          </a:p>
-          <a:p>
-            <a:pPr marL="285750" indent="-285750">
-              <a:buFont typeface="Arial" panose="020B0604020202020204" pitchFamily="34" charset="0"/>
-              <a:buChar char="•"/>
-            </a:pPr>
-            <a:endParaRPr lang="en-US" dirty="0">
-              <a:effectLst/>
-            </a:endParaRPr>
-          </a:p>
-          <a:p>
-            <a:pPr marL="285750" indent="-285750">
-              <a:buFont typeface="Arial" panose="020B0604020202020204" pitchFamily="34" charset="0"/>
-              <a:buChar char="•"/>
-            </a:pPr>
-            <a:r>
-              <a:rPr lang="en-US" dirty="0">
-                <a:effectLst/>
-              </a:rPr>
-              <a:t>Adj R2 = </a:t>
-            </a:r>
-          </a:p>
-          <a:p>
-            <a:endParaRPr lang="en-US" dirty="0">
-              <a:effectLst/>
-            </a:endParaRPr>
-          </a:p>
-          <a:p>
-            <a:r>
-              <a:rPr lang="en-US" dirty="0"/>
-              <a:t>R2 Interpretation: </a:t>
-            </a:r>
-            <a:br>
-              <a:rPr lang="en-US" dirty="0">
-                <a:effectLst/>
-              </a:rPr>
-            </a:br>
-            <a:endParaRPr lang="en-US" dirty="0">
-              <a:effectLst/>
-            </a:endParaRPr>
-          </a:p>
-          <a:p>
-            <a:endParaRPr lang="en-US" dirty="0">
-              <a:effectLst/>
-            </a:endParaRPr>
-          </a:p>
-          <a:p>
-            <a:r>
-              <a:rPr lang="en-US" b="1" dirty="0">
-                <a:effectLst/>
-              </a:rPr>
-              <a:t>Is the relationship between BMI and insurance premium significant?</a:t>
-            </a:r>
-          </a:p>
-          <a:p>
-            <a:endParaRPr lang="en-US" dirty="0"/>
-          </a:p>
-          <a:p>
-            <a:pPr marL="285750" indent="-285750">
-              <a:buFont typeface="Arial" panose="020B0604020202020204" pitchFamily="34" charset="0"/>
-              <a:buChar char="•"/>
-            </a:pPr>
-            <a:r>
-              <a:rPr lang="en-US" dirty="0">
-                <a:effectLst/>
-              </a:rPr>
-              <a:t>P-value = </a:t>
-            </a:r>
-          </a:p>
-          <a:p>
-            <a:pPr marL="285750" indent="-285750">
-              <a:buFont typeface="Arial" panose="020B0604020202020204" pitchFamily="34" charset="0"/>
-              <a:buChar char="•"/>
-            </a:pPr>
-            <a:endParaRPr lang="en-US" dirty="0"/>
-          </a:p>
-          <a:p>
-            <a:r>
-              <a:rPr lang="en-US" b="1" dirty="0">
-                <a:effectLst/>
-              </a:rPr>
-              <a:t>Slope Interpretation:</a:t>
-            </a:r>
-          </a:p>
-          <a:p>
-            <a:endParaRPr lang="en-US" dirty="0"/>
-          </a:p>
-          <a:p>
-            <a:endParaRPr lang="en-US" dirty="0">
-              <a:effectLst/>
-            </a:endParaRPr>
-          </a:p>
-          <a:p>
-            <a:r>
-              <a:rPr lang="en-US" b="1" dirty="0"/>
-              <a:t>Intercept Interpretation:</a:t>
-            </a:r>
-            <a:endParaRPr lang="en-US" b="1" dirty="0">
-              <a:effectLst/>
-            </a:endParaRPr>
-          </a:p>
-        </p:txBody>
-      </p:sp>
-    </p:spTree>
-    <p:extLst>
-      <p:ext uri="{BB962C8B-B14F-4D97-AF65-F5344CB8AC3E}">
-        <p14:creationId xmlns:p14="http://schemas.microsoft.com/office/powerpoint/2010/main" val="2388630133"/>
       </p:ext>
     </p:extLst>
   </p:cSld>
@@ -9197,6 +9125,278 @@
   <p:cSld>
     <p:spTree>
       <p:nvGrpSpPr>
+        <p:cNvPr id="1" name="">
+          <a:extLst>
+            <a:ext uri="{FF2B5EF4-FFF2-40B4-BE49-F238E27FC236}">
+              <a16:creationId xmlns:a16="http://schemas.microsoft.com/office/drawing/2014/main" id="{7BC7F4CA-4E65-9400-9C41-AF44E4F4F69A}"/>
+            </a:ext>
+          </a:extLst>
+        </p:cNvPr>
+        <p:cNvGrpSpPr/>
+        <p:nvPr/>
+      </p:nvGrpSpPr>
+      <p:grpSpPr>
+        <a:xfrm>
+          <a:off x="0" y="0"/>
+          <a:ext cx="0" cy="0"/>
+          <a:chOff x="0" y="0"/>
+          <a:chExt cx="0" cy="0"/>
+        </a:xfrm>
+      </p:grpSpPr>
+      <p:sp>
+        <p:nvSpPr>
+          <p:cNvPr id="2" name="Title 1">
+            <a:extLst>
+              <a:ext uri="{FF2B5EF4-FFF2-40B4-BE49-F238E27FC236}">
+                <a16:creationId xmlns:a16="http://schemas.microsoft.com/office/drawing/2014/main" id="{02DFA93A-EB2E-6E5D-DF8D-99EE3D93326F}"/>
+              </a:ext>
+            </a:extLst>
+          </p:cNvPr>
+          <p:cNvSpPr>
+            <a:spLocks noGrp="1"/>
+          </p:cNvSpPr>
+          <p:nvPr>
+            <p:ph type="title"/>
+          </p:nvPr>
+        </p:nvSpPr>
+        <p:spPr>
+          <a:xfrm>
+            <a:off x="458694" y="50005"/>
+            <a:ext cx="10895106" cy="1325563"/>
+          </a:xfrm>
+        </p:spPr>
+        <p:txBody>
+          <a:bodyPr/>
+          <a:lstStyle/>
+          <a:p>
+            <a:r>
+              <a:rPr lang="en-US" dirty="0"/>
+              <a:t>Interpretation</a:t>
+            </a:r>
+          </a:p>
+        </p:txBody>
+      </p:sp>
+      <p:pic>
+        <p:nvPicPr>
+          <p:cNvPr id="7" name="Picture 6" descr="A screenshot of a computer&#10;&#10;Description automatically generated">
+            <a:extLst>
+              <a:ext uri="{FF2B5EF4-FFF2-40B4-BE49-F238E27FC236}">
+                <a16:creationId xmlns:a16="http://schemas.microsoft.com/office/drawing/2014/main" id="{2B1EF225-0DCD-6535-3F7E-73E4FE93B179}"/>
+              </a:ext>
+            </a:extLst>
+          </p:cNvPr>
+          <p:cNvPicPr>
+            <a:picLocks noChangeAspect="1"/>
+          </p:cNvPicPr>
+          <p:nvPr/>
+        </p:nvPicPr>
+        <p:blipFill>
+          <a:blip r:embed="rId2"/>
+          <a:stretch>
+            <a:fillRect/>
+          </a:stretch>
+        </p:blipFill>
+        <p:spPr>
+          <a:xfrm>
+            <a:off x="162468" y="1828800"/>
+            <a:ext cx="6160746" cy="4618038"/>
+          </a:xfrm>
+          <a:prstGeom prst="rect">
+            <a:avLst/>
+          </a:prstGeom>
+        </p:spPr>
+      </p:pic>
+      <p:sp>
+        <p:nvSpPr>
+          <p:cNvPr id="3" name="TextBox 2">
+            <a:extLst>
+              <a:ext uri="{FF2B5EF4-FFF2-40B4-BE49-F238E27FC236}">
+                <a16:creationId xmlns:a16="http://schemas.microsoft.com/office/drawing/2014/main" id="{D706A00C-2FFB-E2AE-EDCC-B585C81031FA}"/>
+              </a:ext>
+            </a:extLst>
+          </p:cNvPr>
+          <p:cNvSpPr txBox="1"/>
+          <p:nvPr/>
+        </p:nvSpPr>
+        <p:spPr>
+          <a:xfrm>
+            <a:off x="6985366" y="330456"/>
+            <a:ext cx="4869363" cy="5632311"/>
+          </a:xfrm>
+          <a:prstGeom prst="rect">
+            <a:avLst/>
+          </a:prstGeom>
+          <a:noFill/>
+        </p:spPr>
+        <p:txBody>
+          <a:bodyPr wrap="square" rtlCol="0">
+            <a:spAutoFit/>
+          </a:bodyPr>
+          <a:lstStyle/>
+          <a:p>
+            <a:r>
+              <a:rPr lang="en-US" b="1" dirty="0">
+                <a:effectLst/>
+              </a:rPr>
+              <a:t>Is regression model significant?</a:t>
+            </a:r>
+          </a:p>
+          <a:p>
+            <a:pPr marL="342900" indent="-342900">
+              <a:buFont typeface="+mj-lt"/>
+              <a:buAutoNum type="arabicPeriod"/>
+            </a:pPr>
+            <a:endParaRPr lang="en-US" dirty="0">
+              <a:effectLst/>
+            </a:endParaRPr>
+          </a:p>
+          <a:p>
+            <a:pPr marL="285750" indent="-285750">
+              <a:buFont typeface="Arial" panose="020B0604020202020204" pitchFamily="34" charset="0"/>
+              <a:buChar char="•"/>
+            </a:pPr>
+            <a:r>
+              <a:rPr lang="en-US" dirty="0"/>
+              <a:t>F-statistic = </a:t>
+            </a:r>
+          </a:p>
+          <a:p>
+            <a:pPr marL="285750" indent="-285750">
+              <a:buFont typeface="Arial" panose="020B0604020202020204" pitchFamily="34" charset="0"/>
+              <a:buChar char="•"/>
+            </a:pPr>
+            <a:endParaRPr lang="en-US" dirty="0"/>
+          </a:p>
+          <a:p>
+            <a:pPr marL="285750" indent="-285750">
+              <a:buFont typeface="Arial" panose="020B0604020202020204" pitchFamily="34" charset="0"/>
+              <a:buChar char="•"/>
+            </a:pPr>
+            <a:r>
+              <a:rPr lang="en-US" dirty="0"/>
+              <a:t>R2 = </a:t>
+            </a:r>
+          </a:p>
+          <a:p>
+            <a:pPr marL="285750" indent="-285750">
+              <a:buFont typeface="Arial" panose="020B0604020202020204" pitchFamily="34" charset="0"/>
+              <a:buChar char="•"/>
+            </a:pPr>
+            <a:endParaRPr lang="en-US" dirty="0">
+              <a:effectLst/>
+            </a:endParaRPr>
+          </a:p>
+          <a:p>
+            <a:pPr marL="285750" indent="-285750">
+              <a:buFont typeface="Arial" panose="020B0604020202020204" pitchFamily="34" charset="0"/>
+              <a:buChar char="•"/>
+            </a:pPr>
+            <a:r>
+              <a:rPr lang="en-US" dirty="0">
+                <a:effectLst/>
+              </a:rPr>
+              <a:t>Adj R2 = </a:t>
+            </a:r>
+          </a:p>
+          <a:p>
+            <a:endParaRPr lang="en-US" dirty="0">
+              <a:effectLst/>
+            </a:endParaRPr>
+          </a:p>
+          <a:p>
+            <a:r>
+              <a:rPr lang="en-US" dirty="0"/>
+              <a:t>R2 Interpretation: </a:t>
+            </a:r>
+            <a:br>
+              <a:rPr lang="en-US" dirty="0">
+                <a:effectLst/>
+              </a:rPr>
+            </a:br>
+            <a:endParaRPr lang="en-US" dirty="0">
+              <a:effectLst/>
+            </a:endParaRPr>
+          </a:p>
+          <a:p>
+            <a:endParaRPr lang="en-US" dirty="0">
+              <a:effectLst/>
+            </a:endParaRPr>
+          </a:p>
+          <a:p>
+            <a:r>
+              <a:rPr lang="en-US" b="1" dirty="0">
+                <a:effectLst/>
+              </a:rPr>
+              <a:t>Is the relationship between BMI and insurance premium significant?</a:t>
+            </a:r>
+          </a:p>
+          <a:p>
+            <a:endParaRPr lang="en-US" dirty="0"/>
+          </a:p>
+          <a:p>
+            <a:pPr marL="285750" indent="-285750">
+              <a:buFont typeface="Arial" panose="020B0604020202020204" pitchFamily="34" charset="0"/>
+              <a:buChar char="•"/>
+            </a:pPr>
+            <a:r>
+              <a:rPr lang="en-US" dirty="0">
+                <a:effectLst/>
+              </a:rPr>
+              <a:t>P-value = </a:t>
+            </a:r>
+          </a:p>
+          <a:p>
+            <a:pPr marL="285750" indent="-285750">
+              <a:buFont typeface="Arial" panose="020B0604020202020204" pitchFamily="34" charset="0"/>
+              <a:buChar char="•"/>
+            </a:pPr>
+            <a:endParaRPr lang="en-US" dirty="0"/>
+          </a:p>
+          <a:p>
+            <a:r>
+              <a:rPr lang="en-US" b="1" dirty="0">
+                <a:effectLst/>
+              </a:rPr>
+              <a:t>Slope Interpretation:</a:t>
+            </a:r>
+          </a:p>
+          <a:p>
+            <a:endParaRPr lang="en-US" dirty="0"/>
+          </a:p>
+          <a:p>
+            <a:endParaRPr lang="en-US" dirty="0">
+              <a:effectLst/>
+            </a:endParaRPr>
+          </a:p>
+          <a:p>
+            <a:r>
+              <a:rPr lang="en-US" b="1" dirty="0"/>
+              <a:t>Intercept Interpretation:</a:t>
+            </a:r>
+            <a:endParaRPr lang="en-US" b="1" dirty="0">
+              <a:effectLst/>
+            </a:endParaRPr>
+          </a:p>
+        </p:txBody>
+      </p:sp>
+    </p:spTree>
+    <p:extLst>
+      <p:ext uri="{BB962C8B-B14F-4D97-AF65-F5344CB8AC3E}">
+        <p14:creationId xmlns:p14="http://schemas.microsoft.com/office/powerpoint/2010/main" val="2388630133"/>
+      </p:ext>
+    </p:extLst>
+  </p:cSld>
+  <p:clrMapOvr>
+    <a:masterClrMapping/>
+  </p:clrMapOvr>
+</p:sld>
+</file>
+
+<file path=ppt/slides/slide21.xml><?xml version="1.0" encoding="utf-8"?>
+<p:sld xmlns:a="http://schemas.openxmlformats.org/drawingml/2006/main" xmlns:r="http://schemas.openxmlformats.org/officeDocument/2006/relationships" xmlns:p="http://schemas.openxmlformats.org/presentationml/2006/main">
+  <p:cSld>
+    <p:spTree>
+      <p:nvGrpSpPr>
         <p:cNvPr id="1" name=""/>
         <p:cNvGrpSpPr/>
         <p:nvPr/>
@@ -9425,7 +9625,7 @@
 </p:sld>
 </file>
 
-<file path=ppt/slides/slide21.xml><?xml version="1.0" encoding="utf-8"?>
+<file path=ppt/slides/slide22.xml><?xml version="1.0" encoding="utf-8"?>
 <p:sld xmlns:a="http://schemas.openxmlformats.org/drawingml/2006/main" xmlns:r="http://schemas.openxmlformats.org/officeDocument/2006/relationships" xmlns:p="http://schemas.openxmlformats.org/presentationml/2006/main">
   <p:cSld>
     <p:spTree>
@@ -9559,7 +9759,7 @@
 </p:sld>
 </file>
 
-<file path=ppt/slides/slide22.xml><?xml version="1.0" encoding="utf-8"?>
+<file path=ppt/slides/slide23.xml><?xml version="1.0" encoding="utf-8"?>
 <p:sld xmlns:a="http://schemas.openxmlformats.org/drawingml/2006/main" xmlns:r="http://schemas.openxmlformats.org/officeDocument/2006/relationships" xmlns:p="http://schemas.openxmlformats.org/presentationml/2006/main">
   <p:cSld>
     <p:spTree>
@@ -9806,7 +10006,7 @@
 </p:sld>
 </file>
 
-<file path=ppt/slides/slide23.xml><?xml version="1.0" encoding="utf-8"?>
+<file path=ppt/slides/slide24.xml><?xml version="1.0" encoding="utf-8"?>
 <p:sld xmlns:a="http://schemas.openxmlformats.org/drawingml/2006/main" xmlns:r="http://schemas.openxmlformats.org/officeDocument/2006/relationships" xmlns:p="http://schemas.openxmlformats.org/presentationml/2006/main">
   <p:cSld>
     <p:spTree>
@@ -10007,7 +10207,7 @@
 </p:sld>
 </file>
 
-<file path=ppt/slides/slide24.xml><?xml version="1.0" encoding="utf-8"?>
+<file path=ppt/slides/slide25.xml><?xml version="1.0" encoding="utf-8"?>
 <p:sld xmlns:a="http://schemas.openxmlformats.org/drawingml/2006/main" xmlns:r="http://schemas.openxmlformats.org/officeDocument/2006/relationships" xmlns:p="http://schemas.openxmlformats.org/presentationml/2006/main">
   <p:cSld>
     <p:bg>
@@ -10393,111 +10593,6 @@
 </p:sld>
 </file>
 
-<file path=ppt/slides/slide25.xml><?xml version="1.0" encoding="utf-8"?>
-<p:sld xmlns:a="http://schemas.openxmlformats.org/drawingml/2006/main" xmlns:r="http://schemas.openxmlformats.org/officeDocument/2006/relationships" xmlns:p="http://schemas.openxmlformats.org/presentationml/2006/main">
-  <p:cSld>
-    <p:spTree>
-      <p:nvGrpSpPr>
-        <p:cNvPr id="1" name=""/>
-        <p:cNvGrpSpPr/>
-        <p:nvPr/>
-      </p:nvGrpSpPr>
-      <p:grpSpPr>
-        <a:xfrm>
-          <a:off x="0" y="0"/>
-          <a:ext cx="0" cy="0"/>
-          <a:chOff x="0" y="0"/>
-          <a:chExt cx="0" cy="0"/>
-        </a:xfrm>
-      </p:grpSpPr>
-      <p:sp>
-        <p:nvSpPr>
-          <p:cNvPr id="2" name="Title 1">
-            <a:extLst>
-              <a:ext uri="{FF2B5EF4-FFF2-40B4-BE49-F238E27FC236}">
-                <a16:creationId xmlns:a16="http://schemas.microsoft.com/office/drawing/2014/main" id="{ADE8E07D-4BD4-C85C-4FF2-72499EAAFEC2}"/>
-              </a:ext>
-            </a:extLst>
-          </p:cNvPr>
-          <p:cNvSpPr>
-            <a:spLocks noGrp="1"/>
-          </p:cNvSpPr>
-          <p:nvPr>
-            <p:ph type="title"/>
-          </p:nvPr>
-        </p:nvSpPr>
-        <p:spPr/>
-        <p:txBody>
-          <a:bodyPr/>
-          <a:lstStyle/>
-          <a:p>
-            <a:r>
-              <a:rPr lang="en-US" dirty="0"/>
-              <a:t>In-class Quiz</a:t>
-            </a:r>
-          </a:p>
-        </p:txBody>
-      </p:sp>
-      <p:sp>
-        <p:nvSpPr>
-          <p:cNvPr id="3" name="Content Placeholder 2">
-            <a:extLst>
-              <a:ext uri="{FF2B5EF4-FFF2-40B4-BE49-F238E27FC236}">
-                <a16:creationId xmlns:a16="http://schemas.microsoft.com/office/drawing/2014/main" id="{F1C58F58-9411-E532-5A2E-34743680C024}"/>
-              </a:ext>
-            </a:extLst>
-          </p:cNvPr>
-          <p:cNvSpPr>
-            <a:spLocks noGrp="1"/>
-          </p:cNvSpPr>
-          <p:nvPr>
-            <p:ph idx="1"/>
-          </p:nvPr>
-        </p:nvSpPr>
-        <p:spPr/>
-        <p:txBody>
-          <a:bodyPr/>
-          <a:lstStyle/>
-          <a:p>
-            <a:r>
-              <a:rPr lang="en-US" dirty="0"/>
-              <a:t>Let’s see how much we understood from today’s class so far</a:t>
-            </a:r>
-          </a:p>
-          <a:p>
-            <a:r>
-              <a:rPr lang="en-US" dirty="0"/>
-              <a:t>Visit </a:t>
-            </a:r>
-            <a:r>
-              <a:rPr lang="en-US" dirty="0">
-                <a:hlinkClick r:id="rId2"/>
-              </a:rPr>
-              <a:t>https://play.blooket.com/</a:t>
-            </a:r>
-            <a:r>
-              <a:rPr lang="en-US" dirty="0"/>
-              <a:t> and enter code XXXXXX</a:t>
-            </a:r>
-          </a:p>
-          <a:p>
-            <a:endParaRPr lang="en-US" dirty="0"/>
-          </a:p>
-        </p:txBody>
-      </p:sp>
-    </p:spTree>
-    <p:extLst>
-      <p:ext uri="{BB962C8B-B14F-4D97-AF65-F5344CB8AC3E}">
-        <p14:creationId xmlns:p14="http://schemas.microsoft.com/office/powerpoint/2010/main" val="799678541"/>
-      </p:ext>
-    </p:extLst>
-  </p:cSld>
-  <p:clrMapOvr>
-    <a:masterClrMapping/>
-  </p:clrMapOvr>
-</p:sld>
-</file>
-
 <file path=ppt/slides/slide26.xml><?xml version="1.0" encoding="utf-8"?>
 <p:sld xmlns:a="http://schemas.openxmlformats.org/drawingml/2006/main" xmlns:r="http://schemas.openxmlformats.org/officeDocument/2006/relationships" xmlns:p="http://schemas.openxmlformats.org/presentationml/2006/main">
   <p:cSld>
@@ -10520,6 +10615,111 @@
           <p:cNvPr id="2" name="Title 1">
             <a:extLst>
               <a:ext uri="{FF2B5EF4-FFF2-40B4-BE49-F238E27FC236}">
+                <a16:creationId xmlns:a16="http://schemas.microsoft.com/office/drawing/2014/main" id="{ADE8E07D-4BD4-C85C-4FF2-72499EAAFEC2}"/>
+              </a:ext>
+            </a:extLst>
+          </p:cNvPr>
+          <p:cNvSpPr>
+            <a:spLocks noGrp="1"/>
+          </p:cNvSpPr>
+          <p:nvPr>
+            <p:ph type="title"/>
+          </p:nvPr>
+        </p:nvSpPr>
+        <p:spPr/>
+        <p:txBody>
+          <a:bodyPr/>
+          <a:lstStyle/>
+          <a:p>
+            <a:r>
+              <a:rPr lang="en-US" dirty="0"/>
+              <a:t>In-class Quiz</a:t>
+            </a:r>
+          </a:p>
+        </p:txBody>
+      </p:sp>
+      <p:sp>
+        <p:nvSpPr>
+          <p:cNvPr id="3" name="Content Placeholder 2">
+            <a:extLst>
+              <a:ext uri="{FF2B5EF4-FFF2-40B4-BE49-F238E27FC236}">
+                <a16:creationId xmlns:a16="http://schemas.microsoft.com/office/drawing/2014/main" id="{F1C58F58-9411-E532-5A2E-34743680C024}"/>
+              </a:ext>
+            </a:extLst>
+          </p:cNvPr>
+          <p:cNvSpPr>
+            <a:spLocks noGrp="1"/>
+          </p:cNvSpPr>
+          <p:nvPr>
+            <p:ph idx="1"/>
+          </p:nvPr>
+        </p:nvSpPr>
+        <p:spPr/>
+        <p:txBody>
+          <a:bodyPr/>
+          <a:lstStyle/>
+          <a:p>
+            <a:r>
+              <a:rPr lang="en-US" dirty="0"/>
+              <a:t>Let’s see how much we understood from today’s class so far</a:t>
+            </a:r>
+          </a:p>
+          <a:p>
+            <a:r>
+              <a:rPr lang="en-US" dirty="0"/>
+              <a:t>Visit </a:t>
+            </a:r>
+            <a:r>
+              <a:rPr lang="en-US" dirty="0">
+                <a:hlinkClick r:id="rId2"/>
+              </a:rPr>
+              <a:t>https://play.blooket.com/</a:t>
+            </a:r>
+            <a:r>
+              <a:rPr lang="en-US" dirty="0"/>
+              <a:t> and enter code XXXXXX</a:t>
+            </a:r>
+          </a:p>
+          <a:p>
+            <a:endParaRPr lang="en-US" dirty="0"/>
+          </a:p>
+        </p:txBody>
+      </p:sp>
+    </p:spTree>
+    <p:extLst>
+      <p:ext uri="{BB962C8B-B14F-4D97-AF65-F5344CB8AC3E}">
+        <p14:creationId xmlns:p14="http://schemas.microsoft.com/office/powerpoint/2010/main" val="799678541"/>
+      </p:ext>
+    </p:extLst>
+  </p:cSld>
+  <p:clrMapOvr>
+    <a:masterClrMapping/>
+  </p:clrMapOvr>
+</p:sld>
+</file>
+
+<file path=ppt/slides/slide27.xml><?xml version="1.0" encoding="utf-8"?>
+<p:sld xmlns:a="http://schemas.openxmlformats.org/drawingml/2006/main" xmlns:r="http://schemas.openxmlformats.org/officeDocument/2006/relationships" xmlns:p="http://schemas.openxmlformats.org/presentationml/2006/main">
+  <p:cSld>
+    <p:spTree>
+      <p:nvGrpSpPr>
+        <p:cNvPr id="1" name=""/>
+        <p:cNvGrpSpPr/>
+        <p:nvPr/>
+      </p:nvGrpSpPr>
+      <p:grpSpPr>
+        <a:xfrm>
+          <a:off x="0" y="0"/>
+          <a:ext cx="0" cy="0"/>
+          <a:chOff x="0" y="0"/>
+          <a:chExt cx="0" cy="0"/>
+        </a:xfrm>
+      </p:grpSpPr>
+      <p:sp>
+        <p:nvSpPr>
+          <p:cNvPr id="2" name="Title 1">
+            <a:extLst>
+              <a:ext uri="{FF2B5EF4-FFF2-40B4-BE49-F238E27FC236}">
                 <a16:creationId xmlns:a16="http://schemas.microsoft.com/office/drawing/2014/main" id="{7F06509D-FC3F-BF19-B999-D9A9D03CCD1C}"/>
               </a:ext>
             </a:extLst>
@@ -10584,7 +10784,7 @@
 </p:sld>
 </file>
 
-<file path=ppt/slides/slide27.xml><?xml version="1.0" encoding="utf-8"?>
+<file path=ppt/slides/slide28.xml><?xml version="1.0" encoding="utf-8"?>
 <p:sld xmlns:a="http://schemas.openxmlformats.org/drawingml/2006/main" xmlns:r="http://schemas.openxmlformats.org/officeDocument/2006/relationships" xmlns:p="http://schemas.openxmlformats.org/presentationml/2006/main">
   <p:cSld>
     <p:spTree>
@@ -10829,7 +11029,7 @@
 </p:sld>
 </file>
 
-<file path=ppt/slides/slide28.xml><?xml version="1.0" encoding="utf-8"?>
+<file path=ppt/slides/slide29.xml><?xml version="1.0" encoding="utf-8"?>
 <p:sld xmlns:a="http://schemas.openxmlformats.org/drawingml/2006/main" xmlns:r="http://schemas.openxmlformats.org/officeDocument/2006/relationships" xmlns:p="http://schemas.openxmlformats.org/presentationml/2006/main">
   <p:cSld>
     <p:spTree>
@@ -11083,235 +11283,6 @@
     <p:extLst>
       <p:ext uri="{BB962C8B-B14F-4D97-AF65-F5344CB8AC3E}">
         <p14:creationId xmlns:p14="http://schemas.microsoft.com/office/powerpoint/2010/main" val="1211321221"/>
-      </p:ext>
-    </p:extLst>
-  </p:cSld>
-  <p:clrMapOvr>
-    <a:masterClrMapping/>
-  </p:clrMapOvr>
-</p:sld>
-</file>
-
-<file path=ppt/slides/slide29.xml><?xml version="1.0" encoding="utf-8"?>
-<p:sld xmlns:a="http://schemas.openxmlformats.org/drawingml/2006/main" xmlns:r="http://schemas.openxmlformats.org/officeDocument/2006/relationships" xmlns:p="http://schemas.openxmlformats.org/presentationml/2006/main">
-  <p:cSld>
-    <p:spTree>
-      <p:nvGrpSpPr>
-        <p:cNvPr id="1" name=""/>
-        <p:cNvGrpSpPr/>
-        <p:nvPr/>
-      </p:nvGrpSpPr>
-      <p:grpSpPr>
-        <a:xfrm>
-          <a:off x="0" y="0"/>
-          <a:ext cx="0" cy="0"/>
-          <a:chOff x="0" y="0"/>
-          <a:chExt cx="0" cy="0"/>
-        </a:xfrm>
-      </p:grpSpPr>
-      <p:sp>
-        <p:nvSpPr>
-          <p:cNvPr id="2" name="Title 1">
-            <a:extLst>
-              <a:ext uri="{FF2B5EF4-FFF2-40B4-BE49-F238E27FC236}">
-                <a16:creationId xmlns:a16="http://schemas.microsoft.com/office/drawing/2014/main" id="{90705B0B-3B33-9B5C-F158-DEAAAEC8C05F}"/>
-              </a:ext>
-            </a:extLst>
-          </p:cNvPr>
-          <p:cNvSpPr>
-            <a:spLocks noGrp="1"/>
-          </p:cNvSpPr>
-          <p:nvPr>
-            <p:ph type="title"/>
-          </p:nvPr>
-        </p:nvSpPr>
-        <p:spPr>
-          <a:xfrm>
-            <a:off x="458695" y="18255"/>
-            <a:ext cx="10895106" cy="1325563"/>
-          </a:xfrm>
-        </p:spPr>
-        <p:txBody>
-          <a:bodyPr/>
-          <a:lstStyle/>
-          <a:p>
-            <a:r>
-              <a:rPr lang="en-US" dirty="0"/>
-              <a:t>Concluding Remarks</a:t>
-            </a:r>
-          </a:p>
-        </p:txBody>
-      </p:sp>
-      <p:sp>
-        <p:nvSpPr>
-          <p:cNvPr id="3" name="Content Placeholder 2">
-            <a:extLst>
-              <a:ext uri="{FF2B5EF4-FFF2-40B4-BE49-F238E27FC236}">
-                <a16:creationId xmlns:a16="http://schemas.microsoft.com/office/drawing/2014/main" id="{9CE956AE-7039-39B6-F94E-3EC7FE476B45}"/>
-              </a:ext>
-            </a:extLst>
-          </p:cNvPr>
-          <p:cNvSpPr>
-            <a:spLocks noGrp="1"/>
-          </p:cNvSpPr>
-          <p:nvPr>
-            <p:ph sz="half" idx="1"/>
-          </p:nvPr>
-        </p:nvSpPr>
-        <p:spPr>
-          <a:xfrm>
-            <a:off x="458696" y="1351660"/>
-            <a:ext cx="5561106" cy="5225410"/>
-          </a:xfrm>
-        </p:spPr>
-        <p:txBody>
-          <a:bodyPr>
-            <a:normAutofit fontScale="77500" lnSpcReduction="20000"/>
-          </a:bodyPr>
-          <a:lstStyle/>
-          <a:p>
-            <a:pPr marL="0" indent="0">
-              <a:buNone/>
-            </a:pPr>
-            <a:r>
-              <a:rPr lang="en-US" b="1" dirty="0"/>
-              <a:t>What we learned today?</a:t>
-            </a:r>
-          </a:p>
-          <a:p>
-            <a:r>
-              <a:rPr lang="en-US" dirty="0"/>
-              <a:t>Linear regression helps us identify relationship and patterns between </a:t>
-            </a:r>
-            <a:r>
-              <a:rPr lang="en-US" i="1" dirty="0"/>
-              <a:t>independent </a:t>
-            </a:r>
-            <a:r>
-              <a:rPr lang="en-US" dirty="0"/>
-              <a:t>and </a:t>
-            </a:r>
-            <a:r>
-              <a:rPr lang="en-US" i="1" dirty="0"/>
-              <a:t>dependent</a:t>
-            </a:r>
-            <a:r>
-              <a:rPr lang="en-US" dirty="0"/>
-              <a:t> variables</a:t>
-            </a:r>
-          </a:p>
-          <a:p>
-            <a:r>
-              <a:rPr lang="en-US" dirty="0"/>
-              <a:t>Smoking and BMI have high impact!</a:t>
-            </a:r>
-          </a:p>
-          <a:p>
-            <a:r>
-              <a:rPr lang="en-US" dirty="0"/>
-              <a:t>Model coefficients tell us the impact of an individual variable</a:t>
-            </a:r>
-          </a:p>
-          <a:p>
-            <a:r>
-              <a:rPr lang="en-US" dirty="0" err="1"/>
-              <a:t>RSquared</a:t>
-            </a:r>
-            <a:r>
-              <a:rPr lang="en-US" dirty="0"/>
-              <a:t> tells us “goodness of fit” of a model</a:t>
-            </a:r>
-          </a:p>
-          <a:p>
-            <a:r>
-              <a:rPr lang="en-US" dirty="0"/>
-              <a:t>Assumptions of LR should be verified before interpretation</a:t>
-            </a:r>
-          </a:p>
-          <a:p>
-            <a:r>
-              <a:rPr lang="en-US" dirty="0"/>
-              <a:t>Residuals analysis can tell us more about the data than we think</a:t>
-            </a:r>
-          </a:p>
-        </p:txBody>
-      </p:sp>
-      <p:sp>
-        <p:nvSpPr>
-          <p:cNvPr id="4" name="Content Placeholder 3">
-            <a:extLst>
-              <a:ext uri="{FF2B5EF4-FFF2-40B4-BE49-F238E27FC236}">
-                <a16:creationId xmlns:a16="http://schemas.microsoft.com/office/drawing/2014/main" id="{9DC30BDF-2AB0-095A-AEE6-0A7D1C72203C}"/>
-              </a:ext>
-            </a:extLst>
-          </p:cNvPr>
-          <p:cNvSpPr>
-            <a:spLocks noGrp="1"/>
-          </p:cNvSpPr>
-          <p:nvPr>
-            <p:ph sz="half" idx="2"/>
-          </p:nvPr>
-        </p:nvSpPr>
-        <p:spPr>
-          <a:xfrm>
-            <a:off x="6172199" y="1403569"/>
-            <a:ext cx="5561105" cy="4351338"/>
-          </a:xfrm>
-        </p:spPr>
-        <p:txBody>
-          <a:bodyPr>
-            <a:normAutofit fontScale="77500" lnSpcReduction="20000"/>
-          </a:bodyPr>
-          <a:lstStyle/>
-          <a:p>
-            <a:pPr marL="0" indent="0">
-              <a:buNone/>
-            </a:pPr>
-            <a:r>
-              <a:rPr lang="en-US" b="1" dirty="0"/>
-              <a:t>What to remember?</a:t>
-            </a:r>
-          </a:p>
-          <a:p>
-            <a:r>
-              <a:rPr lang="en-US" dirty="0"/>
-              <a:t>Regression’s strength is interpretability</a:t>
-            </a:r>
-          </a:p>
-          <a:p>
-            <a:r>
-              <a:rPr lang="en-US" dirty="0"/>
-              <a:t>Regression coefficient being significant doesn’t imply causality</a:t>
-            </a:r>
-          </a:p>
-          <a:p>
-            <a:r>
-              <a:rPr lang="en-US" dirty="0"/>
-              <a:t>Assumption of “linear model” might be too simplistic for pure prediction</a:t>
-            </a:r>
-          </a:p>
-          <a:p>
-            <a:r>
-              <a:rPr lang="en-US" b="1" dirty="0"/>
-              <a:t>LINE Assumptions: </a:t>
-            </a:r>
-            <a:r>
-              <a:rPr lang="en-US" dirty="0"/>
-              <a:t>Linearity, Independence, Normality, Equal Variance</a:t>
-            </a:r>
-          </a:p>
-          <a:p>
-            <a:r>
-              <a:rPr lang="en-US" b="1" dirty="0"/>
-              <a:t>There is more to regression! We will cover additional topics in coming classes</a:t>
-            </a:r>
-          </a:p>
-        </p:txBody>
-      </p:sp>
-    </p:spTree>
-    <p:extLst>
-      <p:ext uri="{BB962C8B-B14F-4D97-AF65-F5344CB8AC3E}">
-        <p14:creationId xmlns:p14="http://schemas.microsoft.com/office/powerpoint/2010/main" val="4096181571"/>
       </p:ext>
     </p:extLst>
   </p:cSld>
@@ -11429,6 +11400,235 @@
           <p:cNvPr id="2" name="Title 1">
             <a:extLst>
               <a:ext uri="{FF2B5EF4-FFF2-40B4-BE49-F238E27FC236}">
+                <a16:creationId xmlns:a16="http://schemas.microsoft.com/office/drawing/2014/main" id="{90705B0B-3B33-9B5C-F158-DEAAAEC8C05F}"/>
+              </a:ext>
+            </a:extLst>
+          </p:cNvPr>
+          <p:cNvSpPr>
+            <a:spLocks noGrp="1"/>
+          </p:cNvSpPr>
+          <p:nvPr>
+            <p:ph type="title"/>
+          </p:nvPr>
+        </p:nvSpPr>
+        <p:spPr>
+          <a:xfrm>
+            <a:off x="458695" y="18255"/>
+            <a:ext cx="10895106" cy="1325563"/>
+          </a:xfrm>
+        </p:spPr>
+        <p:txBody>
+          <a:bodyPr/>
+          <a:lstStyle/>
+          <a:p>
+            <a:r>
+              <a:rPr lang="en-US" dirty="0"/>
+              <a:t>Concluding Remarks</a:t>
+            </a:r>
+          </a:p>
+        </p:txBody>
+      </p:sp>
+      <p:sp>
+        <p:nvSpPr>
+          <p:cNvPr id="3" name="Content Placeholder 2">
+            <a:extLst>
+              <a:ext uri="{FF2B5EF4-FFF2-40B4-BE49-F238E27FC236}">
+                <a16:creationId xmlns:a16="http://schemas.microsoft.com/office/drawing/2014/main" id="{9CE956AE-7039-39B6-F94E-3EC7FE476B45}"/>
+              </a:ext>
+            </a:extLst>
+          </p:cNvPr>
+          <p:cNvSpPr>
+            <a:spLocks noGrp="1"/>
+          </p:cNvSpPr>
+          <p:nvPr>
+            <p:ph sz="half" idx="1"/>
+          </p:nvPr>
+        </p:nvSpPr>
+        <p:spPr>
+          <a:xfrm>
+            <a:off x="458696" y="1351660"/>
+            <a:ext cx="5561106" cy="5225410"/>
+          </a:xfrm>
+        </p:spPr>
+        <p:txBody>
+          <a:bodyPr>
+            <a:normAutofit fontScale="77500" lnSpcReduction="20000"/>
+          </a:bodyPr>
+          <a:lstStyle/>
+          <a:p>
+            <a:pPr marL="0" indent="0">
+              <a:buNone/>
+            </a:pPr>
+            <a:r>
+              <a:rPr lang="en-US" b="1" dirty="0"/>
+              <a:t>What we learned today?</a:t>
+            </a:r>
+          </a:p>
+          <a:p>
+            <a:r>
+              <a:rPr lang="en-US" dirty="0"/>
+              <a:t>Linear regression helps us identify relationship and patterns between </a:t>
+            </a:r>
+            <a:r>
+              <a:rPr lang="en-US" i="1" dirty="0"/>
+              <a:t>independent </a:t>
+            </a:r>
+            <a:r>
+              <a:rPr lang="en-US" dirty="0"/>
+              <a:t>and </a:t>
+            </a:r>
+            <a:r>
+              <a:rPr lang="en-US" i="1" dirty="0"/>
+              <a:t>dependent</a:t>
+            </a:r>
+            <a:r>
+              <a:rPr lang="en-US" dirty="0"/>
+              <a:t> variables</a:t>
+            </a:r>
+          </a:p>
+          <a:p>
+            <a:r>
+              <a:rPr lang="en-US" dirty="0"/>
+              <a:t>Smoking and BMI have high impact!</a:t>
+            </a:r>
+          </a:p>
+          <a:p>
+            <a:r>
+              <a:rPr lang="en-US" dirty="0"/>
+              <a:t>Model coefficients tell us the impact of an individual variable</a:t>
+            </a:r>
+          </a:p>
+          <a:p>
+            <a:r>
+              <a:rPr lang="en-US" dirty="0" err="1"/>
+              <a:t>RSquared</a:t>
+            </a:r>
+            <a:r>
+              <a:rPr lang="en-US" dirty="0"/>
+              <a:t> tells us “goodness of fit” of a model</a:t>
+            </a:r>
+          </a:p>
+          <a:p>
+            <a:r>
+              <a:rPr lang="en-US" dirty="0"/>
+              <a:t>Assumptions of LR should be verified before interpretation</a:t>
+            </a:r>
+          </a:p>
+          <a:p>
+            <a:r>
+              <a:rPr lang="en-US" dirty="0"/>
+              <a:t>Residuals analysis can tell us more about the data than we think</a:t>
+            </a:r>
+          </a:p>
+        </p:txBody>
+      </p:sp>
+      <p:sp>
+        <p:nvSpPr>
+          <p:cNvPr id="4" name="Content Placeholder 3">
+            <a:extLst>
+              <a:ext uri="{FF2B5EF4-FFF2-40B4-BE49-F238E27FC236}">
+                <a16:creationId xmlns:a16="http://schemas.microsoft.com/office/drawing/2014/main" id="{9DC30BDF-2AB0-095A-AEE6-0A7D1C72203C}"/>
+              </a:ext>
+            </a:extLst>
+          </p:cNvPr>
+          <p:cNvSpPr>
+            <a:spLocks noGrp="1"/>
+          </p:cNvSpPr>
+          <p:nvPr>
+            <p:ph sz="half" idx="2"/>
+          </p:nvPr>
+        </p:nvSpPr>
+        <p:spPr>
+          <a:xfrm>
+            <a:off x="6172199" y="1403569"/>
+            <a:ext cx="5561105" cy="4351338"/>
+          </a:xfrm>
+        </p:spPr>
+        <p:txBody>
+          <a:bodyPr>
+            <a:normAutofit fontScale="77500" lnSpcReduction="20000"/>
+          </a:bodyPr>
+          <a:lstStyle/>
+          <a:p>
+            <a:pPr marL="0" indent="0">
+              <a:buNone/>
+            </a:pPr>
+            <a:r>
+              <a:rPr lang="en-US" b="1" dirty="0"/>
+              <a:t>What to remember?</a:t>
+            </a:r>
+          </a:p>
+          <a:p>
+            <a:r>
+              <a:rPr lang="en-US" dirty="0"/>
+              <a:t>Regression’s strength is interpretability</a:t>
+            </a:r>
+          </a:p>
+          <a:p>
+            <a:r>
+              <a:rPr lang="en-US" dirty="0"/>
+              <a:t>Regression coefficient being significant doesn’t imply causality</a:t>
+            </a:r>
+          </a:p>
+          <a:p>
+            <a:r>
+              <a:rPr lang="en-US" dirty="0"/>
+              <a:t>Assumption of “linear model” might be too simplistic for pure prediction</a:t>
+            </a:r>
+          </a:p>
+          <a:p>
+            <a:r>
+              <a:rPr lang="en-US" b="1" dirty="0"/>
+              <a:t>LINE Assumptions: </a:t>
+            </a:r>
+            <a:r>
+              <a:rPr lang="en-US" dirty="0"/>
+              <a:t>Linearity, Independence, Normality, Equal Variance</a:t>
+            </a:r>
+          </a:p>
+          <a:p>
+            <a:r>
+              <a:rPr lang="en-US" b="1" dirty="0"/>
+              <a:t>There is more to regression! We will cover additional topics in coming classes</a:t>
+            </a:r>
+          </a:p>
+        </p:txBody>
+      </p:sp>
+    </p:spTree>
+    <p:extLst>
+      <p:ext uri="{BB962C8B-B14F-4D97-AF65-F5344CB8AC3E}">
+        <p14:creationId xmlns:p14="http://schemas.microsoft.com/office/powerpoint/2010/main" val="4096181571"/>
+      </p:ext>
+    </p:extLst>
+  </p:cSld>
+  <p:clrMapOvr>
+    <a:masterClrMapping/>
+  </p:clrMapOvr>
+</p:sld>
+</file>
+
+<file path=ppt/slides/slide31.xml><?xml version="1.0" encoding="utf-8"?>
+<p:sld xmlns:a="http://schemas.openxmlformats.org/drawingml/2006/main" xmlns:r="http://schemas.openxmlformats.org/officeDocument/2006/relationships" xmlns:p="http://schemas.openxmlformats.org/presentationml/2006/main">
+  <p:cSld>
+    <p:spTree>
+      <p:nvGrpSpPr>
+        <p:cNvPr id="1" name=""/>
+        <p:cNvGrpSpPr/>
+        <p:nvPr/>
+      </p:nvGrpSpPr>
+      <p:grpSpPr>
+        <a:xfrm>
+          <a:off x="0" y="0"/>
+          <a:ext cx="0" cy="0"/>
+          <a:chOff x="0" y="0"/>
+          <a:chExt cx="0" cy="0"/>
+        </a:xfrm>
+      </p:grpSpPr>
+      <p:sp>
+        <p:nvSpPr>
+          <p:cNvPr id="2" name="Title 1">
+            <a:extLst>
+              <a:ext uri="{FF2B5EF4-FFF2-40B4-BE49-F238E27FC236}">
                 <a16:creationId xmlns:a16="http://schemas.microsoft.com/office/drawing/2014/main" id="{0EACD1D4-65E0-5B6C-5AF0-7D9E309F8B3B}"/>
               </a:ext>
             </a:extLst>
@@ -11560,7 +11760,7 @@
 </p:sld>
 </file>
 
-<file path=ppt/slides/slide31.xml><?xml version="1.0" encoding="utf-8"?>
+<file path=ppt/slides/slide32.xml><?xml version="1.0" encoding="utf-8"?>
 <p:sld xmlns:a="http://schemas.openxmlformats.org/drawingml/2006/main" xmlns:r="http://schemas.openxmlformats.org/officeDocument/2006/relationships" xmlns:p="http://schemas.openxmlformats.org/presentationml/2006/main">
   <p:cSld>
     <p:bg>
@@ -12180,6 +12380,120 @@
 </file>
 
 <file path=ppt/slides/slide5.xml><?xml version="1.0" encoding="utf-8"?>
+<p:sld xmlns:a="http://schemas.openxmlformats.org/drawingml/2006/main" xmlns:r="http://schemas.openxmlformats.org/officeDocument/2006/relationships" xmlns:p="http://schemas.openxmlformats.org/presentationml/2006/main">
+  <p:cSld>
+    <p:spTree>
+      <p:nvGrpSpPr>
+        <p:cNvPr id="1" name=""/>
+        <p:cNvGrpSpPr/>
+        <p:nvPr/>
+      </p:nvGrpSpPr>
+      <p:grpSpPr>
+        <a:xfrm>
+          <a:off x="0" y="0"/>
+          <a:ext cx="0" cy="0"/>
+          <a:chOff x="0" y="0"/>
+          <a:chExt cx="0" cy="0"/>
+        </a:xfrm>
+      </p:grpSpPr>
+      <p:pic>
+        <p:nvPicPr>
+          <p:cNvPr id="1026" name="Picture 2" descr="Image">
+            <a:extLst>
+              <a:ext uri="{FF2B5EF4-FFF2-40B4-BE49-F238E27FC236}">
+                <a16:creationId xmlns:a16="http://schemas.microsoft.com/office/drawing/2014/main" id="{E7FBBC34-ABF0-5A7B-6545-63FEAD7FBC2A}"/>
+              </a:ext>
+            </a:extLst>
+          </p:cNvPr>
+          <p:cNvPicPr>
+            <a:picLocks noGrp="1" noChangeAspect="1" noChangeArrowheads="1"/>
+          </p:cNvPicPr>
+          <p:nvPr>
+            <p:ph idx="1"/>
+          </p:nvPr>
+        </p:nvPicPr>
+        <p:blipFill>
+          <a:blip r:embed="rId2">
+            <a:extLst>
+              <a:ext uri="{28A0092B-C50C-407E-A947-70E740481C1C}">
+                <a14:useLocalDpi xmlns:a14="http://schemas.microsoft.com/office/drawing/2010/main" val="0"/>
+              </a:ext>
+            </a:extLst>
+          </a:blip>
+          <a:srcRect/>
+          <a:stretch>
+            <a:fillRect/>
+          </a:stretch>
+        </p:blipFill>
+        <p:spPr bwMode="auto">
+          <a:xfrm>
+            <a:off x="702108" y="663371"/>
+            <a:ext cx="10787783" cy="5531257"/>
+          </a:xfrm>
+          <a:prstGeom prst="rect">
+            <a:avLst/>
+          </a:prstGeom>
+          <a:noFill/>
+          <a:extLst>
+            <a:ext uri="{909E8E84-426E-40DD-AFC4-6F175D3DCCD1}">
+              <a14:hiddenFill xmlns:a14="http://schemas.microsoft.com/office/drawing/2010/main">
+                <a:solidFill>
+                  <a:srgbClr val="FFFFFF"/>
+                </a:solidFill>
+              </a14:hiddenFill>
+            </a:ext>
+          </a:extLst>
+        </p:spPr>
+      </p:pic>
+      <p:sp>
+        <p:nvSpPr>
+          <p:cNvPr id="4" name="TextBox 3">
+            <a:extLst>
+              <a:ext uri="{FF2B5EF4-FFF2-40B4-BE49-F238E27FC236}">
+                <a16:creationId xmlns:a16="http://schemas.microsoft.com/office/drawing/2014/main" id="{1A9A287E-EBA8-8534-85C4-9539912B8DA7}"/>
+              </a:ext>
+            </a:extLst>
+          </p:cNvPr>
+          <p:cNvSpPr txBox="1"/>
+          <p:nvPr/>
+        </p:nvSpPr>
+        <p:spPr>
+          <a:xfrm>
+            <a:off x="10348332" y="6488668"/>
+            <a:ext cx="1669368" cy="369332"/>
+          </a:xfrm>
+          <a:prstGeom prst="rect">
+            <a:avLst/>
+          </a:prstGeom>
+          <a:noFill/>
+        </p:spPr>
+        <p:txBody>
+          <a:bodyPr wrap="none" rtlCol="0">
+            <a:spAutoFit/>
+          </a:bodyPr>
+          <a:lstStyle/>
+          <a:p>
+            <a:r>
+              <a:rPr lang="en-US" dirty="0"/>
+              <a:t>Source: XKCD</a:t>
+            </a:r>
+          </a:p>
+        </p:txBody>
+      </p:sp>
+    </p:spTree>
+    <p:extLst>
+      <p:ext uri="{BB962C8B-B14F-4D97-AF65-F5344CB8AC3E}">
+        <p14:creationId xmlns:p14="http://schemas.microsoft.com/office/powerpoint/2010/main" val="2574720109"/>
+      </p:ext>
+    </p:extLst>
+  </p:cSld>
+  <p:clrMapOvr>
+    <a:masterClrMapping/>
+  </p:clrMapOvr>
+</p:sld>
+</file>
+
+<file path=ppt/slides/slide6.xml><?xml version="1.0" encoding="utf-8"?>
 <p:sld xmlns:a="http://schemas.openxmlformats.org/drawingml/2006/main" xmlns:r="http://schemas.openxmlformats.org/officeDocument/2006/relationships" xmlns:p="http://schemas.openxmlformats.org/presentationml/2006/main">
   <p:cSld>
     <p:spTree>
@@ -12634,7 +12948,7 @@
 </p:sld>
 </file>
 
-<file path=ppt/slides/slide6.xml><?xml version="1.0" encoding="utf-8"?>
+<file path=ppt/slides/slide7.xml><?xml version="1.0" encoding="utf-8"?>
 <p:sld xmlns:a="http://schemas.openxmlformats.org/drawingml/2006/main" xmlns:r="http://schemas.openxmlformats.org/officeDocument/2006/relationships" xmlns:p="http://schemas.openxmlformats.org/presentationml/2006/main">
   <p:cSld>
     <p:spTree>
@@ -12785,7 +13099,7 @@
 </p:sld>
 </file>
 
-<file path=ppt/slides/slide7.xml><?xml version="1.0" encoding="utf-8"?>
+<file path=ppt/slides/slide8.xml><?xml version="1.0" encoding="utf-8"?>
 <p:sld xmlns:a="http://schemas.openxmlformats.org/drawingml/2006/main" xmlns:r="http://schemas.openxmlformats.org/officeDocument/2006/relationships" xmlns:p="http://schemas.openxmlformats.org/presentationml/2006/main">
   <p:cSld>
     <p:bg>
@@ -13372,7 +13686,7 @@
 </p:sld>
 </file>
 
-<file path=ppt/slides/slide8.xml><?xml version="1.0" encoding="utf-8"?>
+<file path=ppt/slides/slide9.xml><?xml version="1.0" encoding="utf-8"?>
 <p:sld xmlns:a="http://schemas.openxmlformats.org/drawingml/2006/main" xmlns:r="http://schemas.openxmlformats.org/officeDocument/2006/relationships" xmlns:p="http://schemas.openxmlformats.org/presentationml/2006/main">
   <p:cSld>
     <p:spTree>
@@ -13710,205 +14024,6 @@
     <p:extLst>
       <p:ext uri="{BB962C8B-B14F-4D97-AF65-F5344CB8AC3E}">
         <p14:creationId xmlns:p14="http://schemas.microsoft.com/office/powerpoint/2010/main" val="2657178138"/>
-      </p:ext>
-    </p:extLst>
-  </p:cSld>
-  <p:clrMapOvr>
-    <a:masterClrMapping/>
-  </p:clrMapOvr>
-</p:sld>
-</file>
-
-<file path=ppt/slides/slide9.xml><?xml version="1.0" encoding="utf-8"?>
-<p:sld xmlns:a="http://schemas.openxmlformats.org/drawingml/2006/main" xmlns:r="http://schemas.openxmlformats.org/officeDocument/2006/relationships" xmlns:p="http://schemas.openxmlformats.org/presentationml/2006/main">
-  <p:cSld>
-    <p:spTree>
-      <p:nvGrpSpPr>
-        <p:cNvPr id="1" name=""/>
-        <p:cNvGrpSpPr/>
-        <p:nvPr/>
-      </p:nvGrpSpPr>
-      <p:grpSpPr>
-        <a:xfrm>
-          <a:off x="0" y="0"/>
-          <a:ext cx="0" cy="0"/>
-          <a:chOff x="0" y="0"/>
-          <a:chExt cx="0" cy="0"/>
-        </a:xfrm>
-      </p:grpSpPr>
-      <p:sp>
-        <p:nvSpPr>
-          <p:cNvPr id="2" name="Title 1">
-            <a:extLst>
-              <a:ext uri="{FF2B5EF4-FFF2-40B4-BE49-F238E27FC236}">
-                <a16:creationId xmlns:a16="http://schemas.microsoft.com/office/drawing/2014/main" id="{5310DE1A-4192-5553-29B5-6BA6656017A3}"/>
-              </a:ext>
-            </a:extLst>
-          </p:cNvPr>
-          <p:cNvSpPr>
-            <a:spLocks noGrp="1"/>
-          </p:cNvSpPr>
-          <p:nvPr>
-            <p:ph type="title"/>
-          </p:nvPr>
-        </p:nvSpPr>
-        <p:spPr/>
-        <p:txBody>
-          <a:bodyPr/>
-          <a:lstStyle/>
-          <a:p>
-            <a:r>
-              <a:rPr lang="en-US" dirty="0"/>
-              <a:t>Massachusetts Department of Public Health (MDPH)</a:t>
-            </a:r>
-          </a:p>
-        </p:txBody>
-      </p:sp>
-      <p:sp>
-        <p:nvSpPr>
-          <p:cNvPr id="3" name="Content Placeholder 2">
-            <a:extLst>
-              <a:ext uri="{FF2B5EF4-FFF2-40B4-BE49-F238E27FC236}">
-                <a16:creationId xmlns:a16="http://schemas.microsoft.com/office/drawing/2014/main" id="{5EC2C4E6-C8FD-D740-3ACD-1622C342669E}"/>
-              </a:ext>
-            </a:extLst>
-          </p:cNvPr>
-          <p:cNvSpPr>
-            <a:spLocks noGrp="1"/>
-          </p:cNvSpPr>
-          <p:nvPr>
-            <p:ph idx="1"/>
-          </p:nvPr>
-        </p:nvSpPr>
-        <p:spPr/>
-        <p:txBody>
-          <a:bodyPr>
-            <a:normAutofit fontScale="92500" lnSpcReduction="10000"/>
-          </a:bodyPr>
-          <a:lstStyle/>
-          <a:p>
-            <a:r>
-              <a:rPr lang="en-US" dirty="0"/>
-              <a:t>Goals</a:t>
-            </a:r>
-          </a:p>
-          <a:p>
-            <a:pPr marL="971550" lvl="1" indent="-514350">
-              <a:buFont typeface="+mj-lt"/>
-              <a:buAutoNum type="arabicPeriod"/>
-            </a:pPr>
-            <a:r>
-              <a:rPr lang="en-US" dirty="0"/>
-              <a:t>Identify actionable Policy Insights for MDPH</a:t>
-            </a:r>
-          </a:p>
-          <a:p>
-            <a:pPr marL="971550" lvl="1" indent="-514350">
-              <a:buFont typeface="+mj-lt"/>
-              <a:buAutoNum type="arabicPeriod"/>
-            </a:pPr>
-            <a:r>
-              <a:rPr lang="en-US" dirty="0"/>
-              <a:t>Empower insurers to structure premiums based on evidence rather than assumptions</a:t>
-            </a:r>
-          </a:p>
-          <a:p>
-            <a:r>
-              <a:rPr lang="en-US" dirty="0"/>
-              <a:t>Variables</a:t>
-            </a:r>
-          </a:p>
-          <a:p>
-            <a:pPr marL="971550" lvl="1" indent="-514350">
-              <a:buFont typeface="+mj-lt"/>
-              <a:buAutoNum type="arabicPeriod"/>
-            </a:pPr>
-            <a:r>
-              <a:rPr lang="en-US" dirty="0"/>
-              <a:t>Sex, Smoking Habits, Region </a:t>
-            </a:r>
-          </a:p>
-          <a:p>
-            <a:pPr marL="971550" lvl="1" indent="-514350">
-              <a:buFont typeface="+mj-lt"/>
-              <a:buAutoNum type="arabicPeriod"/>
-            </a:pPr>
-            <a:r>
-              <a:rPr lang="en-US" dirty="0"/>
-              <a:t>Age, BMI, Dependents</a:t>
-            </a:r>
-          </a:p>
-          <a:p>
-            <a:pPr marL="971550" lvl="1" indent="-514350">
-              <a:buFont typeface="+mj-lt"/>
-              <a:buAutoNum type="arabicPeriod"/>
-            </a:pPr>
-            <a:r>
-              <a:rPr lang="en-US" dirty="0"/>
-              <a:t>Insurance Charges</a:t>
-            </a:r>
-          </a:p>
-        </p:txBody>
-      </p:sp>
-      <p:sp>
-        <p:nvSpPr>
-          <p:cNvPr id="4" name="Text Placeholder 3">
-            <a:extLst>
-              <a:ext uri="{FF2B5EF4-FFF2-40B4-BE49-F238E27FC236}">
-                <a16:creationId xmlns:a16="http://schemas.microsoft.com/office/drawing/2014/main" id="{434C140E-6C65-A811-E965-00A3ABEE9232}"/>
-              </a:ext>
-            </a:extLst>
-          </p:cNvPr>
-          <p:cNvSpPr>
-            <a:spLocks noGrp="1"/>
-          </p:cNvSpPr>
-          <p:nvPr>
-            <p:ph type="body" sz="half" idx="2"/>
-          </p:nvPr>
-        </p:nvSpPr>
-        <p:spPr/>
-        <p:txBody>
-          <a:bodyPr/>
-          <a:lstStyle/>
-          <a:p>
-            <a:r>
-              <a:rPr lang="en-US" dirty="0"/>
-              <a:t>Identifying key factors driving health insurance charges.</a:t>
-            </a:r>
-          </a:p>
-          <a:p>
-            <a:endParaRPr lang="en-US" dirty="0"/>
-          </a:p>
-          <a:p>
-            <a:endParaRPr lang="en-US" b="1" dirty="0"/>
-          </a:p>
-          <a:p>
-            <a:endParaRPr lang="en-US" b="1" dirty="0"/>
-          </a:p>
-          <a:p>
-            <a:endParaRPr lang="en-US" b="1" dirty="0"/>
-          </a:p>
-          <a:p>
-            <a:endParaRPr lang="en-US" b="1" dirty="0"/>
-          </a:p>
-          <a:p>
-            <a:endParaRPr lang="en-US" b="1" dirty="0"/>
-          </a:p>
-          <a:p>
-            <a:endParaRPr lang="en-US" b="1" dirty="0"/>
-          </a:p>
-          <a:p>
-            <a:r>
-              <a:rPr lang="en-US" b="1" dirty="0"/>
-              <a:t>NOTE: Fictional Case Study</a:t>
-            </a:r>
-          </a:p>
-        </p:txBody>
-      </p:sp>
-    </p:spTree>
-    <p:extLst>
-      <p:ext uri="{BB962C8B-B14F-4D97-AF65-F5344CB8AC3E}">
-        <p14:creationId xmlns:p14="http://schemas.microsoft.com/office/powerpoint/2010/main" val="2681427100"/>
       </p:ext>
     </p:extLst>
   </p:cSld>
